--- a/slides/ohtani_tj.pptx
+++ b/slides/ohtani_tj.pptx
@@ -27,6 +27,8 @@
     <p:sldId id="266" r:id="rId21"/>
     <p:sldId id="267" r:id="rId22"/>
     <p:sldId id="270" r:id="rId23"/>
+    <p:sldId id="280" r:id="rId24"/>
+    <p:sldId id="281" r:id="rId25"/>
   </p:sldIdLst>
   <p:sldSz cx="12192000" cy="6858000"/>
   <p:notesSz cx="6858000" cy="9144000"/>
@@ -264,7 +266,7 @@
           <a:p>
             <a:fld id="{CE08E82F-1428-4D30-A9B8-785588B5A09D}" type="datetimeFigureOut">
               <a:rPr kumimoji="1" lang="ja-JP" altLang="en-US" smtClean="0"/>
-              <a:t>2022/1/15</a:t>
+              <a:t>2022/1/16</a:t>
             </a:fld>
             <a:endParaRPr kumimoji="1" lang="ja-JP" altLang="en-US"/>
           </a:p>
@@ -466,7 +468,7 @@
           <a:p>
             <a:fld id="{CE08E82F-1428-4D30-A9B8-785588B5A09D}" type="datetimeFigureOut">
               <a:rPr kumimoji="1" lang="ja-JP" altLang="en-US" smtClean="0"/>
-              <a:t>2022/1/15</a:t>
+              <a:t>2022/1/16</a:t>
             </a:fld>
             <a:endParaRPr kumimoji="1" lang="ja-JP" altLang="en-US"/>
           </a:p>
@@ -678,7 +680,7 @@
           <a:p>
             <a:fld id="{CE08E82F-1428-4D30-A9B8-785588B5A09D}" type="datetimeFigureOut">
               <a:rPr kumimoji="1" lang="ja-JP" altLang="en-US" smtClean="0"/>
-              <a:t>2022/1/15</a:t>
+              <a:t>2022/1/16</a:t>
             </a:fld>
             <a:endParaRPr kumimoji="1" lang="ja-JP" altLang="en-US"/>
           </a:p>
@@ -994,7 +996,7 @@
               <a:pPr defTabSz="1219170">
                 <a:defRPr/>
               </a:pPr>
-              <a:t>2022/1/15</a:t>
+              <a:t>2022/1/16</a:t>
             </a:fld>
             <a:endParaRPr lang="ja-JP" altLang="en-US">
               <a:solidFill>
@@ -1253,7 +1255,7 @@
               <a:pPr defTabSz="1219170">
                 <a:defRPr/>
               </a:pPr>
-              <a:t>2022/1/15</a:t>
+              <a:t>2022/1/16</a:t>
             </a:fld>
             <a:endParaRPr lang="ja-JP" altLang="en-US">
               <a:solidFill>
@@ -1616,7 +1618,7 @@
               <a:pPr defTabSz="1219170">
                 <a:defRPr/>
               </a:pPr>
-              <a:t>2022/1/15</a:t>
+              <a:t>2022/1/16</a:t>
             </a:fld>
             <a:endParaRPr lang="ja-JP" altLang="en-US">
               <a:solidFill>
@@ -2025,7 +2027,7 @@
               <a:pPr defTabSz="1219170">
                 <a:defRPr/>
               </a:pPr>
-              <a:t>2022/1/15</a:t>
+              <a:t>2022/1/16</a:t>
             </a:fld>
             <a:endParaRPr lang="ja-JP" altLang="en-US">
               <a:solidFill>
@@ -2568,7 +2570,7 @@
               <a:pPr defTabSz="1219170">
                 <a:defRPr/>
               </a:pPr>
-              <a:t>2022/1/15</a:t>
+              <a:t>2022/1/16</a:t>
             </a:fld>
             <a:endParaRPr lang="ja-JP" altLang="en-US">
               <a:solidFill>
@@ -2743,7 +2745,7 @@
               <a:pPr defTabSz="1219170">
                 <a:defRPr/>
               </a:pPr>
-              <a:t>2022/1/15</a:t>
+              <a:t>2022/1/16</a:t>
             </a:fld>
             <a:endParaRPr lang="ja-JP" altLang="en-US">
               <a:solidFill>
@@ -2895,7 +2897,7 @@
               <a:pPr defTabSz="1219170">
                 <a:defRPr/>
               </a:pPr>
-              <a:t>2022/1/15</a:t>
+              <a:t>2022/1/16</a:t>
             </a:fld>
             <a:endParaRPr lang="ja-JP" altLang="en-US">
               <a:solidFill>
@@ -3261,7 +3263,7 @@
               <a:pPr defTabSz="1219170">
                 <a:defRPr/>
               </a:pPr>
-              <a:t>2022/1/15</a:t>
+              <a:t>2022/1/16</a:t>
             </a:fld>
             <a:endParaRPr lang="ja-JP" altLang="en-US">
               <a:solidFill>
@@ -3504,7 +3506,7 @@
           <a:p>
             <a:fld id="{CE08E82F-1428-4D30-A9B8-785588B5A09D}" type="datetimeFigureOut">
               <a:rPr kumimoji="1" lang="ja-JP" altLang="en-US" smtClean="0"/>
-              <a:t>2022/1/15</a:t>
+              <a:t>2022/1/16</a:t>
             </a:fld>
             <a:endParaRPr kumimoji="1" lang="ja-JP" altLang="en-US"/>
           </a:p>
@@ -3776,7 +3778,7 @@
               <a:pPr defTabSz="1219170">
                 <a:defRPr/>
               </a:pPr>
-              <a:t>2022/1/15</a:t>
+              <a:t>2022/1/16</a:t>
             </a:fld>
             <a:endParaRPr lang="ja-JP" altLang="en-US">
               <a:solidFill>
@@ -4035,7 +4037,7 @@
               <a:pPr defTabSz="1219170">
                 <a:defRPr/>
               </a:pPr>
-              <a:t>2022/1/15</a:t>
+              <a:t>2022/1/16</a:t>
             </a:fld>
             <a:endParaRPr lang="ja-JP" altLang="en-US">
               <a:solidFill>
@@ -4304,7 +4306,7 @@
               <a:pPr defTabSz="1219170">
                 <a:defRPr/>
               </a:pPr>
-              <a:t>2022/1/15</a:t>
+              <a:t>2022/1/16</a:t>
             </a:fld>
             <a:endParaRPr lang="ja-JP" altLang="en-US">
               <a:solidFill>
@@ -4591,7 +4593,7 @@
           <a:p>
             <a:fld id="{CE08E82F-1428-4D30-A9B8-785588B5A09D}" type="datetimeFigureOut">
               <a:rPr kumimoji="1" lang="ja-JP" altLang="en-US" smtClean="0"/>
-              <a:t>2022/1/15</a:t>
+              <a:t>2022/1/16</a:t>
             </a:fld>
             <a:endParaRPr kumimoji="1" lang="ja-JP" altLang="en-US"/>
           </a:p>
@@ -4887,7 +4889,7 @@
           <a:p>
             <a:fld id="{CE08E82F-1428-4D30-A9B8-785588B5A09D}" type="datetimeFigureOut">
               <a:rPr kumimoji="1" lang="ja-JP" altLang="en-US" smtClean="0"/>
-              <a:t>2022/1/15</a:t>
+              <a:t>2022/1/16</a:t>
             </a:fld>
             <a:endParaRPr kumimoji="1" lang="ja-JP" altLang="en-US"/>
           </a:p>
@@ -5318,7 +5320,7 @@
           <a:p>
             <a:fld id="{CE08E82F-1428-4D30-A9B8-785588B5A09D}" type="datetimeFigureOut">
               <a:rPr kumimoji="1" lang="ja-JP" altLang="en-US" smtClean="0"/>
-              <a:t>2022/1/15</a:t>
+              <a:t>2022/1/16</a:t>
             </a:fld>
             <a:endParaRPr kumimoji="1" lang="ja-JP" altLang="en-US"/>
           </a:p>
@@ -5436,7 +5438,7 @@
           <a:p>
             <a:fld id="{CE08E82F-1428-4D30-A9B8-785588B5A09D}" type="datetimeFigureOut">
               <a:rPr kumimoji="1" lang="ja-JP" altLang="en-US" smtClean="0"/>
-              <a:t>2022/1/15</a:t>
+              <a:t>2022/1/16</a:t>
             </a:fld>
             <a:endParaRPr kumimoji="1" lang="ja-JP" altLang="en-US"/>
           </a:p>
@@ -5531,7 +5533,7 @@
           <a:p>
             <a:fld id="{CE08E82F-1428-4D30-A9B8-785588B5A09D}" type="datetimeFigureOut">
               <a:rPr kumimoji="1" lang="ja-JP" altLang="en-US" smtClean="0"/>
-              <a:t>2022/1/15</a:t>
+              <a:t>2022/1/16</a:t>
             </a:fld>
             <a:endParaRPr kumimoji="1" lang="ja-JP" altLang="en-US"/>
           </a:p>
@@ -5840,7 +5842,7 @@
           <a:p>
             <a:fld id="{CE08E82F-1428-4D30-A9B8-785588B5A09D}" type="datetimeFigureOut">
               <a:rPr kumimoji="1" lang="ja-JP" altLang="en-US" smtClean="0"/>
-              <a:t>2022/1/15</a:t>
+              <a:t>2022/1/16</a:t>
             </a:fld>
             <a:endParaRPr kumimoji="1" lang="ja-JP" altLang="en-US"/>
           </a:p>
@@ -6093,7 +6095,7 @@
           <a:p>
             <a:fld id="{CE08E82F-1428-4D30-A9B8-785588B5A09D}" type="datetimeFigureOut">
               <a:rPr kumimoji="1" lang="ja-JP" altLang="en-US" smtClean="0"/>
-              <a:t>2022/1/15</a:t>
+              <a:t>2022/1/16</a:t>
             </a:fld>
             <a:endParaRPr kumimoji="1" lang="ja-JP" altLang="en-US"/>
           </a:p>
@@ -6338,7 +6340,7 @@
           <a:p>
             <a:fld id="{CE08E82F-1428-4D30-A9B8-785588B5A09D}" type="datetimeFigureOut">
               <a:rPr kumimoji="1" lang="ja-JP" altLang="en-US" smtClean="0"/>
-              <a:t>2022/1/15</a:t>
+              <a:t>2022/1/16</a:t>
             </a:fld>
             <a:endParaRPr kumimoji="1" lang="ja-JP" altLang="en-US"/>
           </a:p>
@@ -7091,7 +7093,7 @@
               <a:pPr defTabSz="1219170">
                 <a:defRPr/>
               </a:pPr>
-              <a:t>2022/1/15</a:t>
+              <a:t>2022/1/16</a:t>
             </a:fld>
             <a:endParaRPr lang="ja-JP" altLang="en-US">
               <a:solidFill>
@@ -7795,21 +7797,51 @@
           <a:p>
             <a:pPr eaLnBrk="1" hangingPunct="1"/>
             <a:r>
-              <a:rPr lang="en-US" altLang="ja-JP" sz="3733" dirty="0" err="1"/>
+              <a:rPr lang="en-US" altLang="ja-JP" sz="2000" dirty="0" smtClean="0"/>
+              <a:t>Shogo </a:t>
+            </a:r>
+            <a:r>
+              <a:rPr lang="en-US" altLang="ja-JP" sz="2000" dirty="0" err="1" smtClean="0"/>
+              <a:t>Ikari</a:t>
+            </a:r>
+            <a:r>
+              <a:rPr lang="en-US" altLang="ja-JP" sz="2000" dirty="0" smtClean="0"/>
+              <a:t>,</a:t>
+            </a:r>
+          </a:p>
+          <a:p>
+            <a:pPr eaLnBrk="1" hangingPunct="1"/>
+            <a:r>
+              <a:rPr lang="en-US" altLang="ja-JP" sz="2000" dirty="0" err="1" smtClean="0"/>
+              <a:t>Takahito</a:t>
+            </a:r>
+            <a:r>
+              <a:rPr lang="en-US" altLang="ja-JP" sz="2000" dirty="0" smtClean="0"/>
+              <a:t> Nishimoto, and</a:t>
+            </a:r>
+          </a:p>
+          <a:p>
+            <a:pPr eaLnBrk="1" hangingPunct="1"/>
+            <a:r>
+              <a:rPr lang="en-US" altLang="ja-JP" sz="2000" dirty="0" err="1" smtClean="0"/>
               <a:t>Reio</a:t>
             </a:r>
             <a:r>
-              <a:rPr lang="en-US" altLang="ja-JP" sz="3733" dirty="0"/>
-              <a:t> TANJI</a:t>
-            </a:r>
+              <a:rPr lang="en-US" altLang="ja-JP" sz="2000" dirty="0" smtClean="0"/>
+              <a:t> </a:t>
+            </a:r>
+            <a:r>
+              <a:rPr lang="en-US" altLang="ja-JP" sz="2000" dirty="0" err="1" smtClean="0"/>
+              <a:t>Tanji</a:t>
+            </a:r>
+            <a:endParaRPr lang="en-US" altLang="ja-JP" sz="2000" dirty="0" smtClean="0"/>
           </a:p>
           <a:p>
             <a:pPr eaLnBrk="1" hangingPunct="1"/>
             <a:r>
-              <a:rPr lang="en-US" altLang="ja-JP" sz="2400" dirty="0"/>
-              <a:t>Osaka Univ., Graduate School of Economics</a:t>
-            </a:r>
-            <a:endParaRPr lang="ja-JP" altLang="en-US" sz="3733" dirty="0"/>
+              <a:rPr lang="en-US" altLang="ja-JP" sz="2000" dirty="0" smtClean="0"/>
+              <a:t>Osaka University</a:t>
+            </a:r>
           </a:p>
         </p:txBody>
       </p:sp>
@@ -9302,6 +9334,442 @@
 </p:sld>
 </file>
 
+<file path=ppt/slides/slide22.xml><?xml version="1.0" encoding="utf-8"?>
+<p:sld xmlns:a="http://schemas.openxmlformats.org/drawingml/2006/main" xmlns:r="http://schemas.openxmlformats.org/officeDocument/2006/relationships" xmlns:p="http://schemas.openxmlformats.org/presentationml/2006/main">
+  <p:cSld>
+    <p:spTree>
+      <p:nvGrpSpPr>
+        <p:cNvPr id="1" name=""/>
+        <p:cNvGrpSpPr/>
+        <p:nvPr/>
+      </p:nvGrpSpPr>
+      <p:grpSpPr>
+        <a:xfrm>
+          <a:off x="0" y="0"/>
+          <a:ext cx="0" cy="0"/>
+          <a:chOff x="0" y="0"/>
+          <a:chExt cx="0" cy="0"/>
+        </a:xfrm>
+      </p:grpSpPr>
+      <p:sp>
+        <p:nvSpPr>
+          <p:cNvPr id="2" name="タイトル 1"/>
+          <p:cNvSpPr>
+            <a:spLocks noGrp="1"/>
+          </p:cNvSpPr>
+          <p:nvPr>
+            <p:ph type="title"/>
+          </p:nvPr>
+        </p:nvSpPr>
+        <p:spPr/>
+        <p:txBody>
+          <a:bodyPr/>
+          <a:lstStyle/>
+          <a:p>
+            <a:r>
+              <a:rPr lang="ja-JP" altLang="en-US" dirty="0" smtClean="0"/>
+              <a:t>ストライク判定について</a:t>
+            </a:r>
+            <a:endParaRPr kumimoji="1" lang="ja-JP" altLang="en-US" dirty="0"/>
+          </a:p>
+        </p:txBody>
+      </p:sp>
+      <p:sp>
+        <p:nvSpPr>
+          <p:cNvPr id="3" name="コンテンツ プレースホルダー 2"/>
+          <p:cNvSpPr>
+            <a:spLocks noGrp="1"/>
+          </p:cNvSpPr>
+          <p:nvPr>
+            <p:ph idx="1"/>
+          </p:nvPr>
+        </p:nvSpPr>
+        <p:spPr>
+          <a:xfrm>
+            <a:off x="609600" y="1600201"/>
+            <a:ext cx="10972800" cy="4809743"/>
+          </a:xfrm>
+        </p:spPr>
+        <p:txBody>
+          <a:bodyPr/>
+          <a:lstStyle/>
+          <a:p>
+            <a:r>
+              <a:rPr lang="ja-JP" altLang="en-US" sz="2400" dirty="0" smtClean="0"/>
+              <a:t>投打のピッチコールに偏りがあるか</a:t>
+            </a:r>
+            <a:endParaRPr lang="en-US" altLang="ja-JP" sz="2400" dirty="0" smtClean="0"/>
+          </a:p>
+          <a:p>
+            <a:pPr lvl="1"/>
+            <a:r>
+              <a:rPr lang="ja-JP" altLang="en-US" sz="2000" dirty="0" smtClean="0"/>
+              <a:t>ミスジャッジの割合</a:t>
+            </a:r>
+            <a:endParaRPr lang="en-US" altLang="ja-JP" sz="2000" dirty="0" smtClean="0"/>
+          </a:p>
+          <a:p>
+            <a:pPr lvl="2"/>
+            <a:r>
+              <a:rPr lang="ja-JP" altLang="en-US" sz="2000" dirty="0" smtClean="0"/>
+              <a:t>打者：</a:t>
+            </a:r>
+            <a:r>
+              <a:rPr lang="en-US" altLang="ja-JP" sz="2000" dirty="0" smtClean="0"/>
+              <a:t>Type II error (</a:t>
+            </a:r>
+            <a:r>
+              <a:rPr lang="ja-JP" altLang="en-US" sz="2000" dirty="0" smtClean="0"/>
+              <a:t>定義上ボールの投球をストライクと判定</a:t>
+            </a:r>
+            <a:r>
+              <a:rPr lang="en-US" altLang="ja-JP" sz="2000" dirty="0" smtClean="0"/>
+              <a:t>)</a:t>
+            </a:r>
+          </a:p>
+          <a:p>
+            <a:pPr lvl="2"/>
+            <a:r>
+              <a:rPr lang="ja-JP" altLang="en-US" sz="2000" dirty="0" smtClean="0"/>
+              <a:t>投手：</a:t>
+            </a:r>
+            <a:r>
+              <a:rPr lang="en-US" altLang="ja-JP" sz="2000" dirty="0" smtClean="0"/>
+              <a:t>Type I error (</a:t>
+            </a:r>
+            <a:r>
+              <a:rPr lang="ja-JP" altLang="en-US" sz="2000" dirty="0" smtClean="0"/>
+              <a:t>同じくストライクの投球をボールと判定</a:t>
+            </a:r>
+            <a:r>
+              <a:rPr lang="en-US" altLang="ja-JP" sz="2000" dirty="0" smtClean="0"/>
+              <a:t>)</a:t>
+            </a:r>
+          </a:p>
+          <a:p>
+            <a:pPr lvl="1"/>
+            <a:r>
+              <a:rPr lang="ja-JP" altLang="en-US" sz="2000" dirty="0"/>
+              <a:t>平均的</a:t>
+            </a:r>
+            <a:r>
+              <a:rPr lang="ja-JP" altLang="en-US" sz="2000" dirty="0" smtClean="0"/>
+              <a:t>なストライクコール確率からの乖離</a:t>
+            </a:r>
+            <a:endParaRPr lang="en-US" altLang="ja-JP" sz="2000" dirty="0" smtClean="0"/>
+          </a:p>
+          <a:p>
+            <a:pPr lvl="2"/>
+            <a:r>
+              <a:rPr lang="ja-JP" altLang="en-US" sz="2000" dirty="0" smtClean="0"/>
+              <a:t>打者の左右・カウント別に、投球の通過位置を表す二次元の変数</a:t>
+            </a:r>
+            <a:r>
+              <a:rPr lang="en-US" altLang="ja-JP" sz="2000" dirty="0" smtClean="0"/>
+              <a:t>(</a:t>
+            </a:r>
+            <a:r>
+              <a:rPr lang="en-US" altLang="ja-JP" sz="2000" dirty="0" err="1" smtClean="0"/>
+              <a:t>plate_x</a:t>
+            </a:r>
+            <a:r>
+              <a:rPr lang="en-US" altLang="ja-JP" sz="2000" dirty="0" smtClean="0"/>
+              <a:t>, </a:t>
+            </a:r>
+            <a:r>
+              <a:rPr lang="en-US" altLang="ja-JP" sz="2000" dirty="0" err="1" smtClean="0"/>
+              <a:t>plate_z</a:t>
+            </a:r>
+            <a:r>
+              <a:rPr lang="en-US" altLang="ja-JP" sz="2000" dirty="0" smtClean="0"/>
+              <a:t>)</a:t>
+            </a:r>
+            <a:r>
+              <a:rPr lang="ja-JP" altLang="en-US" sz="2000" dirty="0" smtClean="0"/>
+              <a:t>からその投球の平均的なストライクコール確率を算出</a:t>
+            </a:r>
+            <a:r>
+              <a:rPr lang="en-US" altLang="ja-JP" sz="2000" dirty="0" smtClean="0"/>
+              <a:t>(</a:t>
+            </a:r>
+            <a:r>
+              <a:rPr lang="ja-JP" altLang="en-US" sz="2000" dirty="0" smtClean="0"/>
+              <a:t>一般化加法モデルを利用</a:t>
+            </a:r>
+            <a:r>
+              <a:rPr lang="en-US" altLang="ja-JP" sz="2000" dirty="0" smtClean="0"/>
+              <a:t>)</a:t>
+            </a:r>
+          </a:p>
+          <a:p>
+            <a:pPr lvl="2"/>
+            <a:r>
+              <a:rPr lang="ja-JP" altLang="en-US" sz="2000" dirty="0" smtClean="0"/>
+              <a:t>実際にコールされたストライクを</a:t>
+            </a:r>
+            <a:r>
+              <a:rPr lang="en-US" altLang="ja-JP" sz="2000" dirty="0" smtClean="0"/>
+              <a:t>1, </a:t>
+            </a:r>
+            <a:r>
+              <a:rPr lang="ja-JP" altLang="en-US" sz="2000" dirty="0" smtClean="0"/>
+              <a:t>ボールを</a:t>
+            </a:r>
+            <a:r>
+              <a:rPr lang="en-US" altLang="ja-JP" sz="2000" dirty="0" smtClean="0"/>
+              <a:t>0</a:t>
+            </a:r>
+            <a:r>
+              <a:rPr lang="ja-JP" altLang="en-US" sz="2000" dirty="0" smtClean="0"/>
+              <a:t>とするダミー変数を作成し、これと平均的なストライクコール確率との差を選手ごとに集計する</a:t>
+            </a:r>
+            <a:endParaRPr lang="en-US" altLang="ja-JP" sz="2000" dirty="0" smtClean="0"/>
+          </a:p>
+          <a:p>
+            <a:pPr lvl="2"/>
+            <a:r>
+              <a:rPr lang="ja-JP" altLang="en-US" sz="2000" dirty="0"/>
+              <a:t>値</a:t>
+            </a:r>
+            <a:r>
+              <a:rPr lang="ja-JP" altLang="en-US" sz="2000" dirty="0" smtClean="0"/>
+              <a:t>がプラス：実際のコールが平均的なストライクコールの確率より高い</a:t>
+            </a:r>
+            <a:endParaRPr lang="en-US" altLang="ja-JP" sz="2000" dirty="0" smtClean="0"/>
+          </a:p>
+          <a:p>
+            <a:pPr lvl="1"/>
+            <a:r>
+              <a:rPr lang="ja-JP" altLang="en-US" sz="2000" dirty="0" smtClean="0"/>
+              <a:t>得点貢献：上記の手順で算出したストライクコール確率を用いて、投球を見送った時の得点期待値変動の平均を算出→実際に起こった得点確率の増減との差を取る</a:t>
+            </a:r>
+            <a:endParaRPr lang="en-US" altLang="ja-JP" sz="2000" dirty="0" smtClean="0"/>
+          </a:p>
+        </p:txBody>
+      </p:sp>
+    </p:spTree>
+    <p:extLst>
+      <p:ext uri="{BB962C8B-B14F-4D97-AF65-F5344CB8AC3E}">
+        <p14:creationId xmlns:p14="http://schemas.microsoft.com/office/powerpoint/2010/main" val="3340939788"/>
+      </p:ext>
+    </p:extLst>
+  </p:cSld>
+  <p:clrMapOvr>
+    <a:masterClrMapping/>
+  </p:clrMapOvr>
+</p:sld>
+</file>
+
+<file path=ppt/slides/slide23.xml><?xml version="1.0" encoding="utf-8"?>
+<p:sld xmlns:a="http://schemas.openxmlformats.org/drawingml/2006/main" xmlns:r="http://schemas.openxmlformats.org/officeDocument/2006/relationships" xmlns:p="http://schemas.openxmlformats.org/presentationml/2006/main">
+  <p:cSld>
+    <p:spTree>
+      <p:nvGrpSpPr>
+        <p:cNvPr id="1" name=""/>
+        <p:cNvGrpSpPr/>
+        <p:nvPr/>
+      </p:nvGrpSpPr>
+      <p:grpSpPr>
+        <a:xfrm>
+          <a:off x="0" y="0"/>
+          <a:ext cx="0" cy="0"/>
+          <a:chOff x="0" y="0"/>
+          <a:chExt cx="0" cy="0"/>
+        </a:xfrm>
+      </p:grpSpPr>
+      <p:sp>
+        <p:nvSpPr>
+          <p:cNvPr id="2" name="タイトル 1"/>
+          <p:cNvSpPr>
+            <a:spLocks noGrp="1"/>
+          </p:cNvSpPr>
+          <p:nvPr>
+            <p:ph type="title"/>
+          </p:nvPr>
+        </p:nvSpPr>
+        <p:spPr/>
+        <p:txBody>
+          <a:bodyPr/>
+          <a:lstStyle/>
+          <a:p>
+            <a:r>
+              <a:rPr kumimoji="1" lang="ja-JP" altLang="en-US" dirty="0" smtClean="0"/>
+              <a:t>結果</a:t>
+            </a:r>
+            <a:endParaRPr kumimoji="1" lang="ja-JP" altLang="en-US" dirty="0"/>
+          </a:p>
+        </p:txBody>
+      </p:sp>
+      <p:sp>
+        <p:nvSpPr>
+          <p:cNvPr id="3" name="コンテンツ プレースホルダー 2"/>
+          <p:cNvSpPr>
+            <a:spLocks noGrp="1"/>
+          </p:cNvSpPr>
+          <p:nvPr>
+            <p:ph idx="1"/>
+          </p:nvPr>
+        </p:nvSpPr>
+        <p:spPr/>
+        <p:txBody>
+          <a:bodyPr/>
+          <a:lstStyle/>
+          <a:p>
+            <a:r>
+              <a:rPr lang="ja-JP" altLang="en-US" sz="2400" dirty="0" smtClean="0"/>
+              <a:t>野手</a:t>
+            </a:r>
+            <a:endParaRPr lang="en-US" altLang="ja-JP" sz="2400" dirty="0" smtClean="0"/>
+          </a:p>
+          <a:p>
+            <a:pPr lvl="1"/>
+            <a:r>
+              <a:rPr lang="ja-JP" altLang="en-US" sz="2000" dirty="0" smtClean="0"/>
+              <a:t>打席に立った際の</a:t>
+            </a:r>
+            <a:r>
+              <a:rPr lang="en-US" altLang="ja-JP" sz="2000" dirty="0" smtClean="0"/>
+              <a:t>Type II error: 79</a:t>
+            </a:r>
+            <a:r>
+              <a:rPr lang="ja-JP" altLang="en-US" sz="2000" dirty="0" smtClean="0"/>
+              <a:t>球、</a:t>
+            </a:r>
+            <a:r>
+              <a:rPr lang="en-US" altLang="ja-JP" sz="2000" dirty="0" smtClean="0"/>
+              <a:t>5.90%</a:t>
+            </a:r>
+            <a:r>
+              <a:rPr lang="ja-JP" altLang="en-US" sz="2000" dirty="0" smtClean="0"/>
+              <a:t>は</a:t>
+            </a:r>
+            <a:r>
+              <a:rPr lang="en-US" altLang="ja-JP" sz="2000" dirty="0" smtClean="0"/>
+              <a:t>500</a:t>
+            </a:r>
+            <a:r>
+              <a:rPr lang="ja-JP" altLang="en-US" sz="2000" dirty="0" smtClean="0"/>
+              <a:t>球以上のピッチコールがあった打者の中で</a:t>
+            </a:r>
+            <a:r>
+              <a:rPr lang="en-US" altLang="ja-JP" sz="2000" dirty="0" smtClean="0"/>
+              <a:t>178/298 </a:t>
+            </a:r>
+            <a:r>
+              <a:rPr lang="ja-JP" altLang="en-US" sz="2000" dirty="0" smtClean="0"/>
+              <a:t>位</a:t>
+            </a:r>
+            <a:endParaRPr lang="en-US" altLang="ja-JP" sz="2000" dirty="0" smtClean="0"/>
+          </a:p>
+          <a:p>
+            <a:pPr lvl="1"/>
+            <a:r>
+              <a:rPr lang="ja-JP" altLang="en-US" sz="2000" dirty="0"/>
+              <a:t>平均から</a:t>
+            </a:r>
+            <a:r>
+              <a:rPr lang="ja-JP" altLang="en-US" sz="2000" dirty="0" smtClean="0"/>
+              <a:t>の乖離の合計で測った、</a:t>
+            </a:r>
+            <a:r>
+              <a:rPr lang="en-US" altLang="ja-JP" sz="2000" dirty="0" smtClean="0"/>
+              <a:t>2021</a:t>
+            </a:r>
+            <a:r>
+              <a:rPr lang="ja-JP" altLang="en-US" sz="2000" dirty="0" smtClean="0"/>
+              <a:t>年シーズン中に失ったストライクは</a:t>
+            </a:r>
+            <a:r>
+              <a:rPr lang="en-US" altLang="ja-JP" sz="2000" dirty="0" smtClean="0"/>
+              <a:t>2.52</a:t>
+            </a:r>
+            <a:r>
+              <a:rPr lang="ja-JP" altLang="en-US" sz="2000" dirty="0" smtClean="0"/>
+              <a:t>個</a:t>
+            </a:r>
+            <a:r>
+              <a:rPr lang="en-US" altLang="ja-JP" sz="2000" dirty="0" smtClean="0"/>
+              <a:t>(</a:t>
+            </a:r>
+            <a:r>
+              <a:rPr lang="ja-JP" altLang="en-US" sz="2000" dirty="0" smtClean="0"/>
+              <a:t>同</a:t>
+            </a:r>
+            <a:r>
+              <a:rPr lang="en-US" altLang="ja-JP" sz="2000" dirty="0" smtClean="0"/>
+              <a:t>114</a:t>
+            </a:r>
+            <a:r>
+              <a:rPr lang="ja-JP" altLang="en-US" sz="2000" dirty="0"/>
+              <a:t>位</a:t>
+            </a:r>
+            <a:r>
+              <a:rPr lang="en-US" altLang="ja-JP" sz="2000" dirty="0" smtClean="0"/>
+              <a:t>)</a:t>
+            </a:r>
+          </a:p>
+          <a:p>
+            <a:pPr lvl="1"/>
+            <a:r>
+              <a:rPr lang="ja-JP" altLang="en-US" sz="2000" dirty="0" smtClean="0"/>
+              <a:t>得点期待値の増減は</a:t>
+            </a:r>
+            <a:r>
+              <a:rPr lang="en-US" altLang="ja-JP" sz="2000" dirty="0"/>
+              <a:t>-</a:t>
+            </a:r>
+            <a:r>
+              <a:rPr lang="en-US" altLang="ja-JP" sz="2000" dirty="0" smtClean="0"/>
+              <a:t>0.33(</a:t>
+            </a:r>
+            <a:r>
+              <a:rPr lang="ja-JP" altLang="en-US" sz="2000" dirty="0" smtClean="0"/>
+              <a:t>同</a:t>
+            </a:r>
+            <a:r>
+              <a:rPr lang="en-US" altLang="ja-JP" sz="2000" dirty="0" smtClean="0"/>
+              <a:t>184</a:t>
+            </a:r>
+            <a:r>
+              <a:rPr lang="ja-JP" altLang="en-US" sz="2000" dirty="0" smtClean="0"/>
+              <a:t>位</a:t>
+            </a:r>
+            <a:r>
+              <a:rPr lang="en-US" altLang="ja-JP" sz="2000" dirty="0" smtClean="0"/>
+              <a:t>)</a:t>
+            </a:r>
+          </a:p>
+          <a:p>
+            <a:pPr lvl="1"/>
+            <a:r>
+              <a:rPr lang="ja-JP" altLang="en-US" sz="2000" dirty="0" smtClean="0"/>
+              <a:t>平均と比較</a:t>
+            </a:r>
+            <a:r>
+              <a:rPr lang="ja-JP" altLang="en-US" sz="2000" smtClean="0"/>
+              <a:t>するとほぼニュートラルと言えそう</a:t>
+            </a:r>
+            <a:endParaRPr lang="en-US" altLang="ja-JP" sz="2000" dirty="0" smtClean="0"/>
+          </a:p>
+          <a:p>
+            <a:pPr lvl="1"/>
+            <a:endParaRPr kumimoji="1" lang="ja-JP" altLang="en-US" sz="2000" dirty="0"/>
+          </a:p>
+        </p:txBody>
+      </p:sp>
+    </p:spTree>
+    <p:extLst>
+      <p:ext uri="{BB962C8B-B14F-4D97-AF65-F5344CB8AC3E}">
+        <p14:creationId xmlns:p14="http://schemas.microsoft.com/office/powerpoint/2010/main" val="4198104621"/>
+      </p:ext>
+    </p:extLst>
+  </p:cSld>
+  <p:clrMapOvr>
+    <a:masterClrMapping/>
+  </p:clrMapOvr>
+</p:sld>
+</file>
+
 <file path=ppt/slides/slide3.xml><?xml version="1.0" encoding="utf-8"?>
 <p:sld xmlns:a="http://schemas.openxmlformats.org/drawingml/2006/main" xmlns:r="http://schemas.openxmlformats.org/officeDocument/2006/relationships" xmlns:p="http://schemas.openxmlformats.org/presentationml/2006/main">
   <p:cSld>
@@ -9336,11 +9804,7 @@
           <a:p>
             <a:r>
               <a:rPr kumimoji="1" lang="ja-JP" altLang="en-US" dirty="0" smtClean="0"/>
-              <a:t>投手</a:t>
-            </a:r>
-            <a:r>
-              <a:rPr kumimoji="1" lang="ja-JP" altLang="en-US" dirty="0" smtClean="0"/>
-              <a:t>スタッツ</a:t>
+              <a:t>投手スタッツ</a:t>
             </a:r>
             <a:endParaRPr kumimoji="1" lang="ja-JP" altLang="en-US" dirty="0"/>
           </a:p>
@@ -9369,23 +9833,7 @@
           <a:p>
             <a:r>
               <a:rPr lang="ja-JP" altLang="en-US" sz="2400" dirty="0" smtClean="0"/>
-              <a:t>シーズン</a:t>
-            </a:r>
-            <a:r>
-              <a:rPr lang="ja-JP" altLang="en-US" sz="2400" dirty="0" smtClean="0"/>
-              <a:t>後半にはフォーシームが</a:t>
-            </a:r>
-            <a:r>
-              <a:rPr lang="ja-JP" altLang="en-US" sz="2400" dirty="0" smtClean="0"/>
-              <a:t>カッターやスライダー、スプリットに</a:t>
-            </a:r>
-            <a:r>
-              <a:rPr lang="ja-JP" altLang="en-US" sz="2400" dirty="0" smtClean="0"/>
-              <a:t>置き換わる</a:t>
-            </a:r>
-            <a:r>
-              <a:rPr lang="ja-JP" altLang="en-US" sz="2400" dirty="0" smtClean="0"/>
-              <a:t>：</a:t>
+              <a:t>シーズン後半にはフォーシームがカッターやスライダー、スプリットに置き換わる：</a:t>
             </a:r>
             <a:r>
               <a:rPr lang="ja-JP" altLang="en-US" sz="2400" dirty="0"/>
@@ -10555,12 +11003,12 @@
                     <a:p>
                       <a:pPr algn="l" fontAlgn="ctr"/>
                       <a:r>
-                        <a:rPr lang="en-US" sz="1800" u="none" strike="noStrike">
+                        <a:rPr lang="en-US" sz="1800" u="none" strike="noStrike" dirty="0">
                           <a:effectLst/>
                         </a:rPr>
                         <a:t>Curveball</a:t>
                       </a:r>
-                      <a:endParaRPr lang="en-US" sz="1800" b="0" i="0" u="none" strike="noStrike">
+                      <a:endParaRPr lang="en-US" sz="1800" b="0" i="0" u="none" strike="noStrike" dirty="0">
                         <a:solidFill>
                           <a:srgbClr val="000000"/>
                         </a:solidFill>

--- a/slides/ohtani_tj.pptx
+++ b/slides/ohtani_tj.pptx
@@ -8,27 +8,28 @@
   <p:sldIdLst>
     <p:sldId id="257" r:id="rId3"/>
     <p:sldId id="259" r:id="rId4"/>
-    <p:sldId id="258" r:id="rId5"/>
-    <p:sldId id="271" r:id="rId6"/>
-    <p:sldId id="277" r:id="rId7"/>
-    <p:sldId id="278" r:id="rId8"/>
-    <p:sldId id="279" r:id="rId9"/>
-    <p:sldId id="273" r:id="rId10"/>
-    <p:sldId id="274" r:id="rId11"/>
-    <p:sldId id="276" r:id="rId12"/>
-    <p:sldId id="268" r:id="rId13"/>
-    <p:sldId id="275" r:id="rId14"/>
-    <p:sldId id="269" r:id="rId15"/>
-    <p:sldId id="272" r:id="rId16"/>
-    <p:sldId id="262" r:id="rId17"/>
-    <p:sldId id="264" r:id="rId18"/>
-    <p:sldId id="263" r:id="rId19"/>
-    <p:sldId id="265" r:id="rId20"/>
-    <p:sldId id="266" r:id="rId21"/>
-    <p:sldId id="267" r:id="rId22"/>
-    <p:sldId id="270" r:id="rId23"/>
-    <p:sldId id="280" r:id="rId24"/>
-    <p:sldId id="281" r:id="rId25"/>
+    <p:sldId id="282" r:id="rId5"/>
+    <p:sldId id="258" r:id="rId6"/>
+    <p:sldId id="271" r:id="rId7"/>
+    <p:sldId id="277" r:id="rId8"/>
+    <p:sldId id="278" r:id="rId9"/>
+    <p:sldId id="279" r:id="rId10"/>
+    <p:sldId id="273" r:id="rId11"/>
+    <p:sldId id="274" r:id="rId12"/>
+    <p:sldId id="276" r:id="rId13"/>
+    <p:sldId id="268" r:id="rId14"/>
+    <p:sldId id="275" r:id="rId15"/>
+    <p:sldId id="269" r:id="rId16"/>
+    <p:sldId id="272" r:id="rId17"/>
+    <p:sldId id="262" r:id="rId18"/>
+    <p:sldId id="264" r:id="rId19"/>
+    <p:sldId id="263" r:id="rId20"/>
+    <p:sldId id="265" r:id="rId21"/>
+    <p:sldId id="266" r:id="rId22"/>
+    <p:sldId id="267" r:id="rId23"/>
+    <p:sldId id="270" r:id="rId24"/>
+    <p:sldId id="280" r:id="rId25"/>
+    <p:sldId id="281" r:id="rId26"/>
   </p:sldIdLst>
   <p:sldSz cx="12192000" cy="6858000"/>
   <p:notesSz cx="6858000" cy="9144000"/>
@@ -7966,6 +7967,234 @@
           <a:p>
             <a:r>
               <a:rPr kumimoji="1" lang="ja-JP" altLang="en-US" dirty="0" smtClean="0"/>
+              <a:t>スライダー・カッター</a:t>
+            </a:r>
+            <a:endParaRPr kumimoji="1" lang="ja-JP" altLang="en-US" dirty="0"/>
+          </a:p>
+        </p:txBody>
+      </p:sp>
+      <p:sp>
+        <p:nvSpPr>
+          <p:cNvPr id="3" name="コンテンツ プレースホルダー 2"/>
+          <p:cNvSpPr>
+            <a:spLocks noGrp="1"/>
+          </p:cNvSpPr>
+          <p:nvPr>
+            <p:ph idx="1"/>
+          </p:nvPr>
+        </p:nvSpPr>
+        <p:spPr>
+          <a:xfrm>
+            <a:off x="609600" y="1600201"/>
+            <a:ext cx="10972800" cy="5020055"/>
+          </a:xfrm>
+        </p:spPr>
+        <p:txBody>
+          <a:bodyPr/>
+          <a:lstStyle/>
+          <a:p>
+            <a:r>
+              <a:rPr lang="ja-JP" altLang="en-US" sz="2400" dirty="0" smtClean="0"/>
+              <a:t>スライダー</a:t>
+            </a:r>
+            <a:endParaRPr lang="en-US" altLang="ja-JP" sz="2400" dirty="0" smtClean="0"/>
+          </a:p>
+          <a:p>
+            <a:pPr lvl="1"/>
+            <a:r>
+              <a:rPr lang="ja-JP" altLang="en-US" sz="2000" dirty="0" smtClean="0"/>
+              <a:t>変化球の中で最も投球比率が高く、</a:t>
+            </a:r>
+            <a:endParaRPr lang="en-US" altLang="ja-JP" sz="2000" dirty="0" smtClean="0"/>
+          </a:p>
+          <a:p>
+            <a:pPr lvl="1"/>
+            <a:r>
+              <a:rPr lang="ja-JP" altLang="en-US" sz="2000" dirty="0" smtClean="0"/>
+              <a:t>スライド</a:t>
+            </a:r>
+            <a:r>
+              <a:rPr lang="ja-JP" altLang="en-US" sz="2000" dirty="0"/>
+              <a:t>成分</a:t>
+            </a:r>
+            <a:r>
+              <a:rPr kumimoji="1" lang="en-US" altLang="ja-JP" sz="2000" dirty="0" smtClean="0"/>
+              <a:t>40cm</a:t>
+            </a:r>
+            <a:r>
+              <a:rPr kumimoji="1" lang="ja-JP" altLang="en-US" sz="2000" dirty="0" smtClean="0"/>
+              <a:t>と平均を大きく上回る横滑りのスライダー。球速は平均を下回るため、対フォーシームの球速比で言えばやや遅めに分類される</a:t>
+            </a:r>
+            <a:endParaRPr kumimoji="1" lang="en-US" altLang="ja-JP" sz="2000" dirty="0" smtClean="0"/>
+          </a:p>
+          <a:p>
+            <a:pPr lvl="1"/>
+            <a:r>
+              <a:rPr lang="en-US" altLang="ja-JP" sz="2000" dirty="0" smtClean="0"/>
+              <a:t>SwStr%14.3, CStr%20.4</a:t>
+            </a:r>
+            <a:r>
+              <a:rPr lang="ja-JP" altLang="en-US" sz="2000" dirty="0" smtClean="0"/>
+              <a:t>はそれぞれ大谷投手の持ち球の中で</a:t>
+            </a:r>
+            <a:r>
+              <a:rPr lang="en-US" altLang="ja-JP" sz="2000" dirty="0" smtClean="0"/>
+              <a:t>2</a:t>
+            </a:r>
+            <a:r>
+              <a:rPr lang="ja-JP" altLang="en-US" sz="2000" dirty="0" smtClean="0"/>
+              <a:t>番目</a:t>
+            </a:r>
+            <a:r>
+              <a:rPr lang="en-US" altLang="ja-JP" sz="2000" dirty="0" smtClean="0"/>
+              <a:t>/</a:t>
+            </a:r>
+            <a:r>
+              <a:rPr lang="ja-JP" altLang="en-US" sz="2000" dirty="0" smtClean="0"/>
+              <a:t>最も高い比率で、スプリットと並んで最も高い比率でストライクを取った球種である。しかも</a:t>
+            </a:r>
+            <a:r>
+              <a:rPr lang="en-US" altLang="ja-JP" sz="2000" dirty="0" smtClean="0"/>
+              <a:t>Zone%55.9</a:t>
+            </a:r>
+            <a:r>
+              <a:rPr lang="ja-JP" altLang="en-US" sz="2000" dirty="0" smtClean="0"/>
+              <a:t>はフォーシームと同程度の高さであり、「ストライクゾーンに投じながらストライクが取れる」という観点ではスプリット以上に安定している</a:t>
+            </a:r>
+            <a:endParaRPr lang="en-US" altLang="ja-JP" sz="2000" dirty="0" smtClean="0"/>
+          </a:p>
+          <a:p>
+            <a:r>
+              <a:rPr lang="ja-JP" altLang="en-US" sz="2534" dirty="0"/>
+              <a:t>カッター</a:t>
+            </a:r>
+            <a:endParaRPr lang="en-US" altLang="ja-JP" sz="2534" dirty="0" smtClean="0"/>
+          </a:p>
+          <a:p>
+            <a:pPr lvl="1"/>
+            <a:r>
+              <a:rPr kumimoji="1" lang="en-US" altLang="ja-JP" sz="2000" dirty="0" smtClean="0"/>
+              <a:t>2021</a:t>
+            </a:r>
+            <a:r>
+              <a:rPr kumimoji="1" lang="ja-JP" altLang="en-US" sz="2000" dirty="0" smtClean="0"/>
+              <a:t>シーズンから使用。</a:t>
+            </a:r>
+            <a:r>
+              <a:rPr lang="ja-JP" altLang="en-US" sz="2000" dirty="0"/>
+              <a:t>球速帯</a:t>
+            </a:r>
+            <a:r>
+              <a:rPr lang="ja-JP" altLang="en-US" sz="2000" dirty="0" smtClean="0"/>
+              <a:t>はマネーピッチのスプリットに近い。平均ホップ成分は他の</a:t>
+            </a:r>
+            <a:r>
+              <a:rPr lang="en-US" altLang="ja-JP" sz="2000" dirty="0" smtClean="0"/>
+              <a:t>2</a:t>
+            </a:r>
+            <a:r>
+              <a:rPr lang="ja-JP" altLang="en-US" sz="2000" dirty="0" smtClean="0"/>
+              <a:t>球種よりやや高いが、チャートではスライダー、スプリットのほぼ真ん中に曲がっていく球種</a:t>
+            </a:r>
+            <a:endParaRPr lang="en-US" altLang="ja-JP" sz="2000" dirty="0" smtClean="0"/>
+          </a:p>
+          <a:p>
+            <a:pPr lvl="1"/>
+            <a:r>
+              <a:rPr kumimoji="1" lang="ja-JP" altLang="en-US" sz="2000" dirty="0" smtClean="0"/>
+              <a:t>空振りを奪うスペックは他の球種にやや劣るが、内野フライ</a:t>
+            </a:r>
+            <a:r>
+              <a:rPr kumimoji="1" lang="en-US" altLang="ja-JP" sz="2000" dirty="0" smtClean="0"/>
+              <a:t>(Popup)</a:t>
+            </a:r>
+            <a:r>
+              <a:rPr kumimoji="1" lang="ja-JP" altLang="en-US" sz="2000" dirty="0" smtClean="0"/>
+              <a:t>が</a:t>
+            </a:r>
+            <a:r>
+              <a:rPr kumimoji="1" lang="en-US" altLang="ja-JP" sz="2000" dirty="0" smtClean="0"/>
+              <a:t>13%</a:t>
+            </a:r>
+            <a:r>
+              <a:rPr kumimoji="1" lang="ja-JP" altLang="en-US" sz="2000" dirty="0" smtClean="0"/>
+              <a:t>と高いことから</a:t>
+            </a:r>
+            <a:r>
+              <a:rPr kumimoji="1" lang="en-US" altLang="ja-JP" sz="2000" dirty="0" smtClean="0"/>
+              <a:t>1</a:t>
+            </a:r>
+            <a:r>
+              <a:rPr kumimoji="1" lang="ja-JP" altLang="en-US" sz="2000" dirty="0" smtClean="0"/>
+              <a:t>球でアウトを取る性能に強みがある。</a:t>
+            </a:r>
+            <a:r>
+              <a:rPr kumimoji="1" lang="en-US" altLang="ja-JP" sz="2000" dirty="0" smtClean="0"/>
+              <a:t>Zone%</a:t>
+            </a:r>
+            <a:r>
+              <a:rPr lang="ja-JP" altLang="en-US" sz="2000" dirty="0" smtClean="0"/>
+              <a:t>は</a:t>
+            </a:r>
+            <a:r>
+              <a:rPr lang="en-US" altLang="ja-JP" sz="2000" dirty="0" smtClean="0"/>
+              <a:t>5</a:t>
+            </a:r>
+            <a:r>
+              <a:rPr lang="ja-JP" altLang="en-US" sz="2000" dirty="0" smtClean="0"/>
+              <a:t>球種の中でトップ</a:t>
+            </a:r>
+            <a:endParaRPr kumimoji="1" lang="en-US" altLang="ja-JP" sz="2000" dirty="0" smtClean="0"/>
+          </a:p>
+        </p:txBody>
+      </p:sp>
+    </p:spTree>
+    <p:extLst>
+      <p:ext uri="{BB962C8B-B14F-4D97-AF65-F5344CB8AC3E}">
+        <p14:creationId xmlns:p14="http://schemas.microsoft.com/office/powerpoint/2010/main" val="2328693508"/>
+      </p:ext>
+    </p:extLst>
+  </p:cSld>
+  <p:clrMapOvr>
+    <a:masterClrMapping/>
+  </p:clrMapOvr>
+</p:sld>
+</file>
+
+<file path=ppt/slides/slide11.xml><?xml version="1.0" encoding="utf-8"?>
+<p:sld xmlns:a="http://schemas.openxmlformats.org/drawingml/2006/main" xmlns:r="http://schemas.openxmlformats.org/officeDocument/2006/relationships" xmlns:p="http://schemas.openxmlformats.org/presentationml/2006/main">
+  <p:cSld>
+    <p:spTree>
+      <p:nvGrpSpPr>
+        <p:cNvPr id="1" name=""/>
+        <p:cNvGrpSpPr/>
+        <p:nvPr/>
+      </p:nvGrpSpPr>
+      <p:grpSpPr>
+        <a:xfrm>
+          <a:off x="0" y="0"/>
+          <a:ext cx="0" cy="0"/>
+          <a:chOff x="0" y="0"/>
+          <a:chExt cx="0" cy="0"/>
+        </a:xfrm>
+      </p:grpSpPr>
+      <p:sp>
+        <p:nvSpPr>
+          <p:cNvPr id="2" name="タイトル 1"/>
+          <p:cNvSpPr>
+            <a:spLocks noGrp="1"/>
+          </p:cNvSpPr>
+          <p:nvPr>
+            <p:ph type="title"/>
+          </p:nvPr>
+        </p:nvSpPr>
+        <p:spPr/>
+        <p:txBody>
+          <a:bodyPr/>
+          <a:lstStyle/>
+          <a:p>
+            <a:r>
+              <a:rPr kumimoji="1" lang="ja-JP" altLang="en-US" dirty="0" smtClean="0"/>
               <a:t>スプリット</a:t>
             </a:r>
             <a:endParaRPr kumimoji="1" lang="ja-JP" altLang="en-US" dirty="0"/>
@@ -8104,7 +8333,7 @@
 </p:sld>
 </file>
 
-<file path=ppt/slides/slide11.xml><?xml version="1.0" encoding="utf-8"?>
+<file path=ppt/slides/slide12.xml><?xml version="1.0" encoding="utf-8"?>
 <p:sld xmlns:a="http://schemas.openxmlformats.org/drawingml/2006/main" xmlns:r="http://schemas.openxmlformats.org/officeDocument/2006/relationships" xmlns:p="http://schemas.openxmlformats.org/presentationml/2006/main">
   <p:cSld>
     <p:spTree>
@@ -8274,7 +8503,7 @@
 </p:sld>
 </file>
 
-<file path=ppt/slides/slide12.xml><?xml version="1.0" encoding="utf-8"?>
+<file path=ppt/slides/slide13.xml><?xml version="1.0" encoding="utf-8"?>
 <p:sld xmlns:a="http://schemas.openxmlformats.org/drawingml/2006/main" xmlns:r="http://schemas.openxmlformats.org/officeDocument/2006/relationships" xmlns:p="http://schemas.openxmlformats.org/presentationml/2006/main">
   <p:cSld>
     <p:spTree>
@@ -8398,7 +8627,7 @@
 </p:sld>
 </file>
 
-<file path=ppt/slides/slide13.xml><?xml version="1.0" encoding="utf-8"?>
+<file path=ppt/slides/slide14.xml><?xml version="1.0" encoding="utf-8"?>
 <p:sld xmlns:a="http://schemas.openxmlformats.org/drawingml/2006/main" xmlns:r="http://schemas.openxmlformats.org/officeDocument/2006/relationships" xmlns:p="http://schemas.openxmlformats.org/presentationml/2006/main">
   <p:cSld>
     <p:spTree>
@@ -8555,7 +8784,7 @@
 </p:sld>
 </file>
 
-<file path=ppt/slides/slide14.xml><?xml version="1.0" encoding="utf-8"?>
+<file path=ppt/slides/slide15.xml><?xml version="1.0" encoding="utf-8"?>
 <p:sld xmlns:a="http://schemas.openxmlformats.org/drawingml/2006/main" xmlns:r="http://schemas.openxmlformats.org/officeDocument/2006/relationships" xmlns:p="http://schemas.openxmlformats.org/presentationml/2006/main">
   <p:cSld>
     <p:spTree>
@@ -8714,78 +8943,6 @@
 </p:sld>
 </file>
 
-<file path=ppt/slides/slide15.xml><?xml version="1.0" encoding="utf-8"?>
-<p:sld xmlns:a="http://schemas.openxmlformats.org/drawingml/2006/main" xmlns:r="http://schemas.openxmlformats.org/officeDocument/2006/relationships" xmlns:p="http://schemas.openxmlformats.org/presentationml/2006/main">
-  <p:cSld>
-    <p:spTree>
-      <p:nvGrpSpPr>
-        <p:cNvPr id="1" name=""/>
-        <p:cNvGrpSpPr/>
-        <p:nvPr/>
-      </p:nvGrpSpPr>
-      <p:grpSpPr>
-        <a:xfrm>
-          <a:off x="0" y="0"/>
-          <a:ext cx="0" cy="0"/>
-          <a:chOff x="0" y="0"/>
-          <a:chExt cx="0" cy="0"/>
-        </a:xfrm>
-      </p:grpSpPr>
-      <p:sp>
-        <p:nvSpPr>
-          <p:cNvPr id="2" name="タイトル 1"/>
-          <p:cNvSpPr>
-            <a:spLocks noGrp="1"/>
-          </p:cNvSpPr>
-          <p:nvPr>
-            <p:ph type="title"/>
-          </p:nvPr>
-        </p:nvSpPr>
-        <p:spPr/>
-        <p:txBody>
-          <a:bodyPr/>
-          <a:lstStyle/>
-          <a:p>
-            <a:r>
-              <a:rPr kumimoji="1" lang="ja-JP" altLang="en-US" dirty="0" smtClean="0"/>
-              <a:t>ストライクゾーン</a:t>
-            </a:r>
-            <a:endParaRPr kumimoji="1" lang="ja-JP" altLang="en-US" dirty="0"/>
-          </a:p>
-        </p:txBody>
-      </p:sp>
-      <p:sp>
-        <p:nvSpPr>
-          <p:cNvPr id="3" name="コンテンツ プレースホルダー 2"/>
-          <p:cNvSpPr>
-            <a:spLocks noGrp="1"/>
-          </p:cNvSpPr>
-          <p:nvPr>
-            <p:ph idx="1"/>
-          </p:nvPr>
-        </p:nvSpPr>
-        <p:spPr/>
-        <p:txBody>
-          <a:bodyPr/>
-          <a:lstStyle/>
-          <a:p>
-            <a:endParaRPr kumimoji="1" lang="ja-JP" altLang="en-US"/>
-          </a:p>
-        </p:txBody>
-      </p:sp>
-    </p:spTree>
-    <p:extLst>
-      <p:ext uri="{BB962C8B-B14F-4D97-AF65-F5344CB8AC3E}">
-        <p14:creationId xmlns:p14="http://schemas.microsoft.com/office/powerpoint/2010/main" val="2882029826"/>
-      </p:ext>
-    </p:extLst>
-  </p:cSld>
-  <p:clrMapOvr>
-    <a:masterClrMapping/>
-  </p:clrMapOvr>
-</p:sld>
-</file>
-
 <file path=ppt/slides/slide16.xml><?xml version="1.0" encoding="utf-8"?>
 <p:sld xmlns:a="http://schemas.openxmlformats.org/drawingml/2006/main" xmlns:r="http://schemas.openxmlformats.org/officeDocument/2006/relationships" xmlns:p="http://schemas.openxmlformats.org/presentationml/2006/main">
   <p:cSld>
@@ -8819,12 +8976,8 @@
           <a:lstStyle/>
           <a:p>
             <a:r>
-              <a:rPr lang="ja-JP" altLang="en-US" dirty="0" smtClean="0"/>
-              <a:t>打</a:t>
-            </a:r>
-            <a:r>
               <a:rPr kumimoji="1" lang="ja-JP" altLang="en-US" dirty="0" smtClean="0"/>
-              <a:t>谷</a:t>
+              <a:t>ストライクゾーン</a:t>
             </a:r>
             <a:endParaRPr kumimoji="1" lang="ja-JP" altLang="en-US" dirty="0"/>
           </a:p>
@@ -8832,12 +8985,12 @@
       </p:sp>
       <p:sp>
         <p:nvSpPr>
-          <p:cNvPr id="3" name="テキスト プレースホルダー 2"/>
+          <p:cNvPr id="3" name="コンテンツ プレースホルダー 2"/>
           <p:cNvSpPr>
             <a:spLocks noGrp="1"/>
           </p:cNvSpPr>
           <p:nvPr>
-            <p:ph type="body" idx="1"/>
+            <p:ph idx="1"/>
           </p:nvPr>
         </p:nvSpPr>
         <p:spPr/>
@@ -8845,18 +8998,14 @@
           <a:bodyPr/>
           <a:lstStyle/>
           <a:p>
-            <a:r>
-              <a:rPr kumimoji="1" lang="ja-JP" altLang="en-US" dirty="0" smtClean="0"/>
-              <a:t>明日やります</a:t>
-            </a:r>
-            <a:endParaRPr kumimoji="1" lang="ja-JP" altLang="en-US" dirty="0"/>
+            <a:endParaRPr kumimoji="1" lang="ja-JP" altLang="en-US"/>
           </a:p>
         </p:txBody>
       </p:sp>
     </p:spTree>
     <p:extLst>
       <p:ext uri="{BB962C8B-B14F-4D97-AF65-F5344CB8AC3E}">
-        <p14:creationId xmlns:p14="http://schemas.microsoft.com/office/powerpoint/2010/main" val="1069124209"/>
+        <p14:creationId xmlns:p14="http://schemas.microsoft.com/office/powerpoint/2010/main" val="2882029826"/>
       </p:ext>
     </p:extLst>
   </p:cSld>
@@ -8899,8 +9048,12 @@
           <a:lstStyle/>
           <a:p>
             <a:r>
+              <a:rPr lang="ja-JP" altLang="en-US" dirty="0" smtClean="0"/>
+              <a:t>打</a:t>
+            </a:r>
+            <a:r>
               <a:rPr kumimoji="1" lang="ja-JP" altLang="en-US" dirty="0" smtClean="0"/>
-              <a:t>スタッツ</a:t>
+              <a:t>谷</a:t>
             </a:r>
             <a:endParaRPr kumimoji="1" lang="ja-JP" altLang="en-US" dirty="0"/>
           </a:p>
@@ -8908,12 +9061,12 @@
       </p:sp>
       <p:sp>
         <p:nvSpPr>
-          <p:cNvPr id="3" name="コンテンツ プレースホルダー 2"/>
+          <p:cNvPr id="3" name="テキスト プレースホルダー 2"/>
           <p:cNvSpPr>
             <a:spLocks noGrp="1"/>
           </p:cNvSpPr>
           <p:nvPr>
-            <p:ph idx="1"/>
+            <p:ph type="body" idx="1"/>
           </p:nvPr>
         </p:nvSpPr>
         <p:spPr/>
@@ -8921,14 +9074,18 @@
           <a:bodyPr/>
           <a:lstStyle/>
           <a:p>
-            <a:endParaRPr kumimoji="1" lang="ja-JP" altLang="en-US"/>
+            <a:r>
+              <a:rPr kumimoji="1" lang="ja-JP" altLang="en-US" dirty="0" smtClean="0"/>
+              <a:t>明日やります</a:t>
+            </a:r>
+            <a:endParaRPr kumimoji="1" lang="ja-JP" altLang="en-US" dirty="0"/>
           </a:p>
         </p:txBody>
       </p:sp>
     </p:spTree>
     <p:extLst>
       <p:ext uri="{BB962C8B-B14F-4D97-AF65-F5344CB8AC3E}">
-        <p14:creationId xmlns:p14="http://schemas.microsoft.com/office/powerpoint/2010/main" val="1912128118"/>
+        <p14:creationId xmlns:p14="http://schemas.microsoft.com/office/powerpoint/2010/main" val="1069124209"/>
       </p:ext>
     </p:extLst>
   </p:cSld>
@@ -8971,8 +9128,8 @@
           <a:lstStyle/>
           <a:p>
             <a:r>
-              <a:rPr kumimoji="1" lang="en-US" altLang="ja-JP" dirty="0" smtClean="0"/>
-              <a:t>discipline</a:t>
+              <a:rPr kumimoji="1" lang="ja-JP" altLang="en-US" dirty="0" smtClean="0"/>
+              <a:t>スタッツ</a:t>
             </a:r>
             <a:endParaRPr kumimoji="1" lang="ja-JP" altLang="en-US" dirty="0"/>
           </a:p>
@@ -8993,22 +9150,14 @@
           <a:bodyPr/>
           <a:lstStyle/>
           <a:p>
-            <a:r>
-              <a:rPr kumimoji="1" lang="en-US" altLang="ja-JP" sz="2400" dirty="0" smtClean="0"/>
-              <a:t>plate-discipline</a:t>
-            </a:r>
-            <a:r>
-              <a:rPr kumimoji="1" lang="ja-JP" altLang="en-US" sz="2400" dirty="0" smtClean="0"/>
-              <a:t>入れます</a:t>
-            </a:r>
-            <a:endParaRPr kumimoji="1" lang="ja-JP" altLang="en-US" sz="2400" dirty="0"/>
+            <a:endParaRPr kumimoji="1" lang="ja-JP" altLang="en-US"/>
           </a:p>
         </p:txBody>
       </p:sp>
     </p:spTree>
     <p:extLst>
       <p:ext uri="{BB962C8B-B14F-4D97-AF65-F5344CB8AC3E}">
-        <p14:creationId xmlns:p14="http://schemas.microsoft.com/office/powerpoint/2010/main" val="761676592"/>
+        <p14:creationId xmlns:p14="http://schemas.microsoft.com/office/powerpoint/2010/main" val="1912128118"/>
       </p:ext>
     </p:extLst>
   </p:cSld>
@@ -9051,8 +9200,8 @@
           <a:lstStyle/>
           <a:p>
             <a:r>
-              <a:rPr lang="ja-JP" altLang="en-US" dirty="0" smtClean="0"/>
-              <a:t>打球チャート</a:t>
+              <a:rPr kumimoji="1" lang="en-US" altLang="ja-JP" dirty="0" smtClean="0"/>
+              <a:t>discipline</a:t>
             </a:r>
             <a:endParaRPr kumimoji="1" lang="ja-JP" altLang="en-US" dirty="0"/>
           </a:p>
@@ -9074,8 +9223,12 @@
           <a:lstStyle/>
           <a:p>
             <a:r>
+              <a:rPr kumimoji="1" lang="en-US" altLang="ja-JP" sz="2400" dirty="0" smtClean="0"/>
+              <a:t>plate-discipline</a:t>
+            </a:r>
+            <a:r>
               <a:rPr kumimoji="1" lang="ja-JP" altLang="en-US" sz="2400" dirty="0" smtClean="0"/>
-              <a:t>スプレーチャート</a:t>
+              <a:t>入れます</a:t>
             </a:r>
             <a:endParaRPr kumimoji="1" lang="ja-JP" altLang="en-US" sz="2400" dirty="0"/>
           </a:p>
@@ -9084,7 +9237,7 @@
     </p:spTree>
     <p:extLst>
       <p:ext uri="{BB962C8B-B14F-4D97-AF65-F5344CB8AC3E}">
-        <p14:creationId xmlns:p14="http://schemas.microsoft.com/office/powerpoint/2010/main" val="2550775956"/>
+        <p14:creationId xmlns:p14="http://schemas.microsoft.com/office/powerpoint/2010/main" val="761676592"/>
       </p:ext>
     </p:extLst>
   </p:cSld>
@@ -9199,8 +9352,8 @@
           <a:lstStyle/>
           <a:p>
             <a:r>
-              <a:rPr kumimoji="1" lang="ja-JP" altLang="en-US" dirty="0" smtClean="0"/>
-              <a:t>ゾーンごとの打球バリュー</a:t>
+              <a:rPr lang="ja-JP" altLang="en-US" dirty="0" smtClean="0"/>
+              <a:t>打球チャート</a:t>
             </a:r>
             <a:endParaRPr kumimoji="1" lang="ja-JP" altLang="en-US" dirty="0"/>
           </a:p>
@@ -9223,7 +9376,7 @@
           <a:p>
             <a:r>
               <a:rPr kumimoji="1" lang="ja-JP" altLang="en-US" sz="2400" dirty="0" smtClean="0"/>
-              <a:t>ゾーンごとのスイングのバリューを計算</a:t>
+              <a:t>スプレーチャート</a:t>
             </a:r>
             <a:endParaRPr kumimoji="1" lang="ja-JP" altLang="en-US" sz="2400" dirty="0"/>
           </a:p>
@@ -9232,7 +9385,7 @@
     </p:spTree>
     <p:extLst>
       <p:ext uri="{BB962C8B-B14F-4D97-AF65-F5344CB8AC3E}">
-        <p14:creationId xmlns:p14="http://schemas.microsoft.com/office/powerpoint/2010/main" val="2366503335"/>
+        <p14:creationId xmlns:p14="http://schemas.microsoft.com/office/powerpoint/2010/main" val="2550775956"/>
       </p:ext>
     </p:extLst>
   </p:cSld>
@@ -9276,7 +9429,7 @@
           <a:p>
             <a:r>
               <a:rPr kumimoji="1" lang="ja-JP" altLang="en-US" dirty="0" smtClean="0"/>
-              <a:t>機会費用</a:t>
+              <a:t>ゾーンごとの打球バリュー</a:t>
             </a:r>
             <a:endParaRPr kumimoji="1" lang="ja-JP" altLang="en-US" dirty="0"/>
           </a:p>
@@ -9299,23 +9452,7 @@
           <a:p>
             <a:r>
               <a:rPr kumimoji="1" lang="ja-JP" altLang="en-US" sz="2400" dirty="0" smtClean="0"/>
-              <a:t>見送った投球に注目：ゾーンごとの打球のバリューから、スイングしなかったことで失った</a:t>
-            </a:r>
-            <a:r>
-              <a:rPr kumimoji="1" lang="en-US" altLang="ja-JP" sz="2400" dirty="0" smtClean="0"/>
-              <a:t>(</a:t>
-            </a:r>
-            <a:r>
-              <a:rPr kumimoji="1" lang="ja-JP" altLang="en-US" sz="2400" dirty="0" smtClean="0"/>
-              <a:t>得られた</a:t>
-            </a:r>
-            <a:r>
-              <a:rPr kumimoji="1" lang="en-US" altLang="ja-JP" sz="2400" dirty="0" smtClean="0"/>
-              <a:t>)</a:t>
-            </a:r>
-            <a:r>
-              <a:rPr kumimoji="1" lang="ja-JP" altLang="en-US" sz="2400" dirty="0" smtClean="0"/>
-              <a:t>得点創出機会を可視化できるか</a:t>
+              <a:t>ゾーンごとのスイングのバリューを計算</a:t>
             </a:r>
             <a:endParaRPr kumimoji="1" lang="ja-JP" altLang="en-US" sz="2400" dirty="0"/>
           </a:p>
@@ -9324,7 +9461,7 @@
     </p:spTree>
     <p:extLst>
       <p:ext uri="{BB962C8B-B14F-4D97-AF65-F5344CB8AC3E}">
-        <p14:creationId xmlns:p14="http://schemas.microsoft.com/office/powerpoint/2010/main" val="1622850508"/>
+        <p14:creationId xmlns:p14="http://schemas.microsoft.com/office/powerpoint/2010/main" val="2366503335"/>
       </p:ext>
     </p:extLst>
   </p:cSld>
@@ -9367,8 +9504,8 @@
           <a:lstStyle/>
           <a:p>
             <a:r>
-              <a:rPr lang="ja-JP" altLang="en-US" dirty="0" smtClean="0"/>
-              <a:t>ストライク判定について</a:t>
+              <a:rPr kumimoji="1" lang="ja-JP" altLang="en-US" dirty="0" smtClean="0"/>
+              <a:t>機会費用</a:t>
             </a:r>
             <a:endParaRPr kumimoji="1" lang="ja-JP" altLang="en-US" dirty="0"/>
           </a:p>
@@ -9384,173 +9521,39 @@
             <p:ph idx="1"/>
           </p:nvPr>
         </p:nvSpPr>
-        <p:spPr>
-          <a:xfrm>
-            <a:off x="609600" y="1600201"/>
-            <a:ext cx="10972800" cy="4809743"/>
-          </a:xfrm>
-        </p:spPr>
+        <p:spPr/>
         <p:txBody>
           <a:bodyPr/>
           <a:lstStyle/>
           <a:p>
             <a:r>
-              <a:rPr lang="ja-JP" altLang="en-US" sz="2400" dirty="0" smtClean="0"/>
-              <a:t>投打のピッチコールに偏りがあるか</a:t>
-            </a:r>
-            <a:endParaRPr lang="en-US" altLang="ja-JP" sz="2400" dirty="0" smtClean="0"/>
-          </a:p>
-          <a:p>
-            <a:pPr lvl="1"/>
-            <a:r>
-              <a:rPr lang="ja-JP" altLang="en-US" sz="2000" dirty="0" smtClean="0"/>
-              <a:t>ミスジャッジの割合</a:t>
-            </a:r>
-            <a:endParaRPr lang="en-US" altLang="ja-JP" sz="2000" dirty="0" smtClean="0"/>
-          </a:p>
-          <a:p>
-            <a:pPr lvl="2"/>
-            <a:r>
-              <a:rPr lang="ja-JP" altLang="en-US" sz="2000" dirty="0" smtClean="0"/>
-              <a:t>打者：</a:t>
-            </a:r>
-            <a:r>
-              <a:rPr lang="en-US" altLang="ja-JP" sz="2000" dirty="0" smtClean="0"/>
-              <a:t>Type II error (</a:t>
-            </a:r>
-            <a:r>
-              <a:rPr lang="ja-JP" altLang="en-US" sz="2000" dirty="0" smtClean="0"/>
-              <a:t>定義上ボールの投球をストライクと判定</a:t>
-            </a:r>
-            <a:r>
-              <a:rPr lang="en-US" altLang="ja-JP" sz="2000" dirty="0" smtClean="0"/>
+              <a:rPr kumimoji="1" lang="ja-JP" altLang="en-US" sz="2400" dirty="0" smtClean="0"/>
+              <a:t>見送った投球に注目：ゾーンごとの打球のバリューから、スイングしなかったことで失った</a:t>
+            </a:r>
+            <a:r>
+              <a:rPr kumimoji="1" lang="en-US" altLang="ja-JP" sz="2400" dirty="0" smtClean="0"/>
+              <a:t>(</a:t>
+            </a:r>
+            <a:r>
+              <a:rPr kumimoji="1" lang="ja-JP" altLang="en-US" sz="2400" dirty="0" smtClean="0"/>
+              <a:t>得られた</a:t>
+            </a:r>
+            <a:r>
+              <a:rPr kumimoji="1" lang="en-US" altLang="ja-JP" sz="2400" dirty="0" smtClean="0"/>
               <a:t>)</a:t>
             </a:r>
-          </a:p>
-          <a:p>
-            <a:pPr lvl="2"/>
-            <a:r>
-              <a:rPr lang="ja-JP" altLang="en-US" sz="2000" dirty="0" smtClean="0"/>
-              <a:t>投手：</a:t>
-            </a:r>
-            <a:r>
-              <a:rPr lang="en-US" altLang="ja-JP" sz="2000" dirty="0" smtClean="0"/>
-              <a:t>Type I error (</a:t>
-            </a:r>
-            <a:r>
-              <a:rPr lang="ja-JP" altLang="en-US" sz="2000" dirty="0" smtClean="0"/>
-              <a:t>同じくストライクの投球をボールと判定</a:t>
-            </a:r>
-            <a:r>
-              <a:rPr lang="en-US" altLang="ja-JP" sz="2000" dirty="0" smtClean="0"/>
-              <a:t>)</a:t>
-            </a:r>
-          </a:p>
-          <a:p>
-            <a:pPr lvl="1"/>
-            <a:r>
-              <a:rPr lang="ja-JP" altLang="en-US" sz="2000" dirty="0"/>
-              <a:t>平均的</a:t>
-            </a:r>
-            <a:r>
-              <a:rPr lang="ja-JP" altLang="en-US" sz="2000" dirty="0" smtClean="0"/>
-              <a:t>なストライクコール確率からの乖離</a:t>
-            </a:r>
-            <a:endParaRPr lang="en-US" altLang="ja-JP" sz="2000" dirty="0" smtClean="0"/>
-          </a:p>
-          <a:p>
-            <a:pPr lvl="2"/>
-            <a:r>
-              <a:rPr lang="ja-JP" altLang="en-US" sz="2000" dirty="0" smtClean="0"/>
-              <a:t>打者の左右・カウント別に、投球の通過位置を表す二次元の変数</a:t>
-            </a:r>
-            <a:r>
-              <a:rPr lang="en-US" altLang="ja-JP" sz="2000" dirty="0" smtClean="0"/>
-              <a:t>(</a:t>
-            </a:r>
-            <a:r>
-              <a:rPr lang="en-US" altLang="ja-JP" sz="2000" dirty="0" err="1" smtClean="0"/>
-              <a:t>plate_x</a:t>
-            </a:r>
-            <a:r>
-              <a:rPr lang="en-US" altLang="ja-JP" sz="2000" dirty="0" smtClean="0"/>
-              <a:t>, </a:t>
-            </a:r>
-            <a:r>
-              <a:rPr lang="en-US" altLang="ja-JP" sz="2000" dirty="0" err="1" smtClean="0"/>
-              <a:t>plate_z</a:t>
-            </a:r>
-            <a:r>
-              <a:rPr lang="en-US" altLang="ja-JP" sz="2000" dirty="0" smtClean="0"/>
-              <a:t>)</a:t>
-            </a:r>
-            <a:r>
-              <a:rPr lang="ja-JP" altLang="en-US" sz="2000" dirty="0" smtClean="0"/>
-              <a:t>からその投球の平均的なストライクコール確率を算出</a:t>
-            </a:r>
-            <a:r>
-              <a:rPr lang="en-US" altLang="ja-JP" sz="2000" dirty="0" smtClean="0"/>
-              <a:t>(</a:t>
-            </a:r>
-            <a:r>
-              <a:rPr lang="ja-JP" altLang="en-US" sz="2000" dirty="0" smtClean="0"/>
-              <a:t>一般化加法モデルを利用</a:t>
-            </a:r>
-            <a:r>
-              <a:rPr lang="en-US" altLang="ja-JP" sz="2000" dirty="0" smtClean="0"/>
-              <a:t>)</a:t>
-            </a:r>
-          </a:p>
-          <a:p>
-            <a:pPr lvl="2"/>
-            <a:r>
-              <a:rPr lang="ja-JP" altLang="en-US" sz="2000" dirty="0" smtClean="0"/>
-              <a:t>実際にコールされたストライクを</a:t>
-            </a:r>
-            <a:r>
-              <a:rPr lang="en-US" altLang="ja-JP" sz="2000" dirty="0" smtClean="0"/>
-              <a:t>1, </a:t>
-            </a:r>
-            <a:r>
-              <a:rPr lang="ja-JP" altLang="en-US" sz="2000" dirty="0" smtClean="0"/>
-              <a:t>ボールを</a:t>
-            </a:r>
-            <a:r>
-              <a:rPr lang="en-US" altLang="ja-JP" sz="2000" dirty="0" smtClean="0"/>
-              <a:t>0</a:t>
-            </a:r>
-            <a:r>
-              <a:rPr lang="ja-JP" altLang="en-US" sz="2000" dirty="0" smtClean="0"/>
-              <a:t>とするダミー変数を作成し、これと平均的なストライクコール確率との差を選手ごとに集計する</a:t>
-            </a:r>
-            <a:endParaRPr lang="en-US" altLang="ja-JP" sz="2000" dirty="0" smtClean="0"/>
-          </a:p>
-          <a:p>
-            <a:pPr lvl="2"/>
-            <a:r>
-              <a:rPr lang="ja-JP" altLang="en-US" sz="2000" dirty="0"/>
-              <a:t>値</a:t>
-            </a:r>
-            <a:r>
-              <a:rPr lang="ja-JP" altLang="en-US" sz="2000" dirty="0" smtClean="0"/>
-              <a:t>がプラス：実際のコールが平均的なストライクコールの確率より高い</a:t>
-            </a:r>
-            <a:endParaRPr lang="en-US" altLang="ja-JP" sz="2000" dirty="0" smtClean="0"/>
-          </a:p>
-          <a:p>
-            <a:pPr lvl="1"/>
-            <a:r>
-              <a:rPr lang="ja-JP" altLang="en-US" sz="2000" dirty="0" smtClean="0"/>
-              <a:t>得点貢献：上記の手順で算出したストライクコール確率を用いて、投球を見送った時の得点期待値変動の平均を算出→実際に起こった得点確率の増減との差を取る</a:t>
-            </a:r>
-            <a:endParaRPr lang="en-US" altLang="ja-JP" sz="2000" dirty="0" smtClean="0"/>
+            <a:r>
+              <a:rPr kumimoji="1" lang="ja-JP" altLang="en-US" sz="2400" dirty="0" smtClean="0"/>
+              <a:t>得点創出機会を可視化できるか</a:t>
+            </a:r>
+            <a:endParaRPr kumimoji="1" lang="ja-JP" altLang="en-US" sz="2400" dirty="0"/>
           </a:p>
         </p:txBody>
       </p:sp>
     </p:spTree>
     <p:extLst>
       <p:ext uri="{BB962C8B-B14F-4D97-AF65-F5344CB8AC3E}">
-        <p14:creationId xmlns:p14="http://schemas.microsoft.com/office/powerpoint/2010/main" val="3340939788"/>
+        <p14:creationId xmlns:p14="http://schemas.microsoft.com/office/powerpoint/2010/main" val="1622850508"/>
       </p:ext>
     </p:extLst>
   </p:cSld>
@@ -9593,6 +9596,232 @@
           <a:lstStyle/>
           <a:p>
             <a:r>
+              <a:rPr lang="ja-JP" altLang="en-US" dirty="0" smtClean="0"/>
+              <a:t>ストライク判定について</a:t>
+            </a:r>
+            <a:endParaRPr kumimoji="1" lang="ja-JP" altLang="en-US" dirty="0"/>
+          </a:p>
+        </p:txBody>
+      </p:sp>
+      <p:sp>
+        <p:nvSpPr>
+          <p:cNvPr id="3" name="コンテンツ プレースホルダー 2"/>
+          <p:cNvSpPr>
+            <a:spLocks noGrp="1"/>
+          </p:cNvSpPr>
+          <p:nvPr>
+            <p:ph idx="1"/>
+          </p:nvPr>
+        </p:nvSpPr>
+        <p:spPr>
+          <a:xfrm>
+            <a:off x="609600" y="1600201"/>
+            <a:ext cx="10972800" cy="4809743"/>
+          </a:xfrm>
+        </p:spPr>
+        <p:txBody>
+          <a:bodyPr/>
+          <a:lstStyle/>
+          <a:p>
+            <a:r>
+              <a:rPr lang="ja-JP" altLang="en-US" sz="2400" dirty="0" smtClean="0"/>
+              <a:t>投打のピッチコールに偏りがあるか</a:t>
+            </a:r>
+            <a:endParaRPr lang="en-US" altLang="ja-JP" sz="2400" dirty="0" smtClean="0"/>
+          </a:p>
+          <a:p>
+            <a:pPr lvl="1"/>
+            <a:r>
+              <a:rPr lang="ja-JP" altLang="en-US" sz="2000" dirty="0" smtClean="0"/>
+              <a:t>ミスジャッジの割合</a:t>
+            </a:r>
+            <a:endParaRPr lang="en-US" altLang="ja-JP" sz="2000" dirty="0" smtClean="0"/>
+          </a:p>
+          <a:p>
+            <a:pPr lvl="2"/>
+            <a:r>
+              <a:rPr lang="ja-JP" altLang="en-US" sz="2000" dirty="0" smtClean="0"/>
+              <a:t>打者：</a:t>
+            </a:r>
+            <a:r>
+              <a:rPr lang="en-US" altLang="ja-JP" sz="2000" dirty="0" smtClean="0"/>
+              <a:t>Type II error (</a:t>
+            </a:r>
+            <a:r>
+              <a:rPr lang="ja-JP" altLang="en-US" sz="2000" dirty="0" smtClean="0"/>
+              <a:t>定義上ボールの投球をストライクと判定</a:t>
+            </a:r>
+            <a:r>
+              <a:rPr lang="en-US" altLang="ja-JP" sz="2000" dirty="0" smtClean="0"/>
+              <a:t>)</a:t>
+            </a:r>
+          </a:p>
+          <a:p>
+            <a:pPr lvl="2"/>
+            <a:r>
+              <a:rPr lang="ja-JP" altLang="en-US" sz="2000" dirty="0" smtClean="0"/>
+              <a:t>投手：</a:t>
+            </a:r>
+            <a:r>
+              <a:rPr lang="en-US" altLang="ja-JP" sz="2000" dirty="0" smtClean="0"/>
+              <a:t>Type I error (</a:t>
+            </a:r>
+            <a:r>
+              <a:rPr lang="ja-JP" altLang="en-US" sz="2000" dirty="0" smtClean="0"/>
+              <a:t>同じくストライクの投球をボールと判定</a:t>
+            </a:r>
+            <a:r>
+              <a:rPr lang="en-US" altLang="ja-JP" sz="2000" dirty="0" smtClean="0"/>
+              <a:t>)</a:t>
+            </a:r>
+          </a:p>
+          <a:p>
+            <a:pPr lvl="1"/>
+            <a:r>
+              <a:rPr lang="ja-JP" altLang="en-US" sz="2000" dirty="0"/>
+              <a:t>平均的</a:t>
+            </a:r>
+            <a:r>
+              <a:rPr lang="ja-JP" altLang="en-US" sz="2000" dirty="0" smtClean="0"/>
+              <a:t>なストライクコール確率からの乖離</a:t>
+            </a:r>
+            <a:endParaRPr lang="en-US" altLang="ja-JP" sz="2000" dirty="0" smtClean="0"/>
+          </a:p>
+          <a:p>
+            <a:pPr lvl="2"/>
+            <a:r>
+              <a:rPr lang="ja-JP" altLang="en-US" sz="2000" dirty="0" smtClean="0"/>
+              <a:t>打者の左右・カウント別に、投球の通過位置を表す二次元の変数</a:t>
+            </a:r>
+            <a:r>
+              <a:rPr lang="en-US" altLang="ja-JP" sz="2000" dirty="0" smtClean="0"/>
+              <a:t>(</a:t>
+            </a:r>
+            <a:r>
+              <a:rPr lang="en-US" altLang="ja-JP" sz="2000" dirty="0" err="1" smtClean="0"/>
+              <a:t>plate_x</a:t>
+            </a:r>
+            <a:r>
+              <a:rPr lang="en-US" altLang="ja-JP" sz="2000" dirty="0" smtClean="0"/>
+              <a:t>, </a:t>
+            </a:r>
+            <a:r>
+              <a:rPr lang="en-US" altLang="ja-JP" sz="2000" dirty="0" err="1" smtClean="0"/>
+              <a:t>plate_z</a:t>
+            </a:r>
+            <a:r>
+              <a:rPr lang="en-US" altLang="ja-JP" sz="2000" dirty="0" smtClean="0"/>
+              <a:t>)</a:t>
+            </a:r>
+            <a:r>
+              <a:rPr lang="ja-JP" altLang="en-US" sz="2000" dirty="0" smtClean="0"/>
+              <a:t>からその投球の平均的なストライクコール確率を算出</a:t>
+            </a:r>
+            <a:r>
+              <a:rPr lang="en-US" altLang="ja-JP" sz="2000" dirty="0" smtClean="0"/>
+              <a:t>(</a:t>
+            </a:r>
+            <a:r>
+              <a:rPr lang="ja-JP" altLang="en-US" sz="2000" dirty="0" smtClean="0"/>
+              <a:t>一般化加法モデルを利用</a:t>
+            </a:r>
+            <a:r>
+              <a:rPr lang="en-US" altLang="ja-JP" sz="2000" dirty="0" smtClean="0"/>
+              <a:t>)</a:t>
+            </a:r>
+          </a:p>
+          <a:p>
+            <a:pPr lvl="2"/>
+            <a:r>
+              <a:rPr lang="ja-JP" altLang="en-US" sz="2000" dirty="0" smtClean="0"/>
+              <a:t>実際にコールされたストライクを</a:t>
+            </a:r>
+            <a:r>
+              <a:rPr lang="en-US" altLang="ja-JP" sz="2000" dirty="0" smtClean="0"/>
+              <a:t>1, </a:t>
+            </a:r>
+            <a:r>
+              <a:rPr lang="ja-JP" altLang="en-US" sz="2000" dirty="0" smtClean="0"/>
+              <a:t>ボールを</a:t>
+            </a:r>
+            <a:r>
+              <a:rPr lang="en-US" altLang="ja-JP" sz="2000" dirty="0" smtClean="0"/>
+              <a:t>0</a:t>
+            </a:r>
+            <a:r>
+              <a:rPr lang="ja-JP" altLang="en-US" sz="2000" dirty="0" smtClean="0"/>
+              <a:t>とするダミー変数を作成し、これと平均的なストライクコール確率との差を選手ごとに集計する</a:t>
+            </a:r>
+            <a:endParaRPr lang="en-US" altLang="ja-JP" sz="2000" dirty="0" smtClean="0"/>
+          </a:p>
+          <a:p>
+            <a:pPr lvl="2"/>
+            <a:r>
+              <a:rPr lang="ja-JP" altLang="en-US" sz="2000" dirty="0"/>
+              <a:t>値</a:t>
+            </a:r>
+            <a:r>
+              <a:rPr lang="ja-JP" altLang="en-US" sz="2000" dirty="0" smtClean="0"/>
+              <a:t>がプラス：実際のコールが平均的なストライクコールの確率より高い</a:t>
+            </a:r>
+            <a:endParaRPr lang="en-US" altLang="ja-JP" sz="2000" dirty="0" smtClean="0"/>
+          </a:p>
+          <a:p>
+            <a:pPr lvl="1"/>
+            <a:r>
+              <a:rPr lang="ja-JP" altLang="en-US" sz="2000" dirty="0" smtClean="0"/>
+              <a:t>得点貢献：上記の手順で算出したストライクコール確率を用いて、投球を見送った時の得点期待値変動の平均を算出→実際に起こった得点確率の増減との差を取る</a:t>
+            </a:r>
+            <a:endParaRPr lang="en-US" altLang="ja-JP" sz="2000" dirty="0" smtClean="0"/>
+          </a:p>
+        </p:txBody>
+      </p:sp>
+    </p:spTree>
+    <p:extLst>
+      <p:ext uri="{BB962C8B-B14F-4D97-AF65-F5344CB8AC3E}">
+        <p14:creationId xmlns:p14="http://schemas.microsoft.com/office/powerpoint/2010/main" val="3340939788"/>
+      </p:ext>
+    </p:extLst>
+  </p:cSld>
+  <p:clrMapOvr>
+    <a:masterClrMapping/>
+  </p:clrMapOvr>
+</p:sld>
+</file>
+
+<file path=ppt/slides/slide24.xml><?xml version="1.0" encoding="utf-8"?>
+<p:sld xmlns:a="http://schemas.openxmlformats.org/drawingml/2006/main" xmlns:r="http://schemas.openxmlformats.org/officeDocument/2006/relationships" xmlns:p="http://schemas.openxmlformats.org/presentationml/2006/main">
+  <p:cSld>
+    <p:spTree>
+      <p:nvGrpSpPr>
+        <p:cNvPr id="1" name=""/>
+        <p:cNvGrpSpPr/>
+        <p:nvPr/>
+      </p:nvGrpSpPr>
+      <p:grpSpPr>
+        <a:xfrm>
+          <a:off x="0" y="0"/>
+          <a:ext cx="0" cy="0"/>
+          <a:chOff x="0" y="0"/>
+          <a:chExt cx="0" cy="0"/>
+        </a:xfrm>
+      </p:grpSpPr>
+      <p:sp>
+        <p:nvSpPr>
+          <p:cNvPr id="2" name="タイトル 1"/>
+          <p:cNvSpPr>
+            <a:spLocks noGrp="1"/>
+          </p:cNvSpPr>
+          <p:nvPr>
+            <p:ph type="title"/>
+          </p:nvPr>
+        </p:nvSpPr>
+        <p:spPr/>
+        <p:txBody>
+          <a:bodyPr/>
+          <a:lstStyle/>
+          <a:p>
+            <a:r>
               <a:rPr kumimoji="1" lang="ja-JP" altLang="en-US" dirty="0" smtClean="0"/>
               <a:t>結果</a:t>
             </a:r>
@@ -9743,11 +9972,7 @@
             <a:pPr lvl="1"/>
             <a:r>
               <a:rPr lang="ja-JP" altLang="en-US" sz="2000" dirty="0" smtClean="0"/>
-              <a:t>平均と比較</a:t>
-            </a:r>
-            <a:r>
-              <a:rPr lang="ja-JP" altLang="en-US" sz="2000" smtClean="0"/>
-              <a:t>するとほぼニュートラルと言えそう</a:t>
+              <a:t>平均と比較するとほぼニュートラルと言えそう</a:t>
             </a:r>
             <a:endParaRPr lang="en-US" altLang="ja-JP" sz="2000" dirty="0" smtClean="0"/>
           </a:p>
@@ -9803,8 +10028,12 @@
           <a:lstStyle/>
           <a:p>
             <a:r>
+              <a:rPr kumimoji="1" lang="en-US" altLang="ja-JP" dirty="0" smtClean="0"/>
+              <a:t>2021</a:t>
+            </a:r>
+            <a:r>
               <a:rPr kumimoji="1" lang="ja-JP" altLang="en-US" dirty="0" smtClean="0"/>
-              <a:t>投手スタッツ</a:t>
+              <a:t>年に絞る理由</a:t>
             </a:r>
             <a:endParaRPr kumimoji="1" lang="ja-JP" altLang="en-US" dirty="0"/>
           </a:p>
@@ -9825,6 +10054,78 @@
           <a:bodyPr/>
           <a:lstStyle/>
           <a:p>
+            <a:endParaRPr kumimoji="1" lang="ja-JP" altLang="en-US"/>
+          </a:p>
+        </p:txBody>
+      </p:sp>
+    </p:spTree>
+    <p:extLst>
+      <p:ext uri="{BB962C8B-B14F-4D97-AF65-F5344CB8AC3E}">
+        <p14:creationId xmlns:p14="http://schemas.microsoft.com/office/powerpoint/2010/main" val="1337977698"/>
+      </p:ext>
+    </p:extLst>
+  </p:cSld>
+  <p:clrMapOvr>
+    <a:masterClrMapping/>
+  </p:clrMapOvr>
+</p:sld>
+</file>
+
+<file path=ppt/slides/slide4.xml><?xml version="1.0" encoding="utf-8"?>
+<p:sld xmlns:a="http://schemas.openxmlformats.org/drawingml/2006/main" xmlns:r="http://schemas.openxmlformats.org/officeDocument/2006/relationships" xmlns:p="http://schemas.openxmlformats.org/presentationml/2006/main">
+  <p:cSld>
+    <p:spTree>
+      <p:nvGrpSpPr>
+        <p:cNvPr id="1" name=""/>
+        <p:cNvGrpSpPr/>
+        <p:nvPr/>
+      </p:nvGrpSpPr>
+      <p:grpSpPr>
+        <a:xfrm>
+          <a:off x="0" y="0"/>
+          <a:ext cx="0" cy="0"/>
+          <a:chOff x="0" y="0"/>
+          <a:chExt cx="0" cy="0"/>
+        </a:xfrm>
+      </p:grpSpPr>
+      <p:sp>
+        <p:nvSpPr>
+          <p:cNvPr id="2" name="タイトル 1"/>
+          <p:cNvSpPr>
+            <a:spLocks noGrp="1"/>
+          </p:cNvSpPr>
+          <p:nvPr>
+            <p:ph type="title"/>
+          </p:nvPr>
+        </p:nvSpPr>
+        <p:spPr/>
+        <p:txBody>
+          <a:bodyPr/>
+          <a:lstStyle/>
+          <a:p>
+            <a:r>
+              <a:rPr kumimoji="1" lang="ja-JP" altLang="en-US" dirty="0" smtClean="0"/>
+              <a:t>投手スタッツ</a:t>
+            </a:r>
+            <a:endParaRPr kumimoji="1" lang="ja-JP" altLang="en-US" dirty="0"/>
+          </a:p>
+        </p:txBody>
+      </p:sp>
+      <p:sp>
+        <p:nvSpPr>
+          <p:cNvPr id="3" name="コンテンツ プレースホルダー 2"/>
+          <p:cNvSpPr>
+            <a:spLocks noGrp="1"/>
+          </p:cNvSpPr>
+          <p:nvPr>
+            <p:ph idx="1"/>
+          </p:nvPr>
+        </p:nvSpPr>
+        <p:spPr/>
+        <p:txBody>
+          <a:bodyPr/>
+          <a:lstStyle/>
+          <a:p>
             <a:endParaRPr lang="en-US" altLang="ja-JP" sz="2400" dirty="0" smtClean="0"/>
           </a:p>
           <a:p>
@@ -9868,7 +10169,7 @@
 </p:sld>
 </file>
 
-<file path=ppt/slides/slide4.xml><?xml version="1.0" encoding="utf-8"?>
+<file path=ppt/slides/slide5.xml><?xml version="1.0" encoding="utf-8"?>
 <p:sld xmlns:a="http://schemas.openxmlformats.org/drawingml/2006/main" xmlns:r="http://schemas.openxmlformats.org/officeDocument/2006/relationships" xmlns:p="http://schemas.openxmlformats.org/presentationml/2006/main">
   <p:cSld>
     <p:spTree>
@@ -12007,7 +12308,7 @@
 </p:sld>
 </file>
 
-<file path=ppt/slides/slide5.xml><?xml version="1.0" encoding="utf-8"?>
+<file path=ppt/slides/slide6.xml><?xml version="1.0" encoding="utf-8"?>
 <p:sld xmlns:a="http://schemas.openxmlformats.org/drawingml/2006/main" xmlns:r="http://schemas.openxmlformats.org/officeDocument/2006/relationships" xmlns:p="http://schemas.openxmlformats.org/presentationml/2006/main">
   <p:cSld>
     <p:spTree>
@@ -15866,7 +16167,7 @@
 </p:sld>
 </file>
 
-<file path=ppt/slides/slide6.xml><?xml version="1.0" encoding="utf-8"?>
+<file path=ppt/slides/slide7.xml><?xml version="1.0" encoding="utf-8"?>
 <p:sld xmlns:a="http://schemas.openxmlformats.org/drawingml/2006/main" xmlns:r="http://schemas.openxmlformats.org/officeDocument/2006/relationships" xmlns:p="http://schemas.openxmlformats.org/presentationml/2006/main">
   <p:cSld>
     <p:spTree>
@@ -17045,7 +17346,7 @@
 </p:sld>
 </file>
 
-<file path=ppt/slides/slide7.xml><?xml version="1.0" encoding="utf-8"?>
+<file path=ppt/slides/slide8.xml><?xml version="1.0" encoding="utf-8"?>
 <p:sld xmlns:a="http://schemas.openxmlformats.org/drawingml/2006/main" xmlns:r="http://schemas.openxmlformats.org/officeDocument/2006/relationships" xmlns:p="http://schemas.openxmlformats.org/presentationml/2006/main">
   <p:cSld>
     <p:spTree>
@@ -18306,12 +18607,12 @@
                     <a:p>
                       <a:pPr algn="r" fontAlgn="ctr"/>
                       <a:r>
-                        <a:rPr lang="en-US" altLang="ja-JP" sz="1600" u="none" strike="noStrike">
+                        <a:rPr lang="en-US" altLang="ja-JP" sz="1600" u="none" strike="noStrike" dirty="0">
                           <a:effectLst/>
                         </a:rPr>
                         <a:t>20.4</a:t>
                       </a:r>
-                      <a:endParaRPr lang="en-US" altLang="ja-JP" sz="1600" b="0" i="0" u="none" strike="noStrike">
+                      <a:endParaRPr lang="en-US" altLang="ja-JP" sz="1600" b="0" i="0" u="none" strike="noStrike" dirty="0">
                         <a:solidFill>
                           <a:srgbClr val="000000"/>
                         </a:solidFill>
@@ -18330,12 +18631,12 @@
                     <a:p>
                       <a:pPr algn="r" fontAlgn="ctr"/>
                       <a:r>
-                        <a:rPr lang="en-US" altLang="ja-JP" sz="1600" u="none" strike="noStrike">
+                        <a:rPr lang="en-US" altLang="ja-JP" sz="1600" u="none" strike="noStrike" dirty="0">
                           <a:effectLst/>
                         </a:rPr>
                         <a:t>50.7</a:t>
                       </a:r>
-                      <a:endParaRPr lang="en-US" altLang="ja-JP" sz="1600" b="0" i="0" u="none" strike="noStrike">
+                      <a:endParaRPr lang="en-US" altLang="ja-JP" sz="1600" b="0" i="0" u="none" strike="noStrike" dirty="0">
                         <a:solidFill>
                           <a:srgbClr val="000000"/>
                         </a:solidFill>
@@ -19870,240 +20171,6 @@
     <p:extLst>
       <p:ext uri="{BB962C8B-B14F-4D97-AF65-F5344CB8AC3E}">
         <p14:creationId xmlns:p14="http://schemas.microsoft.com/office/powerpoint/2010/main" val="1574869134"/>
-      </p:ext>
-    </p:extLst>
-  </p:cSld>
-  <p:clrMapOvr>
-    <a:masterClrMapping/>
-  </p:clrMapOvr>
-</p:sld>
-</file>
-
-<file path=ppt/slides/slide8.xml><?xml version="1.0" encoding="utf-8"?>
-<p:sld xmlns:a="http://schemas.openxmlformats.org/drawingml/2006/main" xmlns:r="http://schemas.openxmlformats.org/officeDocument/2006/relationships" xmlns:p="http://schemas.openxmlformats.org/presentationml/2006/main">
-  <p:cSld>
-    <p:spTree>
-      <p:nvGrpSpPr>
-        <p:cNvPr id="1" name=""/>
-        <p:cNvGrpSpPr/>
-        <p:nvPr/>
-      </p:nvGrpSpPr>
-      <p:grpSpPr>
-        <a:xfrm>
-          <a:off x="0" y="0"/>
-          <a:ext cx="0" cy="0"/>
-          <a:chOff x="0" y="0"/>
-          <a:chExt cx="0" cy="0"/>
-        </a:xfrm>
-      </p:grpSpPr>
-      <p:sp>
-        <p:nvSpPr>
-          <p:cNvPr id="2" name="タイトル 1"/>
-          <p:cNvSpPr>
-            <a:spLocks noGrp="1"/>
-          </p:cNvSpPr>
-          <p:nvPr>
-            <p:ph type="title"/>
-          </p:nvPr>
-        </p:nvSpPr>
-        <p:spPr/>
-        <p:txBody>
-          <a:bodyPr/>
-          <a:lstStyle/>
-          <a:p>
-            <a:r>
-              <a:rPr lang="ja-JP" altLang="en-US" sz="3200" dirty="0"/>
-              <a:t>球</a:t>
-            </a:r>
-            <a:r>
-              <a:rPr lang="ja-JP" altLang="en-US" sz="3200" dirty="0" smtClean="0"/>
-              <a:t>種別</a:t>
-            </a:r>
-            <a:r>
-              <a:rPr lang="en-US" altLang="ja-JP" sz="3200" dirty="0" smtClean="0"/>
-              <a:t>discipline</a:t>
-            </a:r>
-            <a:r>
-              <a:rPr lang="ja-JP" altLang="en-US" sz="3200" dirty="0" smtClean="0"/>
-              <a:t>系スタッツ：フォーシーム・カーブ</a:t>
-            </a:r>
-            <a:endParaRPr kumimoji="1" lang="ja-JP" altLang="en-US" sz="3200" dirty="0"/>
-          </a:p>
-        </p:txBody>
-      </p:sp>
-      <p:sp>
-        <p:nvSpPr>
-          <p:cNvPr id="3" name="コンテンツ プレースホルダー 2"/>
-          <p:cNvSpPr>
-            <a:spLocks noGrp="1"/>
-          </p:cNvSpPr>
-          <p:nvPr>
-            <p:ph idx="1"/>
-          </p:nvPr>
-        </p:nvSpPr>
-        <p:spPr/>
-        <p:txBody>
-          <a:bodyPr/>
-          <a:lstStyle/>
-          <a:p>
-            <a:r>
-              <a:rPr kumimoji="1" lang="ja-JP" altLang="en-US" sz="2400" dirty="0" smtClean="0"/>
-              <a:t>フォーシーム</a:t>
-            </a:r>
-            <a:endParaRPr kumimoji="1" lang="en-US" altLang="ja-JP" sz="2400" dirty="0" smtClean="0"/>
-          </a:p>
-          <a:p>
-            <a:pPr lvl="1"/>
-            <a:r>
-              <a:rPr lang="ja-JP" altLang="en-US" sz="2000" dirty="0" smtClean="0"/>
-              <a:t>最も多く投じられた球種、</a:t>
-            </a:r>
-            <a:r>
-              <a:rPr lang="en-US" altLang="ja-JP" sz="2000" dirty="0" smtClean="0"/>
-              <a:t>PV/C</a:t>
-            </a:r>
-            <a:r>
-              <a:rPr lang="ja-JP" altLang="en-US" sz="2000" dirty="0" err="1" smtClean="0"/>
-              <a:t>は微</a:t>
-            </a:r>
-            <a:r>
-              <a:rPr lang="ja-JP" altLang="en-US" sz="2000" dirty="0" smtClean="0"/>
-              <a:t>マイナスだが、リーグ平均よりは高い</a:t>
-            </a:r>
-            <a:endParaRPr lang="en-US" altLang="ja-JP" sz="2000" dirty="0" smtClean="0"/>
-          </a:p>
-          <a:p>
-            <a:pPr lvl="2"/>
-            <a:r>
-              <a:rPr lang="ja-JP" altLang="en-US" sz="2000" dirty="0" smtClean="0"/>
-              <a:t>スピンレート</a:t>
-            </a:r>
-            <a:r>
-              <a:rPr lang="ja-JP" altLang="en-US" sz="2000" dirty="0"/>
-              <a:t>の</a:t>
-            </a:r>
-            <a:r>
-              <a:rPr lang="ja-JP" altLang="en-US" sz="2000" dirty="0" smtClean="0"/>
-              <a:t>改善、ホップ成分低目でややスライド気味の変化も記録する真</a:t>
-            </a:r>
-            <a:r>
-              <a:rPr lang="ja-JP" altLang="en-US" sz="2000" dirty="0" err="1" smtClean="0"/>
-              <a:t>っ</a:t>
-            </a:r>
-            <a:r>
-              <a:rPr lang="ja-JP" altLang="en-US" sz="2000" dirty="0" smtClean="0"/>
-              <a:t>スラ系球質、リーグ全体と比較しても出色の高い平均球速</a:t>
-            </a:r>
-            <a:endParaRPr lang="en-US" altLang="ja-JP" sz="2000" dirty="0" smtClean="0"/>
-          </a:p>
-          <a:p>
-            <a:pPr lvl="1"/>
-            <a:r>
-              <a:rPr lang="ja-JP" altLang="en-US" sz="2000" dirty="0" smtClean="0"/>
-              <a:t>真</a:t>
-            </a:r>
-            <a:r>
-              <a:rPr lang="ja-JP" altLang="en-US" sz="2000" dirty="0" err="1"/>
-              <a:t>っ</a:t>
-            </a:r>
-            <a:r>
-              <a:rPr lang="ja-JP" altLang="en-US" sz="2000" dirty="0" smtClean="0"/>
-              <a:t>スラ気味の球質、高い球速もあってゴロ打球率が非常に高い</a:t>
-            </a:r>
-            <a:endParaRPr lang="en-US" altLang="ja-JP" sz="2000" dirty="0" smtClean="0"/>
-          </a:p>
-          <a:p>
-            <a:pPr lvl="1"/>
-            <a:r>
-              <a:rPr lang="ja-JP" altLang="en-US" sz="2000" dirty="0" smtClean="0"/>
-              <a:t>真</a:t>
-            </a:r>
-            <a:r>
-              <a:rPr lang="ja-JP" altLang="en-US" sz="2000" dirty="0" err="1" smtClean="0"/>
-              <a:t>っ</a:t>
-            </a:r>
-            <a:r>
-              <a:rPr lang="ja-JP" altLang="en-US" sz="2000" dirty="0" smtClean="0"/>
-              <a:t>スラ気味の球質はコンタクトが増えることともイコール</a:t>
-            </a:r>
-            <a:r>
-              <a:rPr lang="en-US" altLang="ja-JP" sz="2000" dirty="0" smtClean="0"/>
-              <a:t>: Contact%</a:t>
-            </a:r>
-            <a:r>
-              <a:rPr lang="ja-JP" altLang="en-US" sz="2000" dirty="0" smtClean="0"/>
-              <a:t>はリーグ平均程度か若干高め</a:t>
-            </a:r>
-            <a:r>
-              <a:rPr lang="en-US" altLang="ja-JP" sz="2000" dirty="0" smtClean="0"/>
-              <a:t>(=Whiff%</a:t>
-            </a:r>
-            <a:r>
-              <a:rPr lang="ja-JP" altLang="en-US" sz="2000" dirty="0" smtClean="0"/>
-              <a:t>がやや低い</a:t>
-            </a:r>
-            <a:r>
-              <a:rPr lang="en-US" altLang="ja-JP" sz="2000" dirty="0" smtClean="0"/>
-              <a:t>)</a:t>
-            </a:r>
-          </a:p>
-          <a:p>
-            <a:pPr lvl="1"/>
-            <a:r>
-              <a:rPr lang="en-US" altLang="ja-JP" sz="2000" dirty="0" smtClean="0"/>
-              <a:t>Zone%</a:t>
-            </a:r>
-            <a:r>
-              <a:rPr lang="ja-JP" altLang="en-US" sz="2000" dirty="0" smtClean="0"/>
-              <a:t>も平均程度</a:t>
-            </a:r>
-            <a:endParaRPr lang="en-US" altLang="ja-JP" sz="2000" dirty="0" smtClean="0"/>
-          </a:p>
-          <a:p>
-            <a:pPr lvl="1"/>
-            <a:r>
-              <a:rPr kumimoji="1" lang="ja-JP" altLang="en-US" sz="2000" dirty="0" smtClean="0"/>
-              <a:t>シーズン中盤以降は投球割合を減らし、よりバリューの高い球種に代替</a:t>
-            </a:r>
-            <a:endParaRPr lang="en-US" altLang="ja-JP" sz="2000" dirty="0"/>
-          </a:p>
-          <a:p>
-            <a:r>
-              <a:rPr kumimoji="1" lang="ja-JP" altLang="en-US" sz="2400" dirty="0" smtClean="0"/>
-              <a:t>カーブ</a:t>
-            </a:r>
-            <a:endParaRPr kumimoji="1" lang="en-US" altLang="ja-JP" sz="2400" dirty="0" smtClean="0"/>
-          </a:p>
-          <a:p>
-            <a:pPr lvl="1"/>
-            <a:r>
-              <a:rPr lang="ja-JP" altLang="en-US" sz="2000" dirty="0" smtClean="0"/>
-              <a:t>平均より遅く・大きく落ちるカーブ</a:t>
-            </a:r>
-            <a:endParaRPr lang="en-US" altLang="ja-JP" sz="2000" dirty="0"/>
-          </a:p>
-          <a:p>
-            <a:pPr lvl="1"/>
-            <a:r>
-              <a:rPr lang="ja-JP" altLang="en-US" sz="2000" dirty="0" smtClean="0"/>
-              <a:t>ゾーンへの投球率も低いため、</a:t>
-            </a:r>
-            <a:r>
-              <a:rPr lang="en-US" altLang="ja-JP" sz="2000" dirty="0" smtClean="0"/>
-              <a:t>PV</a:t>
-            </a:r>
-            <a:r>
-              <a:rPr lang="ja-JP" altLang="en-US" sz="2000" dirty="0" smtClean="0"/>
-              <a:t>は振るわないが、見送りストライクの比率は高い</a:t>
-            </a:r>
-            <a:endParaRPr lang="en-US" altLang="ja-JP" sz="2000" dirty="0" smtClean="0"/>
-          </a:p>
-        </p:txBody>
-      </p:sp>
-    </p:spTree>
-    <p:extLst>
-      <p:ext uri="{BB962C8B-B14F-4D97-AF65-F5344CB8AC3E}">
-        <p14:creationId xmlns:p14="http://schemas.microsoft.com/office/powerpoint/2010/main" val="239167858"/>
       </p:ext>
     </p:extLst>
   </p:cSld>
@@ -20146,10 +20213,22 @@
           <a:lstStyle/>
           <a:p>
             <a:r>
-              <a:rPr kumimoji="1" lang="ja-JP" altLang="en-US" dirty="0" smtClean="0"/>
-              <a:t>スライダー・カッター</a:t>
-            </a:r>
-            <a:endParaRPr kumimoji="1" lang="ja-JP" altLang="en-US" dirty="0"/>
+              <a:rPr lang="ja-JP" altLang="en-US" sz="3200" dirty="0"/>
+              <a:t>球</a:t>
+            </a:r>
+            <a:r>
+              <a:rPr lang="ja-JP" altLang="en-US" sz="3200" dirty="0" smtClean="0"/>
+              <a:t>種別</a:t>
+            </a:r>
+            <a:r>
+              <a:rPr lang="en-US" altLang="ja-JP" sz="3200" dirty="0" smtClean="0"/>
+              <a:t>discipline</a:t>
+            </a:r>
+            <a:r>
+              <a:rPr lang="ja-JP" altLang="en-US" sz="3200" dirty="0" smtClean="0"/>
+              <a:t>系スタッツ：フォーシーム・カーブ</a:t>
+            </a:r>
+            <a:endParaRPr kumimoji="1" lang="ja-JP" altLang="en-US" sz="3200" dirty="0"/>
           </a:p>
         </p:txBody>
       </p:sp>
@@ -20163,175 +20242,169 @@
             <p:ph idx="1"/>
           </p:nvPr>
         </p:nvSpPr>
-        <p:spPr>
-          <a:xfrm>
-            <a:off x="609600" y="1600201"/>
-            <a:ext cx="10972800" cy="5020055"/>
-          </a:xfrm>
-        </p:spPr>
+        <p:spPr/>
         <p:txBody>
           <a:bodyPr/>
           <a:lstStyle/>
           <a:p>
             <a:r>
-              <a:rPr lang="ja-JP" altLang="en-US" sz="2400" dirty="0" smtClean="0"/>
-              <a:t>スライダー</a:t>
-            </a:r>
-            <a:endParaRPr lang="en-US" altLang="ja-JP" sz="2400" dirty="0" smtClean="0"/>
+              <a:rPr kumimoji="1" lang="ja-JP" altLang="en-US" sz="2400" dirty="0" smtClean="0"/>
+              <a:t>フォーシーム</a:t>
+            </a:r>
+            <a:endParaRPr kumimoji="1" lang="en-US" altLang="ja-JP" sz="2400" dirty="0" smtClean="0"/>
           </a:p>
           <a:p>
             <a:pPr lvl="1"/>
             <a:r>
               <a:rPr lang="ja-JP" altLang="en-US" sz="2000" dirty="0" smtClean="0"/>
-              <a:t>変化球の中で最も投球比率が高く、</a:t>
+              <a:t>最も多く投じられた球種、</a:t>
+            </a:r>
+            <a:r>
+              <a:rPr lang="en-US" altLang="ja-JP" sz="2000" dirty="0" smtClean="0"/>
+              <a:t>PV/C</a:t>
+            </a:r>
+            <a:r>
+              <a:rPr lang="ja-JP" altLang="en-US" sz="2000" dirty="0" err="1" smtClean="0"/>
+              <a:t>は微</a:t>
+            </a:r>
+            <a:r>
+              <a:rPr lang="ja-JP" altLang="en-US" sz="2000" dirty="0" smtClean="0"/>
+              <a:t>マイナスだが、リーグ平均よりは高い</a:t>
             </a:r>
             <a:endParaRPr lang="en-US" altLang="ja-JP" sz="2000" dirty="0" smtClean="0"/>
           </a:p>
           <a:p>
+            <a:pPr lvl="2"/>
+            <a:r>
+              <a:rPr lang="ja-JP" altLang="en-US" sz="2000" dirty="0" smtClean="0"/>
+              <a:t>スピンレート</a:t>
+            </a:r>
+            <a:r>
+              <a:rPr lang="ja-JP" altLang="en-US" sz="2000" dirty="0"/>
+              <a:t>の</a:t>
+            </a:r>
+            <a:r>
+              <a:rPr lang="ja-JP" altLang="en-US" sz="2000" dirty="0" smtClean="0"/>
+              <a:t>改善、ホップ成分低目でややスライド気味の変化も記録する真</a:t>
+            </a:r>
+            <a:r>
+              <a:rPr lang="ja-JP" altLang="en-US" sz="2000" dirty="0" err="1" smtClean="0"/>
+              <a:t>っ</a:t>
+            </a:r>
+            <a:r>
+              <a:rPr lang="ja-JP" altLang="en-US" sz="2000" dirty="0" smtClean="0"/>
+              <a:t>スラ系球質、リーグ全体と比較しても出色の高い平均球速</a:t>
+            </a:r>
+            <a:endParaRPr lang="en-US" altLang="ja-JP" sz="2000" dirty="0" smtClean="0"/>
+          </a:p>
+          <a:p>
             <a:pPr lvl="1"/>
             <a:r>
               <a:rPr lang="ja-JP" altLang="en-US" sz="2000" dirty="0" smtClean="0"/>
-              <a:t>スライド</a:t>
-            </a:r>
-            <a:r>
-              <a:rPr lang="ja-JP" altLang="en-US" sz="2000" dirty="0"/>
-              <a:t>成分</a:t>
-            </a:r>
-            <a:r>
-              <a:rPr kumimoji="1" lang="en-US" altLang="ja-JP" sz="2000" dirty="0" smtClean="0"/>
-              <a:t>40cm</a:t>
-            </a:r>
+              <a:t>真</a:t>
+            </a:r>
+            <a:r>
+              <a:rPr lang="ja-JP" altLang="en-US" sz="2000" dirty="0" err="1"/>
+              <a:t>っ</a:t>
+            </a:r>
+            <a:r>
+              <a:rPr lang="ja-JP" altLang="en-US" sz="2000" dirty="0" smtClean="0"/>
+              <a:t>スラ気味の球質、高い球速もあってゴロ打球率が非常に高い</a:t>
+            </a:r>
+            <a:endParaRPr lang="en-US" altLang="ja-JP" sz="2000" dirty="0" smtClean="0"/>
+          </a:p>
+          <a:p>
+            <a:pPr lvl="1"/>
+            <a:r>
+              <a:rPr lang="ja-JP" altLang="en-US" sz="2000" dirty="0" smtClean="0"/>
+              <a:t>真</a:t>
+            </a:r>
+            <a:r>
+              <a:rPr lang="ja-JP" altLang="en-US" sz="2000" dirty="0" err="1" smtClean="0"/>
+              <a:t>っ</a:t>
+            </a:r>
+            <a:r>
+              <a:rPr lang="ja-JP" altLang="en-US" sz="2000" dirty="0" smtClean="0"/>
+              <a:t>スラ気味の球質はコンタクトが増えることともイコール</a:t>
+            </a:r>
+            <a:r>
+              <a:rPr lang="en-US" altLang="ja-JP" sz="2000" dirty="0" smtClean="0"/>
+              <a:t>: Contact%</a:t>
+            </a:r>
+            <a:r>
+              <a:rPr lang="ja-JP" altLang="en-US" sz="2000" dirty="0" smtClean="0"/>
+              <a:t>はリーグ平均程度か若干高め</a:t>
+            </a:r>
+            <a:r>
+              <a:rPr lang="en-US" altLang="ja-JP" sz="2000" dirty="0" smtClean="0"/>
+              <a:t>(=Whiff%</a:t>
+            </a:r>
+            <a:r>
+              <a:rPr lang="ja-JP" altLang="en-US" sz="2000" dirty="0" smtClean="0"/>
+              <a:t>がやや低い</a:t>
+            </a:r>
+            <a:r>
+              <a:rPr lang="en-US" altLang="ja-JP" sz="2000" dirty="0" smtClean="0"/>
+              <a:t>)</a:t>
+            </a:r>
+          </a:p>
+          <a:p>
+            <a:pPr lvl="1"/>
+            <a:r>
+              <a:rPr lang="en-US" altLang="ja-JP" sz="2000" dirty="0" smtClean="0"/>
+              <a:t>Zone%</a:t>
+            </a:r>
+            <a:r>
+              <a:rPr lang="ja-JP" altLang="en-US" sz="2000" dirty="0" smtClean="0"/>
+              <a:t>も平均程度</a:t>
+            </a:r>
+            <a:endParaRPr lang="en-US" altLang="ja-JP" sz="2000" dirty="0" smtClean="0"/>
+          </a:p>
+          <a:p>
+            <a:pPr lvl="1"/>
             <a:r>
               <a:rPr kumimoji="1" lang="ja-JP" altLang="en-US" sz="2000" dirty="0" smtClean="0"/>
-              <a:t>と平均を大きく上回る横滑りのスライダー。球速は平均を下回るため、対フォーシームの球速比で言えばやや遅めに分類される</a:t>
-            </a:r>
-            <a:endParaRPr kumimoji="1" lang="en-US" altLang="ja-JP" sz="2000" dirty="0" smtClean="0"/>
+              <a:t>シーズン中盤以降は投球割合を減らし、よりバリューの高い球種に代替</a:t>
+            </a:r>
+            <a:endParaRPr lang="en-US" altLang="ja-JP" sz="2000" dirty="0"/>
+          </a:p>
+          <a:p>
+            <a:r>
+              <a:rPr kumimoji="1" lang="ja-JP" altLang="en-US" sz="2400" dirty="0" smtClean="0"/>
+              <a:t>カーブ</a:t>
+            </a:r>
+            <a:endParaRPr kumimoji="1" lang="en-US" altLang="ja-JP" sz="2400" dirty="0" smtClean="0"/>
           </a:p>
           <a:p>
             <a:pPr lvl="1"/>
             <a:r>
+              <a:rPr lang="ja-JP" altLang="en-US" sz="2000" dirty="0" smtClean="0"/>
+              <a:t>平均より遅く・大きく落ちるカーブ</a:t>
+            </a:r>
+            <a:endParaRPr lang="en-US" altLang="ja-JP" sz="2000" dirty="0"/>
+          </a:p>
+          <a:p>
+            <a:pPr lvl="1"/>
+            <a:r>
+              <a:rPr lang="ja-JP" altLang="en-US" sz="2000" dirty="0" smtClean="0"/>
+              <a:t>ゾーンへの投球率も低いため、</a:t>
+            </a:r>
+            <a:r>
               <a:rPr lang="en-US" altLang="ja-JP" sz="2000" dirty="0" smtClean="0"/>
-              <a:t>SwStr%14.3, CStr%20.4</a:t>
+              <a:t>PV</a:t>
             </a:r>
             <a:r>
               <a:rPr lang="ja-JP" altLang="en-US" sz="2000" dirty="0" smtClean="0"/>
-              <a:t>はそれぞれ大谷投手の持ち球の中で</a:t>
-            </a:r>
-            <a:r>
-              <a:rPr lang="en-US" altLang="ja-JP" sz="2000" dirty="0" smtClean="0"/>
-              <a:t>2</a:t>
-            </a:r>
-            <a:r>
-              <a:rPr lang="ja-JP" altLang="en-US" sz="2000" dirty="0" smtClean="0"/>
-              <a:t>番目</a:t>
-            </a:r>
-            <a:r>
-              <a:rPr lang="en-US" altLang="ja-JP" sz="2000" dirty="0" smtClean="0"/>
-              <a:t>/</a:t>
-            </a:r>
-            <a:r>
-              <a:rPr lang="ja-JP" altLang="en-US" sz="2000" dirty="0" smtClean="0"/>
-              <a:t>最も高い比率で、スプリットと並んで最も高い比率でストライクを取った球種である。しかも</a:t>
-            </a:r>
-            <a:r>
-              <a:rPr lang="en-US" altLang="ja-JP" sz="2000" dirty="0" smtClean="0"/>
-              <a:t>Zone%55.9</a:t>
-            </a:r>
-            <a:r>
-              <a:rPr lang="ja-JP" altLang="en-US" sz="2000" dirty="0" smtClean="0"/>
-              <a:t>はフォーシームと同程度の高さであり、「ストライクゾーンに投じながらストライクが取れる」という観点ではスプリット以上に安定している</a:t>
+              <a:t>は振るわないが、見送りストライクの比率は高い</a:t>
             </a:r>
             <a:endParaRPr lang="en-US" altLang="ja-JP" sz="2000" dirty="0" smtClean="0"/>
-          </a:p>
-          <a:p>
-            <a:r>
-              <a:rPr lang="ja-JP" altLang="en-US" sz="2534" dirty="0"/>
-              <a:t>カッター</a:t>
-            </a:r>
-            <a:endParaRPr lang="en-US" altLang="ja-JP" sz="2534" dirty="0" smtClean="0"/>
-          </a:p>
-          <a:p>
-            <a:pPr lvl="1"/>
-            <a:r>
-              <a:rPr kumimoji="1" lang="en-US" altLang="ja-JP" sz="2000" dirty="0" smtClean="0"/>
-              <a:t>2021</a:t>
-            </a:r>
-            <a:r>
-              <a:rPr kumimoji="1" lang="ja-JP" altLang="en-US" sz="2000" dirty="0" smtClean="0"/>
-              <a:t>シーズンから使用。</a:t>
-            </a:r>
-            <a:r>
-              <a:rPr lang="ja-JP" altLang="en-US" sz="2000" dirty="0"/>
-              <a:t>球速帯</a:t>
-            </a:r>
-            <a:r>
-              <a:rPr lang="ja-JP" altLang="en-US" sz="2000" dirty="0" smtClean="0"/>
-              <a:t>はマネーピッチのスプリットに近い。平均ホップ成分は他の</a:t>
-            </a:r>
-            <a:r>
-              <a:rPr lang="en-US" altLang="ja-JP" sz="2000" dirty="0" smtClean="0"/>
-              <a:t>2</a:t>
-            </a:r>
-            <a:r>
-              <a:rPr lang="ja-JP" altLang="en-US" sz="2000" dirty="0" smtClean="0"/>
-              <a:t>球種よりやや高いが、チャートではスライダー、スプリットのほぼ真ん中に曲がっていく球種</a:t>
-            </a:r>
-            <a:endParaRPr lang="en-US" altLang="ja-JP" sz="2000" dirty="0" smtClean="0"/>
-          </a:p>
-          <a:p>
-            <a:pPr lvl="1"/>
-            <a:r>
-              <a:rPr kumimoji="1" lang="ja-JP" altLang="en-US" sz="2000" dirty="0" smtClean="0"/>
-              <a:t>空振りを奪うスペックは他の球種にやや劣るが、内野フライ</a:t>
-            </a:r>
-            <a:r>
-              <a:rPr kumimoji="1" lang="en-US" altLang="ja-JP" sz="2000" dirty="0" smtClean="0"/>
-              <a:t>(Popup)</a:t>
-            </a:r>
-            <a:r>
-              <a:rPr kumimoji="1" lang="ja-JP" altLang="en-US" sz="2000" dirty="0" smtClean="0"/>
-              <a:t>が</a:t>
-            </a:r>
-            <a:r>
-              <a:rPr kumimoji="1" lang="en-US" altLang="ja-JP" sz="2000" dirty="0" smtClean="0"/>
-              <a:t>13%</a:t>
-            </a:r>
-            <a:r>
-              <a:rPr kumimoji="1" lang="ja-JP" altLang="en-US" sz="2000" dirty="0" smtClean="0"/>
-              <a:t>と高いことから</a:t>
-            </a:r>
-            <a:r>
-              <a:rPr kumimoji="1" lang="en-US" altLang="ja-JP" sz="2000" dirty="0" smtClean="0"/>
-              <a:t>1</a:t>
-            </a:r>
-            <a:r>
-              <a:rPr kumimoji="1" lang="ja-JP" altLang="en-US" sz="2000" dirty="0" smtClean="0"/>
-              <a:t>球でアウトを取る性能に強みがある。</a:t>
-            </a:r>
-            <a:r>
-              <a:rPr kumimoji="1" lang="en-US" altLang="ja-JP" sz="2000" dirty="0" smtClean="0"/>
-              <a:t>Zone%</a:t>
-            </a:r>
-            <a:r>
-              <a:rPr lang="ja-JP" altLang="en-US" sz="2000" dirty="0" smtClean="0"/>
-              <a:t>は</a:t>
-            </a:r>
-            <a:r>
-              <a:rPr lang="en-US" altLang="ja-JP" sz="2000" dirty="0" smtClean="0"/>
-              <a:t>5</a:t>
-            </a:r>
-            <a:r>
-              <a:rPr lang="ja-JP" altLang="en-US" sz="2000" dirty="0" smtClean="0"/>
-              <a:t>球種の中でトップ</a:t>
-            </a:r>
-            <a:endParaRPr kumimoji="1" lang="en-US" altLang="ja-JP" sz="2000" dirty="0" smtClean="0"/>
           </a:p>
         </p:txBody>
       </p:sp>
     </p:spTree>
     <p:extLst>
       <p:ext uri="{BB962C8B-B14F-4D97-AF65-F5344CB8AC3E}">
-        <p14:creationId xmlns:p14="http://schemas.microsoft.com/office/powerpoint/2010/main" val="2328693508"/>
+        <p14:creationId xmlns:p14="http://schemas.microsoft.com/office/powerpoint/2010/main" val="239167858"/>
       </p:ext>
     </p:extLst>
   </p:cSld>

--- a/slides/ohtani_tj.pptx
+++ b/slides/ohtani_tj.pptx
@@ -7,29 +7,30 @@
   </p:sldMasterIdLst>
   <p:sldIdLst>
     <p:sldId id="257" r:id="rId3"/>
-    <p:sldId id="259" r:id="rId4"/>
-    <p:sldId id="282" r:id="rId5"/>
-    <p:sldId id="258" r:id="rId6"/>
-    <p:sldId id="271" r:id="rId7"/>
-    <p:sldId id="277" r:id="rId8"/>
-    <p:sldId id="278" r:id="rId9"/>
-    <p:sldId id="279" r:id="rId10"/>
-    <p:sldId id="273" r:id="rId11"/>
-    <p:sldId id="274" r:id="rId12"/>
-    <p:sldId id="276" r:id="rId13"/>
-    <p:sldId id="268" r:id="rId14"/>
-    <p:sldId id="275" r:id="rId15"/>
-    <p:sldId id="269" r:id="rId16"/>
-    <p:sldId id="272" r:id="rId17"/>
-    <p:sldId id="262" r:id="rId18"/>
-    <p:sldId id="264" r:id="rId19"/>
-    <p:sldId id="263" r:id="rId20"/>
-    <p:sldId id="265" r:id="rId21"/>
-    <p:sldId id="266" r:id="rId22"/>
-    <p:sldId id="267" r:id="rId23"/>
-    <p:sldId id="270" r:id="rId24"/>
-    <p:sldId id="280" r:id="rId25"/>
-    <p:sldId id="281" r:id="rId26"/>
+    <p:sldId id="283" r:id="rId4"/>
+    <p:sldId id="264" r:id="rId5"/>
+    <p:sldId id="263" r:id="rId6"/>
+    <p:sldId id="265" r:id="rId7"/>
+    <p:sldId id="266" r:id="rId8"/>
+    <p:sldId id="267" r:id="rId9"/>
+    <p:sldId id="270" r:id="rId10"/>
+    <p:sldId id="259" r:id="rId11"/>
+    <p:sldId id="282" r:id="rId12"/>
+    <p:sldId id="258" r:id="rId13"/>
+    <p:sldId id="271" r:id="rId14"/>
+    <p:sldId id="277" r:id="rId15"/>
+    <p:sldId id="278" r:id="rId16"/>
+    <p:sldId id="279" r:id="rId17"/>
+    <p:sldId id="273" r:id="rId18"/>
+    <p:sldId id="274" r:id="rId19"/>
+    <p:sldId id="276" r:id="rId20"/>
+    <p:sldId id="268" r:id="rId21"/>
+    <p:sldId id="275" r:id="rId22"/>
+    <p:sldId id="269" r:id="rId23"/>
+    <p:sldId id="272" r:id="rId24"/>
+    <p:sldId id="262" r:id="rId25"/>
+    <p:sldId id="280" r:id="rId26"/>
+    <p:sldId id="281" r:id="rId27"/>
   </p:sldIdLst>
   <p:sldSz cx="12192000" cy="6858000"/>
   <p:notesSz cx="6858000" cy="9144000"/>
@@ -178,10 +179,9 @@
           </a:lstStyle>
           <a:p>
             <a:r>
-              <a:rPr kumimoji="1" lang="ja-JP" altLang="en-US" smtClean="0"/>
+              <a:rPr kumimoji="1" lang="ja-JP" altLang="en-US"/>
               <a:t>マスター タイトルの書式設定</a:t>
             </a:r>
-            <a:endParaRPr kumimoji="1" lang="ja-JP" altLang="en-US"/>
           </a:p>
         </p:txBody>
       </p:sp>
@@ -243,10 +243,9 @@
           </a:lstStyle>
           <a:p>
             <a:r>
-              <a:rPr kumimoji="1" lang="ja-JP" altLang="en-US" smtClean="0"/>
+              <a:rPr kumimoji="1" lang="ja-JP" altLang="en-US"/>
               <a:t>マスター サブタイトルの書式設定</a:t>
             </a:r>
-            <a:endParaRPr kumimoji="1" lang="ja-JP" altLang="en-US"/>
           </a:p>
         </p:txBody>
       </p:sp>
@@ -267,7 +266,7 @@
           <a:p>
             <a:fld id="{CE08E82F-1428-4D30-A9B8-785588B5A09D}" type="datetimeFigureOut">
               <a:rPr kumimoji="1" lang="ja-JP" altLang="en-US" smtClean="0"/>
-              <a:t>2022/1/16</a:t>
+              <a:t>2022/1/18</a:t>
             </a:fld>
             <a:endParaRPr kumimoji="1" lang="ja-JP" altLang="en-US"/>
           </a:p>
@@ -361,10 +360,9 @@
           <a:lstStyle/>
           <a:p>
             <a:r>
-              <a:rPr kumimoji="1" lang="ja-JP" altLang="en-US" smtClean="0"/>
+              <a:rPr kumimoji="1" lang="ja-JP" altLang="en-US"/>
               <a:t>マスター タイトルの書式設定</a:t>
             </a:r>
-            <a:endParaRPr kumimoji="1" lang="ja-JP" altLang="en-US"/>
           </a:p>
         </p:txBody>
       </p:sp>
@@ -385,70 +383,69 @@
           <a:p>
             <a:pPr lvl="0"/>
             <a:r>
-              <a:rPr kumimoji="1" lang="ja-JP" altLang="en-US" smtClean="0"/>
+              <a:rPr kumimoji="1" lang="ja-JP" altLang="en-US"/>
               <a:t>マスター テキストの書式設定</a:t>
             </a:r>
           </a:p>
           <a:p>
             <a:pPr lvl="1"/>
             <a:r>
-              <a:rPr kumimoji="1" lang="ja-JP" altLang="en-US" smtClean="0"/>
+              <a:rPr kumimoji="1" lang="ja-JP" altLang="en-US"/>
               <a:t>第 </a:t>
             </a:r>
             <a:r>
-              <a:rPr kumimoji="1" lang="en-US" altLang="ja-JP" smtClean="0"/>
+              <a:rPr kumimoji="1" lang="en-US" altLang="ja-JP"/>
               <a:t>2 </a:t>
             </a:r>
             <a:r>
-              <a:rPr kumimoji="1" lang="ja-JP" altLang="en-US" smtClean="0"/>
+              <a:rPr kumimoji="1" lang="ja-JP" altLang="en-US"/>
               <a:t>レベル</a:t>
             </a:r>
           </a:p>
           <a:p>
             <a:pPr lvl="2"/>
             <a:r>
-              <a:rPr kumimoji="1" lang="ja-JP" altLang="en-US" smtClean="0"/>
+              <a:rPr kumimoji="1" lang="ja-JP" altLang="en-US"/>
               <a:t>第 </a:t>
             </a:r>
             <a:r>
-              <a:rPr kumimoji="1" lang="en-US" altLang="ja-JP" smtClean="0"/>
+              <a:rPr kumimoji="1" lang="en-US" altLang="ja-JP"/>
               <a:t>3 </a:t>
             </a:r>
             <a:r>
-              <a:rPr kumimoji="1" lang="ja-JP" altLang="en-US" smtClean="0"/>
+              <a:rPr kumimoji="1" lang="ja-JP" altLang="en-US"/>
               <a:t>レベル</a:t>
             </a:r>
           </a:p>
           <a:p>
             <a:pPr lvl="3"/>
             <a:r>
-              <a:rPr kumimoji="1" lang="ja-JP" altLang="en-US" smtClean="0"/>
+              <a:rPr kumimoji="1" lang="ja-JP" altLang="en-US"/>
               <a:t>第 </a:t>
             </a:r>
             <a:r>
-              <a:rPr kumimoji="1" lang="en-US" altLang="ja-JP" smtClean="0"/>
+              <a:rPr kumimoji="1" lang="en-US" altLang="ja-JP"/>
               <a:t>4 </a:t>
             </a:r>
             <a:r>
-              <a:rPr kumimoji="1" lang="ja-JP" altLang="en-US" smtClean="0"/>
+              <a:rPr kumimoji="1" lang="ja-JP" altLang="en-US"/>
               <a:t>レベル</a:t>
             </a:r>
           </a:p>
           <a:p>
             <a:pPr lvl="4"/>
             <a:r>
-              <a:rPr kumimoji="1" lang="ja-JP" altLang="en-US" smtClean="0"/>
+              <a:rPr kumimoji="1" lang="ja-JP" altLang="en-US"/>
               <a:t>第 </a:t>
             </a:r>
             <a:r>
-              <a:rPr kumimoji="1" lang="en-US" altLang="ja-JP" smtClean="0"/>
+              <a:rPr kumimoji="1" lang="en-US" altLang="ja-JP"/>
               <a:t>5 </a:t>
             </a:r>
             <a:r>
-              <a:rPr kumimoji="1" lang="ja-JP" altLang="en-US" smtClean="0"/>
+              <a:rPr kumimoji="1" lang="ja-JP" altLang="en-US"/>
               <a:t>レベル</a:t>
             </a:r>
-            <a:endParaRPr kumimoji="1" lang="ja-JP" altLang="en-US"/>
           </a:p>
         </p:txBody>
       </p:sp>
@@ -469,7 +466,7 @@
           <a:p>
             <a:fld id="{CE08E82F-1428-4D30-A9B8-785588B5A09D}" type="datetimeFigureOut">
               <a:rPr kumimoji="1" lang="ja-JP" altLang="en-US" smtClean="0"/>
-              <a:t>2022/1/16</a:t>
+              <a:t>2022/1/18</a:t>
             </a:fld>
             <a:endParaRPr kumimoji="1" lang="ja-JP" altLang="en-US"/>
           </a:p>
@@ -568,10 +565,9 @@
           <a:lstStyle/>
           <a:p>
             <a:r>
-              <a:rPr kumimoji="1" lang="ja-JP" altLang="en-US" smtClean="0"/>
+              <a:rPr kumimoji="1" lang="ja-JP" altLang="en-US"/>
               <a:t>マスター タイトルの書式設定</a:t>
             </a:r>
-            <a:endParaRPr kumimoji="1" lang="ja-JP" altLang="en-US"/>
           </a:p>
         </p:txBody>
       </p:sp>
@@ -597,70 +593,69 @@
           <a:p>
             <a:pPr lvl="0"/>
             <a:r>
-              <a:rPr kumimoji="1" lang="ja-JP" altLang="en-US" smtClean="0"/>
+              <a:rPr kumimoji="1" lang="ja-JP" altLang="en-US"/>
               <a:t>マスター テキストの書式設定</a:t>
             </a:r>
           </a:p>
           <a:p>
             <a:pPr lvl="1"/>
             <a:r>
-              <a:rPr kumimoji="1" lang="ja-JP" altLang="en-US" smtClean="0"/>
+              <a:rPr kumimoji="1" lang="ja-JP" altLang="en-US"/>
               <a:t>第 </a:t>
             </a:r>
             <a:r>
-              <a:rPr kumimoji="1" lang="en-US" altLang="ja-JP" smtClean="0"/>
+              <a:rPr kumimoji="1" lang="en-US" altLang="ja-JP"/>
               <a:t>2 </a:t>
             </a:r>
             <a:r>
-              <a:rPr kumimoji="1" lang="ja-JP" altLang="en-US" smtClean="0"/>
+              <a:rPr kumimoji="1" lang="ja-JP" altLang="en-US"/>
               <a:t>レベル</a:t>
             </a:r>
           </a:p>
           <a:p>
             <a:pPr lvl="2"/>
             <a:r>
-              <a:rPr kumimoji="1" lang="ja-JP" altLang="en-US" smtClean="0"/>
+              <a:rPr kumimoji="1" lang="ja-JP" altLang="en-US"/>
               <a:t>第 </a:t>
             </a:r>
             <a:r>
-              <a:rPr kumimoji="1" lang="en-US" altLang="ja-JP" smtClean="0"/>
+              <a:rPr kumimoji="1" lang="en-US" altLang="ja-JP"/>
               <a:t>3 </a:t>
             </a:r>
             <a:r>
-              <a:rPr kumimoji="1" lang="ja-JP" altLang="en-US" smtClean="0"/>
+              <a:rPr kumimoji="1" lang="ja-JP" altLang="en-US"/>
               <a:t>レベル</a:t>
             </a:r>
           </a:p>
           <a:p>
             <a:pPr lvl="3"/>
             <a:r>
-              <a:rPr kumimoji="1" lang="ja-JP" altLang="en-US" smtClean="0"/>
+              <a:rPr kumimoji="1" lang="ja-JP" altLang="en-US"/>
               <a:t>第 </a:t>
             </a:r>
             <a:r>
-              <a:rPr kumimoji="1" lang="en-US" altLang="ja-JP" smtClean="0"/>
+              <a:rPr kumimoji="1" lang="en-US" altLang="ja-JP"/>
               <a:t>4 </a:t>
             </a:r>
             <a:r>
-              <a:rPr kumimoji="1" lang="ja-JP" altLang="en-US" smtClean="0"/>
+              <a:rPr kumimoji="1" lang="ja-JP" altLang="en-US"/>
               <a:t>レベル</a:t>
             </a:r>
           </a:p>
           <a:p>
             <a:pPr lvl="4"/>
             <a:r>
-              <a:rPr kumimoji="1" lang="ja-JP" altLang="en-US" smtClean="0"/>
+              <a:rPr kumimoji="1" lang="ja-JP" altLang="en-US"/>
               <a:t>第 </a:t>
             </a:r>
             <a:r>
-              <a:rPr kumimoji="1" lang="en-US" altLang="ja-JP" smtClean="0"/>
+              <a:rPr kumimoji="1" lang="en-US" altLang="ja-JP"/>
               <a:t>5 </a:t>
             </a:r>
             <a:r>
-              <a:rPr kumimoji="1" lang="ja-JP" altLang="en-US" smtClean="0"/>
+              <a:rPr kumimoji="1" lang="ja-JP" altLang="en-US"/>
               <a:t>レベル</a:t>
             </a:r>
-            <a:endParaRPr kumimoji="1" lang="ja-JP" altLang="en-US"/>
           </a:p>
         </p:txBody>
       </p:sp>
@@ -681,7 +676,7 @@
           <a:p>
             <a:fld id="{CE08E82F-1428-4D30-A9B8-785588B5A09D}" type="datetimeFigureOut">
               <a:rPr kumimoji="1" lang="ja-JP" altLang="en-US" smtClean="0"/>
-              <a:t>2022/1/16</a:t>
+              <a:t>2022/1/18</a:t>
             </a:fld>
             <a:endParaRPr kumimoji="1" lang="ja-JP" altLang="en-US"/>
           </a:p>
@@ -840,10 +835,9 @@
           </a:lstStyle>
           <a:p>
             <a:r>
-              <a:rPr lang="ja-JP" altLang="en-US" dirty="0" smtClean="0"/>
+              <a:rPr lang="ja-JP" altLang="en-US" dirty="0"/>
               <a:t>マスター タイトルの書式設定</a:t>
             </a:r>
-            <a:endParaRPr lang="ja-JP" altLang="en-US" dirty="0"/>
           </a:p>
         </p:txBody>
       </p:sp>
@@ -957,10 +951,9 @@
           </a:lstStyle>
           <a:p>
             <a:r>
-              <a:rPr lang="ja-JP" altLang="en-US" dirty="0" smtClean="0"/>
+              <a:rPr lang="ja-JP" altLang="en-US" dirty="0"/>
               <a:t>マスター サブタイトルの書式設定</a:t>
             </a:r>
-            <a:endParaRPr lang="ja-JP" altLang="en-US" dirty="0"/>
           </a:p>
         </p:txBody>
       </p:sp>
@@ -997,7 +990,7 @@
               <a:pPr defTabSz="1219170">
                 <a:defRPr/>
               </a:pPr>
-              <a:t>2022/1/16</a:t>
+              <a:t>2022/1/18</a:t>
             </a:fld>
             <a:endParaRPr lang="ja-JP" altLang="en-US">
               <a:solidFill>
@@ -1132,10 +1125,9 @@
           <a:lstStyle/>
           <a:p>
             <a:r>
-              <a:rPr lang="ja-JP" altLang="en-US" smtClean="0"/>
+              <a:rPr lang="ja-JP" altLang="en-US"/>
               <a:t>マスター タイトルの書式設定</a:t>
             </a:r>
-            <a:endParaRPr lang="ja-JP" altLang="en-US"/>
           </a:p>
         </p:txBody>
       </p:sp>
@@ -1156,70 +1148,69 @@
           <a:p>
             <a:pPr lvl="0"/>
             <a:r>
-              <a:rPr lang="ja-JP" altLang="en-US" smtClean="0"/>
+              <a:rPr lang="ja-JP" altLang="en-US"/>
               <a:t>マスター テキストの書式設定</a:t>
             </a:r>
           </a:p>
           <a:p>
             <a:pPr lvl="1"/>
             <a:r>
-              <a:rPr lang="ja-JP" altLang="en-US" smtClean="0"/>
+              <a:rPr lang="ja-JP" altLang="en-US"/>
               <a:t>第 </a:t>
             </a:r>
             <a:r>
-              <a:rPr lang="en-US" altLang="ja-JP" smtClean="0"/>
+              <a:rPr lang="en-US" altLang="ja-JP"/>
               <a:t>2 </a:t>
             </a:r>
             <a:r>
-              <a:rPr lang="ja-JP" altLang="en-US" smtClean="0"/>
+              <a:rPr lang="ja-JP" altLang="en-US"/>
               <a:t>レベル</a:t>
             </a:r>
           </a:p>
           <a:p>
             <a:pPr lvl="2"/>
             <a:r>
-              <a:rPr lang="ja-JP" altLang="en-US" smtClean="0"/>
+              <a:rPr lang="ja-JP" altLang="en-US"/>
               <a:t>第 </a:t>
             </a:r>
             <a:r>
-              <a:rPr lang="en-US" altLang="ja-JP" smtClean="0"/>
+              <a:rPr lang="en-US" altLang="ja-JP"/>
               <a:t>3 </a:t>
             </a:r>
             <a:r>
-              <a:rPr lang="ja-JP" altLang="en-US" smtClean="0"/>
+              <a:rPr lang="ja-JP" altLang="en-US"/>
               <a:t>レベル</a:t>
             </a:r>
           </a:p>
           <a:p>
             <a:pPr lvl="3"/>
             <a:r>
-              <a:rPr lang="ja-JP" altLang="en-US" smtClean="0"/>
+              <a:rPr lang="ja-JP" altLang="en-US"/>
               <a:t>第 </a:t>
             </a:r>
             <a:r>
-              <a:rPr lang="en-US" altLang="ja-JP" smtClean="0"/>
+              <a:rPr lang="en-US" altLang="ja-JP"/>
               <a:t>4 </a:t>
             </a:r>
             <a:r>
-              <a:rPr lang="ja-JP" altLang="en-US" smtClean="0"/>
+              <a:rPr lang="ja-JP" altLang="en-US"/>
               <a:t>レベル</a:t>
             </a:r>
           </a:p>
           <a:p>
             <a:pPr lvl="4"/>
             <a:r>
-              <a:rPr lang="ja-JP" altLang="en-US" smtClean="0"/>
+              <a:rPr lang="ja-JP" altLang="en-US"/>
               <a:t>第 </a:t>
             </a:r>
             <a:r>
-              <a:rPr lang="en-US" altLang="ja-JP" smtClean="0"/>
+              <a:rPr lang="en-US" altLang="ja-JP"/>
               <a:t>5 </a:t>
             </a:r>
             <a:r>
-              <a:rPr lang="ja-JP" altLang="en-US" smtClean="0"/>
+              <a:rPr lang="ja-JP" altLang="en-US"/>
               <a:t>レベル</a:t>
             </a:r>
-            <a:endParaRPr lang="ja-JP" altLang="en-US"/>
           </a:p>
         </p:txBody>
       </p:sp>
@@ -1256,7 +1247,7 @@
               <a:pPr defTabSz="1219170">
                 <a:defRPr/>
               </a:pPr>
-              <a:t>2022/1/16</a:t>
+              <a:t>2022/1/18</a:t>
             </a:fld>
             <a:endParaRPr lang="ja-JP" altLang="en-US">
               <a:solidFill>
@@ -1462,10 +1453,9 @@
           </a:lstStyle>
           <a:p>
             <a:r>
-              <a:rPr lang="ja-JP" altLang="en-US" smtClean="0"/>
+              <a:rPr lang="ja-JP" altLang="en-US"/>
               <a:t>マスター タイトルの書式設定</a:t>
             </a:r>
-            <a:endParaRPr lang="ja-JP" altLang="en-US"/>
           </a:p>
         </p:txBody>
       </p:sp>
@@ -1580,7 +1570,7 @@
           <a:p>
             <a:pPr lvl="0"/>
             <a:r>
-              <a:rPr lang="ja-JP" altLang="en-US" dirty="0" smtClean="0"/>
+              <a:rPr lang="ja-JP" altLang="en-US" dirty="0"/>
               <a:t>マスター テキストの書式設定</a:t>
             </a:r>
           </a:p>
@@ -1619,7 +1609,7 @@
               <a:pPr defTabSz="1219170">
                 <a:defRPr/>
               </a:pPr>
-              <a:t>2022/1/16</a:t>
+              <a:t>2022/1/18</a:t>
             </a:fld>
             <a:endParaRPr lang="ja-JP" altLang="en-US">
               <a:solidFill>
@@ -1754,10 +1744,9 @@
           <a:lstStyle/>
           <a:p>
             <a:r>
-              <a:rPr lang="ja-JP" altLang="en-US" smtClean="0"/>
+              <a:rPr lang="ja-JP" altLang="en-US"/>
               <a:t>マスター タイトルの書式設定</a:t>
             </a:r>
-            <a:endParaRPr lang="ja-JP" altLang="en-US"/>
           </a:p>
         </p:txBody>
       </p:sp>
@@ -1811,70 +1800,69 @@
           <a:p>
             <a:pPr lvl="0"/>
             <a:r>
-              <a:rPr lang="ja-JP" altLang="en-US" smtClean="0"/>
+              <a:rPr lang="ja-JP" altLang="en-US"/>
               <a:t>マスター テキストの書式設定</a:t>
             </a:r>
           </a:p>
           <a:p>
             <a:pPr lvl="1"/>
             <a:r>
-              <a:rPr lang="ja-JP" altLang="en-US" smtClean="0"/>
+              <a:rPr lang="ja-JP" altLang="en-US"/>
               <a:t>第 </a:t>
             </a:r>
             <a:r>
-              <a:rPr lang="en-US" altLang="ja-JP" smtClean="0"/>
+              <a:rPr lang="en-US" altLang="ja-JP"/>
               <a:t>2 </a:t>
             </a:r>
             <a:r>
-              <a:rPr lang="ja-JP" altLang="en-US" smtClean="0"/>
+              <a:rPr lang="ja-JP" altLang="en-US"/>
               <a:t>レベル</a:t>
             </a:r>
           </a:p>
           <a:p>
             <a:pPr lvl="2"/>
             <a:r>
-              <a:rPr lang="ja-JP" altLang="en-US" smtClean="0"/>
+              <a:rPr lang="ja-JP" altLang="en-US"/>
               <a:t>第 </a:t>
             </a:r>
             <a:r>
-              <a:rPr lang="en-US" altLang="ja-JP" smtClean="0"/>
+              <a:rPr lang="en-US" altLang="ja-JP"/>
               <a:t>3 </a:t>
             </a:r>
             <a:r>
-              <a:rPr lang="ja-JP" altLang="en-US" smtClean="0"/>
+              <a:rPr lang="ja-JP" altLang="en-US"/>
               <a:t>レベル</a:t>
             </a:r>
           </a:p>
           <a:p>
             <a:pPr lvl="3"/>
             <a:r>
-              <a:rPr lang="ja-JP" altLang="en-US" smtClean="0"/>
+              <a:rPr lang="ja-JP" altLang="en-US"/>
               <a:t>第 </a:t>
             </a:r>
             <a:r>
-              <a:rPr lang="en-US" altLang="ja-JP" smtClean="0"/>
+              <a:rPr lang="en-US" altLang="ja-JP"/>
               <a:t>4 </a:t>
             </a:r>
             <a:r>
-              <a:rPr lang="ja-JP" altLang="en-US" smtClean="0"/>
+              <a:rPr lang="ja-JP" altLang="en-US"/>
               <a:t>レベル</a:t>
             </a:r>
           </a:p>
           <a:p>
             <a:pPr lvl="4"/>
             <a:r>
-              <a:rPr lang="ja-JP" altLang="en-US" smtClean="0"/>
+              <a:rPr lang="ja-JP" altLang="en-US"/>
               <a:t>第 </a:t>
             </a:r>
             <a:r>
-              <a:rPr lang="en-US" altLang="ja-JP" smtClean="0"/>
+              <a:rPr lang="en-US" altLang="ja-JP"/>
               <a:t>5 </a:t>
             </a:r>
             <a:r>
-              <a:rPr lang="ja-JP" altLang="en-US" smtClean="0"/>
+              <a:rPr lang="ja-JP" altLang="en-US"/>
               <a:t>レベル</a:t>
             </a:r>
-            <a:endParaRPr lang="ja-JP" altLang="en-US"/>
           </a:p>
         </p:txBody>
       </p:sp>
@@ -1928,70 +1916,69 @@
           <a:p>
             <a:pPr lvl="0"/>
             <a:r>
-              <a:rPr lang="ja-JP" altLang="en-US" smtClean="0"/>
+              <a:rPr lang="ja-JP" altLang="en-US"/>
               <a:t>マスター テキストの書式設定</a:t>
             </a:r>
           </a:p>
           <a:p>
             <a:pPr lvl="1"/>
             <a:r>
-              <a:rPr lang="ja-JP" altLang="en-US" smtClean="0"/>
+              <a:rPr lang="ja-JP" altLang="en-US"/>
               <a:t>第 </a:t>
             </a:r>
             <a:r>
-              <a:rPr lang="en-US" altLang="ja-JP" smtClean="0"/>
+              <a:rPr lang="en-US" altLang="ja-JP"/>
               <a:t>2 </a:t>
             </a:r>
             <a:r>
-              <a:rPr lang="ja-JP" altLang="en-US" smtClean="0"/>
+              <a:rPr lang="ja-JP" altLang="en-US"/>
               <a:t>レベル</a:t>
             </a:r>
           </a:p>
           <a:p>
             <a:pPr lvl="2"/>
             <a:r>
-              <a:rPr lang="ja-JP" altLang="en-US" smtClean="0"/>
+              <a:rPr lang="ja-JP" altLang="en-US"/>
               <a:t>第 </a:t>
             </a:r>
             <a:r>
-              <a:rPr lang="en-US" altLang="ja-JP" smtClean="0"/>
+              <a:rPr lang="en-US" altLang="ja-JP"/>
               <a:t>3 </a:t>
             </a:r>
             <a:r>
-              <a:rPr lang="ja-JP" altLang="en-US" smtClean="0"/>
+              <a:rPr lang="ja-JP" altLang="en-US"/>
               <a:t>レベル</a:t>
             </a:r>
           </a:p>
           <a:p>
             <a:pPr lvl="3"/>
             <a:r>
-              <a:rPr lang="ja-JP" altLang="en-US" smtClean="0"/>
+              <a:rPr lang="ja-JP" altLang="en-US"/>
               <a:t>第 </a:t>
             </a:r>
             <a:r>
-              <a:rPr lang="en-US" altLang="ja-JP" smtClean="0"/>
+              <a:rPr lang="en-US" altLang="ja-JP"/>
               <a:t>4 </a:t>
             </a:r>
             <a:r>
-              <a:rPr lang="ja-JP" altLang="en-US" smtClean="0"/>
+              <a:rPr lang="ja-JP" altLang="en-US"/>
               <a:t>レベル</a:t>
             </a:r>
           </a:p>
           <a:p>
             <a:pPr lvl="4"/>
             <a:r>
-              <a:rPr lang="ja-JP" altLang="en-US" smtClean="0"/>
+              <a:rPr lang="ja-JP" altLang="en-US"/>
               <a:t>第 </a:t>
             </a:r>
             <a:r>
-              <a:rPr lang="en-US" altLang="ja-JP" smtClean="0"/>
+              <a:rPr lang="en-US" altLang="ja-JP"/>
               <a:t>5 </a:t>
             </a:r>
             <a:r>
-              <a:rPr lang="ja-JP" altLang="en-US" smtClean="0"/>
+              <a:rPr lang="ja-JP" altLang="en-US"/>
               <a:t>レベル</a:t>
             </a:r>
-            <a:endParaRPr lang="ja-JP" altLang="en-US"/>
           </a:p>
         </p:txBody>
       </p:sp>
@@ -2028,7 +2015,7 @@
               <a:pPr defTabSz="1219170">
                 <a:defRPr/>
               </a:pPr>
-              <a:t>2022/1/16</a:t>
+              <a:t>2022/1/18</a:t>
             </a:fld>
             <a:endParaRPr lang="ja-JP" altLang="en-US">
               <a:solidFill>
@@ -2167,10 +2154,9 @@
           </a:lstStyle>
           <a:p>
             <a:r>
-              <a:rPr lang="ja-JP" altLang="en-US" smtClean="0"/>
+              <a:rPr lang="ja-JP" altLang="en-US"/>
               <a:t>マスター タイトルの書式設定</a:t>
             </a:r>
-            <a:endParaRPr lang="ja-JP" altLang="en-US"/>
           </a:p>
         </p:txBody>
       </p:sp>
@@ -2233,7 +2219,7 @@
           <a:p>
             <a:pPr lvl="0"/>
             <a:r>
-              <a:rPr lang="ja-JP" altLang="en-US" smtClean="0"/>
+              <a:rPr lang="ja-JP" altLang="en-US"/>
               <a:t>マスター テキストの書式設定</a:t>
             </a:r>
           </a:p>
@@ -2289,70 +2275,69 @@
           <a:p>
             <a:pPr lvl="0"/>
             <a:r>
-              <a:rPr lang="ja-JP" altLang="en-US" smtClean="0"/>
+              <a:rPr lang="ja-JP" altLang="en-US"/>
               <a:t>マスター テキストの書式設定</a:t>
             </a:r>
           </a:p>
           <a:p>
             <a:pPr lvl="1"/>
             <a:r>
-              <a:rPr lang="ja-JP" altLang="en-US" smtClean="0"/>
+              <a:rPr lang="ja-JP" altLang="en-US"/>
               <a:t>第 </a:t>
             </a:r>
             <a:r>
-              <a:rPr lang="en-US" altLang="ja-JP" smtClean="0"/>
+              <a:rPr lang="en-US" altLang="ja-JP"/>
               <a:t>2 </a:t>
             </a:r>
             <a:r>
-              <a:rPr lang="ja-JP" altLang="en-US" smtClean="0"/>
+              <a:rPr lang="ja-JP" altLang="en-US"/>
               <a:t>レベル</a:t>
             </a:r>
           </a:p>
           <a:p>
             <a:pPr lvl="2"/>
             <a:r>
-              <a:rPr lang="ja-JP" altLang="en-US" smtClean="0"/>
+              <a:rPr lang="ja-JP" altLang="en-US"/>
               <a:t>第 </a:t>
             </a:r>
             <a:r>
-              <a:rPr lang="en-US" altLang="ja-JP" smtClean="0"/>
+              <a:rPr lang="en-US" altLang="ja-JP"/>
               <a:t>3 </a:t>
             </a:r>
             <a:r>
-              <a:rPr lang="ja-JP" altLang="en-US" smtClean="0"/>
+              <a:rPr lang="ja-JP" altLang="en-US"/>
               <a:t>レベル</a:t>
             </a:r>
           </a:p>
           <a:p>
             <a:pPr lvl="3"/>
             <a:r>
-              <a:rPr lang="ja-JP" altLang="en-US" smtClean="0"/>
+              <a:rPr lang="ja-JP" altLang="en-US"/>
               <a:t>第 </a:t>
             </a:r>
             <a:r>
-              <a:rPr lang="en-US" altLang="ja-JP" smtClean="0"/>
+              <a:rPr lang="en-US" altLang="ja-JP"/>
               <a:t>4 </a:t>
             </a:r>
             <a:r>
-              <a:rPr lang="ja-JP" altLang="en-US" smtClean="0"/>
+              <a:rPr lang="ja-JP" altLang="en-US"/>
               <a:t>レベル</a:t>
             </a:r>
           </a:p>
           <a:p>
             <a:pPr lvl="4"/>
             <a:r>
-              <a:rPr lang="ja-JP" altLang="en-US" smtClean="0"/>
+              <a:rPr lang="ja-JP" altLang="en-US"/>
               <a:t>第 </a:t>
             </a:r>
             <a:r>
-              <a:rPr lang="en-US" altLang="ja-JP" smtClean="0"/>
+              <a:rPr lang="en-US" altLang="ja-JP"/>
               <a:t>5 </a:t>
             </a:r>
             <a:r>
-              <a:rPr lang="ja-JP" altLang="en-US" smtClean="0"/>
+              <a:rPr lang="ja-JP" altLang="en-US"/>
               <a:t>レベル</a:t>
             </a:r>
-            <a:endParaRPr lang="ja-JP" altLang="en-US"/>
           </a:p>
         </p:txBody>
       </p:sp>
@@ -2415,7 +2400,7 @@
           <a:p>
             <a:pPr lvl="0"/>
             <a:r>
-              <a:rPr lang="ja-JP" altLang="en-US" smtClean="0"/>
+              <a:rPr lang="ja-JP" altLang="en-US"/>
               <a:t>マスター テキストの書式設定</a:t>
             </a:r>
           </a:p>
@@ -2471,70 +2456,69 @@
           <a:p>
             <a:pPr lvl="0"/>
             <a:r>
-              <a:rPr lang="ja-JP" altLang="en-US" smtClean="0"/>
+              <a:rPr lang="ja-JP" altLang="en-US"/>
               <a:t>マスター テキストの書式設定</a:t>
             </a:r>
           </a:p>
           <a:p>
             <a:pPr lvl="1"/>
             <a:r>
-              <a:rPr lang="ja-JP" altLang="en-US" smtClean="0"/>
+              <a:rPr lang="ja-JP" altLang="en-US"/>
               <a:t>第 </a:t>
             </a:r>
             <a:r>
-              <a:rPr lang="en-US" altLang="ja-JP" smtClean="0"/>
+              <a:rPr lang="en-US" altLang="ja-JP"/>
               <a:t>2 </a:t>
             </a:r>
             <a:r>
-              <a:rPr lang="ja-JP" altLang="en-US" smtClean="0"/>
+              <a:rPr lang="ja-JP" altLang="en-US"/>
               <a:t>レベル</a:t>
             </a:r>
           </a:p>
           <a:p>
             <a:pPr lvl="2"/>
             <a:r>
-              <a:rPr lang="ja-JP" altLang="en-US" smtClean="0"/>
+              <a:rPr lang="ja-JP" altLang="en-US"/>
               <a:t>第 </a:t>
             </a:r>
             <a:r>
-              <a:rPr lang="en-US" altLang="ja-JP" smtClean="0"/>
+              <a:rPr lang="en-US" altLang="ja-JP"/>
               <a:t>3 </a:t>
             </a:r>
             <a:r>
-              <a:rPr lang="ja-JP" altLang="en-US" smtClean="0"/>
+              <a:rPr lang="ja-JP" altLang="en-US"/>
               <a:t>レベル</a:t>
             </a:r>
           </a:p>
           <a:p>
             <a:pPr lvl="3"/>
             <a:r>
-              <a:rPr lang="ja-JP" altLang="en-US" smtClean="0"/>
+              <a:rPr lang="ja-JP" altLang="en-US"/>
               <a:t>第 </a:t>
             </a:r>
             <a:r>
-              <a:rPr lang="en-US" altLang="ja-JP" smtClean="0"/>
+              <a:rPr lang="en-US" altLang="ja-JP"/>
               <a:t>4 </a:t>
             </a:r>
             <a:r>
-              <a:rPr lang="ja-JP" altLang="en-US" smtClean="0"/>
+              <a:rPr lang="ja-JP" altLang="en-US"/>
               <a:t>レベル</a:t>
             </a:r>
           </a:p>
           <a:p>
             <a:pPr lvl="4"/>
             <a:r>
-              <a:rPr lang="ja-JP" altLang="en-US" smtClean="0"/>
+              <a:rPr lang="ja-JP" altLang="en-US"/>
               <a:t>第 </a:t>
             </a:r>
             <a:r>
-              <a:rPr lang="en-US" altLang="ja-JP" smtClean="0"/>
+              <a:rPr lang="en-US" altLang="ja-JP"/>
               <a:t>5 </a:t>
             </a:r>
             <a:r>
-              <a:rPr lang="ja-JP" altLang="en-US" smtClean="0"/>
+              <a:rPr lang="ja-JP" altLang="en-US"/>
               <a:t>レベル</a:t>
             </a:r>
-            <a:endParaRPr lang="ja-JP" altLang="en-US"/>
           </a:p>
         </p:txBody>
       </p:sp>
@@ -2571,7 +2555,7 @@
               <a:pPr defTabSz="1219170">
                 <a:defRPr/>
               </a:pPr>
-              <a:t>2022/1/16</a:t>
+              <a:t>2022/1/18</a:t>
             </a:fld>
             <a:endParaRPr lang="ja-JP" altLang="en-US">
               <a:solidFill>
@@ -2706,10 +2690,9 @@
           <a:lstStyle/>
           <a:p>
             <a:r>
-              <a:rPr lang="ja-JP" altLang="en-US" smtClean="0"/>
+              <a:rPr lang="ja-JP" altLang="en-US"/>
               <a:t>マスター タイトルの書式設定</a:t>
             </a:r>
-            <a:endParaRPr lang="ja-JP" altLang="en-US"/>
           </a:p>
         </p:txBody>
       </p:sp>
@@ -2746,7 +2729,7 @@
               <a:pPr defTabSz="1219170">
                 <a:defRPr/>
               </a:pPr>
-              <a:t>2022/1/16</a:t>
+              <a:t>2022/1/18</a:t>
             </a:fld>
             <a:endParaRPr lang="ja-JP" altLang="en-US">
               <a:solidFill>
@@ -2898,7 +2881,7 @@
               <a:pPr defTabSz="1219170">
                 <a:defRPr/>
               </a:pPr>
-              <a:t>2022/1/16</a:t>
+              <a:t>2022/1/18</a:t>
             </a:fld>
             <a:endParaRPr lang="ja-JP" altLang="en-US">
               <a:solidFill>
@@ -3042,10 +3025,9 @@
           </a:lstStyle>
           <a:p>
             <a:r>
-              <a:rPr lang="ja-JP" altLang="en-US" smtClean="0"/>
+              <a:rPr lang="ja-JP" altLang="en-US"/>
               <a:t>マスター タイトルの書式設定</a:t>
             </a:r>
-            <a:endParaRPr lang="ja-JP" altLang="en-US"/>
           </a:p>
         </p:txBody>
       </p:sp>
@@ -3099,70 +3081,69 @@
           <a:p>
             <a:pPr lvl="0"/>
             <a:r>
-              <a:rPr lang="ja-JP" altLang="en-US" smtClean="0"/>
+              <a:rPr lang="ja-JP" altLang="en-US"/>
               <a:t>マスター テキストの書式設定</a:t>
             </a:r>
           </a:p>
           <a:p>
             <a:pPr lvl="1"/>
             <a:r>
-              <a:rPr lang="ja-JP" altLang="en-US" smtClean="0"/>
+              <a:rPr lang="ja-JP" altLang="en-US"/>
               <a:t>第 </a:t>
             </a:r>
             <a:r>
-              <a:rPr lang="en-US" altLang="ja-JP" smtClean="0"/>
+              <a:rPr lang="en-US" altLang="ja-JP"/>
               <a:t>2 </a:t>
             </a:r>
             <a:r>
-              <a:rPr lang="ja-JP" altLang="en-US" smtClean="0"/>
+              <a:rPr lang="ja-JP" altLang="en-US"/>
               <a:t>レベル</a:t>
             </a:r>
           </a:p>
           <a:p>
             <a:pPr lvl="2"/>
             <a:r>
-              <a:rPr lang="ja-JP" altLang="en-US" smtClean="0"/>
+              <a:rPr lang="ja-JP" altLang="en-US"/>
               <a:t>第 </a:t>
             </a:r>
             <a:r>
-              <a:rPr lang="en-US" altLang="ja-JP" smtClean="0"/>
+              <a:rPr lang="en-US" altLang="ja-JP"/>
               <a:t>3 </a:t>
             </a:r>
             <a:r>
-              <a:rPr lang="ja-JP" altLang="en-US" smtClean="0"/>
+              <a:rPr lang="ja-JP" altLang="en-US"/>
               <a:t>レベル</a:t>
             </a:r>
           </a:p>
           <a:p>
             <a:pPr lvl="3"/>
             <a:r>
-              <a:rPr lang="ja-JP" altLang="en-US" smtClean="0"/>
+              <a:rPr lang="ja-JP" altLang="en-US"/>
               <a:t>第 </a:t>
             </a:r>
             <a:r>
-              <a:rPr lang="en-US" altLang="ja-JP" smtClean="0"/>
+              <a:rPr lang="en-US" altLang="ja-JP"/>
               <a:t>4 </a:t>
             </a:r>
             <a:r>
-              <a:rPr lang="ja-JP" altLang="en-US" smtClean="0"/>
+              <a:rPr lang="ja-JP" altLang="en-US"/>
               <a:t>レベル</a:t>
             </a:r>
           </a:p>
           <a:p>
             <a:pPr lvl="4"/>
             <a:r>
-              <a:rPr lang="ja-JP" altLang="en-US" smtClean="0"/>
+              <a:rPr lang="ja-JP" altLang="en-US"/>
               <a:t>第 </a:t>
             </a:r>
             <a:r>
-              <a:rPr lang="en-US" altLang="ja-JP" smtClean="0"/>
+              <a:rPr lang="en-US" altLang="ja-JP"/>
               <a:t>5 </a:t>
             </a:r>
             <a:r>
-              <a:rPr lang="ja-JP" altLang="en-US" smtClean="0"/>
+              <a:rPr lang="ja-JP" altLang="en-US"/>
               <a:t>レベル</a:t>
             </a:r>
-            <a:endParaRPr lang="ja-JP" altLang="en-US"/>
           </a:p>
         </p:txBody>
       </p:sp>
@@ -3225,7 +3206,7 @@
           <a:p>
             <a:pPr lvl="0"/>
             <a:r>
-              <a:rPr lang="ja-JP" altLang="en-US" smtClean="0"/>
+              <a:rPr lang="ja-JP" altLang="en-US"/>
               <a:t>マスター テキストの書式設定</a:t>
             </a:r>
           </a:p>
@@ -3264,7 +3245,7 @@
               <a:pPr defTabSz="1219170">
                 <a:defRPr/>
               </a:pPr>
-              <a:t>2022/1/16</a:t>
+              <a:t>2022/1/18</a:t>
             </a:fld>
             <a:endParaRPr lang="ja-JP" altLang="en-US">
               <a:solidFill>
@@ -3399,10 +3380,9 @@
           <a:lstStyle/>
           <a:p>
             <a:r>
-              <a:rPr kumimoji="1" lang="ja-JP" altLang="en-US" smtClean="0"/>
+              <a:rPr kumimoji="1" lang="ja-JP" altLang="en-US"/>
               <a:t>マスター タイトルの書式設定</a:t>
             </a:r>
-            <a:endParaRPr kumimoji="1" lang="ja-JP" altLang="en-US"/>
           </a:p>
         </p:txBody>
       </p:sp>
@@ -3423,70 +3403,69 @@
           <a:p>
             <a:pPr lvl="0"/>
             <a:r>
-              <a:rPr kumimoji="1" lang="ja-JP" altLang="en-US" smtClean="0"/>
+              <a:rPr kumimoji="1" lang="ja-JP" altLang="en-US"/>
               <a:t>マスター テキストの書式設定</a:t>
             </a:r>
           </a:p>
           <a:p>
             <a:pPr lvl="1"/>
             <a:r>
-              <a:rPr kumimoji="1" lang="ja-JP" altLang="en-US" smtClean="0"/>
+              <a:rPr kumimoji="1" lang="ja-JP" altLang="en-US"/>
               <a:t>第 </a:t>
             </a:r>
             <a:r>
-              <a:rPr kumimoji="1" lang="en-US" altLang="ja-JP" smtClean="0"/>
+              <a:rPr kumimoji="1" lang="en-US" altLang="ja-JP"/>
               <a:t>2 </a:t>
             </a:r>
             <a:r>
-              <a:rPr kumimoji="1" lang="ja-JP" altLang="en-US" smtClean="0"/>
+              <a:rPr kumimoji="1" lang="ja-JP" altLang="en-US"/>
               <a:t>レベル</a:t>
             </a:r>
           </a:p>
           <a:p>
             <a:pPr lvl="2"/>
             <a:r>
-              <a:rPr kumimoji="1" lang="ja-JP" altLang="en-US" smtClean="0"/>
+              <a:rPr kumimoji="1" lang="ja-JP" altLang="en-US"/>
               <a:t>第 </a:t>
             </a:r>
             <a:r>
-              <a:rPr kumimoji="1" lang="en-US" altLang="ja-JP" smtClean="0"/>
+              <a:rPr kumimoji="1" lang="en-US" altLang="ja-JP"/>
               <a:t>3 </a:t>
             </a:r>
             <a:r>
-              <a:rPr kumimoji="1" lang="ja-JP" altLang="en-US" smtClean="0"/>
+              <a:rPr kumimoji="1" lang="ja-JP" altLang="en-US"/>
               <a:t>レベル</a:t>
             </a:r>
           </a:p>
           <a:p>
             <a:pPr lvl="3"/>
             <a:r>
-              <a:rPr kumimoji="1" lang="ja-JP" altLang="en-US" smtClean="0"/>
+              <a:rPr kumimoji="1" lang="ja-JP" altLang="en-US"/>
               <a:t>第 </a:t>
             </a:r>
             <a:r>
-              <a:rPr kumimoji="1" lang="en-US" altLang="ja-JP" smtClean="0"/>
+              <a:rPr kumimoji="1" lang="en-US" altLang="ja-JP"/>
               <a:t>4 </a:t>
             </a:r>
             <a:r>
-              <a:rPr kumimoji="1" lang="ja-JP" altLang="en-US" smtClean="0"/>
+              <a:rPr kumimoji="1" lang="ja-JP" altLang="en-US"/>
               <a:t>レベル</a:t>
             </a:r>
           </a:p>
           <a:p>
             <a:pPr lvl="4"/>
             <a:r>
-              <a:rPr kumimoji="1" lang="ja-JP" altLang="en-US" smtClean="0"/>
+              <a:rPr kumimoji="1" lang="ja-JP" altLang="en-US"/>
               <a:t>第 </a:t>
             </a:r>
             <a:r>
-              <a:rPr kumimoji="1" lang="en-US" altLang="ja-JP" smtClean="0"/>
+              <a:rPr kumimoji="1" lang="en-US" altLang="ja-JP"/>
               <a:t>5 </a:t>
             </a:r>
             <a:r>
-              <a:rPr kumimoji="1" lang="ja-JP" altLang="en-US" smtClean="0"/>
+              <a:rPr kumimoji="1" lang="ja-JP" altLang="en-US"/>
               <a:t>レベル</a:t>
             </a:r>
-            <a:endParaRPr kumimoji="1" lang="ja-JP" altLang="en-US"/>
           </a:p>
         </p:txBody>
       </p:sp>
@@ -3507,7 +3486,7 @@
           <a:p>
             <a:fld id="{CE08E82F-1428-4D30-A9B8-785588B5A09D}" type="datetimeFigureOut">
               <a:rPr kumimoji="1" lang="ja-JP" altLang="en-US" smtClean="0"/>
-              <a:t>2022/1/16</a:t>
+              <a:t>2022/1/18</a:t>
             </a:fld>
             <a:endParaRPr kumimoji="1" lang="ja-JP" altLang="en-US"/>
           </a:p>
@@ -3610,10 +3589,9 @@
           </a:lstStyle>
           <a:p>
             <a:r>
-              <a:rPr lang="ja-JP" altLang="en-US" smtClean="0"/>
+              <a:rPr lang="ja-JP" altLang="en-US"/>
               <a:t>マスター タイトルの書式設定</a:t>
             </a:r>
-            <a:endParaRPr lang="ja-JP" altLang="en-US"/>
           </a:p>
         </p:txBody>
       </p:sp>
@@ -3740,7 +3718,7 @@
           <a:p>
             <a:pPr lvl="0"/>
             <a:r>
-              <a:rPr lang="ja-JP" altLang="en-US" smtClean="0"/>
+              <a:rPr lang="ja-JP" altLang="en-US"/>
               <a:t>マスター テキストの書式設定</a:t>
             </a:r>
           </a:p>
@@ -3779,7 +3757,7 @@
               <a:pPr defTabSz="1219170">
                 <a:defRPr/>
               </a:pPr>
-              <a:t>2022/1/16</a:t>
+              <a:t>2022/1/18</a:t>
             </a:fld>
             <a:endParaRPr lang="ja-JP" altLang="en-US">
               <a:solidFill>
@@ -3914,10 +3892,9 @@
           <a:lstStyle/>
           <a:p>
             <a:r>
-              <a:rPr lang="ja-JP" altLang="en-US" smtClean="0"/>
+              <a:rPr lang="ja-JP" altLang="en-US"/>
               <a:t>マスター タイトルの書式設定</a:t>
             </a:r>
-            <a:endParaRPr lang="ja-JP" altLang="en-US"/>
           </a:p>
         </p:txBody>
       </p:sp>
@@ -3938,70 +3915,69 @@
           <a:p>
             <a:pPr lvl="0"/>
             <a:r>
-              <a:rPr lang="ja-JP" altLang="en-US" smtClean="0"/>
+              <a:rPr lang="ja-JP" altLang="en-US"/>
               <a:t>マスター テキストの書式設定</a:t>
             </a:r>
           </a:p>
           <a:p>
             <a:pPr lvl="1"/>
             <a:r>
-              <a:rPr lang="ja-JP" altLang="en-US" smtClean="0"/>
+              <a:rPr lang="ja-JP" altLang="en-US"/>
               <a:t>第 </a:t>
             </a:r>
             <a:r>
-              <a:rPr lang="en-US" altLang="ja-JP" smtClean="0"/>
+              <a:rPr lang="en-US" altLang="ja-JP"/>
               <a:t>2 </a:t>
             </a:r>
             <a:r>
-              <a:rPr lang="ja-JP" altLang="en-US" smtClean="0"/>
+              <a:rPr lang="ja-JP" altLang="en-US"/>
               <a:t>レベル</a:t>
             </a:r>
           </a:p>
           <a:p>
             <a:pPr lvl="2"/>
             <a:r>
-              <a:rPr lang="ja-JP" altLang="en-US" smtClean="0"/>
+              <a:rPr lang="ja-JP" altLang="en-US"/>
               <a:t>第 </a:t>
             </a:r>
             <a:r>
-              <a:rPr lang="en-US" altLang="ja-JP" smtClean="0"/>
+              <a:rPr lang="en-US" altLang="ja-JP"/>
               <a:t>3 </a:t>
             </a:r>
             <a:r>
-              <a:rPr lang="ja-JP" altLang="en-US" smtClean="0"/>
+              <a:rPr lang="ja-JP" altLang="en-US"/>
               <a:t>レベル</a:t>
             </a:r>
           </a:p>
           <a:p>
             <a:pPr lvl="3"/>
             <a:r>
-              <a:rPr lang="ja-JP" altLang="en-US" smtClean="0"/>
+              <a:rPr lang="ja-JP" altLang="en-US"/>
               <a:t>第 </a:t>
             </a:r>
             <a:r>
-              <a:rPr lang="en-US" altLang="ja-JP" smtClean="0"/>
+              <a:rPr lang="en-US" altLang="ja-JP"/>
               <a:t>4 </a:t>
             </a:r>
             <a:r>
-              <a:rPr lang="ja-JP" altLang="en-US" smtClean="0"/>
+              <a:rPr lang="ja-JP" altLang="en-US"/>
               <a:t>レベル</a:t>
             </a:r>
           </a:p>
           <a:p>
             <a:pPr lvl="4"/>
             <a:r>
-              <a:rPr lang="ja-JP" altLang="en-US" smtClean="0"/>
+              <a:rPr lang="ja-JP" altLang="en-US"/>
               <a:t>第 </a:t>
             </a:r>
             <a:r>
-              <a:rPr lang="en-US" altLang="ja-JP" smtClean="0"/>
+              <a:rPr lang="en-US" altLang="ja-JP"/>
               <a:t>5 </a:t>
             </a:r>
             <a:r>
-              <a:rPr lang="ja-JP" altLang="en-US" smtClean="0"/>
+              <a:rPr lang="ja-JP" altLang="en-US"/>
               <a:t>レベル</a:t>
             </a:r>
-            <a:endParaRPr lang="ja-JP" altLang="en-US"/>
           </a:p>
         </p:txBody>
       </p:sp>
@@ -4038,7 +4014,7 @@
               <a:pPr defTabSz="1219170">
                 <a:defRPr/>
               </a:pPr>
-              <a:t>2022/1/16</a:t>
+              <a:t>2022/1/18</a:t>
             </a:fld>
             <a:endParaRPr lang="ja-JP" altLang="en-US">
               <a:solidFill>
@@ -4178,10 +4154,9 @@
           <a:lstStyle/>
           <a:p>
             <a:r>
-              <a:rPr lang="ja-JP" altLang="en-US" smtClean="0"/>
+              <a:rPr lang="ja-JP" altLang="en-US"/>
               <a:t>マスター タイトルの書式設定</a:t>
             </a:r>
-            <a:endParaRPr lang="ja-JP" altLang="en-US"/>
           </a:p>
         </p:txBody>
       </p:sp>
@@ -4207,70 +4182,69 @@
           <a:p>
             <a:pPr lvl="0"/>
             <a:r>
-              <a:rPr lang="ja-JP" altLang="en-US" smtClean="0"/>
+              <a:rPr lang="ja-JP" altLang="en-US"/>
               <a:t>マスター テキストの書式設定</a:t>
             </a:r>
           </a:p>
           <a:p>
             <a:pPr lvl="1"/>
             <a:r>
-              <a:rPr lang="ja-JP" altLang="en-US" smtClean="0"/>
+              <a:rPr lang="ja-JP" altLang="en-US"/>
               <a:t>第 </a:t>
             </a:r>
             <a:r>
-              <a:rPr lang="en-US" altLang="ja-JP" smtClean="0"/>
+              <a:rPr lang="en-US" altLang="ja-JP"/>
               <a:t>2 </a:t>
             </a:r>
             <a:r>
-              <a:rPr lang="ja-JP" altLang="en-US" smtClean="0"/>
+              <a:rPr lang="ja-JP" altLang="en-US"/>
               <a:t>レベル</a:t>
             </a:r>
           </a:p>
           <a:p>
             <a:pPr lvl="2"/>
             <a:r>
-              <a:rPr lang="ja-JP" altLang="en-US" smtClean="0"/>
+              <a:rPr lang="ja-JP" altLang="en-US"/>
               <a:t>第 </a:t>
             </a:r>
             <a:r>
-              <a:rPr lang="en-US" altLang="ja-JP" smtClean="0"/>
+              <a:rPr lang="en-US" altLang="ja-JP"/>
               <a:t>3 </a:t>
             </a:r>
             <a:r>
-              <a:rPr lang="ja-JP" altLang="en-US" smtClean="0"/>
+              <a:rPr lang="ja-JP" altLang="en-US"/>
               <a:t>レベル</a:t>
             </a:r>
           </a:p>
           <a:p>
             <a:pPr lvl="3"/>
             <a:r>
-              <a:rPr lang="ja-JP" altLang="en-US" smtClean="0"/>
+              <a:rPr lang="ja-JP" altLang="en-US"/>
               <a:t>第 </a:t>
             </a:r>
             <a:r>
-              <a:rPr lang="en-US" altLang="ja-JP" smtClean="0"/>
+              <a:rPr lang="en-US" altLang="ja-JP"/>
               <a:t>4 </a:t>
             </a:r>
             <a:r>
-              <a:rPr lang="ja-JP" altLang="en-US" smtClean="0"/>
+              <a:rPr lang="ja-JP" altLang="en-US"/>
               <a:t>レベル</a:t>
             </a:r>
           </a:p>
           <a:p>
             <a:pPr lvl="4"/>
             <a:r>
-              <a:rPr lang="ja-JP" altLang="en-US" smtClean="0"/>
+              <a:rPr lang="ja-JP" altLang="en-US"/>
               <a:t>第 </a:t>
             </a:r>
             <a:r>
-              <a:rPr lang="en-US" altLang="ja-JP" smtClean="0"/>
+              <a:rPr lang="en-US" altLang="ja-JP"/>
               <a:t>5 </a:t>
             </a:r>
             <a:r>
-              <a:rPr lang="ja-JP" altLang="en-US" smtClean="0"/>
+              <a:rPr lang="ja-JP" altLang="en-US"/>
               <a:t>レベル</a:t>
             </a:r>
-            <a:endParaRPr lang="ja-JP" altLang="en-US"/>
           </a:p>
         </p:txBody>
       </p:sp>
@@ -4307,7 +4281,7 @@
               <a:pPr defTabSz="1219170">
                 <a:defRPr/>
               </a:pPr>
-              <a:t>2022/1/16</a:t>
+              <a:t>2022/1/18</a:t>
             </a:fld>
             <a:endParaRPr lang="ja-JP" altLang="en-US">
               <a:solidFill>
@@ -4451,10 +4425,9 @@
           </a:lstStyle>
           <a:p>
             <a:r>
-              <a:rPr kumimoji="1" lang="ja-JP" altLang="en-US" smtClean="0"/>
+              <a:rPr kumimoji="1" lang="ja-JP" altLang="en-US"/>
               <a:t>マスター タイトルの書式設定</a:t>
             </a:r>
-            <a:endParaRPr kumimoji="1" lang="ja-JP" altLang="en-US"/>
           </a:p>
         </p:txBody>
       </p:sp>
@@ -4571,7 +4544,7 @@
           <a:p>
             <a:pPr lvl="0"/>
             <a:r>
-              <a:rPr kumimoji="1" lang="ja-JP" altLang="en-US" smtClean="0"/>
+              <a:rPr kumimoji="1" lang="ja-JP" altLang="en-US"/>
               <a:t>マスター テキストの書式設定</a:t>
             </a:r>
           </a:p>
@@ -4594,7 +4567,7 @@
           <a:p>
             <a:fld id="{CE08E82F-1428-4D30-A9B8-785588B5A09D}" type="datetimeFigureOut">
               <a:rPr kumimoji="1" lang="ja-JP" altLang="en-US" smtClean="0"/>
-              <a:t>2022/1/16</a:t>
+              <a:t>2022/1/18</a:t>
             </a:fld>
             <a:endParaRPr kumimoji="1" lang="ja-JP" altLang="en-US"/>
           </a:p>
@@ -4688,10 +4661,9 @@
           <a:lstStyle/>
           <a:p>
             <a:r>
-              <a:rPr kumimoji="1" lang="ja-JP" altLang="en-US" smtClean="0"/>
+              <a:rPr kumimoji="1" lang="ja-JP" altLang="en-US"/>
               <a:t>マスター タイトルの書式設定</a:t>
             </a:r>
-            <a:endParaRPr kumimoji="1" lang="ja-JP" altLang="en-US"/>
           </a:p>
         </p:txBody>
       </p:sp>
@@ -4717,70 +4689,69 @@
           <a:p>
             <a:pPr lvl="0"/>
             <a:r>
-              <a:rPr kumimoji="1" lang="ja-JP" altLang="en-US" smtClean="0"/>
+              <a:rPr kumimoji="1" lang="ja-JP" altLang="en-US"/>
               <a:t>マスター テキストの書式設定</a:t>
             </a:r>
           </a:p>
           <a:p>
             <a:pPr lvl="1"/>
             <a:r>
-              <a:rPr kumimoji="1" lang="ja-JP" altLang="en-US" smtClean="0"/>
+              <a:rPr kumimoji="1" lang="ja-JP" altLang="en-US"/>
               <a:t>第 </a:t>
             </a:r>
             <a:r>
-              <a:rPr kumimoji="1" lang="en-US" altLang="ja-JP" smtClean="0"/>
+              <a:rPr kumimoji="1" lang="en-US" altLang="ja-JP"/>
               <a:t>2 </a:t>
             </a:r>
             <a:r>
-              <a:rPr kumimoji="1" lang="ja-JP" altLang="en-US" smtClean="0"/>
+              <a:rPr kumimoji="1" lang="ja-JP" altLang="en-US"/>
               <a:t>レベル</a:t>
             </a:r>
           </a:p>
           <a:p>
             <a:pPr lvl="2"/>
             <a:r>
-              <a:rPr kumimoji="1" lang="ja-JP" altLang="en-US" smtClean="0"/>
+              <a:rPr kumimoji="1" lang="ja-JP" altLang="en-US"/>
               <a:t>第 </a:t>
             </a:r>
             <a:r>
-              <a:rPr kumimoji="1" lang="en-US" altLang="ja-JP" smtClean="0"/>
+              <a:rPr kumimoji="1" lang="en-US" altLang="ja-JP"/>
               <a:t>3 </a:t>
             </a:r>
             <a:r>
-              <a:rPr kumimoji="1" lang="ja-JP" altLang="en-US" smtClean="0"/>
+              <a:rPr kumimoji="1" lang="ja-JP" altLang="en-US"/>
               <a:t>レベル</a:t>
             </a:r>
           </a:p>
           <a:p>
             <a:pPr lvl="3"/>
             <a:r>
-              <a:rPr kumimoji="1" lang="ja-JP" altLang="en-US" smtClean="0"/>
+              <a:rPr kumimoji="1" lang="ja-JP" altLang="en-US"/>
               <a:t>第 </a:t>
             </a:r>
             <a:r>
-              <a:rPr kumimoji="1" lang="en-US" altLang="ja-JP" smtClean="0"/>
+              <a:rPr kumimoji="1" lang="en-US" altLang="ja-JP"/>
               <a:t>4 </a:t>
             </a:r>
             <a:r>
-              <a:rPr kumimoji="1" lang="ja-JP" altLang="en-US" smtClean="0"/>
+              <a:rPr kumimoji="1" lang="ja-JP" altLang="en-US"/>
               <a:t>レベル</a:t>
             </a:r>
           </a:p>
           <a:p>
             <a:pPr lvl="4"/>
             <a:r>
-              <a:rPr kumimoji="1" lang="ja-JP" altLang="en-US" smtClean="0"/>
+              <a:rPr kumimoji="1" lang="ja-JP" altLang="en-US"/>
               <a:t>第 </a:t>
             </a:r>
             <a:r>
-              <a:rPr kumimoji="1" lang="en-US" altLang="ja-JP" smtClean="0"/>
+              <a:rPr kumimoji="1" lang="en-US" altLang="ja-JP"/>
               <a:t>5 </a:t>
             </a:r>
             <a:r>
-              <a:rPr kumimoji="1" lang="ja-JP" altLang="en-US" smtClean="0"/>
+              <a:rPr kumimoji="1" lang="ja-JP" altLang="en-US"/>
               <a:t>レベル</a:t>
             </a:r>
-            <a:endParaRPr kumimoji="1" lang="ja-JP" altLang="en-US"/>
           </a:p>
         </p:txBody>
       </p:sp>
@@ -4806,70 +4777,69 @@
           <a:p>
             <a:pPr lvl="0"/>
             <a:r>
-              <a:rPr kumimoji="1" lang="ja-JP" altLang="en-US" smtClean="0"/>
+              <a:rPr kumimoji="1" lang="ja-JP" altLang="en-US"/>
               <a:t>マスター テキストの書式設定</a:t>
             </a:r>
           </a:p>
           <a:p>
             <a:pPr lvl="1"/>
             <a:r>
-              <a:rPr kumimoji="1" lang="ja-JP" altLang="en-US" smtClean="0"/>
+              <a:rPr kumimoji="1" lang="ja-JP" altLang="en-US"/>
               <a:t>第 </a:t>
             </a:r>
             <a:r>
-              <a:rPr kumimoji="1" lang="en-US" altLang="ja-JP" smtClean="0"/>
+              <a:rPr kumimoji="1" lang="en-US" altLang="ja-JP"/>
               <a:t>2 </a:t>
             </a:r>
             <a:r>
-              <a:rPr kumimoji="1" lang="ja-JP" altLang="en-US" smtClean="0"/>
+              <a:rPr kumimoji="1" lang="ja-JP" altLang="en-US"/>
               <a:t>レベル</a:t>
             </a:r>
           </a:p>
           <a:p>
             <a:pPr lvl="2"/>
             <a:r>
-              <a:rPr kumimoji="1" lang="ja-JP" altLang="en-US" smtClean="0"/>
+              <a:rPr kumimoji="1" lang="ja-JP" altLang="en-US"/>
               <a:t>第 </a:t>
             </a:r>
             <a:r>
-              <a:rPr kumimoji="1" lang="en-US" altLang="ja-JP" smtClean="0"/>
+              <a:rPr kumimoji="1" lang="en-US" altLang="ja-JP"/>
               <a:t>3 </a:t>
             </a:r>
             <a:r>
-              <a:rPr kumimoji="1" lang="ja-JP" altLang="en-US" smtClean="0"/>
+              <a:rPr kumimoji="1" lang="ja-JP" altLang="en-US"/>
               <a:t>レベル</a:t>
             </a:r>
           </a:p>
           <a:p>
             <a:pPr lvl="3"/>
             <a:r>
-              <a:rPr kumimoji="1" lang="ja-JP" altLang="en-US" smtClean="0"/>
+              <a:rPr kumimoji="1" lang="ja-JP" altLang="en-US"/>
               <a:t>第 </a:t>
             </a:r>
             <a:r>
-              <a:rPr kumimoji="1" lang="en-US" altLang="ja-JP" smtClean="0"/>
+              <a:rPr kumimoji="1" lang="en-US" altLang="ja-JP"/>
               <a:t>4 </a:t>
             </a:r>
             <a:r>
-              <a:rPr kumimoji="1" lang="ja-JP" altLang="en-US" smtClean="0"/>
+              <a:rPr kumimoji="1" lang="ja-JP" altLang="en-US"/>
               <a:t>レベル</a:t>
             </a:r>
           </a:p>
           <a:p>
             <a:pPr lvl="4"/>
             <a:r>
-              <a:rPr kumimoji="1" lang="ja-JP" altLang="en-US" smtClean="0"/>
+              <a:rPr kumimoji="1" lang="ja-JP" altLang="en-US"/>
               <a:t>第 </a:t>
             </a:r>
             <a:r>
-              <a:rPr kumimoji="1" lang="en-US" altLang="ja-JP" smtClean="0"/>
+              <a:rPr kumimoji="1" lang="en-US" altLang="ja-JP"/>
               <a:t>5 </a:t>
             </a:r>
             <a:r>
-              <a:rPr kumimoji="1" lang="ja-JP" altLang="en-US" smtClean="0"/>
+              <a:rPr kumimoji="1" lang="ja-JP" altLang="en-US"/>
               <a:t>レベル</a:t>
             </a:r>
-            <a:endParaRPr kumimoji="1" lang="ja-JP" altLang="en-US"/>
           </a:p>
         </p:txBody>
       </p:sp>
@@ -4890,7 +4860,7 @@
           <a:p>
             <a:fld id="{CE08E82F-1428-4D30-A9B8-785588B5A09D}" type="datetimeFigureOut">
               <a:rPr kumimoji="1" lang="ja-JP" altLang="en-US" smtClean="0"/>
-              <a:t>2022/1/16</a:t>
+              <a:t>2022/1/18</a:t>
             </a:fld>
             <a:endParaRPr kumimoji="1" lang="ja-JP" altLang="en-US"/>
           </a:p>
@@ -4989,10 +4959,9 @@
           <a:lstStyle/>
           <a:p>
             <a:r>
-              <a:rPr kumimoji="1" lang="ja-JP" altLang="en-US" smtClean="0"/>
+              <a:rPr kumimoji="1" lang="ja-JP" altLang="en-US"/>
               <a:t>マスター タイトルの書式設定</a:t>
             </a:r>
-            <a:endParaRPr kumimoji="1" lang="ja-JP" altLang="en-US"/>
           </a:p>
         </p:txBody>
       </p:sp>
@@ -5055,7 +5024,7 @@
           <a:p>
             <a:pPr lvl="0"/>
             <a:r>
-              <a:rPr kumimoji="1" lang="ja-JP" altLang="en-US" smtClean="0"/>
+              <a:rPr kumimoji="1" lang="ja-JP" altLang="en-US"/>
               <a:t>マスター テキストの書式設定</a:t>
             </a:r>
           </a:p>
@@ -5083,70 +5052,69 @@
           <a:p>
             <a:pPr lvl="0"/>
             <a:r>
-              <a:rPr kumimoji="1" lang="ja-JP" altLang="en-US" smtClean="0"/>
+              <a:rPr kumimoji="1" lang="ja-JP" altLang="en-US"/>
               <a:t>マスター テキストの書式設定</a:t>
             </a:r>
           </a:p>
           <a:p>
             <a:pPr lvl="1"/>
             <a:r>
-              <a:rPr kumimoji="1" lang="ja-JP" altLang="en-US" smtClean="0"/>
+              <a:rPr kumimoji="1" lang="ja-JP" altLang="en-US"/>
               <a:t>第 </a:t>
             </a:r>
             <a:r>
-              <a:rPr kumimoji="1" lang="en-US" altLang="ja-JP" smtClean="0"/>
+              <a:rPr kumimoji="1" lang="en-US" altLang="ja-JP"/>
               <a:t>2 </a:t>
             </a:r>
             <a:r>
-              <a:rPr kumimoji="1" lang="ja-JP" altLang="en-US" smtClean="0"/>
+              <a:rPr kumimoji="1" lang="ja-JP" altLang="en-US"/>
               <a:t>レベル</a:t>
             </a:r>
           </a:p>
           <a:p>
             <a:pPr lvl="2"/>
             <a:r>
-              <a:rPr kumimoji="1" lang="ja-JP" altLang="en-US" smtClean="0"/>
+              <a:rPr kumimoji="1" lang="ja-JP" altLang="en-US"/>
               <a:t>第 </a:t>
             </a:r>
             <a:r>
-              <a:rPr kumimoji="1" lang="en-US" altLang="ja-JP" smtClean="0"/>
+              <a:rPr kumimoji="1" lang="en-US" altLang="ja-JP"/>
               <a:t>3 </a:t>
             </a:r>
             <a:r>
-              <a:rPr kumimoji="1" lang="ja-JP" altLang="en-US" smtClean="0"/>
+              <a:rPr kumimoji="1" lang="ja-JP" altLang="en-US"/>
               <a:t>レベル</a:t>
             </a:r>
           </a:p>
           <a:p>
             <a:pPr lvl="3"/>
             <a:r>
-              <a:rPr kumimoji="1" lang="ja-JP" altLang="en-US" smtClean="0"/>
+              <a:rPr kumimoji="1" lang="ja-JP" altLang="en-US"/>
               <a:t>第 </a:t>
             </a:r>
             <a:r>
-              <a:rPr kumimoji="1" lang="en-US" altLang="ja-JP" smtClean="0"/>
+              <a:rPr kumimoji="1" lang="en-US" altLang="ja-JP"/>
               <a:t>4 </a:t>
             </a:r>
             <a:r>
-              <a:rPr kumimoji="1" lang="ja-JP" altLang="en-US" smtClean="0"/>
+              <a:rPr kumimoji="1" lang="ja-JP" altLang="en-US"/>
               <a:t>レベル</a:t>
             </a:r>
           </a:p>
           <a:p>
             <a:pPr lvl="4"/>
             <a:r>
-              <a:rPr kumimoji="1" lang="ja-JP" altLang="en-US" smtClean="0"/>
+              <a:rPr kumimoji="1" lang="ja-JP" altLang="en-US"/>
               <a:t>第 </a:t>
             </a:r>
             <a:r>
-              <a:rPr kumimoji="1" lang="en-US" altLang="ja-JP" smtClean="0"/>
+              <a:rPr kumimoji="1" lang="en-US" altLang="ja-JP"/>
               <a:t>5 </a:t>
             </a:r>
             <a:r>
-              <a:rPr kumimoji="1" lang="ja-JP" altLang="en-US" smtClean="0"/>
+              <a:rPr kumimoji="1" lang="ja-JP" altLang="en-US"/>
               <a:t>レベル</a:t>
             </a:r>
-            <a:endParaRPr kumimoji="1" lang="ja-JP" altLang="en-US"/>
           </a:p>
         </p:txBody>
       </p:sp>
@@ -5209,7 +5177,7 @@
           <a:p>
             <a:pPr lvl="0"/>
             <a:r>
-              <a:rPr kumimoji="1" lang="ja-JP" altLang="en-US" smtClean="0"/>
+              <a:rPr kumimoji="1" lang="ja-JP" altLang="en-US"/>
               <a:t>マスター テキストの書式設定</a:t>
             </a:r>
           </a:p>
@@ -5237,70 +5205,69 @@
           <a:p>
             <a:pPr lvl="0"/>
             <a:r>
-              <a:rPr kumimoji="1" lang="ja-JP" altLang="en-US" smtClean="0"/>
+              <a:rPr kumimoji="1" lang="ja-JP" altLang="en-US"/>
               <a:t>マスター テキストの書式設定</a:t>
             </a:r>
           </a:p>
           <a:p>
             <a:pPr lvl="1"/>
             <a:r>
-              <a:rPr kumimoji="1" lang="ja-JP" altLang="en-US" smtClean="0"/>
+              <a:rPr kumimoji="1" lang="ja-JP" altLang="en-US"/>
               <a:t>第 </a:t>
             </a:r>
             <a:r>
-              <a:rPr kumimoji="1" lang="en-US" altLang="ja-JP" smtClean="0"/>
+              <a:rPr kumimoji="1" lang="en-US" altLang="ja-JP"/>
               <a:t>2 </a:t>
             </a:r>
             <a:r>
-              <a:rPr kumimoji="1" lang="ja-JP" altLang="en-US" smtClean="0"/>
+              <a:rPr kumimoji="1" lang="ja-JP" altLang="en-US"/>
               <a:t>レベル</a:t>
             </a:r>
           </a:p>
           <a:p>
             <a:pPr lvl="2"/>
             <a:r>
-              <a:rPr kumimoji="1" lang="ja-JP" altLang="en-US" smtClean="0"/>
+              <a:rPr kumimoji="1" lang="ja-JP" altLang="en-US"/>
               <a:t>第 </a:t>
             </a:r>
             <a:r>
-              <a:rPr kumimoji="1" lang="en-US" altLang="ja-JP" smtClean="0"/>
+              <a:rPr kumimoji="1" lang="en-US" altLang="ja-JP"/>
               <a:t>3 </a:t>
             </a:r>
             <a:r>
-              <a:rPr kumimoji="1" lang="ja-JP" altLang="en-US" smtClean="0"/>
+              <a:rPr kumimoji="1" lang="ja-JP" altLang="en-US"/>
               <a:t>レベル</a:t>
             </a:r>
           </a:p>
           <a:p>
             <a:pPr lvl="3"/>
             <a:r>
-              <a:rPr kumimoji="1" lang="ja-JP" altLang="en-US" smtClean="0"/>
+              <a:rPr kumimoji="1" lang="ja-JP" altLang="en-US"/>
               <a:t>第 </a:t>
             </a:r>
             <a:r>
-              <a:rPr kumimoji="1" lang="en-US" altLang="ja-JP" smtClean="0"/>
+              <a:rPr kumimoji="1" lang="en-US" altLang="ja-JP"/>
               <a:t>4 </a:t>
             </a:r>
             <a:r>
-              <a:rPr kumimoji="1" lang="ja-JP" altLang="en-US" smtClean="0"/>
+              <a:rPr kumimoji="1" lang="ja-JP" altLang="en-US"/>
               <a:t>レベル</a:t>
             </a:r>
           </a:p>
           <a:p>
             <a:pPr lvl="4"/>
             <a:r>
-              <a:rPr kumimoji="1" lang="ja-JP" altLang="en-US" smtClean="0"/>
+              <a:rPr kumimoji="1" lang="ja-JP" altLang="en-US"/>
               <a:t>第 </a:t>
             </a:r>
             <a:r>
-              <a:rPr kumimoji="1" lang="en-US" altLang="ja-JP" smtClean="0"/>
+              <a:rPr kumimoji="1" lang="en-US" altLang="ja-JP"/>
               <a:t>5 </a:t>
             </a:r>
             <a:r>
-              <a:rPr kumimoji="1" lang="ja-JP" altLang="en-US" smtClean="0"/>
+              <a:rPr kumimoji="1" lang="ja-JP" altLang="en-US"/>
               <a:t>レベル</a:t>
             </a:r>
-            <a:endParaRPr kumimoji="1" lang="ja-JP" altLang="en-US"/>
           </a:p>
         </p:txBody>
       </p:sp>
@@ -5321,7 +5288,7 @@
           <a:p>
             <a:fld id="{CE08E82F-1428-4D30-A9B8-785588B5A09D}" type="datetimeFigureOut">
               <a:rPr kumimoji="1" lang="ja-JP" altLang="en-US" smtClean="0"/>
-              <a:t>2022/1/16</a:t>
+              <a:t>2022/1/18</a:t>
             </a:fld>
             <a:endParaRPr kumimoji="1" lang="ja-JP" altLang="en-US"/>
           </a:p>
@@ -5415,10 +5382,9 @@
           <a:lstStyle/>
           <a:p>
             <a:r>
-              <a:rPr kumimoji="1" lang="ja-JP" altLang="en-US" smtClean="0"/>
+              <a:rPr kumimoji="1" lang="ja-JP" altLang="en-US"/>
               <a:t>マスター タイトルの書式設定</a:t>
             </a:r>
-            <a:endParaRPr kumimoji="1" lang="ja-JP" altLang="en-US"/>
           </a:p>
         </p:txBody>
       </p:sp>
@@ -5439,7 +5405,7 @@
           <a:p>
             <a:fld id="{CE08E82F-1428-4D30-A9B8-785588B5A09D}" type="datetimeFigureOut">
               <a:rPr kumimoji="1" lang="ja-JP" altLang="en-US" smtClean="0"/>
-              <a:t>2022/1/16</a:t>
+              <a:t>2022/1/18</a:t>
             </a:fld>
             <a:endParaRPr kumimoji="1" lang="ja-JP" altLang="en-US"/>
           </a:p>
@@ -5534,7 +5500,7 @@
           <a:p>
             <a:fld id="{CE08E82F-1428-4D30-A9B8-785588B5A09D}" type="datetimeFigureOut">
               <a:rPr kumimoji="1" lang="ja-JP" altLang="en-US" smtClean="0"/>
-              <a:t>2022/1/16</a:t>
+              <a:t>2022/1/18</a:t>
             </a:fld>
             <a:endParaRPr kumimoji="1" lang="ja-JP" altLang="en-US"/>
           </a:p>
@@ -5637,10 +5603,9 @@
           </a:lstStyle>
           <a:p>
             <a:r>
-              <a:rPr kumimoji="1" lang="ja-JP" altLang="en-US" smtClean="0"/>
+              <a:rPr kumimoji="1" lang="ja-JP" altLang="en-US"/>
               <a:t>マスター タイトルの書式設定</a:t>
             </a:r>
-            <a:endParaRPr kumimoji="1" lang="ja-JP" altLang="en-US"/>
           </a:p>
         </p:txBody>
       </p:sp>
@@ -5694,70 +5659,69 @@
           <a:p>
             <a:pPr lvl="0"/>
             <a:r>
-              <a:rPr kumimoji="1" lang="ja-JP" altLang="en-US" smtClean="0"/>
+              <a:rPr kumimoji="1" lang="ja-JP" altLang="en-US"/>
               <a:t>マスター テキストの書式設定</a:t>
             </a:r>
           </a:p>
           <a:p>
             <a:pPr lvl="1"/>
             <a:r>
-              <a:rPr kumimoji="1" lang="ja-JP" altLang="en-US" smtClean="0"/>
+              <a:rPr kumimoji="1" lang="ja-JP" altLang="en-US"/>
               <a:t>第 </a:t>
             </a:r>
             <a:r>
-              <a:rPr kumimoji="1" lang="en-US" altLang="ja-JP" smtClean="0"/>
+              <a:rPr kumimoji="1" lang="en-US" altLang="ja-JP"/>
               <a:t>2 </a:t>
             </a:r>
             <a:r>
-              <a:rPr kumimoji="1" lang="ja-JP" altLang="en-US" smtClean="0"/>
+              <a:rPr kumimoji="1" lang="ja-JP" altLang="en-US"/>
               <a:t>レベル</a:t>
             </a:r>
           </a:p>
           <a:p>
             <a:pPr lvl="2"/>
             <a:r>
-              <a:rPr kumimoji="1" lang="ja-JP" altLang="en-US" smtClean="0"/>
+              <a:rPr kumimoji="1" lang="ja-JP" altLang="en-US"/>
               <a:t>第 </a:t>
             </a:r>
             <a:r>
-              <a:rPr kumimoji="1" lang="en-US" altLang="ja-JP" smtClean="0"/>
+              <a:rPr kumimoji="1" lang="en-US" altLang="ja-JP"/>
               <a:t>3 </a:t>
             </a:r>
             <a:r>
-              <a:rPr kumimoji="1" lang="ja-JP" altLang="en-US" smtClean="0"/>
+              <a:rPr kumimoji="1" lang="ja-JP" altLang="en-US"/>
               <a:t>レベル</a:t>
             </a:r>
           </a:p>
           <a:p>
             <a:pPr lvl="3"/>
             <a:r>
-              <a:rPr kumimoji="1" lang="ja-JP" altLang="en-US" smtClean="0"/>
+              <a:rPr kumimoji="1" lang="ja-JP" altLang="en-US"/>
               <a:t>第 </a:t>
             </a:r>
             <a:r>
-              <a:rPr kumimoji="1" lang="en-US" altLang="ja-JP" smtClean="0"/>
+              <a:rPr kumimoji="1" lang="en-US" altLang="ja-JP"/>
               <a:t>4 </a:t>
             </a:r>
             <a:r>
-              <a:rPr kumimoji="1" lang="ja-JP" altLang="en-US" smtClean="0"/>
+              <a:rPr kumimoji="1" lang="ja-JP" altLang="en-US"/>
               <a:t>レベル</a:t>
             </a:r>
           </a:p>
           <a:p>
             <a:pPr lvl="4"/>
             <a:r>
-              <a:rPr kumimoji="1" lang="ja-JP" altLang="en-US" smtClean="0"/>
+              <a:rPr kumimoji="1" lang="ja-JP" altLang="en-US"/>
               <a:t>第 </a:t>
             </a:r>
             <a:r>
-              <a:rPr kumimoji="1" lang="en-US" altLang="ja-JP" smtClean="0"/>
+              <a:rPr kumimoji="1" lang="en-US" altLang="ja-JP"/>
               <a:t>5 </a:t>
             </a:r>
             <a:r>
-              <a:rPr kumimoji="1" lang="ja-JP" altLang="en-US" smtClean="0"/>
+              <a:rPr kumimoji="1" lang="ja-JP" altLang="en-US"/>
               <a:t>レベル</a:t>
             </a:r>
-            <a:endParaRPr kumimoji="1" lang="ja-JP" altLang="en-US"/>
           </a:p>
         </p:txBody>
       </p:sp>
@@ -5820,7 +5784,7 @@
           <a:p>
             <a:pPr lvl="0"/>
             <a:r>
-              <a:rPr kumimoji="1" lang="ja-JP" altLang="en-US" smtClean="0"/>
+              <a:rPr kumimoji="1" lang="ja-JP" altLang="en-US"/>
               <a:t>マスター テキストの書式設定</a:t>
             </a:r>
           </a:p>
@@ -5843,7 +5807,7 @@
           <a:p>
             <a:fld id="{CE08E82F-1428-4D30-A9B8-785588B5A09D}" type="datetimeFigureOut">
               <a:rPr kumimoji="1" lang="ja-JP" altLang="en-US" smtClean="0"/>
-              <a:t>2022/1/16</a:t>
+              <a:t>2022/1/18</a:t>
             </a:fld>
             <a:endParaRPr kumimoji="1" lang="ja-JP" altLang="en-US"/>
           </a:p>
@@ -5946,10 +5910,9 @@
           </a:lstStyle>
           <a:p>
             <a:r>
-              <a:rPr kumimoji="1" lang="ja-JP" altLang="en-US" smtClean="0"/>
+              <a:rPr kumimoji="1" lang="ja-JP" altLang="en-US"/>
               <a:t>マスター タイトルの書式設定</a:t>
             </a:r>
-            <a:endParaRPr kumimoji="1" lang="ja-JP" altLang="en-US"/>
           </a:p>
         </p:txBody>
       </p:sp>
@@ -6073,7 +6036,7 @@
           <a:p>
             <a:pPr lvl="0"/>
             <a:r>
-              <a:rPr kumimoji="1" lang="ja-JP" altLang="en-US" smtClean="0"/>
+              <a:rPr kumimoji="1" lang="ja-JP" altLang="en-US"/>
               <a:t>マスター テキストの書式設定</a:t>
             </a:r>
           </a:p>
@@ -6096,7 +6059,7 @@
           <a:p>
             <a:fld id="{CE08E82F-1428-4D30-A9B8-785588B5A09D}" type="datetimeFigureOut">
               <a:rPr kumimoji="1" lang="ja-JP" altLang="en-US" smtClean="0"/>
-              <a:t>2022/1/16</a:t>
+              <a:t>2022/1/18</a:t>
             </a:fld>
             <a:endParaRPr kumimoji="1" lang="ja-JP" altLang="en-US"/>
           </a:p>
@@ -6205,10 +6168,9 @@
           <a:lstStyle/>
           <a:p>
             <a:r>
-              <a:rPr kumimoji="1" lang="ja-JP" altLang="en-US" smtClean="0"/>
+              <a:rPr kumimoji="1" lang="ja-JP" altLang="en-US"/>
               <a:t>マスター タイトルの書式設定</a:t>
             </a:r>
-            <a:endParaRPr kumimoji="1" lang="ja-JP" altLang="en-US"/>
           </a:p>
         </p:txBody>
       </p:sp>
@@ -6239,70 +6201,69 @@
           <a:p>
             <a:pPr lvl="0"/>
             <a:r>
-              <a:rPr kumimoji="1" lang="ja-JP" altLang="en-US" smtClean="0"/>
+              <a:rPr kumimoji="1" lang="ja-JP" altLang="en-US"/>
               <a:t>マスター テキストの書式設定</a:t>
             </a:r>
           </a:p>
           <a:p>
             <a:pPr lvl="1"/>
             <a:r>
-              <a:rPr kumimoji="1" lang="ja-JP" altLang="en-US" smtClean="0"/>
+              <a:rPr kumimoji="1" lang="ja-JP" altLang="en-US"/>
               <a:t>第 </a:t>
             </a:r>
             <a:r>
-              <a:rPr kumimoji="1" lang="en-US" altLang="ja-JP" smtClean="0"/>
+              <a:rPr kumimoji="1" lang="en-US" altLang="ja-JP"/>
               <a:t>2 </a:t>
             </a:r>
             <a:r>
-              <a:rPr kumimoji="1" lang="ja-JP" altLang="en-US" smtClean="0"/>
+              <a:rPr kumimoji="1" lang="ja-JP" altLang="en-US"/>
               <a:t>レベル</a:t>
             </a:r>
           </a:p>
           <a:p>
             <a:pPr lvl="2"/>
             <a:r>
-              <a:rPr kumimoji="1" lang="ja-JP" altLang="en-US" smtClean="0"/>
+              <a:rPr kumimoji="1" lang="ja-JP" altLang="en-US"/>
               <a:t>第 </a:t>
             </a:r>
             <a:r>
-              <a:rPr kumimoji="1" lang="en-US" altLang="ja-JP" smtClean="0"/>
+              <a:rPr kumimoji="1" lang="en-US" altLang="ja-JP"/>
               <a:t>3 </a:t>
             </a:r>
             <a:r>
-              <a:rPr kumimoji="1" lang="ja-JP" altLang="en-US" smtClean="0"/>
+              <a:rPr kumimoji="1" lang="ja-JP" altLang="en-US"/>
               <a:t>レベル</a:t>
             </a:r>
           </a:p>
           <a:p>
             <a:pPr lvl="3"/>
             <a:r>
-              <a:rPr kumimoji="1" lang="ja-JP" altLang="en-US" smtClean="0"/>
+              <a:rPr kumimoji="1" lang="ja-JP" altLang="en-US"/>
               <a:t>第 </a:t>
             </a:r>
             <a:r>
-              <a:rPr kumimoji="1" lang="en-US" altLang="ja-JP" smtClean="0"/>
+              <a:rPr kumimoji="1" lang="en-US" altLang="ja-JP"/>
               <a:t>4 </a:t>
             </a:r>
             <a:r>
-              <a:rPr kumimoji="1" lang="ja-JP" altLang="en-US" smtClean="0"/>
+              <a:rPr kumimoji="1" lang="ja-JP" altLang="en-US"/>
               <a:t>レベル</a:t>
             </a:r>
           </a:p>
           <a:p>
             <a:pPr lvl="4"/>
             <a:r>
-              <a:rPr kumimoji="1" lang="ja-JP" altLang="en-US" smtClean="0"/>
+              <a:rPr kumimoji="1" lang="ja-JP" altLang="en-US"/>
               <a:t>第 </a:t>
             </a:r>
             <a:r>
-              <a:rPr kumimoji="1" lang="en-US" altLang="ja-JP" smtClean="0"/>
+              <a:rPr kumimoji="1" lang="en-US" altLang="ja-JP"/>
               <a:t>5 </a:t>
             </a:r>
             <a:r>
-              <a:rPr kumimoji="1" lang="ja-JP" altLang="en-US" smtClean="0"/>
+              <a:rPr kumimoji="1" lang="ja-JP" altLang="en-US"/>
               <a:t>レベル</a:t>
             </a:r>
-            <a:endParaRPr kumimoji="1" lang="ja-JP" altLang="en-US"/>
           </a:p>
         </p:txBody>
       </p:sp>
@@ -6341,7 +6302,7 @@
           <a:p>
             <a:fld id="{CE08E82F-1428-4D30-A9B8-785588B5A09D}" type="datetimeFigureOut">
               <a:rPr kumimoji="1" lang="ja-JP" altLang="en-US" smtClean="0"/>
-              <a:t>2022/1/16</a:t>
+              <a:t>2022/1/18</a:t>
             </a:fld>
             <a:endParaRPr kumimoji="1" lang="ja-JP" altLang="en-US"/>
           </a:p>
@@ -6914,7 +6875,7 @@
           <a:p>
             <a:pPr lvl="0"/>
             <a:r>
-              <a:rPr lang="ja-JP" altLang="en-US" smtClean="0"/>
+              <a:rPr lang="ja-JP" altLang="en-US"/>
               <a:t>マスター タイトルの書式設定</a:t>
             </a:r>
           </a:p>
@@ -6972,67 +6933,67 @@
           <a:p>
             <a:pPr lvl="0"/>
             <a:r>
-              <a:rPr lang="ja-JP" altLang="en-US" smtClean="0"/>
+              <a:rPr lang="ja-JP" altLang="en-US"/>
               <a:t>マスター テキストの書式設定</a:t>
             </a:r>
           </a:p>
           <a:p>
             <a:pPr lvl="1"/>
             <a:r>
-              <a:rPr lang="ja-JP" altLang="en-US" smtClean="0"/>
+              <a:rPr lang="ja-JP" altLang="en-US"/>
               <a:t>第 </a:t>
             </a:r>
             <a:r>
-              <a:rPr lang="en-US" altLang="ja-JP" smtClean="0"/>
+              <a:rPr lang="en-US" altLang="ja-JP"/>
               <a:t>2 </a:t>
             </a:r>
             <a:r>
-              <a:rPr lang="ja-JP" altLang="en-US" smtClean="0"/>
+              <a:rPr lang="ja-JP" altLang="en-US"/>
               <a:t>レベル</a:t>
             </a:r>
           </a:p>
           <a:p>
             <a:pPr lvl="2"/>
             <a:r>
-              <a:rPr lang="ja-JP" altLang="en-US" smtClean="0"/>
+              <a:rPr lang="ja-JP" altLang="en-US"/>
               <a:t>第 </a:t>
             </a:r>
             <a:r>
-              <a:rPr lang="en-US" altLang="ja-JP" smtClean="0"/>
+              <a:rPr lang="en-US" altLang="ja-JP"/>
               <a:t>3 </a:t>
             </a:r>
             <a:r>
-              <a:rPr lang="ja-JP" altLang="en-US" smtClean="0"/>
+              <a:rPr lang="ja-JP" altLang="en-US"/>
               <a:t>レベル</a:t>
             </a:r>
           </a:p>
           <a:p>
             <a:pPr lvl="3"/>
             <a:r>
-              <a:rPr lang="ja-JP" altLang="en-US" smtClean="0"/>
+              <a:rPr lang="ja-JP" altLang="en-US"/>
               <a:t>第 </a:t>
             </a:r>
             <a:r>
-              <a:rPr lang="en-US" altLang="ja-JP" smtClean="0"/>
+              <a:rPr lang="en-US" altLang="ja-JP"/>
               <a:t>4 </a:t>
             </a:r>
             <a:r>
-              <a:rPr lang="ja-JP" altLang="en-US" smtClean="0"/>
+              <a:rPr lang="ja-JP" altLang="en-US"/>
               <a:t>レベル</a:t>
             </a:r>
           </a:p>
           <a:p>
             <a:pPr lvl="4"/>
             <a:r>
-              <a:rPr lang="ja-JP" altLang="en-US" smtClean="0"/>
+              <a:rPr lang="ja-JP" altLang="en-US"/>
               <a:t>第 </a:t>
             </a:r>
             <a:r>
-              <a:rPr lang="en-US" altLang="ja-JP" smtClean="0"/>
+              <a:rPr lang="en-US" altLang="ja-JP"/>
               <a:t>5 </a:t>
             </a:r>
             <a:r>
-              <a:rPr lang="ja-JP" altLang="en-US" smtClean="0"/>
+              <a:rPr lang="ja-JP" altLang="en-US"/>
               <a:t>レベル</a:t>
             </a:r>
           </a:p>
@@ -7094,7 +7055,7 @@
               <a:pPr defTabSz="1219170">
                 <a:defRPr/>
               </a:pPr>
-              <a:t>2022/1/16</a:t>
+              <a:t>2022/1/18</a:t>
             </a:fld>
             <a:endParaRPr lang="ja-JP" altLang="en-US">
               <a:solidFill>
@@ -7245,13 +7206,6 @@
     <p:sldLayoutId id="2147483670" r:id="rId10"/>
     <p:sldLayoutId id="2147483671" r:id="rId11"/>
   </p:sldLayoutIdLst>
-  <p:timing>
-    <p:tnLst>
-      <p:par>
-        <p:cTn id="1" dur="indefinite" restart="never" nodeType="tmRoot"/>
-      </p:par>
-    </p:tnLst>
-  </p:timing>
   <p:txStyles>
     <p:titleStyle>
       <a:lvl1pPr algn="ctr" rtl="0" eaLnBrk="0" fontAlgn="base" hangingPunct="0">
@@ -7665,36 +7619,6 @@
       </p:grpSpPr>
       <p:pic>
         <p:nvPicPr>
-          <p:cNvPr id="6" name="図 5"/>
-          <p:cNvPicPr>
-            <a:picLocks noChangeAspect="1"/>
-          </p:cNvPicPr>
-          <p:nvPr/>
-        </p:nvPicPr>
-        <p:blipFill>
-          <a:blip r:embed="rId2" cstate="print">
-            <a:extLst>
-              <a:ext uri="{28A0092B-C50C-407E-A947-70E740481C1C}">
-                <a14:useLocalDpi xmlns:a14="http://schemas.microsoft.com/office/drawing/2010/main" val="0"/>
-              </a:ext>
-            </a:extLst>
-          </a:blip>
-          <a:stretch>
-            <a:fillRect/>
-          </a:stretch>
-        </p:blipFill>
-        <p:spPr>
-          <a:xfrm>
-            <a:off x="5976534" y="3237439"/>
-            <a:ext cx="887818" cy="945096"/>
-          </a:xfrm>
-          <a:prstGeom prst="rect">
-            <a:avLst/>
-          </a:prstGeom>
-        </p:spPr>
-      </p:pic>
-      <p:pic>
-        <p:nvPicPr>
           <p:cNvPr id="6148" name="図 3"/>
           <p:cNvPicPr>
             <a:picLocks noChangeAspect="1"/>
@@ -7702,7 +7626,7 @@
           <p:nvPr/>
         </p:nvPicPr>
         <p:blipFill>
-          <a:blip r:embed="rId3">
+          <a:blip r:embed="rId2">
             <a:extLst>
               <a:ext uri="{28A0092B-C50C-407E-A947-70E740481C1C}">
                 <a14:useLocalDpi xmlns:a14="http://schemas.microsoft.com/office/drawing/2010/main" val="0"/>
@@ -7759,8 +7683,8 @@
         </p:nvSpPr>
         <p:spPr>
           <a:xfrm>
-            <a:off x="2345267" y="1"/>
-            <a:ext cx="7586133" cy="2258484"/>
+            <a:off x="2302933" y="508001"/>
+            <a:ext cx="7586133" cy="1227666"/>
           </a:xfrm>
         </p:spPr>
         <p:txBody>
@@ -7769,8 +7693,8 @@
           <a:p>
             <a:pPr eaLnBrk="1" hangingPunct="1"/>
             <a:r>
-              <a:rPr lang="ja-JP" altLang="en-US" sz="2000" dirty="0" smtClean="0"/>
-              <a:t>おおたに</a:t>
+              <a:rPr lang="ja-JP" altLang="en-US" sz="3600" dirty="0"/>
+              <a:t>大谷翔平 飛躍の秘密！</a:t>
             </a:r>
             <a:endParaRPr lang="ja-JP" altLang="en-US" sz="2000" dirty="0"/>
           </a:p>
@@ -7798,49 +7722,49 @@
           <a:p>
             <a:pPr eaLnBrk="1" hangingPunct="1"/>
             <a:r>
-              <a:rPr lang="en-US" altLang="ja-JP" sz="2000" dirty="0" smtClean="0"/>
+              <a:rPr lang="en-US" altLang="ja-JP" sz="2000" dirty="0"/>
               <a:t>Shogo </a:t>
             </a:r>
             <a:r>
-              <a:rPr lang="en-US" altLang="ja-JP" sz="2000" dirty="0" err="1" smtClean="0"/>
+              <a:rPr lang="en-US" altLang="ja-JP" sz="2000" dirty="0" err="1"/>
               <a:t>Ikari</a:t>
             </a:r>
             <a:r>
-              <a:rPr lang="en-US" altLang="ja-JP" sz="2000" dirty="0" smtClean="0"/>
+              <a:rPr lang="en-US" altLang="ja-JP" sz="2000" dirty="0"/>
               <a:t>,</a:t>
             </a:r>
           </a:p>
           <a:p>
             <a:pPr eaLnBrk="1" hangingPunct="1"/>
             <a:r>
-              <a:rPr lang="en-US" altLang="ja-JP" sz="2000" dirty="0" err="1" smtClean="0"/>
+              <a:rPr lang="en-US" altLang="ja-JP" sz="2000" dirty="0" err="1"/>
               <a:t>Takahito</a:t>
             </a:r>
             <a:r>
-              <a:rPr lang="en-US" altLang="ja-JP" sz="2000" dirty="0" smtClean="0"/>
+              <a:rPr lang="en-US" altLang="ja-JP" sz="2000" dirty="0"/>
               <a:t> Nishimoto, and</a:t>
             </a:r>
           </a:p>
           <a:p>
             <a:pPr eaLnBrk="1" hangingPunct="1"/>
             <a:r>
-              <a:rPr lang="en-US" altLang="ja-JP" sz="2000" dirty="0" err="1" smtClean="0"/>
+              <a:rPr lang="en-US" altLang="ja-JP" sz="2000" dirty="0" err="1"/>
               <a:t>Reio</a:t>
             </a:r>
             <a:r>
-              <a:rPr lang="en-US" altLang="ja-JP" sz="2000" dirty="0" smtClean="0"/>
+              <a:rPr lang="en-US" altLang="ja-JP" sz="2000" dirty="0"/>
               <a:t> </a:t>
             </a:r>
             <a:r>
-              <a:rPr lang="en-US" altLang="ja-JP" sz="2000" dirty="0" err="1" smtClean="0"/>
+              <a:rPr lang="en-US" altLang="ja-JP" sz="2000" dirty="0" err="1"/>
               <a:t>Tanji</a:t>
             </a:r>
-            <a:endParaRPr lang="en-US" altLang="ja-JP" sz="2000" dirty="0" smtClean="0"/>
+            <a:endParaRPr lang="en-US" altLang="ja-JP" sz="2000" dirty="0"/>
           </a:p>
           <a:p>
             <a:pPr eaLnBrk="1" hangingPunct="1"/>
             <a:r>
-              <a:rPr lang="en-US" altLang="ja-JP" sz="2000" dirty="0" smtClean="0"/>
+              <a:rPr lang="en-US" altLang="ja-JP" sz="2000" dirty="0"/>
               <a:t>Osaka University</a:t>
             </a:r>
           </a:p>
@@ -7894,14 +7818,24 @@
               <a:defRPr/>
             </a:pPr>
             <a:r>
-              <a:rPr lang="en-US" altLang="ja-JP" sz="3733" dirty="0" smtClean="0">
+              <a:rPr lang="en-US" altLang="ja-JP" sz="3733" dirty="0" err="1">
                 <a:solidFill>
                   <a:prstClr val="black"/>
                 </a:solidFill>
                 <a:latin typeface="Calibri"/>
                 <a:ea typeface="ＭＳ Ｐゴシック" panose="020B0600070205080204" pitchFamily="50" charset="-128"/>
               </a:rPr>
-              <a:t>I’m back!</a:t>
+              <a:t>Shotime</a:t>
+            </a:r>
+            <a:r>
+              <a:rPr lang="en-US" altLang="ja-JP" sz="3733" dirty="0">
+                <a:solidFill>
+                  <a:prstClr val="black"/>
+                </a:solidFill>
+                <a:latin typeface="Calibri"/>
+                <a:ea typeface="ＭＳ Ｐゴシック" panose="020B0600070205080204" pitchFamily="50" charset="-128"/>
+              </a:rPr>
+              <a:t>!</a:t>
             </a:r>
             <a:endParaRPr lang="ja-JP" altLang="en-US" sz="3733" dirty="0">
               <a:solidFill>
@@ -7923,13 +7857,6 @@
   <p:clrMapOvr>
     <a:masterClrMapping/>
   </p:clrMapOvr>
-  <p:timing>
-    <p:tnLst>
-      <p:par>
-        <p:cTn id="1" dur="indefinite" restart="never" nodeType="tmRoot"/>
-      </p:par>
-    </p:tnLst>
-  </p:timing>
 </p:sld>
 </file>
 
@@ -7966,10 +7893,13 @@
           <a:lstStyle/>
           <a:p>
             <a:r>
-              <a:rPr kumimoji="1" lang="ja-JP" altLang="en-US" dirty="0" smtClean="0"/>
-              <a:t>スライダー・カッター</a:t>
-            </a:r>
-            <a:endParaRPr kumimoji="1" lang="ja-JP" altLang="en-US" dirty="0"/>
+              <a:rPr kumimoji="1" lang="en-US" altLang="ja-JP" dirty="0"/>
+              <a:t>2021</a:t>
+            </a:r>
+            <a:r>
+              <a:rPr kumimoji="1" lang="ja-JP" altLang="en-US" dirty="0"/>
+              <a:t>年に絞る理由</a:t>
+            </a:r>
           </a:p>
         </p:txBody>
       </p:sp>
@@ -7983,175 +7913,19 @@
             <p:ph idx="1"/>
           </p:nvPr>
         </p:nvSpPr>
-        <p:spPr>
-          <a:xfrm>
-            <a:off x="609600" y="1600201"/>
-            <a:ext cx="10972800" cy="5020055"/>
-          </a:xfrm>
-        </p:spPr>
+        <p:spPr/>
         <p:txBody>
           <a:bodyPr/>
           <a:lstStyle/>
           <a:p>
-            <a:r>
-              <a:rPr lang="ja-JP" altLang="en-US" sz="2400" dirty="0" smtClean="0"/>
-              <a:t>スライダー</a:t>
-            </a:r>
-            <a:endParaRPr lang="en-US" altLang="ja-JP" sz="2400" dirty="0" smtClean="0"/>
-          </a:p>
-          <a:p>
-            <a:pPr lvl="1"/>
-            <a:r>
-              <a:rPr lang="ja-JP" altLang="en-US" sz="2000" dirty="0" smtClean="0"/>
-              <a:t>変化球の中で最も投球比率が高く、</a:t>
-            </a:r>
-            <a:endParaRPr lang="en-US" altLang="ja-JP" sz="2000" dirty="0" smtClean="0"/>
-          </a:p>
-          <a:p>
-            <a:pPr lvl="1"/>
-            <a:r>
-              <a:rPr lang="ja-JP" altLang="en-US" sz="2000" dirty="0" smtClean="0"/>
-              <a:t>スライド</a:t>
-            </a:r>
-            <a:r>
-              <a:rPr lang="ja-JP" altLang="en-US" sz="2000" dirty="0"/>
-              <a:t>成分</a:t>
-            </a:r>
-            <a:r>
-              <a:rPr kumimoji="1" lang="en-US" altLang="ja-JP" sz="2000" dirty="0" smtClean="0"/>
-              <a:t>40cm</a:t>
-            </a:r>
-            <a:r>
-              <a:rPr kumimoji="1" lang="ja-JP" altLang="en-US" sz="2000" dirty="0" smtClean="0"/>
-              <a:t>と平均を大きく上回る横滑りのスライダー。球速は平均を下回るため、対フォーシームの球速比で言えばやや遅めに分類される</a:t>
-            </a:r>
-            <a:endParaRPr kumimoji="1" lang="en-US" altLang="ja-JP" sz="2000" dirty="0" smtClean="0"/>
-          </a:p>
-          <a:p>
-            <a:pPr lvl="1"/>
-            <a:r>
-              <a:rPr lang="en-US" altLang="ja-JP" sz="2000" dirty="0" smtClean="0"/>
-              <a:t>SwStr%14.3, CStr%20.4</a:t>
-            </a:r>
-            <a:r>
-              <a:rPr lang="ja-JP" altLang="en-US" sz="2000" dirty="0" smtClean="0"/>
-              <a:t>はそれぞれ大谷投手の持ち球の中で</a:t>
-            </a:r>
-            <a:r>
-              <a:rPr lang="en-US" altLang="ja-JP" sz="2000" dirty="0" smtClean="0"/>
-              <a:t>2</a:t>
-            </a:r>
-            <a:r>
-              <a:rPr lang="ja-JP" altLang="en-US" sz="2000" dirty="0" smtClean="0"/>
-              <a:t>番目</a:t>
-            </a:r>
-            <a:r>
-              <a:rPr lang="en-US" altLang="ja-JP" sz="2000" dirty="0" smtClean="0"/>
-              <a:t>/</a:t>
-            </a:r>
-            <a:r>
-              <a:rPr lang="ja-JP" altLang="en-US" sz="2000" dirty="0" smtClean="0"/>
-              <a:t>最も高い比率で、スプリットと並んで最も高い比率でストライクを取った球種である。しかも</a:t>
-            </a:r>
-            <a:r>
-              <a:rPr lang="en-US" altLang="ja-JP" sz="2000" dirty="0" smtClean="0"/>
-              <a:t>Zone%55.9</a:t>
-            </a:r>
-            <a:r>
-              <a:rPr lang="ja-JP" altLang="en-US" sz="2000" dirty="0" smtClean="0"/>
-              <a:t>はフォーシームと同程度の高さであり、「ストライクゾーンに投じながらストライクが取れる」という観点ではスプリット以上に安定している</a:t>
-            </a:r>
-            <a:endParaRPr lang="en-US" altLang="ja-JP" sz="2000" dirty="0" smtClean="0"/>
-          </a:p>
-          <a:p>
-            <a:r>
-              <a:rPr lang="ja-JP" altLang="en-US" sz="2534" dirty="0"/>
-              <a:t>カッター</a:t>
-            </a:r>
-            <a:endParaRPr lang="en-US" altLang="ja-JP" sz="2534" dirty="0" smtClean="0"/>
-          </a:p>
-          <a:p>
-            <a:pPr lvl="1"/>
-            <a:r>
-              <a:rPr kumimoji="1" lang="en-US" altLang="ja-JP" sz="2000" dirty="0" smtClean="0"/>
-              <a:t>2021</a:t>
-            </a:r>
-            <a:r>
-              <a:rPr kumimoji="1" lang="ja-JP" altLang="en-US" sz="2000" dirty="0" smtClean="0"/>
-              <a:t>シーズンから使用。</a:t>
-            </a:r>
-            <a:r>
-              <a:rPr lang="ja-JP" altLang="en-US" sz="2000" dirty="0"/>
-              <a:t>球速帯</a:t>
-            </a:r>
-            <a:r>
-              <a:rPr lang="ja-JP" altLang="en-US" sz="2000" dirty="0" smtClean="0"/>
-              <a:t>はマネーピッチのスプリットに近い。平均ホップ成分は他の</a:t>
-            </a:r>
-            <a:r>
-              <a:rPr lang="en-US" altLang="ja-JP" sz="2000" dirty="0" smtClean="0"/>
-              <a:t>2</a:t>
-            </a:r>
-            <a:r>
-              <a:rPr lang="ja-JP" altLang="en-US" sz="2000" dirty="0" smtClean="0"/>
-              <a:t>球種よりやや高いが、チャートではスライダー、スプリットのほぼ真ん中に曲がっていく球種</a:t>
-            </a:r>
-            <a:endParaRPr lang="en-US" altLang="ja-JP" sz="2000" dirty="0" smtClean="0"/>
-          </a:p>
-          <a:p>
-            <a:pPr lvl="1"/>
-            <a:r>
-              <a:rPr kumimoji="1" lang="ja-JP" altLang="en-US" sz="2000" dirty="0" smtClean="0"/>
-              <a:t>空振りを奪うスペックは他の球種にやや劣るが、内野フライ</a:t>
-            </a:r>
-            <a:r>
-              <a:rPr kumimoji="1" lang="en-US" altLang="ja-JP" sz="2000" dirty="0" smtClean="0"/>
-              <a:t>(Popup)</a:t>
-            </a:r>
-            <a:r>
-              <a:rPr kumimoji="1" lang="ja-JP" altLang="en-US" sz="2000" dirty="0" smtClean="0"/>
-              <a:t>が</a:t>
-            </a:r>
-            <a:r>
-              <a:rPr kumimoji="1" lang="en-US" altLang="ja-JP" sz="2000" dirty="0" smtClean="0"/>
-              <a:t>13%</a:t>
-            </a:r>
-            <a:r>
-              <a:rPr kumimoji="1" lang="ja-JP" altLang="en-US" sz="2000" dirty="0" smtClean="0"/>
-              <a:t>と高いことから</a:t>
-            </a:r>
-            <a:r>
-              <a:rPr kumimoji="1" lang="en-US" altLang="ja-JP" sz="2000" dirty="0" smtClean="0"/>
-              <a:t>1</a:t>
-            </a:r>
-            <a:r>
-              <a:rPr kumimoji="1" lang="ja-JP" altLang="en-US" sz="2000" dirty="0" smtClean="0"/>
-              <a:t>球でアウトを取る性能に強みがある。</a:t>
-            </a:r>
-            <a:r>
-              <a:rPr kumimoji="1" lang="en-US" altLang="ja-JP" sz="2000" dirty="0" smtClean="0"/>
-              <a:t>Zone%</a:t>
-            </a:r>
-            <a:r>
-              <a:rPr lang="ja-JP" altLang="en-US" sz="2000" dirty="0" smtClean="0"/>
-              <a:t>は</a:t>
-            </a:r>
-            <a:r>
-              <a:rPr lang="en-US" altLang="ja-JP" sz="2000" dirty="0" smtClean="0"/>
-              <a:t>5</a:t>
-            </a:r>
-            <a:r>
-              <a:rPr lang="ja-JP" altLang="en-US" sz="2000" dirty="0" smtClean="0"/>
-              <a:t>球種の中でトップ</a:t>
-            </a:r>
-            <a:endParaRPr kumimoji="1" lang="en-US" altLang="ja-JP" sz="2000" dirty="0" smtClean="0"/>
+            <a:endParaRPr kumimoji="1" lang="ja-JP" altLang="en-US"/>
           </a:p>
         </p:txBody>
       </p:sp>
     </p:spTree>
     <p:extLst>
       <p:ext uri="{BB962C8B-B14F-4D97-AF65-F5344CB8AC3E}">
-        <p14:creationId xmlns:p14="http://schemas.microsoft.com/office/powerpoint/2010/main" val="2328693508"/>
+        <p14:creationId xmlns:p14="http://schemas.microsoft.com/office/powerpoint/2010/main" val="1337977698"/>
       </p:ext>
     </p:extLst>
   </p:cSld>
@@ -8194,10 +7968,9 @@
           <a:lstStyle/>
           <a:p>
             <a:r>
-              <a:rPr kumimoji="1" lang="ja-JP" altLang="en-US" dirty="0" smtClean="0"/>
-              <a:t>スプリット</a:t>
-            </a:r>
-            <a:endParaRPr kumimoji="1" lang="ja-JP" altLang="en-US" dirty="0"/>
+              <a:rPr kumimoji="1" lang="ja-JP" altLang="en-US" dirty="0"/>
+              <a:t>投手スタッツ</a:t>
+            </a:r>
           </a:p>
         </p:txBody>
       </p:sp>
@@ -8216,114 +7989,32 @@
           <a:bodyPr/>
           <a:lstStyle/>
           <a:p>
-            <a:r>
-              <a:rPr kumimoji="1" lang="ja-JP" altLang="en-US" sz="2400" dirty="0" smtClean="0"/>
-              <a:t>スプリット</a:t>
-            </a:r>
-            <a:endParaRPr kumimoji="1" lang="en-US" altLang="ja-JP" sz="2400" dirty="0" smtClean="0"/>
-          </a:p>
-          <a:p>
-            <a:pPr lvl="1"/>
-            <a:r>
-              <a:rPr kumimoji="1" lang="en-US" altLang="ja-JP" sz="2000" dirty="0" smtClean="0"/>
-              <a:t>PV/C 3.29</a:t>
-            </a:r>
-            <a:r>
-              <a:rPr lang="ja-JP" altLang="en-US" sz="2000" dirty="0" smtClean="0"/>
-              <a:t>はリーグ平均と比較しても群を抜くパフォーマンスの高さ。投球比率は</a:t>
-            </a:r>
-            <a:r>
-              <a:rPr lang="en-US" altLang="ja-JP" sz="2000" dirty="0" smtClean="0"/>
-              <a:t>20%</a:t>
-            </a:r>
-            <a:r>
-              <a:rPr lang="ja-JP" altLang="en-US" sz="2000" dirty="0" smtClean="0"/>
-              <a:t>に満たないながら、</a:t>
-            </a:r>
-            <a:r>
-              <a:rPr lang="en-US" altLang="ja-JP" sz="2000" dirty="0" smtClean="0"/>
-              <a:t>PV12.2</a:t>
-            </a:r>
-            <a:r>
-              <a:rPr lang="ja-JP" altLang="en-US" sz="2000" dirty="0" smtClean="0"/>
-              <a:t>は彼の持ち球の中でもトップの数字である</a:t>
-            </a:r>
-            <a:endParaRPr lang="en-US" altLang="ja-JP" sz="2000" dirty="0" smtClean="0"/>
-          </a:p>
-          <a:p>
-            <a:pPr lvl="1"/>
-            <a:r>
-              <a:rPr lang="en-US" altLang="ja-JP" sz="2000" dirty="0"/>
-              <a:t>wOBA.119</a:t>
-            </a:r>
-            <a:r>
-              <a:rPr lang="ja-JP" altLang="en-US" sz="2000" dirty="0"/>
-              <a:t>は圧巻。</a:t>
-            </a:r>
-            <a:r>
-              <a:rPr lang="en-US" altLang="ja-JP" sz="2000" dirty="0" err="1"/>
-              <a:t>xwOBA</a:t>
-            </a:r>
-            <a:r>
-              <a:rPr lang="ja-JP" altLang="en-US" sz="2000" dirty="0"/>
-              <a:t>と大きな乖離も</a:t>
-            </a:r>
-            <a:r>
-              <a:rPr lang="ja-JP" altLang="en-US" sz="2000" dirty="0" smtClean="0"/>
-              <a:t>なし</a:t>
-            </a:r>
-            <a:endParaRPr lang="en-US" altLang="ja-JP" sz="2000" dirty="0" smtClean="0"/>
-          </a:p>
-          <a:p>
-            <a:pPr lvl="1"/>
-            <a:r>
-              <a:rPr lang="en-US" altLang="ja-JP" sz="2000" dirty="0" smtClean="0"/>
-              <a:t>SwStr%18.6</a:t>
-            </a:r>
-            <a:r>
-              <a:rPr lang="ja-JP" altLang="en-US" sz="2000" dirty="0" smtClean="0"/>
-              <a:t>と圧倒的な奪空振り能力を誇る。ゾーンへの投球率が低い一方で、打球を発生させないという観点では間違いなくトップクラスのボール。</a:t>
-            </a:r>
-            <a:endParaRPr lang="en-US" altLang="ja-JP" sz="2000" dirty="0" smtClean="0"/>
-          </a:p>
-          <a:p>
-            <a:pPr lvl="1"/>
-            <a:r>
-              <a:rPr kumimoji="1" lang="ja-JP" altLang="en-US" sz="2000" dirty="0"/>
-              <a:t>縦</a:t>
-            </a:r>
-            <a:r>
-              <a:rPr kumimoji="1" lang="ja-JP" altLang="en-US" sz="2000" dirty="0" smtClean="0"/>
-              <a:t>変化量で表される落ち幅、球速帯はリーグ平均とほぼ同程度だが、フォーシームのシュート成分が小さいことを差し引いてもシュート成分が小さい：打者視点では縦に消えるボールに見える</a:t>
-            </a:r>
-            <a:endParaRPr kumimoji="1" lang="en-US" altLang="ja-JP" sz="2000" dirty="0" smtClean="0"/>
-          </a:p>
-          <a:p>
-            <a:pPr lvl="1"/>
-            <a:r>
-              <a:rPr lang="en-US" altLang="ja-JP" sz="2000" dirty="0" smtClean="0"/>
-              <a:t>MLB</a:t>
-            </a:r>
-            <a:r>
-              <a:rPr lang="ja-JP" altLang="en-US" sz="2000" dirty="0" smtClean="0"/>
-              <a:t>全体におけるスプリットの投球率はわずか</a:t>
-            </a:r>
-            <a:r>
-              <a:rPr lang="en-US" altLang="ja-JP" sz="2000" dirty="0" smtClean="0"/>
-              <a:t>1.5%</a:t>
-            </a:r>
-            <a:r>
-              <a:rPr lang="ja-JP" altLang="en-US" sz="2000" dirty="0" smtClean="0"/>
-              <a:t>で、ナックルを除けば最も低い比率。同系統のオフスピードボールであるチェンジアップとも異なる球質であるため、希少価値が高い</a:t>
-            </a:r>
-            <a:endParaRPr lang="en-US" altLang="ja-JP" sz="2000" dirty="0" smtClean="0"/>
+            <a:endParaRPr lang="en-US" altLang="ja-JP" sz="2400" dirty="0"/>
+          </a:p>
+          <a:p>
+            <a:endParaRPr lang="en-US" altLang="ja-JP" sz="2400" dirty="0"/>
+          </a:p>
+          <a:p>
+            <a:r>
+              <a:rPr lang="ja-JP" altLang="en-US" sz="2400" dirty="0"/>
+              <a:t>シーズン後半にはフォーシームがカッターやスライダー、スプリットに置き換わる：いずれも</a:t>
+            </a:r>
+            <a:r>
+              <a:rPr lang="en-US" altLang="ja-JP" sz="2400" dirty="0"/>
+              <a:t>PV</a:t>
+            </a:r>
+            <a:r>
+              <a:rPr lang="ja-JP" altLang="en-US" sz="2400" dirty="0"/>
+              <a:t>プラスのボールで、終盤の成績改善とも一致</a:t>
+            </a:r>
+            <a:endParaRPr kumimoji="1" lang="ja-JP" altLang="en-US" sz="2934" dirty="0"/>
           </a:p>
         </p:txBody>
       </p:sp>
     </p:spTree>
     <p:extLst>
       <p:ext uri="{BB962C8B-B14F-4D97-AF65-F5344CB8AC3E}">
-        <p14:creationId xmlns:p14="http://schemas.microsoft.com/office/powerpoint/2010/main" val="2846674224"/>
+        <p14:creationId xmlns:p14="http://schemas.microsoft.com/office/powerpoint/2010/main" val="1982934772"/>
       </p:ext>
     </p:extLst>
   </p:cSld>
@@ -8366,1846 +8057,9 @@
           <a:lstStyle/>
           <a:p>
             <a:r>
-              <a:rPr kumimoji="1" lang="ja-JP" altLang="en-US" dirty="0" smtClean="0"/>
-              <a:t>ブレイクチャート</a:t>
-            </a:r>
-            <a:endParaRPr kumimoji="1" lang="ja-JP" altLang="en-US" dirty="0"/>
-          </a:p>
-        </p:txBody>
-      </p:sp>
-      <p:pic>
-        <p:nvPicPr>
-          <p:cNvPr id="4" name="図 3"/>
-          <p:cNvPicPr>
-            <a:picLocks noChangeAspect="1"/>
-          </p:cNvPicPr>
-          <p:nvPr/>
-        </p:nvPicPr>
-        <p:blipFill>
-          <a:blip r:embed="rId2" cstate="print">
-            <a:extLst>
-              <a:ext uri="{28A0092B-C50C-407E-A947-70E740481C1C}">
-                <a14:useLocalDpi xmlns:a14="http://schemas.microsoft.com/office/drawing/2010/main" val="0"/>
-              </a:ext>
-            </a:extLst>
-          </a:blip>
-          <a:stretch>
-            <a:fillRect/>
-          </a:stretch>
-        </p:blipFill>
-        <p:spPr>
-          <a:xfrm>
-            <a:off x="6178290" y="1627627"/>
-            <a:ext cx="5486411" cy="3657607"/>
-          </a:xfrm>
-          <a:prstGeom prst="rect">
-            <a:avLst/>
-          </a:prstGeom>
-        </p:spPr>
-      </p:pic>
-      <p:pic>
-        <p:nvPicPr>
-          <p:cNvPr id="5" name="図 4"/>
-          <p:cNvPicPr>
-            <a:picLocks noChangeAspect="1"/>
-          </p:cNvPicPr>
-          <p:nvPr/>
-        </p:nvPicPr>
-        <p:blipFill>
-          <a:blip r:embed="rId3" cstate="print">
-            <a:extLst>
-              <a:ext uri="{28A0092B-C50C-407E-A947-70E740481C1C}">
-                <a14:useLocalDpi xmlns:a14="http://schemas.microsoft.com/office/drawing/2010/main" val="0"/>
-              </a:ext>
-            </a:extLst>
-          </a:blip>
-          <a:stretch>
-            <a:fillRect/>
-          </a:stretch>
-        </p:blipFill>
-        <p:spPr>
-          <a:xfrm>
-            <a:off x="362706" y="1627628"/>
-            <a:ext cx="5486411" cy="3657607"/>
-          </a:xfrm>
-          <a:prstGeom prst="rect">
-            <a:avLst/>
-          </a:prstGeom>
-        </p:spPr>
-      </p:pic>
-      <p:sp>
-        <p:nvSpPr>
-          <p:cNvPr id="6" name="テキスト ボックス 5"/>
-          <p:cNvSpPr txBox="1"/>
-          <p:nvPr/>
-        </p:nvSpPr>
-        <p:spPr>
-          <a:xfrm>
-            <a:off x="777240" y="5541264"/>
-            <a:ext cx="9272016" cy="646331"/>
-          </a:xfrm>
-          <a:prstGeom prst="rect">
-            <a:avLst/>
-          </a:prstGeom>
-          <a:noFill/>
-        </p:spPr>
-        <p:txBody>
-          <a:bodyPr wrap="square" rtlCol="0">
-            <a:spAutoFit/>
-          </a:bodyPr>
-          <a:lstStyle/>
-          <a:p>
-            <a:pPr marL="285750" indent="-285750">
-              <a:buFont typeface="Arial" panose="020B0604020202020204" pitchFamily="34" charset="0"/>
-              <a:buChar char="•"/>
-            </a:pPr>
-            <a:r>
-              <a:rPr lang="ja-JP" altLang="en-US" dirty="0" smtClean="0"/>
-              <a:t>スプリット、カッター、スライダーがほぼ横一直線に並ぶ球種構成</a:t>
-            </a:r>
-            <a:endParaRPr lang="en-US" altLang="ja-JP" dirty="0" smtClean="0"/>
-          </a:p>
-          <a:p>
-            <a:pPr marL="285750" indent="-285750">
-              <a:buFont typeface="Arial" panose="020B0604020202020204" pitchFamily="34" charset="0"/>
-              <a:buChar char="•"/>
-            </a:pPr>
-            <a:r>
-              <a:rPr lang="ja-JP" altLang="en-US" dirty="0"/>
-              <a:t>フォーシーム</a:t>
-            </a:r>
-            <a:r>
-              <a:rPr lang="ja-JP" altLang="en-US" dirty="0" smtClean="0"/>
-              <a:t>が横変化量ゼロ～ややスライド方向に振れる真</a:t>
-            </a:r>
-            <a:r>
-              <a:rPr lang="ja-JP" altLang="en-US" dirty="0" err="1" smtClean="0"/>
-              <a:t>っ</a:t>
-            </a:r>
-            <a:r>
-              <a:rPr lang="ja-JP" altLang="en-US" dirty="0" smtClean="0"/>
-              <a:t>スラ球質に</a:t>
-            </a:r>
-            <a:endParaRPr kumimoji="1" lang="ja-JP" altLang="en-US" dirty="0"/>
-          </a:p>
-        </p:txBody>
-      </p:sp>
-    </p:spTree>
-    <p:extLst>
-      <p:ext uri="{BB962C8B-B14F-4D97-AF65-F5344CB8AC3E}">
-        <p14:creationId xmlns:p14="http://schemas.microsoft.com/office/powerpoint/2010/main" val="2725020041"/>
-      </p:ext>
-    </p:extLst>
-  </p:cSld>
-  <p:clrMapOvr>
-    <a:masterClrMapping/>
-  </p:clrMapOvr>
-</p:sld>
-</file>
-
-<file path=ppt/slides/slide13.xml><?xml version="1.0" encoding="utf-8"?>
-<p:sld xmlns:a="http://schemas.openxmlformats.org/drawingml/2006/main" xmlns:r="http://schemas.openxmlformats.org/officeDocument/2006/relationships" xmlns:p="http://schemas.openxmlformats.org/presentationml/2006/main">
-  <p:cSld>
-    <p:spTree>
-      <p:nvGrpSpPr>
-        <p:cNvPr id="1" name=""/>
-        <p:cNvGrpSpPr/>
-        <p:nvPr/>
-      </p:nvGrpSpPr>
-      <p:grpSpPr>
-        <a:xfrm>
-          <a:off x="0" y="0"/>
-          <a:ext cx="0" cy="0"/>
-          <a:chOff x="0" y="0"/>
-          <a:chExt cx="0" cy="0"/>
-        </a:xfrm>
-      </p:grpSpPr>
-      <p:sp>
-        <p:nvSpPr>
-          <p:cNvPr id="2" name="タイトル 1"/>
-          <p:cNvSpPr>
-            <a:spLocks noGrp="1"/>
-          </p:cNvSpPr>
-          <p:nvPr>
-            <p:ph type="title"/>
-          </p:nvPr>
-        </p:nvSpPr>
-        <p:spPr/>
-        <p:txBody>
-          <a:bodyPr/>
-          <a:lstStyle/>
-          <a:p>
-            <a:r>
-              <a:rPr kumimoji="1" lang="ja-JP" altLang="en-US" dirty="0" smtClean="0"/>
-              <a:t>奥行き分析</a:t>
-            </a:r>
-            <a:r>
-              <a:rPr kumimoji="1" lang="en-US" altLang="ja-JP" dirty="0" smtClean="0"/>
-              <a:t>(</a:t>
-            </a:r>
-            <a:r>
-              <a:rPr kumimoji="1" lang="ja-JP" altLang="en-US" dirty="0" smtClean="0"/>
-              <a:t>球速・縦変化</a:t>
-            </a:r>
-            <a:r>
-              <a:rPr kumimoji="1" lang="en-US" altLang="ja-JP" dirty="0" smtClean="0"/>
-              <a:t>)</a:t>
-            </a:r>
-            <a:endParaRPr kumimoji="1" lang="ja-JP" altLang="en-US" dirty="0"/>
-          </a:p>
-        </p:txBody>
-      </p:sp>
-      <p:pic>
-        <p:nvPicPr>
-          <p:cNvPr id="4" name="コンテンツ プレースホルダー 3"/>
-          <p:cNvPicPr>
-            <a:picLocks noGrp="1" noChangeAspect="1"/>
-          </p:cNvPicPr>
-          <p:nvPr>
-            <p:ph idx="1"/>
-          </p:nvPr>
-        </p:nvPicPr>
-        <p:blipFill>
-          <a:blip r:embed="rId2" cstate="print">
-            <a:extLst>
-              <a:ext uri="{28A0092B-C50C-407E-A947-70E740481C1C}">
-                <a14:useLocalDpi xmlns:a14="http://schemas.microsoft.com/office/drawing/2010/main" val="0"/>
-              </a:ext>
-            </a:extLst>
-          </a:blip>
-          <a:stretch>
-            <a:fillRect/>
-          </a:stretch>
-        </p:blipFill>
-        <p:spPr>
-          <a:xfrm>
-            <a:off x="6370314" y="1938524"/>
-            <a:ext cx="5486411" cy="3657607"/>
-          </a:xfrm>
-        </p:spPr>
-      </p:pic>
-      <p:pic>
-        <p:nvPicPr>
-          <p:cNvPr id="5" name="図 4"/>
-          <p:cNvPicPr>
-            <a:picLocks noChangeAspect="1"/>
-          </p:cNvPicPr>
-          <p:nvPr/>
-        </p:nvPicPr>
-        <p:blipFill>
-          <a:blip r:embed="rId3" cstate="print">
-            <a:extLst>
-              <a:ext uri="{28A0092B-C50C-407E-A947-70E740481C1C}">
-                <a14:useLocalDpi xmlns:a14="http://schemas.microsoft.com/office/drawing/2010/main" val="0"/>
-              </a:ext>
-            </a:extLst>
-          </a:blip>
-          <a:stretch>
-            <a:fillRect/>
-          </a:stretch>
-        </p:blipFill>
-        <p:spPr>
-          <a:xfrm>
-            <a:off x="609600" y="1938524"/>
-            <a:ext cx="5486411" cy="3657607"/>
-          </a:xfrm>
-          <a:prstGeom prst="rect">
-            <a:avLst/>
-          </a:prstGeom>
-        </p:spPr>
-      </p:pic>
-    </p:spTree>
-    <p:extLst>
-      <p:ext uri="{BB962C8B-B14F-4D97-AF65-F5344CB8AC3E}">
-        <p14:creationId xmlns:p14="http://schemas.microsoft.com/office/powerpoint/2010/main" val="1814205469"/>
-      </p:ext>
-    </p:extLst>
-  </p:cSld>
-  <p:clrMapOvr>
-    <a:masterClrMapping/>
-  </p:clrMapOvr>
-</p:sld>
-</file>
-
-<file path=ppt/slides/slide14.xml><?xml version="1.0" encoding="utf-8"?>
-<p:sld xmlns:a="http://schemas.openxmlformats.org/drawingml/2006/main" xmlns:r="http://schemas.openxmlformats.org/officeDocument/2006/relationships" xmlns:p="http://schemas.openxmlformats.org/presentationml/2006/main">
-  <p:cSld>
-    <p:spTree>
-      <p:nvGrpSpPr>
-        <p:cNvPr id="1" name=""/>
-        <p:cNvGrpSpPr/>
-        <p:nvPr/>
-      </p:nvGrpSpPr>
-      <p:grpSpPr>
-        <a:xfrm>
-          <a:off x="0" y="0"/>
-          <a:ext cx="0" cy="0"/>
-          <a:chOff x="0" y="0"/>
-          <a:chExt cx="0" cy="0"/>
-        </a:xfrm>
-      </p:grpSpPr>
-      <p:sp>
-        <p:nvSpPr>
-          <p:cNvPr id="2" name="タイトル 1"/>
-          <p:cNvSpPr>
-            <a:spLocks noGrp="1"/>
-          </p:cNvSpPr>
-          <p:nvPr>
-            <p:ph type="title"/>
-          </p:nvPr>
-        </p:nvSpPr>
-        <p:spPr/>
-        <p:txBody>
-          <a:bodyPr/>
-          <a:lstStyle/>
-          <a:p>
-            <a:endParaRPr kumimoji="1" lang="ja-JP" altLang="en-US" dirty="0"/>
-          </a:p>
-        </p:txBody>
-      </p:sp>
-      <p:pic>
-        <p:nvPicPr>
-          <p:cNvPr id="4" name="コンテンツ プレースホルダー 3"/>
-          <p:cNvPicPr>
-            <a:picLocks noGrp="1" noChangeAspect="1"/>
-          </p:cNvPicPr>
-          <p:nvPr>
-            <p:ph idx="1"/>
-          </p:nvPr>
-        </p:nvPicPr>
-        <p:blipFill>
-          <a:blip r:embed="rId2" cstate="print">
-            <a:extLst>
-              <a:ext uri="{28A0092B-C50C-407E-A947-70E740481C1C}">
-                <a14:useLocalDpi xmlns:a14="http://schemas.microsoft.com/office/drawing/2010/main" val="0"/>
-              </a:ext>
-            </a:extLst>
-          </a:blip>
-          <a:stretch>
-            <a:fillRect/>
-          </a:stretch>
-        </p:blipFill>
-        <p:spPr>
-          <a:xfrm>
-            <a:off x="609600" y="2336130"/>
-            <a:ext cx="5486411" cy="3657607"/>
-          </a:xfrm>
-        </p:spPr>
-      </p:pic>
-      <p:sp>
-        <p:nvSpPr>
-          <p:cNvPr id="3" name="テキスト ボックス 2"/>
-          <p:cNvSpPr txBox="1"/>
-          <p:nvPr/>
-        </p:nvSpPr>
-        <p:spPr>
-          <a:xfrm>
-            <a:off x="6327648" y="2340864"/>
-            <a:ext cx="5440680" cy="2677656"/>
-          </a:xfrm>
-          <a:prstGeom prst="rect">
-            <a:avLst/>
-          </a:prstGeom>
-          <a:noFill/>
-        </p:spPr>
-        <p:txBody>
-          <a:bodyPr wrap="square" rtlCol="0">
-            <a:spAutoFit/>
-          </a:bodyPr>
-          <a:lstStyle/>
-          <a:p>
-            <a:pPr marL="285750" indent="-285750">
-              <a:buFont typeface="Arial" panose="020B0604020202020204" pitchFamily="34" charset="0"/>
-              <a:buChar char="•"/>
-            </a:pPr>
-            <a:r>
-              <a:rPr kumimoji="1" lang="en-US" altLang="ja-JP" sz="2400" dirty="0" smtClean="0"/>
-              <a:t>(</a:t>
-            </a:r>
-            <a:r>
-              <a:rPr kumimoji="1" lang="ja-JP" altLang="en-US" sz="2400" dirty="0" smtClean="0"/>
-              <a:t>参考</a:t>
-            </a:r>
-            <a:r>
-              <a:rPr kumimoji="1" lang="en-US" altLang="ja-JP" sz="2400" dirty="0" smtClean="0"/>
-              <a:t>)</a:t>
-            </a:r>
-          </a:p>
-          <a:p>
-            <a:pPr marL="742950" lvl="1" indent="-285750">
-              <a:buFont typeface="Arial" panose="020B0604020202020204" pitchFamily="34" charset="0"/>
-              <a:buChar char="•"/>
-            </a:pPr>
-            <a:r>
-              <a:rPr lang="ja-JP" altLang="en-US" sz="2400" dirty="0" smtClean="0"/>
-              <a:t>フォーシームの真</a:t>
-            </a:r>
-            <a:r>
-              <a:rPr lang="ja-JP" altLang="en-US" sz="2400" dirty="0" err="1"/>
-              <a:t>っ</a:t>
-            </a:r>
-            <a:r>
-              <a:rPr lang="ja-JP" altLang="en-US" sz="2400" dirty="0" smtClean="0"/>
-              <a:t>スラ球質への変化は</a:t>
-            </a:r>
-            <a:r>
-              <a:rPr lang="en-US" altLang="ja-JP" sz="2400" dirty="0" smtClean="0"/>
-              <a:t>2020</a:t>
-            </a:r>
-            <a:r>
-              <a:rPr lang="ja-JP" altLang="en-US" sz="2400" dirty="0" smtClean="0"/>
-              <a:t>年段階で見え始めている</a:t>
-            </a:r>
-            <a:endParaRPr lang="en-US" altLang="ja-JP" sz="2400" dirty="0" smtClean="0"/>
-          </a:p>
-          <a:p>
-            <a:pPr marL="742950" lvl="1" indent="-285750">
-              <a:buFont typeface="Arial" panose="020B0604020202020204" pitchFamily="34" charset="0"/>
-              <a:buChar char="•"/>
-            </a:pPr>
-            <a:r>
-              <a:rPr kumimoji="1" lang="ja-JP" altLang="en-US" sz="2400" dirty="0" smtClean="0"/>
-              <a:t>スライダーの変化量が不安定、曲がり切らずに高いホップ成分を記録する投球も</a:t>
-            </a:r>
-            <a:endParaRPr kumimoji="1" lang="ja-JP" altLang="en-US" sz="2400" dirty="0"/>
-          </a:p>
-        </p:txBody>
-      </p:sp>
-    </p:spTree>
-    <p:extLst>
-      <p:ext uri="{BB962C8B-B14F-4D97-AF65-F5344CB8AC3E}">
-        <p14:creationId xmlns:p14="http://schemas.microsoft.com/office/powerpoint/2010/main" val="1474608521"/>
-      </p:ext>
-    </p:extLst>
-  </p:cSld>
-  <p:clrMapOvr>
-    <a:masterClrMapping/>
-  </p:clrMapOvr>
-</p:sld>
-</file>
-
-<file path=ppt/slides/slide15.xml><?xml version="1.0" encoding="utf-8"?>
-<p:sld xmlns:a="http://schemas.openxmlformats.org/drawingml/2006/main" xmlns:r="http://schemas.openxmlformats.org/officeDocument/2006/relationships" xmlns:p="http://schemas.openxmlformats.org/presentationml/2006/main">
-  <p:cSld>
-    <p:spTree>
-      <p:nvGrpSpPr>
-        <p:cNvPr id="1" name=""/>
-        <p:cNvGrpSpPr/>
-        <p:nvPr/>
-      </p:nvGrpSpPr>
-      <p:grpSpPr>
-        <a:xfrm>
-          <a:off x="0" y="0"/>
-          <a:ext cx="0" cy="0"/>
-          <a:chOff x="0" y="0"/>
-          <a:chExt cx="0" cy="0"/>
-        </a:xfrm>
-      </p:grpSpPr>
-      <p:sp>
-        <p:nvSpPr>
-          <p:cNvPr id="2" name="タイトル 1"/>
-          <p:cNvSpPr>
-            <a:spLocks noGrp="1"/>
-          </p:cNvSpPr>
-          <p:nvPr>
-            <p:ph type="title"/>
-          </p:nvPr>
-        </p:nvSpPr>
-        <p:spPr/>
-        <p:txBody>
-          <a:bodyPr/>
-          <a:lstStyle/>
-          <a:p>
-            <a:r>
-              <a:rPr kumimoji="1" lang="en-US" altLang="ja-JP" dirty="0" smtClean="0"/>
-              <a:t>2021: </a:t>
-            </a:r>
-            <a:r>
-              <a:rPr lang="ja-JP" altLang="en-US" dirty="0"/>
-              <a:t>投球</a:t>
-            </a:r>
-            <a:r>
-              <a:rPr kumimoji="1" lang="ja-JP" altLang="en-US" dirty="0" smtClean="0"/>
-              <a:t>構成</a:t>
-            </a:r>
-            <a:endParaRPr kumimoji="1" lang="ja-JP" altLang="en-US" dirty="0"/>
-          </a:p>
-        </p:txBody>
-      </p:sp>
-      <p:pic>
-        <p:nvPicPr>
-          <p:cNvPr id="4" name="コンテンツ プレースホルダー 3"/>
-          <p:cNvPicPr>
-            <a:picLocks noGrp="1" noChangeAspect="1"/>
-          </p:cNvPicPr>
-          <p:nvPr>
-            <p:ph idx="1"/>
-          </p:nvPr>
-        </p:nvPicPr>
-        <p:blipFill>
-          <a:blip r:embed="rId2" cstate="print">
-            <a:extLst>
-              <a:ext uri="{28A0092B-C50C-407E-A947-70E740481C1C}">
-                <a14:useLocalDpi xmlns:a14="http://schemas.microsoft.com/office/drawing/2010/main" val="0"/>
-              </a:ext>
-            </a:extLst>
-          </a:blip>
-          <a:stretch>
-            <a:fillRect/>
-          </a:stretch>
-        </p:blipFill>
-        <p:spPr>
-          <a:xfrm>
-            <a:off x="3694936" y="1847088"/>
-            <a:ext cx="8497064" cy="4855464"/>
-          </a:xfrm>
-        </p:spPr>
-      </p:pic>
-      <p:sp>
-        <p:nvSpPr>
-          <p:cNvPr id="6" name="テキスト ボックス 5"/>
-          <p:cNvSpPr txBox="1"/>
-          <p:nvPr/>
-        </p:nvSpPr>
-        <p:spPr>
-          <a:xfrm>
-            <a:off x="265176" y="2130552"/>
-            <a:ext cx="3520440" cy="3046988"/>
-          </a:xfrm>
-          <a:prstGeom prst="rect">
-            <a:avLst/>
-          </a:prstGeom>
-          <a:noFill/>
-        </p:spPr>
-        <p:txBody>
-          <a:bodyPr wrap="square" rtlCol="0">
-            <a:spAutoFit/>
-          </a:bodyPr>
-          <a:lstStyle/>
-          <a:p>
-            <a:pPr marL="285750" indent="-285750">
-              <a:buFont typeface="Arial" panose="020B0604020202020204" pitchFamily="34" charset="0"/>
-              <a:buChar char="•"/>
-            </a:pPr>
-            <a:r>
-              <a:rPr lang="en-US" altLang="ja-JP" sz="2400" dirty="0" smtClean="0"/>
-              <a:t>7</a:t>
-            </a:r>
-            <a:r>
-              <a:rPr lang="ja-JP" altLang="en-US" sz="2400" dirty="0" smtClean="0"/>
-              <a:t>月からフォーシームの投球比率が大きく低下</a:t>
-            </a:r>
-            <a:endParaRPr lang="en-US" altLang="ja-JP" sz="2400" dirty="0" smtClean="0"/>
-          </a:p>
-          <a:p>
-            <a:pPr marL="285750" indent="-285750">
-              <a:buFont typeface="Arial" panose="020B0604020202020204" pitchFamily="34" charset="0"/>
-              <a:buChar char="•"/>
-            </a:pPr>
-            <a:r>
-              <a:rPr kumimoji="1" lang="en-US" altLang="ja-JP" sz="2400" dirty="0" smtClean="0"/>
-              <a:t>7, 8</a:t>
-            </a:r>
-            <a:r>
-              <a:rPr kumimoji="1" lang="ja-JP" altLang="en-US" sz="2400" dirty="0" smtClean="0"/>
-              <a:t>月にカッターの使用比率が上昇、</a:t>
-            </a:r>
-            <a:r>
-              <a:rPr kumimoji="1" lang="en-US" altLang="ja-JP" sz="2400" dirty="0" smtClean="0"/>
-              <a:t>9</a:t>
-            </a:r>
-            <a:r>
-              <a:rPr kumimoji="1" lang="ja-JP" altLang="en-US" sz="2400" dirty="0" smtClean="0"/>
-              <a:t>月はスプリット・スライダーとフォーシームの</a:t>
-            </a:r>
-            <a:r>
-              <a:rPr kumimoji="1" lang="en-US" altLang="ja-JP" sz="2400" dirty="0" smtClean="0"/>
-              <a:t>3</a:t>
-            </a:r>
-            <a:r>
-              <a:rPr kumimoji="1" lang="ja-JP" altLang="en-US" sz="2400" dirty="0" smtClean="0"/>
-              <a:t>球種がほぼ同程度の割合で投じられている</a:t>
-            </a:r>
-            <a:endParaRPr kumimoji="1" lang="ja-JP" altLang="en-US" sz="2400" dirty="0"/>
-          </a:p>
-        </p:txBody>
-      </p:sp>
-    </p:spTree>
-    <p:extLst>
-      <p:ext uri="{BB962C8B-B14F-4D97-AF65-F5344CB8AC3E}">
-        <p14:creationId xmlns:p14="http://schemas.microsoft.com/office/powerpoint/2010/main" val="2837962793"/>
-      </p:ext>
-    </p:extLst>
-  </p:cSld>
-  <p:clrMapOvr>
-    <a:masterClrMapping/>
-  </p:clrMapOvr>
-</p:sld>
-</file>
-
-<file path=ppt/slides/slide16.xml><?xml version="1.0" encoding="utf-8"?>
-<p:sld xmlns:a="http://schemas.openxmlformats.org/drawingml/2006/main" xmlns:r="http://schemas.openxmlformats.org/officeDocument/2006/relationships" xmlns:p="http://schemas.openxmlformats.org/presentationml/2006/main">
-  <p:cSld>
-    <p:spTree>
-      <p:nvGrpSpPr>
-        <p:cNvPr id="1" name=""/>
-        <p:cNvGrpSpPr/>
-        <p:nvPr/>
-      </p:nvGrpSpPr>
-      <p:grpSpPr>
-        <a:xfrm>
-          <a:off x="0" y="0"/>
-          <a:ext cx="0" cy="0"/>
-          <a:chOff x="0" y="0"/>
-          <a:chExt cx="0" cy="0"/>
-        </a:xfrm>
-      </p:grpSpPr>
-      <p:sp>
-        <p:nvSpPr>
-          <p:cNvPr id="2" name="タイトル 1"/>
-          <p:cNvSpPr>
-            <a:spLocks noGrp="1"/>
-          </p:cNvSpPr>
-          <p:nvPr>
-            <p:ph type="title"/>
-          </p:nvPr>
-        </p:nvSpPr>
-        <p:spPr/>
-        <p:txBody>
-          <a:bodyPr/>
-          <a:lstStyle/>
-          <a:p>
-            <a:r>
-              <a:rPr kumimoji="1" lang="ja-JP" altLang="en-US" dirty="0" smtClean="0"/>
-              <a:t>ストライクゾーン</a:t>
-            </a:r>
-            <a:endParaRPr kumimoji="1" lang="ja-JP" altLang="en-US" dirty="0"/>
-          </a:p>
-        </p:txBody>
-      </p:sp>
-      <p:sp>
-        <p:nvSpPr>
-          <p:cNvPr id="3" name="コンテンツ プレースホルダー 2"/>
-          <p:cNvSpPr>
-            <a:spLocks noGrp="1"/>
-          </p:cNvSpPr>
-          <p:nvPr>
-            <p:ph idx="1"/>
-          </p:nvPr>
-        </p:nvSpPr>
-        <p:spPr/>
-        <p:txBody>
-          <a:bodyPr/>
-          <a:lstStyle/>
-          <a:p>
-            <a:endParaRPr kumimoji="1" lang="ja-JP" altLang="en-US"/>
-          </a:p>
-        </p:txBody>
-      </p:sp>
-    </p:spTree>
-    <p:extLst>
-      <p:ext uri="{BB962C8B-B14F-4D97-AF65-F5344CB8AC3E}">
-        <p14:creationId xmlns:p14="http://schemas.microsoft.com/office/powerpoint/2010/main" val="2882029826"/>
-      </p:ext>
-    </p:extLst>
-  </p:cSld>
-  <p:clrMapOvr>
-    <a:masterClrMapping/>
-  </p:clrMapOvr>
-</p:sld>
-</file>
-
-<file path=ppt/slides/slide17.xml><?xml version="1.0" encoding="utf-8"?>
-<p:sld xmlns:a="http://schemas.openxmlformats.org/drawingml/2006/main" xmlns:r="http://schemas.openxmlformats.org/officeDocument/2006/relationships" xmlns:p="http://schemas.openxmlformats.org/presentationml/2006/main">
-  <p:cSld>
-    <p:spTree>
-      <p:nvGrpSpPr>
-        <p:cNvPr id="1" name=""/>
-        <p:cNvGrpSpPr/>
-        <p:nvPr/>
-      </p:nvGrpSpPr>
-      <p:grpSpPr>
-        <a:xfrm>
-          <a:off x="0" y="0"/>
-          <a:ext cx="0" cy="0"/>
-          <a:chOff x="0" y="0"/>
-          <a:chExt cx="0" cy="0"/>
-        </a:xfrm>
-      </p:grpSpPr>
-      <p:sp>
-        <p:nvSpPr>
-          <p:cNvPr id="2" name="タイトル 1"/>
-          <p:cNvSpPr>
-            <a:spLocks noGrp="1"/>
-          </p:cNvSpPr>
-          <p:nvPr>
-            <p:ph type="title"/>
-          </p:nvPr>
-        </p:nvSpPr>
-        <p:spPr/>
-        <p:txBody>
-          <a:bodyPr/>
-          <a:lstStyle/>
-          <a:p>
-            <a:r>
-              <a:rPr lang="ja-JP" altLang="en-US" dirty="0" smtClean="0"/>
-              <a:t>打</a:t>
-            </a:r>
-            <a:r>
-              <a:rPr kumimoji="1" lang="ja-JP" altLang="en-US" dirty="0" smtClean="0"/>
-              <a:t>谷</a:t>
-            </a:r>
-            <a:endParaRPr kumimoji="1" lang="ja-JP" altLang="en-US" dirty="0"/>
-          </a:p>
-        </p:txBody>
-      </p:sp>
-      <p:sp>
-        <p:nvSpPr>
-          <p:cNvPr id="3" name="テキスト プレースホルダー 2"/>
-          <p:cNvSpPr>
-            <a:spLocks noGrp="1"/>
-          </p:cNvSpPr>
-          <p:nvPr>
-            <p:ph type="body" idx="1"/>
-          </p:nvPr>
-        </p:nvSpPr>
-        <p:spPr/>
-        <p:txBody>
-          <a:bodyPr/>
-          <a:lstStyle/>
-          <a:p>
-            <a:r>
-              <a:rPr kumimoji="1" lang="ja-JP" altLang="en-US" dirty="0" smtClean="0"/>
-              <a:t>明日やります</a:t>
-            </a:r>
-            <a:endParaRPr kumimoji="1" lang="ja-JP" altLang="en-US" dirty="0"/>
-          </a:p>
-        </p:txBody>
-      </p:sp>
-    </p:spTree>
-    <p:extLst>
-      <p:ext uri="{BB962C8B-B14F-4D97-AF65-F5344CB8AC3E}">
-        <p14:creationId xmlns:p14="http://schemas.microsoft.com/office/powerpoint/2010/main" val="1069124209"/>
-      </p:ext>
-    </p:extLst>
-  </p:cSld>
-  <p:clrMapOvr>
-    <a:masterClrMapping/>
-  </p:clrMapOvr>
-</p:sld>
-</file>
-
-<file path=ppt/slides/slide18.xml><?xml version="1.0" encoding="utf-8"?>
-<p:sld xmlns:a="http://schemas.openxmlformats.org/drawingml/2006/main" xmlns:r="http://schemas.openxmlformats.org/officeDocument/2006/relationships" xmlns:p="http://schemas.openxmlformats.org/presentationml/2006/main">
-  <p:cSld>
-    <p:spTree>
-      <p:nvGrpSpPr>
-        <p:cNvPr id="1" name=""/>
-        <p:cNvGrpSpPr/>
-        <p:nvPr/>
-      </p:nvGrpSpPr>
-      <p:grpSpPr>
-        <a:xfrm>
-          <a:off x="0" y="0"/>
-          <a:ext cx="0" cy="0"/>
-          <a:chOff x="0" y="0"/>
-          <a:chExt cx="0" cy="0"/>
-        </a:xfrm>
-      </p:grpSpPr>
-      <p:sp>
-        <p:nvSpPr>
-          <p:cNvPr id="2" name="タイトル 1"/>
-          <p:cNvSpPr>
-            <a:spLocks noGrp="1"/>
-          </p:cNvSpPr>
-          <p:nvPr>
-            <p:ph type="title"/>
-          </p:nvPr>
-        </p:nvSpPr>
-        <p:spPr/>
-        <p:txBody>
-          <a:bodyPr/>
-          <a:lstStyle/>
-          <a:p>
-            <a:r>
-              <a:rPr kumimoji="1" lang="ja-JP" altLang="en-US" dirty="0" smtClean="0"/>
-              <a:t>スタッツ</a:t>
-            </a:r>
-            <a:endParaRPr kumimoji="1" lang="ja-JP" altLang="en-US" dirty="0"/>
-          </a:p>
-        </p:txBody>
-      </p:sp>
-      <p:sp>
-        <p:nvSpPr>
-          <p:cNvPr id="3" name="コンテンツ プレースホルダー 2"/>
-          <p:cNvSpPr>
-            <a:spLocks noGrp="1"/>
-          </p:cNvSpPr>
-          <p:nvPr>
-            <p:ph idx="1"/>
-          </p:nvPr>
-        </p:nvSpPr>
-        <p:spPr/>
-        <p:txBody>
-          <a:bodyPr/>
-          <a:lstStyle/>
-          <a:p>
-            <a:endParaRPr kumimoji="1" lang="ja-JP" altLang="en-US"/>
-          </a:p>
-        </p:txBody>
-      </p:sp>
-    </p:spTree>
-    <p:extLst>
-      <p:ext uri="{BB962C8B-B14F-4D97-AF65-F5344CB8AC3E}">
-        <p14:creationId xmlns:p14="http://schemas.microsoft.com/office/powerpoint/2010/main" val="1912128118"/>
-      </p:ext>
-    </p:extLst>
-  </p:cSld>
-  <p:clrMapOvr>
-    <a:masterClrMapping/>
-  </p:clrMapOvr>
-</p:sld>
-</file>
-
-<file path=ppt/slides/slide19.xml><?xml version="1.0" encoding="utf-8"?>
-<p:sld xmlns:a="http://schemas.openxmlformats.org/drawingml/2006/main" xmlns:r="http://schemas.openxmlformats.org/officeDocument/2006/relationships" xmlns:p="http://schemas.openxmlformats.org/presentationml/2006/main">
-  <p:cSld>
-    <p:spTree>
-      <p:nvGrpSpPr>
-        <p:cNvPr id="1" name=""/>
-        <p:cNvGrpSpPr/>
-        <p:nvPr/>
-      </p:nvGrpSpPr>
-      <p:grpSpPr>
-        <a:xfrm>
-          <a:off x="0" y="0"/>
-          <a:ext cx="0" cy="0"/>
-          <a:chOff x="0" y="0"/>
-          <a:chExt cx="0" cy="0"/>
-        </a:xfrm>
-      </p:grpSpPr>
-      <p:sp>
-        <p:nvSpPr>
-          <p:cNvPr id="2" name="タイトル 1"/>
-          <p:cNvSpPr>
-            <a:spLocks noGrp="1"/>
-          </p:cNvSpPr>
-          <p:nvPr>
-            <p:ph type="title"/>
-          </p:nvPr>
-        </p:nvSpPr>
-        <p:spPr/>
-        <p:txBody>
-          <a:bodyPr/>
-          <a:lstStyle/>
-          <a:p>
-            <a:r>
-              <a:rPr kumimoji="1" lang="en-US" altLang="ja-JP" dirty="0" smtClean="0"/>
-              <a:t>discipline</a:t>
-            </a:r>
-            <a:endParaRPr kumimoji="1" lang="ja-JP" altLang="en-US" dirty="0"/>
-          </a:p>
-        </p:txBody>
-      </p:sp>
-      <p:sp>
-        <p:nvSpPr>
-          <p:cNvPr id="3" name="コンテンツ プレースホルダー 2"/>
-          <p:cNvSpPr>
-            <a:spLocks noGrp="1"/>
-          </p:cNvSpPr>
-          <p:nvPr>
-            <p:ph idx="1"/>
-          </p:nvPr>
-        </p:nvSpPr>
-        <p:spPr/>
-        <p:txBody>
-          <a:bodyPr/>
-          <a:lstStyle/>
-          <a:p>
-            <a:r>
-              <a:rPr kumimoji="1" lang="en-US" altLang="ja-JP" sz="2400" dirty="0" smtClean="0"/>
-              <a:t>plate-discipline</a:t>
-            </a:r>
-            <a:r>
-              <a:rPr kumimoji="1" lang="ja-JP" altLang="en-US" sz="2400" dirty="0" smtClean="0"/>
-              <a:t>入れます</a:t>
-            </a:r>
-            <a:endParaRPr kumimoji="1" lang="ja-JP" altLang="en-US" sz="2400" dirty="0"/>
-          </a:p>
-        </p:txBody>
-      </p:sp>
-    </p:spTree>
-    <p:extLst>
-      <p:ext uri="{BB962C8B-B14F-4D97-AF65-F5344CB8AC3E}">
-        <p14:creationId xmlns:p14="http://schemas.microsoft.com/office/powerpoint/2010/main" val="761676592"/>
-      </p:ext>
-    </p:extLst>
-  </p:cSld>
-  <p:clrMapOvr>
-    <a:masterClrMapping/>
-  </p:clrMapOvr>
-</p:sld>
-</file>
-
-<file path=ppt/slides/slide2.xml><?xml version="1.0" encoding="utf-8"?>
-<p:sld xmlns:a="http://schemas.openxmlformats.org/drawingml/2006/main" xmlns:r="http://schemas.openxmlformats.org/officeDocument/2006/relationships" xmlns:p="http://schemas.openxmlformats.org/presentationml/2006/main">
-  <p:cSld>
-    <p:spTree>
-      <p:nvGrpSpPr>
-        <p:cNvPr id="1" name=""/>
-        <p:cNvGrpSpPr/>
-        <p:nvPr/>
-      </p:nvGrpSpPr>
-      <p:grpSpPr>
-        <a:xfrm>
-          <a:off x="0" y="0"/>
-          <a:ext cx="0" cy="0"/>
-          <a:chOff x="0" y="0"/>
-          <a:chExt cx="0" cy="0"/>
-        </a:xfrm>
-      </p:grpSpPr>
-      <p:sp>
-        <p:nvSpPr>
-          <p:cNvPr id="2" name="タイトル 1"/>
-          <p:cNvSpPr>
-            <a:spLocks noGrp="1"/>
-          </p:cNvSpPr>
-          <p:nvPr>
-            <p:ph type="title"/>
-          </p:nvPr>
-        </p:nvSpPr>
-        <p:spPr/>
-        <p:txBody>
-          <a:bodyPr/>
-          <a:lstStyle/>
-          <a:p>
-            <a:r>
-              <a:rPr kumimoji="1" lang="ja-JP" altLang="en-US" dirty="0" smtClean="0"/>
-              <a:t>投谷</a:t>
-            </a:r>
-            <a:endParaRPr kumimoji="1" lang="ja-JP" altLang="en-US" dirty="0"/>
-          </a:p>
-        </p:txBody>
-      </p:sp>
-      <p:sp>
-        <p:nvSpPr>
-          <p:cNvPr id="3" name="テキスト プレースホルダー 2"/>
-          <p:cNvSpPr>
-            <a:spLocks noGrp="1"/>
-          </p:cNvSpPr>
-          <p:nvPr>
-            <p:ph type="body" idx="1"/>
-          </p:nvPr>
-        </p:nvSpPr>
-        <p:spPr/>
-        <p:txBody>
-          <a:bodyPr/>
-          <a:lstStyle/>
-          <a:p>
-            <a:endParaRPr kumimoji="1" lang="ja-JP" altLang="en-US"/>
-          </a:p>
-        </p:txBody>
-      </p:sp>
-    </p:spTree>
-    <p:extLst>
-      <p:ext uri="{BB962C8B-B14F-4D97-AF65-F5344CB8AC3E}">
-        <p14:creationId xmlns:p14="http://schemas.microsoft.com/office/powerpoint/2010/main" val="2954061002"/>
-      </p:ext>
-    </p:extLst>
-  </p:cSld>
-  <p:clrMapOvr>
-    <a:masterClrMapping/>
-  </p:clrMapOvr>
-</p:sld>
-</file>
-
-<file path=ppt/slides/slide20.xml><?xml version="1.0" encoding="utf-8"?>
-<p:sld xmlns:a="http://schemas.openxmlformats.org/drawingml/2006/main" xmlns:r="http://schemas.openxmlformats.org/officeDocument/2006/relationships" xmlns:p="http://schemas.openxmlformats.org/presentationml/2006/main">
-  <p:cSld>
-    <p:spTree>
-      <p:nvGrpSpPr>
-        <p:cNvPr id="1" name=""/>
-        <p:cNvGrpSpPr/>
-        <p:nvPr/>
-      </p:nvGrpSpPr>
-      <p:grpSpPr>
-        <a:xfrm>
-          <a:off x="0" y="0"/>
-          <a:ext cx="0" cy="0"/>
-          <a:chOff x="0" y="0"/>
-          <a:chExt cx="0" cy="0"/>
-        </a:xfrm>
-      </p:grpSpPr>
-      <p:sp>
-        <p:nvSpPr>
-          <p:cNvPr id="2" name="タイトル 1"/>
-          <p:cNvSpPr>
-            <a:spLocks noGrp="1"/>
-          </p:cNvSpPr>
-          <p:nvPr>
-            <p:ph type="title"/>
-          </p:nvPr>
-        </p:nvSpPr>
-        <p:spPr/>
-        <p:txBody>
-          <a:bodyPr/>
-          <a:lstStyle/>
-          <a:p>
-            <a:r>
-              <a:rPr lang="ja-JP" altLang="en-US" dirty="0" smtClean="0"/>
-              <a:t>打球チャート</a:t>
-            </a:r>
-            <a:endParaRPr kumimoji="1" lang="ja-JP" altLang="en-US" dirty="0"/>
-          </a:p>
-        </p:txBody>
-      </p:sp>
-      <p:sp>
-        <p:nvSpPr>
-          <p:cNvPr id="3" name="コンテンツ プレースホルダー 2"/>
-          <p:cNvSpPr>
-            <a:spLocks noGrp="1"/>
-          </p:cNvSpPr>
-          <p:nvPr>
-            <p:ph idx="1"/>
-          </p:nvPr>
-        </p:nvSpPr>
-        <p:spPr/>
-        <p:txBody>
-          <a:bodyPr/>
-          <a:lstStyle/>
-          <a:p>
-            <a:r>
-              <a:rPr kumimoji="1" lang="ja-JP" altLang="en-US" sz="2400" dirty="0" smtClean="0"/>
-              <a:t>スプレーチャート</a:t>
-            </a:r>
-            <a:endParaRPr kumimoji="1" lang="ja-JP" altLang="en-US" sz="2400" dirty="0"/>
-          </a:p>
-        </p:txBody>
-      </p:sp>
-    </p:spTree>
-    <p:extLst>
-      <p:ext uri="{BB962C8B-B14F-4D97-AF65-F5344CB8AC3E}">
-        <p14:creationId xmlns:p14="http://schemas.microsoft.com/office/powerpoint/2010/main" val="2550775956"/>
-      </p:ext>
-    </p:extLst>
-  </p:cSld>
-  <p:clrMapOvr>
-    <a:masterClrMapping/>
-  </p:clrMapOvr>
-</p:sld>
-</file>
-
-<file path=ppt/slides/slide21.xml><?xml version="1.0" encoding="utf-8"?>
-<p:sld xmlns:a="http://schemas.openxmlformats.org/drawingml/2006/main" xmlns:r="http://schemas.openxmlformats.org/officeDocument/2006/relationships" xmlns:p="http://schemas.openxmlformats.org/presentationml/2006/main">
-  <p:cSld>
-    <p:spTree>
-      <p:nvGrpSpPr>
-        <p:cNvPr id="1" name=""/>
-        <p:cNvGrpSpPr/>
-        <p:nvPr/>
-      </p:nvGrpSpPr>
-      <p:grpSpPr>
-        <a:xfrm>
-          <a:off x="0" y="0"/>
-          <a:ext cx="0" cy="0"/>
-          <a:chOff x="0" y="0"/>
-          <a:chExt cx="0" cy="0"/>
-        </a:xfrm>
-      </p:grpSpPr>
-      <p:sp>
-        <p:nvSpPr>
-          <p:cNvPr id="2" name="タイトル 1"/>
-          <p:cNvSpPr>
-            <a:spLocks noGrp="1"/>
-          </p:cNvSpPr>
-          <p:nvPr>
-            <p:ph type="title"/>
-          </p:nvPr>
-        </p:nvSpPr>
-        <p:spPr/>
-        <p:txBody>
-          <a:bodyPr/>
-          <a:lstStyle/>
-          <a:p>
-            <a:r>
-              <a:rPr kumimoji="1" lang="ja-JP" altLang="en-US" dirty="0" smtClean="0"/>
-              <a:t>ゾーンごとの打球バリュー</a:t>
-            </a:r>
-            <a:endParaRPr kumimoji="1" lang="ja-JP" altLang="en-US" dirty="0"/>
-          </a:p>
-        </p:txBody>
-      </p:sp>
-      <p:sp>
-        <p:nvSpPr>
-          <p:cNvPr id="3" name="コンテンツ プレースホルダー 2"/>
-          <p:cNvSpPr>
-            <a:spLocks noGrp="1"/>
-          </p:cNvSpPr>
-          <p:nvPr>
-            <p:ph idx="1"/>
-          </p:nvPr>
-        </p:nvSpPr>
-        <p:spPr/>
-        <p:txBody>
-          <a:bodyPr/>
-          <a:lstStyle/>
-          <a:p>
-            <a:r>
-              <a:rPr kumimoji="1" lang="ja-JP" altLang="en-US" sz="2400" dirty="0" smtClean="0"/>
-              <a:t>ゾーンごとのスイングのバリューを計算</a:t>
-            </a:r>
-            <a:endParaRPr kumimoji="1" lang="ja-JP" altLang="en-US" sz="2400" dirty="0"/>
-          </a:p>
-        </p:txBody>
-      </p:sp>
-    </p:spTree>
-    <p:extLst>
-      <p:ext uri="{BB962C8B-B14F-4D97-AF65-F5344CB8AC3E}">
-        <p14:creationId xmlns:p14="http://schemas.microsoft.com/office/powerpoint/2010/main" val="2366503335"/>
-      </p:ext>
-    </p:extLst>
-  </p:cSld>
-  <p:clrMapOvr>
-    <a:masterClrMapping/>
-  </p:clrMapOvr>
-</p:sld>
-</file>
-
-<file path=ppt/slides/slide22.xml><?xml version="1.0" encoding="utf-8"?>
-<p:sld xmlns:a="http://schemas.openxmlformats.org/drawingml/2006/main" xmlns:r="http://schemas.openxmlformats.org/officeDocument/2006/relationships" xmlns:p="http://schemas.openxmlformats.org/presentationml/2006/main">
-  <p:cSld>
-    <p:spTree>
-      <p:nvGrpSpPr>
-        <p:cNvPr id="1" name=""/>
-        <p:cNvGrpSpPr/>
-        <p:nvPr/>
-      </p:nvGrpSpPr>
-      <p:grpSpPr>
-        <a:xfrm>
-          <a:off x="0" y="0"/>
-          <a:ext cx="0" cy="0"/>
-          <a:chOff x="0" y="0"/>
-          <a:chExt cx="0" cy="0"/>
-        </a:xfrm>
-      </p:grpSpPr>
-      <p:sp>
-        <p:nvSpPr>
-          <p:cNvPr id="2" name="タイトル 1"/>
-          <p:cNvSpPr>
-            <a:spLocks noGrp="1"/>
-          </p:cNvSpPr>
-          <p:nvPr>
-            <p:ph type="title"/>
-          </p:nvPr>
-        </p:nvSpPr>
-        <p:spPr/>
-        <p:txBody>
-          <a:bodyPr/>
-          <a:lstStyle/>
-          <a:p>
-            <a:r>
-              <a:rPr kumimoji="1" lang="ja-JP" altLang="en-US" dirty="0" smtClean="0"/>
-              <a:t>機会費用</a:t>
-            </a:r>
-            <a:endParaRPr kumimoji="1" lang="ja-JP" altLang="en-US" dirty="0"/>
-          </a:p>
-        </p:txBody>
-      </p:sp>
-      <p:sp>
-        <p:nvSpPr>
-          <p:cNvPr id="3" name="コンテンツ プレースホルダー 2"/>
-          <p:cNvSpPr>
-            <a:spLocks noGrp="1"/>
-          </p:cNvSpPr>
-          <p:nvPr>
-            <p:ph idx="1"/>
-          </p:nvPr>
-        </p:nvSpPr>
-        <p:spPr/>
-        <p:txBody>
-          <a:bodyPr/>
-          <a:lstStyle/>
-          <a:p>
-            <a:r>
-              <a:rPr kumimoji="1" lang="ja-JP" altLang="en-US" sz="2400" dirty="0" smtClean="0"/>
-              <a:t>見送った投球に注目：ゾーンごとの打球のバリューから、スイングしなかったことで失った</a:t>
-            </a:r>
-            <a:r>
-              <a:rPr kumimoji="1" lang="en-US" altLang="ja-JP" sz="2400" dirty="0" smtClean="0"/>
-              <a:t>(</a:t>
-            </a:r>
-            <a:r>
-              <a:rPr kumimoji="1" lang="ja-JP" altLang="en-US" sz="2400" dirty="0" smtClean="0"/>
-              <a:t>得られた</a:t>
-            </a:r>
-            <a:r>
-              <a:rPr kumimoji="1" lang="en-US" altLang="ja-JP" sz="2400" dirty="0" smtClean="0"/>
-              <a:t>)</a:t>
-            </a:r>
-            <a:r>
-              <a:rPr kumimoji="1" lang="ja-JP" altLang="en-US" sz="2400" dirty="0" smtClean="0"/>
-              <a:t>得点創出機会を可視化できるか</a:t>
-            </a:r>
-            <a:endParaRPr kumimoji="1" lang="ja-JP" altLang="en-US" sz="2400" dirty="0"/>
-          </a:p>
-        </p:txBody>
-      </p:sp>
-    </p:spTree>
-    <p:extLst>
-      <p:ext uri="{BB962C8B-B14F-4D97-AF65-F5344CB8AC3E}">
-        <p14:creationId xmlns:p14="http://schemas.microsoft.com/office/powerpoint/2010/main" val="1622850508"/>
-      </p:ext>
-    </p:extLst>
-  </p:cSld>
-  <p:clrMapOvr>
-    <a:masterClrMapping/>
-  </p:clrMapOvr>
-</p:sld>
-</file>
-
-<file path=ppt/slides/slide23.xml><?xml version="1.0" encoding="utf-8"?>
-<p:sld xmlns:a="http://schemas.openxmlformats.org/drawingml/2006/main" xmlns:r="http://schemas.openxmlformats.org/officeDocument/2006/relationships" xmlns:p="http://schemas.openxmlformats.org/presentationml/2006/main">
-  <p:cSld>
-    <p:spTree>
-      <p:nvGrpSpPr>
-        <p:cNvPr id="1" name=""/>
-        <p:cNvGrpSpPr/>
-        <p:nvPr/>
-      </p:nvGrpSpPr>
-      <p:grpSpPr>
-        <a:xfrm>
-          <a:off x="0" y="0"/>
-          <a:ext cx="0" cy="0"/>
-          <a:chOff x="0" y="0"/>
-          <a:chExt cx="0" cy="0"/>
-        </a:xfrm>
-      </p:grpSpPr>
-      <p:sp>
-        <p:nvSpPr>
-          <p:cNvPr id="2" name="タイトル 1"/>
-          <p:cNvSpPr>
-            <a:spLocks noGrp="1"/>
-          </p:cNvSpPr>
-          <p:nvPr>
-            <p:ph type="title"/>
-          </p:nvPr>
-        </p:nvSpPr>
-        <p:spPr/>
-        <p:txBody>
-          <a:bodyPr/>
-          <a:lstStyle/>
-          <a:p>
-            <a:r>
-              <a:rPr lang="ja-JP" altLang="en-US" dirty="0" smtClean="0"/>
-              <a:t>ストライク判定について</a:t>
-            </a:r>
-            <a:endParaRPr kumimoji="1" lang="ja-JP" altLang="en-US" dirty="0"/>
-          </a:p>
-        </p:txBody>
-      </p:sp>
-      <p:sp>
-        <p:nvSpPr>
-          <p:cNvPr id="3" name="コンテンツ プレースホルダー 2"/>
-          <p:cNvSpPr>
-            <a:spLocks noGrp="1"/>
-          </p:cNvSpPr>
-          <p:nvPr>
-            <p:ph idx="1"/>
-          </p:nvPr>
-        </p:nvSpPr>
-        <p:spPr>
-          <a:xfrm>
-            <a:off x="609600" y="1600201"/>
-            <a:ext cx="10972800" cy="4809743"/>
-          </a:xfrm>
-        </p:spPr>
-        <p:txBody>
-          <a:bodyPr/>
-          <a:lstStyle/>
-          <a:p>
-            <a:r>
-              <a:rPr lang="ja-JP" altLang="en-US" sz="2400" dirty="0" smtClean="0"/>
-              <a:t>投打のピッチコールに偏りがあるか</a:t>
-            </a:r>
-            <a:endParaRPr lang="en-US" altLang="ja-JP" sz="2400" dirty="0" smtClean="0"/>
-          </a:p>
-          <a:p>
-            <a:pPr lvl="1"/>
-            <a:r>
-              <a:rPr lang="ja-JP" altLang="en-US" sz="2000" dirty="0" smtClean="0"/>
-              <a:t>ミスジャッジの割合</a:t>
-            </a:r>
-            <a:endParaRPr lang="en-US" altLang="ja-JP" sz="2000" dirty="0" smtClean="0"/>
-          </a:p>
-          <a:p>
-            <a:pPr lvl="2"/>
-            <a:r>
-              <a:rPr lang="ja-JP" altLang="en-US" sz="2000" dirty="0" smtClean="0"/>
-              <a:t>打者：</a:t>
-            </a:r>
-            <a:r>
-              <a:rPr lang="en-US" altLang="ja-JP" sz="2000" dirty="0" smtClean="0"/>
-              <a:t>Type II error (</a:t>
-            </a:r>
-            <a:r>
-              <a:rPr lang="ja-JP" altLang="en-US" sz="2000" dirty="0" smtClean="0"/>
-              <a:t>定義上ボールの投球をストライクと判定</a:t>
-            </a:r>
-            <a:r>
-              <a:rPr lang="en-US" altLang="ja-JP" sz="2000" dirty="0" smtClean="0"/>
-              <a:t>)</a:t>
-            </a:r>
-          </a:p>
-          <a:p>
-            <a:pPr lvl="2"/>
-            <a:r>
-              <a:rPr lang="ja-JP" altLang="en-US" sz="2000" dirty="0" smtClean="0"/>
-              <a:t>投手：</a:t>
-            </a:r>
-            <a:r>
-              <a:rPr lang="en-US" altLang="ja-JP" sz="2000" dirty="0" smtClean="0"/>
-              <a:t>Type I error (</a:t>
-            </a:r>
-            <a:r>
-              <a:rPr lang="ja-JP" altLang="en-US" sz="2000" dirty="0" smtClean="0"/>
-              <a:t>同じくストライクの投球をボールと判定</a:t>
-            </a:r>
-            <a:r>
-              <a:rPr lang="en-US" altLang="ja-JP" sz="2000" dirty="0" smtClean="0"/>
-              <a:t>)</a:t>
-            </a:r>
-          </a:p>
-          <a:p>
-            <a:pPr lvl="1"/>
-            <a:r>
-              <a:rPr lang="ja-JP" altLang="en-US" sz="2000" dirty="0"/>
-              <a:t>平均的</a:t>
-            </a:r>
-            <a:r>
-              <a:rPr lang="ja-JP" altLang="en-US" sz="2000" dirty="0" smtClean="0"/>
-              <a:t>なストライクコール確率からの乖離</a:t>
-            </a:r>
-            <a:endParaRPr lang="en-US" altLang="ja-JP" sz="2000" dirty="0" smtClean="0"/>
-          </a:p>
-          <a:p>
-            <a:pPr lvl="2"/>
-            <a:r>
-              <a:rPr lang="ja-JP" altLang="en-US" sz="2000" dirty="0" smtClean="0"/>
-              <a:t>打者の左右・カウント別に、投球の通過位置を表す二次元の変数</a:t>
-            </a:r>
-            <a:r>
-              <a:rPr lang="en-US" altLang="ja-JP" sz="2000" dirty="0" smtClean="0"/>
-              <a:t>(</a:t>
-            </a:r>
-            <a:r>
-              <a:rPr lang="en-US" altLang="ja-JP" sz="2000" dirty="0" err="1" smtClean="0"/>
-              <a:t>plate_x</a:t>
-            </a:r>
-            <a:r>
-              <a:rPr lang="en-US" altLang="ja-JP" sz="2000" dirty="0" smtClean="0"/>
-              <a:t>, </a:t>
-            </a:r>
-            <a:r>
-              <a:rPr lang="en-US" altLang="ja-JP" sz="2000" dirty="0" err="1" smtClean="0"/>
-              <a:t>plate_z</a:t>
-            </a:r>
-            <a:r>
-              <a:rPr lang="en-US" altLang="ja-JP" sz="2000" dirty="0" smtClean="0"/>
-              <a:t>)</a:t>
-            </a:r>
-            <a:r>
-              <a:rPr lang="ja-JP" altLang="en-US" sz="2000" dirty="0" smtClean="0"/>
-              <a:t>からその投球の平均的なストライクコール確率を算出</a:t>
-            </a:r>
-            <a:r>
-              <a:rPr lang="en-US" altLang="ja-JP" sz="2000" dirty="0" smtClean="0"/>
-              <a:t>(</a:t>
-            </a:r>
-            <a:r>
-              <a:rPr lang="ja-JP" altLang="en-US" sz="2000" dirty="0" smtClean="0"/>
-              <a:t>一般化加法モデルを利用</a:t>
-            </a:r>
-            <a:r>
-              <a:rPr lang="en-US" altLang="ja-JP" sz="2000" dirty="0" smtClean="0"/>
-              <a:t>)</a:t>
-            </a:r>
-          </a:p>
-          <a:p>
-            <a:pPr lvl="2"/>
-            <a:r>
-              <a:rPr lang="ja-JP" altLang="en-US" sz="2000" dirty="0" smtClean="0"/>
-              <a:t>実際にコールされたストライクを</a:t>
-            </a:r>
-            <a:r>
-              <a:rPr lang="en-US" altLang="ja-JP" sz="2000" dirty="0" smtClean="0"/>
-              <a:t>1, </a:t>
-            </a:r>
-            <a:r>
-              <a:rPr lang="ja-JP" altLang="en-US" sz="2000" dirty="0" smtClean="0"/>
-              <a:t>ボールを</a:t>
-            </a:r>
-            <a:r>
-              <a:rPr lang="en-US" altLang="ja-JP" sz="2000" dirty="0" smtClean="0"/>
-              <a:t>0</a:t>
-            </a:r>
-            <a:r>
-              <a:rPr lang="ja-JP" altLang="en-US" sz="2000" dirty="0" smtClean="0"/>
-              <a:t>とするダミー変数を作成し、これと平均的なストライクコール確率との差を選手ごとに集計する</a:t>
-            </a:r>
-            <a:endParaRPr lang="en-US" altLang="ja-JP" sz="2000" dirty="0" smtClean="0"/>
-          </a:p>
-          <a:p>
-            <a:pPr lvl="2"/>
-            <a:r>
-              <a:rPr lang="ja-JP" altLang="en-US" sz="2000" dirty="0"/>
-              <a:t>値</a:t>
-            </a:r>
-            <a:r>
-              <a:rPr lang="ja-JP" altLang="en-US" sz="2000" dirty="0" smtClean="0"/>
-              <a:t>がプラス：実際のコールが平均的なストライクコールの確率より高い</a:t>
-            </a:r>
-            <a:endParaRPr lang="en-US" altLang="ja-JP" sz="2000" dirty="0" smtClean="0"/>
-          </a:p>
-          <a:p>
-            <a:pPr lvl="1"/>
-            <a:r>
-              <a:rPr lang="ja-JP" altLang="en-US" sz="2000" dirty="0" smtClean="0"/>
-              <a:t>得点貢献：上記の手順で算出したストライクコール確率を用いて、投球を見送った時の得点期待値変動の平均を算出→実際に起こった得点確率の増減との差を取る</a:t>
-            </a:r>
-            <a:endParaRPr lang="en-US" altLang="ja-JP" sz="2000" dirty="0" smtClean="0"/>
-          </a:p>
-        </p:txBody>
-      </p:sp>
-    </p:spTree>
-    <p:extLst>
-      <p:ext uri="{BB962C8B-B14F-4D97-AF65-F5344CB8AC3E}">
-        <p14:creationId xmlns:p14="http://schemas.microsoft.com/office/powerpoint/2010/main" val="3340939788"/>
-      </p:ext>
-    </p:extLst>
-  </p:cSld>
-  <p:clrMapOvr>
-    <a:masterClrMapping/>
-  </p:clrMapOvr>
-</p:sld>
-</file>
-
-<file path=ppt/slides/slide24.xml><?xml version="1.0" encoding="utf-8"?>
-<p:sld xmlns:a="http://schemas.openxmlformats.org/drawingml/2006/main" xmlns:r="http://schemas.openxmlformats.org/officeDocument/2006/relationships" xmlns:p="http://schemas.openxmlformats.org/presentationml/2006/main">
-  <p:cSld>
-    <p:spTree>
-      <p:nvGrpSpPr>
-        <p:cNvPr id="1" name=""/>
-        <p:cNvGrpSpPr/>
-        <p:nvPr/>
-      </p:nvGrpSpPr>
-      <p:grpSpPr>
-        <a:xfrm>
-          <a:off x="0" y="0"/>
-          <a:ext cx="0" cy="0"/>
-          <a:chOff x="0" y="0"/>
-          <a:chExt cx="0" cy="0"/>
-        </a:xfrm>
-      </p:grpSpPr>
-      <p:sp>
-        <p:nvSpPr>
-          <p:cNvPr id="2" name="タイトル 1"/>
-          <p:cNvSpPr>
-            <a:spLocks noGrp="1"/>
-          </p:cNvSpPr>
-          <p:nvPr>
-            <p:ph type="title"/>
-          </p:nvPr>
-        </p:nvSpPr>
-        <p:spPr/>
-        <p:txBody>
-          <a:bodyPr/>
-          <a:lstStyle/>
-          <a:p>
-            <a:r>
-              <a:rPr kumimoji="1" lang="ja-JP" altLang="en-US" dirty="0" smtClean="0"/>
-              <a:t>結果</a:t>
-            </a:r>
-            <a:endParaRPr kumimoji="1" lang="ja-JP" altLang="en-US" dirty="0"/>
-          </a:p>
-        </p:txBody>
-      </p:sp>
-      <p:sp>
-        <p:nvSpPr>
-          <p:cNvPr id="3" name="コンテンツ プレースホルダー 2"/>
-          <p:cNvSpPr>
-            <a:spLocks noGrp="1"/>
-          </p:cNvSpPr>
-          <p:nvPr>
-            <p:ph idx="1"/>
-          </p:nvPr>
-        </p:nvSpPr>
-        <p:spPr/>
-        <p:txBody>
-          <a:bodyPr/>
-          <a:lstStyle/>
-          <a:p>
-            <a:r>
-              <a:rPr lang="ja-JP" altLang="en-US" sz="2400" dirty="0" smtClean="0"/>
-              <a:t>野手</a:t>
-            </a:r>
-            <a:endParaRPr lang="en-US" altLang="ja-JP" sz="2400" dirty="0" smtClean="0"/>
-          </a:p>
-          <a:p>
-            <a:pPr lvl="1"/>
-            <a:r>
-              <a:rPr lang="ja-JP" altLang="en-US" sz="2000" dirty="0" smtClean="0"/>
-              <a:t>打席に立った際の</a:t>
-            </a:r>
-            <a:r>
-              <a:rPr lang="en-US" altLang="ja-JP" sz="2000" dirty="0" smtClean="0"/>
-              <a:t>Type II error: 79</a:t>
-            </a:r>
-            <a:r>
-              <a:rPr lang="ja-JP" altLang="en-US" sz="2000" dirty="0" smtClean="0"/>
-              <a:t>球、</a:t>
-            </a:r>
-            <a:r>
-              <a:rPr lang="en-US" altLang="ja-JP" sz="2000" dirty="0" smtClean="0"/>
-              <a:t>5.90%</a:t>
-            </a:r>
-            <a:r>
-              <a:rPr lang="ja-JP" altLang="en-US" sz="2000" dirty="0" smtClean="0"/>
-              <a:t>は</a:t>
-            </a:r>
-            <a:r>
-              <a:rPr lang="en-US" altLang="ja-JP" sz="2000" dirty="0" smtClean="0"/>
-              <a:t>500</a:t>
-            </a:r>
-            <a:r>
-              <a:rPr lang="ja-JP" altLang="en-US" sz="2000" dirty="0" smtClean="0"/>
-              <a:t>球以上のピッチコールがあった打者の中で</a:t>
-            </a:r>
-            <a:r>
-              <a:rPr lang="en-US" altLang="ja-JP" sz="2000" dirty="0" smtClean="0"/>
-              <a:t>178/298 </a:t>
-            </a:r>
-            <a:r>
-              <a:rPr lang="ja-JP" altLang="en-US" sz="2000" dirty="0" smtClean="0"/>
-              <a:t>位</a:t>
-            </a:r>
-            <a:endParaRPr lang="en-US" altLang="ja-JP" sz="2000" dirty="0" smtClean="0"/>
-          </a:p>
-          <a:p>
-            <a:pPr lvl="1"/>
-            <a:r>
-              <a:rPr lang="ja-JP" altLang="en-US" sz="2000" dirty="0"/>
-              <a:t>平均から</a:t>
-            </a:r>
-            <a:r>
-              <a:rPr lang="ja-JP" altLang="en-US" sz="2000" dirty="0" smtClean="0"/>
-              <a:t>の乖離の合計で測った、</a:t>
-            </a:r>
-            <a:r>
-              <a:rPr lang="en-US" altLang="ja-JP" sz="2000" dirty="0" smtClean="0"/>
-              <a:t>2021</a:t>
-            </a:r>
-            <a:r>
-              <a:rPr lang="ja-JP" altLang="en-US" sz="2000" dirty="0" smtClean="0"/>
-              <a:t>年シーズン中に失ったストライクは</a:t>
-            </a:r>
-            <a:r>
-              <a:rPr lang="en-US" altLang="ja-JP" sz="2000" dirty="0" smtClean="0"/>
-              <a:t>2.52</a:t>
-            </a:r>
-            <a:r>
-              <a:rPr lang="ja-JP" altLang="en-US" sz="2000" dirty="0" smtClean="0"/>
-              <a:t>個</a:t>
-            </a:r>
-            <a:r>
-              <a:rPr lang="en-US" altLang="ja-JP" sz="2000" dirty="0" smtClean="0"/>
-              <a:t>(</a:t>
-            </a:r>
-            <a:r>
-              <a:rPr lang="ja-JP" altLang="en-US" sz="2000" dirty="0" smtClean="0"/>
-              <a:t>同</a:t>
-            </a:r>
-            <a:r>
-              <a:rPr lang="en-US" altLang="ja-JP" sz="2000" dirty="0" smtClean="0"/>
-              <a:t>114</a:t>
-            </a:r>
-            <a:r>
-              <a:rPr lang="ja-JP" altLang="en-US" sz="2000" dirty="0"/>
-              <a:t>位</a:t>
-            </a:r>
-            <a:r>
-              <a:rPr lang="en-US" altLang="ja-JP" sz="2000" dirty="0" smtClean="0"/>
-              <a:t>)</a:t>
-            </a:r>
-          </a:p>
-          <a:p>
-            <a:pPr lvl="1"/>
-            <a:r>
-              <a:rPr lang="ja-JP" altLang="en-US" sz="2000" dirty="0" smtClean="0"/>
-              <a:t>得点期待値の増減は</a:t>
-            </a:r>
-            <a:r>
-              <a:rPr lang="en-US" altLang="ja-JP" sz="2000" dirty="0"/>
-              <a:t>-</a:t>
-            </a:r>
-            <a:r>
-              <a:rPr lang="en-US" altLang="ja-JP" sz="2000" dirty="0" smtClean="0"/>
-              <a:t>0.33(</a:t>
-            </a:r>
-            <a:r>
-              <a:rPr lang="ja-JP" altLang="en-US" sz="2000" dirty="0" smtClean="0"/>
-              <a:t>同</a:t>
-            </a:r>
-            <a:r>
-              <a:rPr lang="en-US" altLang="ja-JP" sz="2000" dirty="0" smtClean="0"/>
-              <a:t>184</a:t>
-            </a:r>
-            <a:r>
-              <a:rPr lang="ja-JP" altLang="en-US" sz="2000" dirty="0" smtClean="0"/>
-              <a:t>位</a:t>
-            </a:r>
-            <a:r>
-              <a:rPr lang="en-US" altLang="ja-JP" sz="2000" dirty="0" smtClean="0"/>
-              <a:t>)</a:t>
-            </a:r>
-          </a:p>
-          <a:p>
-            <a:pPr lvl="1"/>
-            <a:r>
-              <a:rPr lang="ja-JP" altLang="en-US" sz="2000" dirty="0" smtClean="0"/>
-              <a:t>平均と比較するとほぼニュートラルと言えそう</a:t>
-            </a:r>
-            <a:endParaRPr lang="en-US" altLang="ja-JP" sz="2000" dirty="0" smtClean="0"/>
-          </a:p>
-          <a:p>
-            <a:pPr lvl="1"/>
-            <a:endParaRPr kumimoji="1" lang="ja-JP" altLang="en-US" sz="2000" dirty="0"/>
-          </a:p>
-        </p:txBody>
-      </p:sp>
-    </p:spTree>
-    <p:extLst>
-      <p:ext uri="{BB962C8B-B14F-4D97-AF65-F5344CB8AC3E}">
-        <p14:creationId xmlns:p14="http://schemas.microsoft.com/office/powerpoint/2010/main" val="4198104621"/>
-      </p:ext>
-    </p:extLst>
-  </p:cSld>
-  <p:clrMapOvr>
-    <a:masterClrMapping/>
-  </p:clrMapOvr>
-</p:sld>
-</file>
-
-<file path=ppt/slides/slide3.xml><?xml version="1.0" encoding="utf-8"?>
-<p:sld xmlns:a="http://schemas.openxmlformats.org/drawingml/2006/main" xmlns:r="http://schemas.openxmlformats.org/officeDocument/2006/relationships" xmlns:p="http://schemas.openxmlformats.org/presentationml/2006/main">
-  <p:cSld>
-    <p:spTree>
-      <p:nvGrpSpPr>
-        <p:cNvPr id="1" name=""/>
-        <p:cNvGrpSpPr/>
-        <p:nvPr/>
-      </p:nvGrpSpPr>
-      <p:grpSpPr>
-        <a:xfrm>
-          <a:off x="0" y="0"/>
-          <a:ext cx="0" cy="0"/>
-          <a:chOff x="0" y="0"/>
-          <a:chExt cx="0" cy="0"/>
-        </a:xfrm>
-      </p:grpSpPr>
-      <p:sp>
-        <p:nvSpPr>
-          <p:cNvPr id="2" name="タイトル 1"/>
-          <p:cNvSpPr>
-            <a:spLocks noGrp="1"/>
-          </p:cNvSpPr>
-          <p:nvPr>
-            <p:ph type="title"/>
-          </p:nvPr>
-        </p:nvSpPr>
-        <p:spPr/>
-        <p:txBody>
-          <a:bodyPr/>
-          <a:lstStyle/>
-          <a:p>
-            <a:r>
-              <a:rPr kumimoji="1" lang="en-US" altLang="ja-JP" dirty="0" smtClean="0"/>
-              <a:t>2021</a:t>
-            </a:r>
-            <a:r>
-              <a:rPr kumimoji="1" lang="ja-JP" altLang="en-US" dirty="0" smtClean="0"/>
-              <a:t>年に絞る理由</a:t>
-            </a:r>
-            <a:endParaRPr kumimoji="1" lang="ja-JP" altLang="en-US" dirty="0"/>
-          </a:p>
-        </p:txBody>
-      </p:sp>
-      <p:sp>
-        <p:nvSpPr>
-          <p:cNvPr id="3" name="コンテンツ プレースホルダー 2"/>
-          <p:cNvSpPr>
-            <a:spLocks noGrp="1"/>
-          </p:cNvSpPr>
-          <p:nvPr>
-            <p:ph idx="1"/>
-          </p:nvPr>
-        </p:nvSpPr>
-        <p:spPr/>
-        <p:txBody>
-          <a:bodyPr/>
-          <a:lstStyle/>
-          <a:p>
-            <a:endParaRPr kumimoji="1" lang="ja-JP" altLang="en-US"/>
-          </a:p>
-        </p:txBody>
-      </p:sp>
-    </p:spTree>
-    <p:extLst>
-      <p:ext uri="{BB962C8B-B14F-4D97-AF65-F5344CB8AC3E}">
-        <p14:creationId xmlns:p14="http://schemas.microsoft.com/office/powerpoint/2010/main" val="1337977698"/>
-      </p:ext>
-    </p:extLst>
-  </p:cSld>
-  <p:clrMapOvr>
-    <a:masterClrMapping/>
-  </p:clrMapOvr>
-</p:sld>
-</file>
-
-<file path=ppt/slides/slide4.xml><?xml version="1.0" encoding="utf-8"?>
-<p:sld xmlns:a="http://schemas.openxmlformats.org/drawingml/2006/main" xmlns:r="http://schemas.openxmlformats.org/officeDocument/2006/relationships" xmlns:p="http://schemas.openxmlformats.org/presentationml/2006/main">
-  <p:cSld>
-    <p:spTree>
-      <p:nvGrpSpPr>
-        <p:cNvPr id="1" name=""/>
-        <p:cNvGrpSpPr/>
-        <p:nvPr/>
-      </p:nvGrpSpPr>
-      <p:grpSpPr>
-        <a:xfrm>
-          <a:off x="0" y="0"/>
-          <a:ext cx="0" cy="0"/>
-          <a:chOff x="0" y="0"/>
-          <a:chExt cx="0" cy="0"/>
-        </a:xfrm>
-      </p:grpSpPr>
-      <p:sp>
-        <p:nvSpPr>
-          <p:cNvPr id="2" name="タイトル 1"/>
-          <p:cNvSpPr>
-            <a:spLocks noGrp="1"/>
-          </p:cNvSpPr>
-          <p:nvPr>
-            <p:ph type="title"/>
-          </p:nvPr>
-        </p:nvSpPr>
-        <p:spPr/>
-        <p:txBody>
-          <a:bodyPr/>
-          <a:lstStyle/>
-          <a:p>
-            <a:r>
-              <a:rPr kumimoji="1" lang="ja-JP" altLang="en-US" dirty="0" smtClean="0"/>
-              <a:t>投手スタッツ</a:t>
-            </a:r>
-            <a:endParaRPr kumimoji="1" lang="ja-JP" altLang="en-US" dirty="0"/>
-          </a:p>
-        </p:txBody>
-      </p:sp>
-      <p:sp>
-        <p:nvSpPr>
-          <p:cNvPr id="3" name="コンテンツ プレースホルダー 2"/>
-          <p:cNvSpPr>
-            <a:spLocks noGrp="1"/>
-          </p:cNvSpPr>
-          <p:nvPr>
-            <p:ph idx="1"/>
-          </p:nvPr>
-        </p:nvSpPr>
-        <p:spPr/>
-        <p:txBody>
-          <a:bodyPr/>
-          <a:lstStyle/>
-          <a:p>
-            <a:endParaRPr lang="en-US" altLang="ja-JP" sz="2400" dirty="0" smtClean="0"/>
-          </a:p>
-          <a:p>
-            <a:endParaRPr lang="en-US" altLang="ja-JP" sz="2400" dirty="0"/>
-          </a:p>
-          <a:p>
-            <a:r>
-              <a:rPr lang="ja-JP" altLang="en-US" sz="2400" dirty="0" smtClean="0"/>
-              <a:t>シーズン後半にはフォーシームがカッターやスライダー、スプリットに置き換わる：</a:t>
-            </a:r>
-            <a:r>
-              <a:rPr lang="ja-JP" altLang="en-US" sz="2400" dirty="0"/>
-              <a:t>いずれ</a:t>
-            </a:r>
-            <a:r>
-              <a:rPr lang="ja-JP" altLang="en-US" sz="2400" dirty="0" smtClean="0"/>
-              <a:t>も</a:t>
-            </a:r>
-            <a:r>
-              <a:rPr lang="en-US" altLang="ja-JP" sz="2400" dirty="0" smtClean="0"/>
-              <a:t>PV</a:t>
-            </a:r>
-            <a:r>
-              <a:rPr lang="ja-JP" altLang="en-US" sz="2400" dirty="0" smtClean="0"/>
-              <a:t>プラスのボールで、終盤の成績改善とも一致</a:t>
-            </a:r>
-            <a:endParaRPr kumimoji="1" lang="ja-JP" altLang="en-US" sz="2934" dirty="0"/>
-          </a:p>
-        </p:txBody>
-      </p:sp>
-    </p:spTree>
-    <p:extLst>
-      <p:ext uri="{BB962C8B-B14F-4D97-AF65-F5344CB8AC3E}">
-        <p14:creationId xmlns:p14="http://schemas.microsoft.com/office/powerpoint/2010/main" val="1982934772"/>
-      </p:ext>
-    </p:extLst>
-  </p:cSld>
-  <p:clrMapOvr>
-    <a:masterClrMapping/>
-  </p:clrMapOvr>
-</p:sld>
-</file>
-
-<file path=ppt/slides/slide5.xml><?xml version="1.0" encoding="utf-8"?>
-<p:sld xmlns:a="http://schemas.openxmlformats.org/drawingml/2006/main" xmlns:r="http://schemas.openxmlformats.org/officeDocument/2006/relationships" xmlns:p="http://schemas.openxmlformats.org/presentationml/2006/main">
-  <p:cSld>
-    <p:spTree>
-      <p:nvGrpSpPr>
-        <p:cNvPr id="1" name=""/>
-        <p:cNvGrpSpPr/>
-        <p:nvPr/>
-      </p:nvGrpSpPr>
-      <p:grpSpPr>
-        <a:xfrm>
-          <a:off x="0" y="0"/>
-          <a:ext cx="0" cy="0"/>
-          <a:chOff x="0" y="0"/>
-          <a:chExt cx="0" cy="0"/>
-        </a:xfrm>
-      </p:grpSpPr>
-      <p:sp>
-        <p:nvSpPr>
-          <p:cNvPr id="2" name="タイトル 1"/>
-          <p:cNvSpPr>
-            <a:spLocks noGrp="1"/>
-          </p:cNvSpPr>
-          <p:nvPr>
-            <p:ph type="title"/>
-          </p:nvPr>
-        </p:nvSpPr>
-        <p:spPr/>
-        <p:txBody>
-          <a:bodyPr/>
-          <a:lstStyle/>
-          <a:p>
-            <a:r>
-              <a:rPr kumimoji="1" lang="ja-JP" altLang="en-US" dirty="0" smtClean="0"/>
+              <a:rPr kumimoji="1" lang="ja-JP" altLang="en-US" dirty="0"/>
               <a:t>リーグ平均</a:t>
             </a:r>
-            <a:endParaRPr kumimoji="1" lang="ja-JP" altLang="en-US" dirty="0"/>
           </a:p>
         </p:txBody>
       </p:sp>
@@ -12308,7 +10162,7 @@
 </p:sld>
 </file>
 
-<file path=ppt/slides/slide6.xml><?xml version="1.0" encoding="utf-8"?>
+<file path=ppt/slides/slide13.xml><?xml version="1.0" encoding="utf-8"?>
 <p:sld xmlns:a="http://schemas.openxmlformats.org/drawingml/2006/main" xmlns:r="http://schemas.openxmlformats.org/officeDocument/2006/relationships" xmlns:p="http://schemas.openxmlformats.org/presentationml/2006/main">
   <p:cSld>
     <p:spTree>
@@ -12341,10 +10195,9 @@
           <a:lstStyle/>
           <a:p>
             <a:r>
-              <a:rPr kumimoji="1" lang="ja-JP" altLang="en-US" dirty="0" smtClean="0"/>
+              <a:rPr kumimoji="1" lang="ja-JP" altLang="en-US" dirty="0"/>
               <a:t>リーグ平均</a:t>
             </a:r>
-            <a:endParaRPr kumimoji="1" lang="ja-JP" altLang="en-US" dirty="0"/>
           </a:p>
         </p:txBody>
       </p:sp>
@@ -16167,7 +14020,7 @@
 </p:sld>
 </file>
 
-<file path=ppt/slides/slide7.xml><?xml version="1.0" encoding="utf-8"?>
+<file path=ppt/slides/slide14.xml><?xml version="1.0" encoding="utf-8"?>
 <p:sld xmlns:a="http://schemas.openxmlformats.org/drawingml/2006/main" xmlns:r="http://schemas.openxmlformats.org/officeDocument/2006/relationships" xmlns:p="http://schemas.openxmlformats.org/presentationml/2006/main">
   <p:cSld>
     <p:spTree>
@@ -17346,7 +15199,7 @@
 </p:sld>
 </file>
 
-<file path=ppt/slides/slide8.xml><?xml version="1.0" encoding="utf-8"?>
+<file path=ppt/slides/slide15.xml><?xml version="1.0" encoding="utf-8"?>
 <p:sld xmlns:a="http://schemas.openxmlformats.org/drawingml/2006/main" xmlns:r="http://schemas.openxmlformats.org/officeDocument/2006/relationships" xmlns:p="http://schemas.openxmlformats.org/presentationml/2006/main">
   <p:cSld>
     <p:spTree>
@@ -20180,6 +18033,2308 @@
 </p:sld>
 </file>
 
+<file path=ppt/slides/slide16.xml><?xml version="1.0" encoding="utf-8"?>
+<p:sld xmlns:a="http://schemas.openxmlformats.org/drawingml/2006/main" xmlns:r="http://schemas.openxmlformats.org/officeDocument/2006/relationships" xmlns:p="http://schemas.openxmlformats.org/presentationml/2006/main">
+  <p:cSld>
+    <p:spTree>
+      <p:nvGrpSpPr>
+        <p:cNvPr id="1" name=""/>
+        <p:cNvGrpSpPr/>
+        <p:nvPr/>
+      </p:nvGrpSpPr>
+      <p:grpSpPr>
+        <a:xfrm>
+          <a:off x="0" y="0"/>
+          <a:ext cx="0" cy="0"/>
+          <a:chOff x="0" y="0"/>
+          <a:chExt cx="0" cy="0"/>
+        </a:xfrm>
+      </p:grpSpPr>
+      <p:sp>
+        <p:nvSpPr>
+          <p:cNvPr id="2" name="タイトル 1"/>
+          <p:cNvSpPr>
+            <a:spLocks noGrp="1"/>
+          </p:cNvSpPr>
+          <p:nvPr>
+            <p:ph type="title"/>
+          </p:nvPr>
+        </p:nvSpPr>
+        <p:spPr/>
+        <p:txBody>
+          <a:bodyPr/>
+          <a:lstStyle/>
+          <a:p>
+            <a:r>
+              <a:rPr lang="ja-JP" altLang="en-US" sz="3200" dirty="0"/>
+              <a:t>球種別</a:t>
+            </a:r>
+            <a:r>
+              <a:rPr lang="en-US" altLang="ja-JP" sz="3200" dirty="0"/>
+              <a:t>discipline</a:t>
+            </a:r>
+            <a:r>
+              <a:rPr lang="ja-JP" altLang="en-US" sz="3200" dirty="0"/>
+              <a:t>系スタッツ：フォーシーム・カーブ</a:t>
+            </a:r>
+            <a:endParaRPr kumimoji="1" lang="ja-JP" altLang="en-US" sz="3200" dirty="0"/>
+          </a:p>
+        </p:txBody>
+      </p:sp>
+      <p:sp>
+        <p:nvSpPr>
+          <p:cNvPr id="3" name="コンテンツ プレースホルダー 2"/>
+          <p:cNvSpPr>
+            <a:spLocks noGrp="1"/>
+          </p:cNvSpPr>
+          <p:nvPr>
+            <p:ph idx="1"/>
+          </p:nvPr>
+        </p:nvSpPr>
+        <p:spPr/>
+        <p:txBody>
+          <a:bodyPr/>
+          <a:lstStyle/>
+          <a:p>
+            <a:r>
+              <a:rPr kumimoji="1" lang="ja-JP" altLang="en-US" sz="2400" dirty="0"/>
+              <a:t>フォーシーム</a:t>
+            </a:r>
+            <a:endParaRPr kumimoji="1" lang="en-US" altLang="ja-JP" sz="2400" dirty="0"/>
+          </a:p>
+          <a:p>
+            <a:pPr lvl="1"/>
+            <a:r>
+              <a:rPr lang="ja-JP" altLang="en-US" sz="2000" dirty="0"/>
+              <a:t>最も多く投じられた球種、</a:t>
+            </a:r>
+            <a:r>
+              <a:rPr lang="en-US" altLang="ja-JP" sz="2000" dirty="0"/>
+              <a:t>PV/C</a:t>
+            </a:r>
+            <a:r>
+              <a:rPr lang="ja-JP" altLang="en-US" sz="2000" dirty="0" err="1"/>
+              <a:t>は微</a:t>
+            </a:r>
+            <a:r>
+              <a:rPr lang="ja-JP" altLang="en-US" sz="2000" dirty="0"/>
+              <a:t>マイナスだが、リーグ平均よりは高い</a:t>
+            </a:r>
+            <a:endParaRPr lang="en-US" altLang="ja-JP" sz="2000" dirty="0"/>
+          </a:p>
+          <a:p>
+            <a:pPr lvl="2"/>
+            <a:r>
+              <a:rPr lang="ja-JP" altLang="en-US" sz="2000" dirty="0"/>
+              <a:t>スピンレートの改善、ホップ成分低目でややスライド気味の変化も記録する真</a:t>
+            </a:r>
+            <a:r>
+              <a:rPr lang="ja-JP" altLang="en-US" sz="2000" dirty="0" err="1"/>
+              <a:t>っ</a:t>
+            </a:r>
+            <a:r>
+              <a:rPr lang="ja-JP" altLang="en-US" sz="2000" dirty="0"/>
+              <a:t>スラ系球質、リーグ全体と比較しても出色の高い平均球速</a:t>
+            </a:r>
+            <a:endParaRPr lang="en-US" altLang="ja-JP" sz="2000" dirty="0"/>
+          </a:p>
+          <a:p>
+            <a:pPr lvl="1"/>
+            <a:r>
+              <a:rPr lang="ja-JP" altLang="en-US" sz="2000" dirty="0"/>
+              <a:t>真</a:t>
+            </a:r>
+            <a:r>
+              <a:rPr lang="ja-JP" altLang="en-US" sz="2000" dirty="0" err="1"/>
+              <a:t>っ</a:t>
+            </a:r>
+            <a:r>
+              <a:rPr lang="ja-JP" altLang="en-US" sz="2000" dirty="0"/>
+              <a:t>スラ気味の球質、高い球速もあってゴロ打球率が非常に高い</a:t>
+            </a:r>
+            <a:endParaRPr lang="en-US" altLang="ja-JP" sz="2000" dirty="0"/>
+          </a:p>
+          <a:p>
+            <a:pPr lvl="1"/>
+            <a:r>
+              <a:rPr lang="ja-JP" altLang="en-US" sz="2000" dirty="0"/>
+              <a:t>真</a:t>
+            </a:r>
+            <a:r>
+              <a:rPr lang="ja-JP" altLang="en-US" sz="2000" dirty="0" err="1"/>
+              <a:t>っ</a:t>
+            </a:r>
+            <a:r>
+              <a:rPr lang="ja-JP" altLang="en-US" sz="2000" dirty="0"/>
+              <a:t>スラ気味の球質はコンタクトが増えることともイコール</a:t>
+            </a:r>
+            <a:r>
+              <a:rPr lang="en-US" altLang="ja-JP" sz="2000" dirty="0"/>
+              <a:t>: Contact%</a:t>
+            </a:r>
+            <a:r>
+              <a:rPr lang="ja-JP" altLang="en-US" sz="2000" dirty="0"/>
+              <a:t>はリーグ平均程度か若干高め</a:t>
+            </a:r>
+            <a:r>
+              <a:rPr lang="en-US" altLang="ja-JP" sz="2000" dirty="0"/>
+              <a:t>(=Whiff%</a:t>
+            </a:r>
+            <a:r>
+              <a:rPr lang="ja-JP" altLang="en-US" sz="2000" dirty="0"/>
+              <a:t>がやや低い</a:t>
+            </a:r>
+            <a:r>
+              <a:rPr lang="en-US" altLang="ja-JP" sz="2000" dirty="0"/>
+              <a:t>)</a:t>
+            </a:r>
+          </a:p>
+          <a:p>
+            <a:pPr lvl="1"/>
+            <a:r>
+              <a:rPr lang="en-US" altLang="ja-JP" sz="2000" dirty="0"/>
+              <a:t>Zone%</a:t>
+            </a:r>
+            <a:r>
+              <a:rPr lang="ja-JP" altLang="en-US" sz="2000" dirty="0"/>
+              <a:t>も平均程度</a:t>
+            </a:r>
+            <a:endParaRPr lang="en-US" altLang="ja-JP" sz="2000" dirty="0"/>
+          </a:p>
+          <a:p>
+            <a:pPr lvl="1"/>
+            <a:r>
+              <a:rPr kumimoji="1" lang="ja-JP" altLang="en-US" sz="2000" dirty="0"/>
+              <a:t>シーズン中盤以降は投球割合を減らし、よりバリューの高い球種に代替</a:t>
+            </a:r>
+            <a:endParaRPr lang="en-US" altLang="ja-JP" sz="2000" dirty="0"/>
+          </a:p>
+          <a:p>
+            <a:r>
+              <a:rPr kumimoji="1" lang="ja-JP" altLang="en-US" sz="2400" dirty="0"/>
+              <a:t>カーブ</a:t>
+            </a:r>
+            <a:endParaRPr kumimoji="1" lang="en-US" altLang="ja-JP" sz="2400" dirty="0"/>
+          </a:p>
+          <a:p>
+            <a:pPr lvl="1"/>
+            <a:r>
+              <a:rPr lang="ja-JP" altLang="en-US" sz="2000" dirty="0"/>
+              <a:t>平均より遅く・大きく落ちるカーブ</a:t>
+            </a:r>
+            <a:endParaRPr lang="en-US" altLang="ja-JP" sz="2000" dirty="0"/>
+          </a:p>
+          <a:p>
+            <a:pPr lvl="1"/>
+            <a:r>
+              <a:rPr lang="ja-JP" altLang="en-US" sz="2000" dirty="0"/>
+              <a:t>ゾーンへの投球率も低いため、</a:t>
+            </a:r>
+            <a:r>
+              <a:rPr lang="en-US" altLang="ja-JP" sz="2000" dirty="0"/>
+              <a:t>PV</a:t>
+            </a:r>
+            <a:r>
+              <a:rPr lang="ja-JP" altLang="en-US" sz="2000" dirty="0"/>
+              <a:t>は振るわないが、見送りストライクの比率は高い</a:t>
+            </a:r>
+            <a:endParaRPr lang="en-US" altLang="ja-JP" sz="2000" dirty="0"/>
+          </a:p>
+        </p:txBody>
+      </p:sp>
+    </p:spTree>
+    <p:extLst>
+      <p:ext uri="{BB962C8B-B14F-4D97-AF65-F5344CB8AC3E}">
+        <p14:creationId xmlns:p14="http://schemas.microsoft.com/office/powerpoint/2010/main" val="239167858"/>
+      </p:ext>
+    </p:extLst>
+  </p:cSld>
+  <p:clrMapOvr>
+    <a:masterClrMapping/>
+  </p:clrMapOvr>
+</p:sld>
+</file>
+
+<file path=ppt/slides/slide17.xml><?xml version="1.0" encoding="utf-8"?>
+<p:sld xmlns:a="http://schemas.openxmlformats.org/drawingml/2006/main" xmlns:r="http://schemas.openxmlformats.org/officeDocument/2006/relationships" xmlns:p="http://schemas.openxmlformats.org/presentationml/2006/main">
+  <p:cSld>
+    <p:spTree>
+      <p:nvGrpSpPr>
+        <p:cNvPr id="1" name=""/>
+        <p:cNvGrpSpPr/>
+        <p:nvPr/>
+      </p:nvGrpSpPr>
+      <p:grpSpPr>
+        <a:xfrm>
+          <a:off x="0" y="0"/>
+          <a:ext cx="0" cy="0"/>
+          <a:chOff x="0" y="0"/>
+          <a:chExt cx="0" cy="0"/>
+        </a:xfrm>
+      </p:grpSpPr>
+      <p:sp>
+        <p:nvSpPr>
+          <p:cNvPr id="2" name="タイトル 1"/>
+          <p:cNvSpPr>
+            <a:spLocks noGrp="1"/>
+          </p:cNvSpPr>
+          <p:nvPr>
+            <p:ph type="title"/>
+          </p:nvPr>
+        </p:nvSpPr>
+        <p:spPr/>
+        <p:txBody>
+          <a:bodyPr/>
+          <a:lstStyle/>
+          <a:p>
+            <a:r>
+              <a:rPr kumimoji="1" lang="ja-JP" altLang="en-US" dirty="0"/>
+              <a:t>スライダー・カッター</a:t>
+            </a:r>
+          </a:p>
+        </p:txBody>
+      </p:sp>
+      <p:sp>
+        <p:nvSpPr>
+          <p:cNvPr id="3" name="コンテンツ プレースホルダー 2"/>
+          <p:cNvSpPr>
+            <a:spLocks noGrp="1"/>
+          </p:cNvSpPr>
+          <p:nvPr>
+            <p:ph idx="1"/>
+          </p:nvPr>
+        </p:nvSpPr>
+        <p:spPr>
+          <a:xfrm>
+            <a:off x="609600" y="1600201"/>
+            <a:ext cx="10972800" cy="5020055"/>
+          </a:xfrm>
+        </p:spPr>
+        <p:txBody>
+          <a:bodyPr/>
+          <a:lstStyle/>
+          <a:p>
+            <a:r>
+              <a:rPr lang="ja-JP" altLang="en-US" sz="2400" dirty="0"/>
+              <a:t>スライダー</a:t>
+            </a:r>
+            <a:endParaRPr lang="en-US" altLang="ja-JP" sz="2400" dirty="0"/>
+          </a:p>
+          <a:p>
+            <a:pPr lvl="1"/>
+            <a:r>
+              <a:rPr lang="ja-JP" altLang="en-US" sz="2000" dirty="0"/>
+              <a:t>変化球の中で最も投球比率が高く、</a:t>
+            </a:r>
+            <a:endParaRPr lang="en-US" altLang="ja-JP" sz="2000" dirty="0"/>
+          </a:p>
+          <a:p>
+            <a:pPr lvl="1"/>
+            <a:r>
+              <a:rPr lang="ja-JP" altLang="en-US" sz="2000" dirty="0"/>
+              <a:t>スライド成分</a:t>
+            </a:r>
+            <a:r>
+              <a:rPr kumimoji="1" lang="en-US" altLang="ja-JP" sz="2000" dirty="0"/>
+              <a:t>40cm</a:t>
+            </a:r>
+            <a:r>
+              <a:rPr kumimoji="1" lang="ja-JP" altLang="en-US" sz="2000" dirty="0"/>
+              <a:t>と平均を大きく上回る横滑りのスライダー。球速は平均を下回るため、対フォーシームの球速比で言えばやや遅めに分類される</a:t>
+            </a:r>
+            <a:endParaRPr kumimoji="1" lang="en-US" altLang="ja-JP" sz="2000" dirty="0"/>
+          </a:p>
+          <a:p>
+            <a:pPr lvl="1"/>
+            <a:r>
+              <a:rPr lang="en-US" altLang="ja-JP" sz="2000" dirty="0"/>
+              <a:t>SwStr%14.3, CStr%20.4</a:t>
+            </a:r>
+            <a:r>
+              <a:rPr lang="ja-JP" altLang="en-US" sz="2000" dirty="0"/>
+              <a:t>はそれぞれ大谷投手の持ち球の中で</a:t>
+            </a:r>
+            <a:r>
+              <a:rPr lang="en-US" altLang="ja-JP" sz="2000" dirty="0"/>
+              <a:t>2</a:t>
+            </a:r>
+            <a:r>
+              <a:rPr lang="ja-JP" altLang="en-US" sz="2000" dirty="0"/>
+              <a:t>番目</a:t>
+            </a:r>
+            <a:r>
+              <a:rPr lang="en-US" altLang="ja-JP" sz="2000" dirty="0"/>
+              <a:t>/</a:t>
+            </a:r>
+            <a:r>
+              <a:rPr lang="ja-JP" altLang="en-US" sz="2000" dirty="0"/>
+              <a:t>最も高い比率で、スプリットと並んで最も高い比率でストライクを取った球種である。しかも</a:t>
+            </a:r>
+            <a:r>
+              <a:rPr lang="en-US" altLang="ja-JP" sz="2000" dirty="0"/>
+              <a:t>Zone%55.9</a:t>
+            </a:r>
+            <a:r>
+              <a:rPr lang="ja-JP" altLang="en-US" sz="2000" dirty="0"/>
+              <a:t>はフォーシームと同程度の高さであり、「ストライクゾーンに投じながらストライクが取れる」という観点ではスプリット以上に安定している</a:t>
+            </a:r>
+            <a:endParaRPr lang="en-US" altLang="ja-JP" sz="2000" dirty="0"/>
+          </a:p>
+          <a:p>
+            <a:r>
+              <a:rPr lang="ja-JP" altLang="en-US" sz="2534" dirty="0"/>
+              <a:t>カッター</a:t>
+            </a:r>
+            <a:endParaRPr lang="en-US" altLang="ja-JP" sz="2534" dirty="0"/>
+          </a:p>
+          <a:p>
+            <a:pPr lvl="1"/>
+            <a:r>
+              <a:rPr kumimoji="1" lang="en-US" altLang="ja-JP" sz="2000" dirty="0"/>
+              <a:t>2021</a:t>
+            </a:r>
+            <a:r>
+              <a:rPr kumimoji="1" lang="ja-JP" altLang="en-US" sz="2000" dirty="0"/>
+              <a:t>シーズンから使用。</a:t>
+            </a:r>
+            <a:r>
+              <a:rPr lang="ja-JP" altLang="en-US" sz="2000" dirty="0"/>
+              <a:t>球速帯はマネーピッチのスプリットに近い。平均ホップ成分は他の</a:t>
+            </a:r>
+            <a:r>
+              <a:rPr lang="en-US" altLang="ja-JP" sz="2000" dirty="0"/>
+              <a:t>2</a:t>
+            </a:r>
+            <a:r>
+              <a:rPr lang="ja-JP" altLang="en-US" sz="2000" dirty="0"/>
+              <a:t>球種よりやや高いが、チャートではスライダー、スプリットのほぼ真ん中に曲がっていく球種</a:t>
+            </a:r>
+            <a:endParaRPr lang="en-US" altLang="ja-JP" sz="2000" dirty="0"/>
+          </a:p>
+          <a:p>
+            <a:pPr lvl="1"/>
+            <a:r>
+              <a:rPr kumimoji="1" lang="ja-JP" altLang="en-US" sz="2000" dirty="0"/>
+              <a:t>空振りを奪うスペックは他の球種にやや劣るが、内野フライ</a:t>
+            </a:r>
+            <a:r>
+              <a:rPr kumimoji="1" lang="en-US" altLang="ja-JP" sz="2000" dirty="0"/>
+              <a:t>(Popup)</a:t>
+            </a:r>
+            <a:r>
+              <a:rPr kumimoji="1" lang="ja-JP" altLang="en-US" sz="2000" dirty="0"/>
+              <a:t>が</a:t>
+            </a:r>
+            <a:r>
+              <a:rPr kumimoji="1" lang="en-US" altLang="ja-JP" sz="2000" dirty="0"/>
+              <a:t>13%</a:t>
+            </a:r>
+            <a:r>
+              <a:rPr kumimoji="1" lang="ja-JP" altLang="en-US" sz="2000" dirty="0"/>
+              <a:t>と高いことから</a:t>
+            </a:r>
+            <a:r>
+              <a:rPr kumimoji="1" lang="en-US" altLang="ja-JP" sz="2000" dirty="0"/>
+              <a:t>1</a:t>
+            </a:r>
+            <a:r>
+              <a:rPr kumimoji="1" lang="ja-JP" altLang="en-US" sz="2000" dirty="0"/>
+              <a:t>球でアウトを取る性能に強みがある。</a:t>
+            </a:r>
+            <a:r>
+              <a:rPr kumimoji="1" lang="en-US" altLang="ja-JP" sz="2000" dirty="0"/>
+              <a:t>Zone%</a:t>
+            </a:r>
+            <a:r>
+              <a:rPr lang="ja-JP" altLang="en-US" sz="2000" dirty="0"/>
+              <a:t>は</a:t>
+            </a:r>
+            <a:r>
+              <a:rPr lang="en-US" altLang="ja-JP" sz="2000" dirty="0"/>
+              <a:t>5</a:t>
+            </a:r>
+            <a:r>
+              <a:rPr lang="ja-JP" altLang="en-US" sz="2000" dirty="0"/>
+              <a:t>球種の中でトップ</a:t>
+            </a:r>
+            <a:endParaRPr kumimoji="1" lang="en-US" altLang="ja-JP" sz="2000" dirty="0"/>
+          </a:p>
+        </p:txBody>
+      </p:sp>
+    </p:spTree>
+    <p:extLst>
+      <p:ext uri="{BB962C8B-B14F-4D97-AF65-F5344CB8AC3E}">
+        <p14:creationId xmlns:p14="http://schemas.microsoft.com/office/powerpoint/2010/main" val="2328693508"/>
+      </p:ext>
+    </p:extLst>
+  </p:cSld>
+  <p:clrMapOvr>
+    <a:masterClrMapping/>
+  </p:clrMapOvr>
+</p:sld>
+</file>
+
+<file path=ppt/slides/slide18.xml><?xml version="1.0" encoding="utf-8"?>
+<p:sld xmlns:a="http://schemas.openxmlformats.org/drawingml/2006/main" xmlns:r="http://schemas.openxmlformats.org/officeDocument/2006/relationships" xmlns:p="http://schemas.openxmlformats.org/presentationml/2006/main">
+  <p:cSld>
+    <p:spTree>
+      <p:nvGrpSpPr>
+        <p:cNvPr id="1" name=""/>
+        <p:cNvGrpSpPr/>
+        <p:nvPr/>
+      </p:nvGrpSpPr>
+      <p:grpSpPr>
+        <a:xfrm>
+          <a:off x="0" y="0"/>
+          <a:ext cx="0" cy="0"/>
+          <a:chOff x="0" y="0"/>
+          <a:chExt cx="0" cy="0"/>
+        </a:xfrm>
+      </p:grpSpPr>
+      <p:sp>
+        <p:nvSpPr>
+          <p:cNvPr id="2" name="タイトル 1"/>
+          <p:cNvSpPr>
+            <a:spLocks noGrp="1"/>
+          </p:cNvSpPr>
+          <p:nvPr>
+            <p:ph type="title"/>
+          </p:nvPr>
+        </p:nvSpPr>
+        <p:spPr/>
+        <p:txBody>
+          <a:bodyPr/>
+          <a:lstStyle/>
+          <a:p>
+            <a:r>
+              <a:rPr kumimoji="1" lang="ja-JP" altLang="en-US" dirty="0"/>
+              <a:t>スプリット</a:t>
+            </a:r>
+          </a:p>
+        </p:txBody>
+      </p:sp>
+      <p:sp>
+        <p:nvSpPr>
+          <p:cNvPr id="3" name="コンテンツ プレースホルダー 2"/>
+          <p:cNvSpPr>
+            <a:spLocks noGrp="1"/>
+          </p:cNvSpPr>
+          <p:nvPr>
+            <p:ph idx="1"/>
+          </p:nvPr>
+        </p:nvSpPr>
+        <p:spPr/>
+        <p:txBody>
+          <a:bodyPr/>
+          <a:lstStyle/>
+          <a:p>
+            <a:r>
+              <a:rPr kumimoji="1" lang="ja-JP" altLang="en-US" sz="2400" dirty="0"/>
+              <a:t>スプリット</a:t>
+            </a:r>
+            <a:endParaRPr kumimoji="1" lang="en-US" altLang="ja-JP" sz="2400" dirty="0"/>
+          </a:p>
+          <a:p>
+            <a:pPr lvl="1"/>
+            <a:r>
+              <a:rPr kumimoji="1" lang="en-US" altLang="ja-JP" sz="2000" dirty="0"/>
+              <a:t>PV/C 3.29</a:t>
+            </a:r>
+            <a:r>
+              <a:rPr lang="ja-JP" altLang="en-US" sz="2000" dirty="0"/>
+              <a:t>はリーグ平均と比較しても群を抜くパフォーマンスの高さ。投球比率は</a:t>
+            </a:r>
+            <a:r>
+              <a:rPr lang="en-US" altLang="ja-JP" sz="2000" dirty="0"/>
+              <a:t>20%</a:t>
+            </a:r>
+            <a:r>
+              <a:rPr lang="ja-JP" altLang="en-US" sz="2000" dirty="0"/>
+              <a:t>に満たないながら、</a:t>
+            </a:r>
+            <a:r>
+              <a:rPr lang="en-US" altLang="ja-JP" sz="2000" dirty="0"/>
+              <a:t>PV12.2</a:t>
+            </a:r>
+            <a:r>
+              <a:rPr lang="ja-JP" altLang="en-US" sz="2000" dirty="0"/>
+              <a:t>は彼の持ち球の中でもトップの数字である</a:t>
+            </a:r>
+            <a:endParaRPr lang="en-US" altLang="ja-JP" sz="2000" dirty="0"/>
+          </a:p>
+          <a:p>
+            <a:pPr lvl="1"/>
+            <a:r>
+              <a:rPr lang="en-US" altLang="ja-JP" sz="2000" dirty="0"/>
+              <a:t>wOBA.119</a:t>
+            </a:r>
+            <a:r>
+              <a:rPr lang="ja-JP" altLang="en-US" sz="2000" dirty="0"/>
+              <a:t>は圧巻。</a:t>
+            </a:r>
+            <a:r>
+              <a:rPr lang="en-US" altLang="ja-JP" sz="2000" dirty="0" err="1"/>
+              <a:t>xwOBA</a:t>
+            </a:r>
+            <a:r>
+              <a:rPr lang="ja-JP" altLang="en-US" sz="2000" dirty="0"/>
+              <a:t>と大きな乖離もなし</a:t>
+            </a:r>
+            <a:endParaRPr lang="en-US" altLang="ja-JP" sz="2000" dirty="0"/>
+          </a:p>
+          <a:p>
+            <a:pPr lvl="1"/>
+            <a:r>
+              <a:rPr lang="en-US" altLang="ja-JP" sz="2000" dirty="0"/>
+              <a:t>SwStr%18.6</a:t>
+            </a:r>
+            <a:r>
+              <a:rPr lang="ja-JP" altLang="en-US" sz="2000" dirty="0"/>
+              <a:t>と圧倒的な奪空振り能力を誇る。ゾーンへの投球率が低い一方で、打球を発生させないという観点では間違いなくトップクラスのボール。</a:t>
+            </a:r>
+            <a:endParaRPr lang="en-US" altLang="ja-JP" sz="2000" dirty="0"/>
+          </a:p>
+          <a:p>
+            <a:pPr lvl="1"/>
+            <a:r>
+              <a:rPr kumimoji="1" lang="ja-JP" altLang="en-US" sz="2000" dirty="0"/>
+              <a:t>縦変化量で表される落ち幅、球速帯はリーグ平均とほぼ同程度だが、フォーシームのシュート成分が小さいことを差し引いてもシュート成分が小さい：打者視点では縦に消えるボールに見える</a:t>
+            </a:r>
+            <a:endParaRPr kumimoji="1" lang="en-US" altLang="ja-JP" sz="2000" dirty="0"/>
+          </a:p>
+          <a:p>
+            <a:pPr lvl="1"/>
+            <a:r>
+              <a:rPr lang="en-US" altLang="ja-JP" sz="2000" dirty="0"/>
+              <a:t>MLB</a:t>
+            </a:r>
+            <a:r>
+              <a:rPr lang="ja-JP" altLang="en-US" sz="2000" dirty="0"/>
+              <a:t>全体におけるスプリットの投球率はわずか</a:t>
+            </a:r>
+            <a:r>
+              <a:rPr lang="en-US" altLang="ja-JP" sz="2000" dirty="0"/>
+              <a:t>1.5%</a:t>
+            </a:r>
+            <a:r>
+              <a:rPr lang="ja-JP" altLang="en-US" sz="2000" dirty="0"/>
+              <a:t>で、ナックルを除けば最も低い比率。同系統のオフスピードボールであるチェンジアップとも異なる球質であるため、希少価値が高い</a:t>
+            </a:r>
+            <a:endParaRPr lang="en-US" altLang="ja-JP" sz="2000" dirty="0"/>
+          </a:p>
+        </p:txBody>
+      </p:sp>
+    </p:spTree>
+    <p:extLst>
+      <p:ext uri="{BB962C8B-B14F-4D97-AF65-F5344CB8AC3E}">
+        <p14:creationId xmlns:p14="http://schemas.microsoft.com/office/powerpoint/2010/main" val="2846674224"/>
+      </p:ext>
+    </p:extLst>
+  </p:cSld>
+  <p:clrMapOvr>
+    <a:masterClrMapping/>
+  </p:clrMapOvr>
+</p:sld>
+</file>
+
+<file path=ppt/slides/slide19.xml><?xml version="1.0" encoding="utf-8"?>
+<p:sld xmlns:a="http://schemas.openxmlformats.org/drawingml/2006/main" xmlns:r="http://schemas.openxmlformats.org/officeDocument/2006/relationships" xmlns:p="http://schemas.openxmlformats.org/presentationml/2006/main">
+  <p:cSld>
+    <p:spTree>
+      <p:nvGrpSpPr>
+        <p:cNvPr id="1" name=""/>
+        <p:cNvGrpSpPr/>
+        <p:nvPr/>
+      </p:nvGrpSpPr>
+      <p:grpSpPr>
+        <a:xfrm>
+          <a:off x="0" y="0"/>
+          <a:ext cx="0" cy="0"/>
+          <a:chOff x="0" y="0"/>
+          <a:chExt cx="0" cy="0"/>
+        </a:xfrm>
+      </p:grpSpPr>
+      <p:sp>
+        <p:nvSpPr>
+          <p:cNvPr id="2" name="タイトル 1"/>
+          <p:cNvSpPr>
+            <a:spLocks noGrp="1"/>
+          </p:cNvSpPr>
+          <p:nvPr>
+            <p:ph type="title"/>
+          </p:nvPr>
+        </p:nvSpPr>
+        <p:spPr/>
+        <p:txBody>
+          <a:bodyPr/>
+          <a:lstStyle/>
+          <a:p>
+            <a:r>
+              <a:rPr kumimoji="1" lang="ja-JP" altLang="en-US" dirty="0"/>
+              <a:t>ブレイクチャート</a:t>
+            </a:r>
+          </a:p>
+        </p:txBody>
+      </p:sp>
+      <p:pic>
+        <p:nvPicPr>
+          <p:cNvPr id="4" name="図 3"/>
+          <p:cNvPicPr>
+            <a:picLocks noChangeAspect="1"/>
+          </p:cNvPicPr>
+          <p:nvPr/>
+        </p:nvPicPr>
+        <p:blipFill>
+          <a:blip r:embed="rId2" cstate="print">
+            <a:extLst>
+              <a:ext uri="{28A0092B-C50C-407E-A947-70E740481C1C}">
+                <a14:useLocalDpi xmlns:a14="http://schemas.microsoft.com/office/drawing/2010/main" val="0"/>
+              </a:ext>
+            </a:extLst>
+          </a:blip>
+          <a:stretch>
+            <a:fillRect/>
+          </a:stretch>
+        </p:blipFill>
+        <p:spPr>
+          <a:xfrm>
+            <a:off x="6178290" y="1627627"/>
+            <a:ext cx="5486411" cy="3657607"/>
+          </a:xfrm>
+          <a:prstGeom prst="rect">
+            <a:avLst/>
+          </a:prstGeom>
+        </p:spPr>
+      </p:pic>
+      <p:pic>
+        <p:nvPicPr>
+          <p:cNvPr id="5" name="図 4"/>
+          <p:cNvPicPr>
+            <a:picLocks noChangeAspect="1"/>
+          </p:cNvPicPr>
+          <p:nvPr/>
+        </p:nvPicPr>
+        <p:blipFill>
+          <a:blip r:embed="rId3" cstate="print">
+            <a:extLst>
+              <a:ext uri="{28A0092B-C50C-407E-A947-70E740481C1C}">
+                <a14:useLocalDpi xmlns:a14="http://schemas.microsoft.com/office/drawing/2010/main" val="0"/>
+              </a:ext>
+            </a:extLst>
+          </a:blip>
+          <a:stretch>
+            <a:fillRect/>
+          </a:stretch>
+        </p:blipFill>
+        <p:spPr>
+          <a:xfrm>
+            <a:off x="362706" y="1627628"/>
+            <a:ext cx="5486411" cy="3657607"/>
+          </a:xfrm>
+          <a:prstGeom prst="rect">
+            <a:avLst/>
+          </a:prstGeom>
+        </p:spPr>
+      </p:pic>
+      <p:sp>
+        <p:nvSpPr>
+          <p:cNvPr id="6" name="テキスト ボックス 5"/>
+          <p:cNvSpPr txBox="1"/>
+          <p:nvPr/>
+        </p:nvSpPr>
+        <p:spPr>
+          <a:xfrm>
+            <a:off x="777240" y="5541264"/>
+            <a:ext cx="9272016" cy="646331"/>
+          </a:xfrm>
+          <a:prstGeom prst="rect">
+            <a:avLst/>
+          </a:prstGeom>
+          <a:noFill/>
+        </p:spPr>
+        <p:txBody>
+          <a:bodyPr wrap="square" rtlCol="0">
+            <a:spAutoFit/>
+          </a:bodyPr>
+          <a:lstStyle/>
+          <a:p>
+            <a:pPr marL="285750" indent="-285750">
+              <a:buFont typeface="Arial" panose="020B0604020202020204" pitchFamily="34" charset="0"/>
+              <a:buChar char="•"/>
+            </a:pPr>
+            <a:r>
+              <a:rPr lang="ja-JP" altLang="en-US" dirty="0"/>
+              <a:t>スプリット、カッター、スライダーがほぼ横一直線に並ぶ球種構成</a:t>
+            </a:r>
+            <a:endParaRPr lang="en-US" altLang="ja-JP" dirty="0"/>
+          </a:p>
+          <a:p>
+            <a:pPr marL="285750" indent="-285750">
+              <a:buFont typeface="Arial" panose="020B0604020202020204" pitchFamily="34" charset="0"/>
+              <a:buChar char="•"/>
+            </a:pPr>
+            <a:r>
+              <a:rPr lang="ja-JP" altLang="en-US" dirty="0"/>
+              <a:t>フォーシームが横変化量ゼロ～ややスライド方向に振れる真</a:t>
+            </a:r>
+            <a:r>
+              <a:rPr lang="ja-JP" altLang="en-US" dirty="0" err="1"/>
+              <a:t>っ</a:t>
+            </a:r>
+            <a:r>
+              <a:rPr lang="ja-JP" altLang="en-US" dirty="0"/>
+              <a:t>スラ球質に</a:t>
+            </a:r>
+            <a:endParaRPr kumimoji="1" lang="ja-JP" altLang="en-US" dirty="0"/>
+          </a:p>
+        </p:txBody>
+      </p:sp>
+    </p:spTree>
+    <p:extLst>
+      <p:ext uri="{BB962C8B-B14F-4D97-AF65-F5344CB8AC3E}">
+        <p14:creationId xmlns:p14="http://schemas.microsoft.com/office/powerpoint/2010/main" val="2725020041"/>
+      </p:ext>
+    </p:extLst>
+  </p:cSld>
+  <p:clrMapOvr>
+    <a:masterClrMapping/>
+  </p:clrMapOvr>
+</p:sld>
+</file>
+
+<file path=ppt/slides/slide2.xml><?xml version="1.0" encoding="utf-8"?>
+<p:sld xmlns:a="http://schemas.openxmlformats.org/drawingml/2006/main" xmlns:r="http://schemas.openxmlformats.org/officeDocument/2006/relationships" xmlns:p="http://schemas.openxmlformats.org/presentationml/2006/main">
+  <p:cSld>
+    <p:spTree>
+      <p:nvGrpSpPr>
+        <p:cNvPr id="1" name=""/>
+        <p:cNvGrpSpPr/>
+        <p:nvPr/>
+      </p:nvGrpSpPr>
+      <p:grpSpPr>
+        <a:xfrm>
+          <a:off x="0" y="0"/>
+          <a:ext cx="0" cy="0"/>
+          <a:chOff x="0" y="0"/>
+          <a:chExt cx="0" cy="0"/>
+        </a:xfrm>
+      </p:grpSpPr>
+      <p:sp>
+        <p:nvSpPr>
+          <p:cNvPr id="2" name="タイトル 1">
+            <a:extLst>
+              <a:ext uri="{FF2B5EF4-FFF2-40B4-BE49-F238E27FC236}">
+                <a16:creationId xmlns:a16="http://schemas.microsoft.com/office/drawing/2014/main" id="{26D4EE9F-27F9-4257-BD55-2A1B77D0F462}"/>
+              </a:ext>
+            </a:extLst>
+          </p:cNvPr>
+          <p:cNvSpPr>
+            <a:spLocks noGrp="1"/>
+          </p:cNvSpPr>
+          <p:nvPr>
+            <p:ph type="title"/>
+          </p:nvPr>
+        </p:nvSpPr>
+        <p:spPr/>
+        <p:txBody>
+          <a:bodyPr/>
+          <a:lstStyle/>
+          <a:p>
+            <a:r>
+              <a:rPr kumimoji="1" lang="ja-JP" altLang="en-US" dirty="0"/>
+              <a:t>目次</a:t>
+            </a:r>
+          </a:p>
+        </p:txBody>
+      </p:sp>
+      <p:sp>
+        <p:nvSpPr>
+          <p:cNvPr id="3" name="コンテンツ プレースホルダー 2">
+            <a:extLst>
+              <a:ext uri="{FF2B5EF4-FFF2-40B4-BE49-F238E27FC236}">
+                <a16:creationId xmlns:a16="http://schemas.microsoft.com/office/drawing/2014/main" id="{9434018D-1514-4EB3-BEF2-0062C4A1B23F}"/>
+              </a:ext>
+            </a:extLst>
+          </p:cNvPr>
+          <p:cNvSpPr>
+            <a:spLocks noGrp="1"/>
+          </p:cNvSpPr>
+          <p:nvPr>
+            <p:ph idx="1"/>
+          </p:nvPr>
+        </p:nvSpPr>
+        <p:spPr/>
+        <p:txBody>
+          <a:bodyPr/>
+          <a:lstStyle/>
+          <a:p>
+            <a:r>
+              <a:rPr kumimoji="1" lang="en-US" altLang="ja-JP" sz="2800" dirty="0"/>
+              <a:t>2021</a:t>
+            </a:r>
+            <a:r>
+              <a:rPr kumimoji="1" lang="ja-JP" altLang="en-US" sz="2800" dirty="0"/>
+              <a:t>シーズン：活躍の要因を振り返る</a:t>
+            </a:r>
+            <a:endParaRPr kumimoji="1" lang="en-US" altLang="ja-JP" sz="2800" dirty="0"/>
+          </a:p>
+          <a:p>
+            <a:pPr lvl="1"/>
+            <a:r>
+              <a:rPr lang="ja-JP" altLang="en-US" sz="2400" dirty="0"/>
+              <a:t>打谷</a:t>
+            </a:r>
+            <a:endParaRPr lang="en-US" altLang="ja-JP" sz="2400" dirty="0"/>
+          </a:p>
+          <a:p>
+            <a:pPr lvl="1"/>
+            <a:r>
+              <a:rPr kumimoji="1" lang="ja-JP" altLang="en-US" sz="2400" dirty="0"/>
+              <a:t>投谷</a:t>
+            </a:r>
+            <a:endParaRPr kumimoji="1" lang="en-US" altLang="ja-JP" sz="2400" dirty="0"/>
+          </a:p>
+          <a:p>
+            <a:r>
+              <a:rPr kumimoji="1" lang="ja-JP" altLang="en-US" sz="2800" dirty="0"/>
+              <a:t>問題設定</a:t>
+            </a:r>
+            <a:endParaRPr kumimoji="1" lang="en-US" altLang="ja-JP" sz="2800" dirty="0"/>
+          </a:p>
+          <a:p>
+            <a:pPr lvl="1"/>
+            <a:r>
+              <a:rPr kumimoji="1" lang="ja-JP" altLang="en-US" sz="2400" dirty="0"/>
+              <a:t>打谷：シーズン終盤の成績下降の要因は？</a:t>
+            </a:r>
+            <a:endParaRPr kumimoji="1" lang="en-US" altLang="ja-JP" sz="2400" dirty="0"/>
+          </a:p>
+          <a:p>
+            <a:pPr lvl="1"/>
+            <a:r>
+              <a:rPr lang="ja-JP" altLang="en-US" sz="2400" dirty="0"/>
+              <a:t>投谷：投球構成の時系列的な変化</a:t>
+            </a:r>
+            <a:endParaRPr lang="en-US" altLang="ja-JP" sz="2400" dirty="0"/>
+          </a:p>
+          <a:p>
+            <a:pPr lvl="1"/>
+            <a:r>
+              <a:rPr lang="ja-JP" altLang="en-US" sz="2400" dirty="0"/>
+              <a:t>二刀谷：二刀流の効果考察</a:t>
+            </a:r>
+            <a:endParaRPr lang="en-US" altLang="ja-JP" sz="2400" dirty="0"/>
+          </a:p>
+          <a:p>
+            <a:pPr lvl="1"/>
+            <a:r>
+              <a:rPr lang="ja-JP" altLang="en-US" sz="2400" dirty="0"/>
+              <a:t>おまけ：「大谷ストライク」は存在したか？</a:t>
+            </a:r>
+            <a:endParaRPr lang="en-US" altLang="ja-JP" sz="2400" dirty="0"/>
+          </a:p>
+        </p:txBody>
+      </p:sp>
+    </p:spTree>
+    <p:extLst>
+      <p:ext uri="{BB962C8B-B14F-4D97-AF65-F5344CB8AC3E}">
+        <p14:creationId xmlns:p14="http://schemas.microsoft.com/office/powerpoint/2010/main" val="2459552144"/>
+      </p:ext>
+    </p:extLst>
+  </p:cSld>
+  <p:clrMapOvr>
+    <a:masterClrMapping/>
+  </p:clrMapOvr>
+</p:sld>
+</file>
+
+<file path=ppt/slides/slide20.xml><?xml version="1.0" encoding="utf-8"?>
+<p:sld xmlns:a="http://schemas.openxmlformats.org/drawingml/2006/main" xmlns:r="http://schemas.openxmlformats.org/officeDocument/2006/relationships" xmlns:p="http://schemas.openxmlformats.org/presentationml/2006/main">
+  <p:cSld>
+    <p:spTree>
+      <p:nvGrpSpPr>
+        <p:cNvPr id="1" name=""/>
+        <p:cNvGrpSpPr/>
+        <p:nvPr/>
+      </p:nvGrpSpPr>
+      <p:grpSpPr>
+        <a:xfrm>
+          <a:off x="0" y="0"/>
+          <a:ext cx="0" cy="0"/>
+          <a:chOff x="0" y="0"/>
+          <a:chExt cx="0" cy="0"/>
+        </a:xfrm>
+      </p:grpSpPr>
+      <p:sp>
+        <p:nvSpPr>
+          <p:cNvPr id="2" name="タイトル 1"/>
+          <p:cNvSpPr>
+            <a:spLocks noGrp="1"/>
+          </p:cNvSpPr>
+          <p:nvPr>
+            <p:ph type="title"/>
+          </p:nvPr>
+        </p:nvSpPr>
+        <p:spPr/>
+        <p:txBody>
+          <a:bodyPr/>
+          <a:lstStyle/>
+          <a:p>
+            <a:r>
+              <a:rPr kumimoji="1" lang="ja-JP" altLang="en-US" dirty="0"/>
+              <a:t>奥行き分析</a:t>
+            </a:r>
+            <a:r>
+              <a:rPr kumimoji="1" lang="en-US" altLang="ja-JP" dirty="0"/>
+              <a:t>(</a:t>
+            </a:r>
+            <a:r>
+              <a:rPr kumimoji="1" lang="ja-JP" altLang="en-US" dirty="0"/>
+              <a:t>球速・縦変化</a:t>
+            </a:r>
+            <a:r>
+              <a:rPr kumimoji="1" lang="en-US" altLang="ja-JP" dirty="0"/>
+              <a:t>)</a:t>
+            </a:r>
+            <a:endParaRPr kumimoji="1" lang="ja-JP" altLang="en-US" dirty="0"/>
+          </a:p>
+        </p:txBody>
+      </p:sp>
+      <p:pic>
+        <p:nvPicPr>
+          <p:cNvPr id="4" name="コンテンツ プレースホルダー 3"/>
+          <p:cNvPicPr>
+            <a:picLocks noGrp="1" noChangeAspect="1"/>
+          </p:cNvPicPr>
+          <p:nvPr>
+            <p:ph idx="1"/>
+          </p:nvPr>
+        </p:nvPicPr>
+        <p:blipFill>
+          <a:blip r:embed="rId2" cstate="print">
+            <a:extLst>
+              <a:ext uri="{28A0092B-C50C-407E-A947-70E740481C1C}">
+                <a14:useLocalDpi xmlns:a14="http://schemas.microsoft.com/office/drawing/2010/main" val="0"/>
+              </a:ext>
+            </a:extLst>
+          </a:blip>
+          <a:stretch>
+            <a:fillRect/>
+          </a:stretch>
+        </p:blipFill>
+        <p:spPr>
+          <a:xfrm>
+            <a:off x="6370314" y="1938524"/>
+            <a:ext cx="5486411" cy="3657607"/>
+          </a:xfrm>
+        </p:spPr>
+      </p:pic>
+      <p:pic>
+        <p:nvPicPr>
+          <p:cNvPr id="5" name="図 4"/>
+          <p:cNvPicPr>
+            <a:picLocks noChangeAspect="1"/>
+          </p:cNvPicPr>
+          <p:nvPr/>
+        </p:nvPicPr>
+        <p:blipFill>
+          <a:blip r:embed="rId3" cstate="print">
+            <a:extLst>
+              <a:ext uri="{28A0092B-C50C-407E-A947-70E740481C1C}">
+                <a14:useLocalDpi xmlns:a14="http://schemas.microsoft.com/office/drawing/2010/main" val="0"/>
+              </a:ext>
+            </a:extLst>
+          </a:blip>
+          <a:stretch>
+            <a:fillRect/>
+          </a:stretch>
+        </p:blipFill>
+        <p:spPr>
+          <a:xfrm>
+            <a:off x="609600" y="1938524"/>
+            <a:ext cx="5486411" cy="3657607"/>
+          </a:xfrm>
+          <a:prstGeom prst="rect">
+            <a:avLst/>
+          </a:prstGeom>
+        </p:spPr>
+      </p:pic>
+    </p:spTree>
+    <p:extLst>
+      <p:ext uri="{BB962C8B-B14F-4D97-AF65-F5344CB8AC3E}">
+        <p14:creationId xmlns:p14="http://schemas.microsoft.com/office/powerpoint/2010/main" val="1814205469"/>
+      </p:ext>
+    </p:extLst>
+  </p:cSld>
+  <p:clrMapOvr>
+    <a:masterClrMapping/>
+  </p:clrMapOvr>
+</p:sld>
+</file>
+
+<file path=ppt/slides/slide21.xml><?xml version="1.0" encoding="utf-8"?>
+<p:sld xmlns:a="http://schemas.openxmlformats.org/drawingml/2006/main" xmlns:r="http://schemas.openxmlformats.org/officeDocument/2006/relationships" xmlns:p="http://schemas.openxmlformats.org/presentationml/2006/main">
+  <p:cSld>
+    <p:spTree>
+      <p:nvGrpSpPr>
+        <p:cNvPr id="1" name=""/>
+        <p:cNvGrpSpPr/>
+        <p:nvPr/>
+      </p:nvGrpSpPr>
+      <p:grpSpPr>
+        <a:xfrm>
+          <a:off x="0" y="0"/>
+          <a:ext cx="0" cy="0"/>
+          <a:chOff x="0" y="0"/>
+          <a:chExt cx="0" cy="0"/>
+        </a:xfrm>
+      </p:grpSpPr>
+      <p:sp>
+        <p:nvSpPr>
+          <p:cNvPr id="2" name="タイトル 1"/>
+          <p:cNvSpPr>
+            <a:spLocks noGrp="1"/>
+          </p:cNvSpPr>
+          <p:nvPr>
+            <p:ph type="title"/>
+          </p:nvPr>
+        </p:nvSpPr>
+        <p:spPr/>
+        <p:txBody>
+          <a:bodyPr/>
+          <a:lstStyle/>
+          <a:p>
+            <a:endParaRPr kumimoji="1" lang="ja-JP" altLang="en-US" dirty="0"/>
+          </a:p>
+        </p:txBody>
+      </p:sp>
+      <p:pic>
+        <p:nvPicPr>
+          <p:cNvPr id="4" name="コンテンツ プレースホルダー 3"/>
+          <p:cNvPicPr>
+            <a:picLocks noGrp="1" noChangeAspect="1"/>
+          </p:cNvPicPr>
+          <p:nvPr>
+            <p:ph idx="1"/>
+          </p:nvPr>
+        </p:nvPicPr>
+        <p:blipFill>
+          <a:blip r:embed="rId2" cstate="print">
+            <a:extLst>
+              <a:ext uri="{28A0092B-C50C-407E-A947-70E740481C1C}">
+                <a14:useLocalDpi xmlns:a14="http://schemas.microsoft.com/office/drawing/2010/main" val="0"/>
+              </a:ext>
+            </a:extLst>
+          </a:blip>
+          <a:stretch>
+            <a:fillRect/>
+          </a:stretch>
+        </p:blipFill>
+        <p:spPr>
+          <a:xfrm>
+            <a:off x="609600" y="2336130"/>
+            <a:ext cx="5486411" cy="3657607"/>
+          </a:xfrm>
+        </p:spPr>
+      </p:pic>
+      <p:sp>
+        <p:nvSpPr>
+          <p:cNvPr id="3" name="テキスト ボックス 2"/>
+          <p:cNvSpPr txBox="1"/>
+          <p:nvPr/>
+        </p:nvSpPr>
+        <p:spPr>
+          <a:xfrm>
+            <a:off x="6327648" y="2340864"/>
+            <a:ext cx="5440680" cy="2677656"/>
+          </a:xfrm>
+          <a:prstGeom prst="rect">
+            <a:avLst/>
+          </a:prstGeom>
+          <a:noFill/>
+        </p:spPr>
+        <p:txBody>
+          <a:bodyPr wrap="square" rtlCol="0">
+            <a:spAutoFit/>
+          </a:bodyPr>
+          <a:lstStyle/>
+          <a:p>
+            <a:pPr marL="285750" indent="-285750">
+              <a:buFont typeface="Arial" panose="020B0604020202020204" pitchFamily="34" charset="0"/>
+              <a:buChar char="•"/>
+            </a:pPr>
+            <a:r>
+              <a:rPr kumimoji="1" lang="en-US" altLang="ja-JP" sz="2400" dirty="0"/>
+              <a:t>(</a:t>
+            </a:r>
+            <a:r>
+              <a:rPr kumimoji="1" lang="ja-JP" altLang="en-US" sz="2400" dirty="0"/>
+              <a:t>参考</a:t>
+            </a:r>
+            <a:r>
+              <a:rPr kumimoji="1" lang="en-US" altLang="ja-JP" sz="2400" dirty="0"/>
+              <a:t>)</a:t>
+            </a:r>
+          </a:p>
+          <a:p>
+            <a:pPr marL="742950" lvl="1" indent="-285750">
+              <a:buFont typeface="Arial" panose="020B0604020202020204" pitchFamily="34" charset="0"/>
+              <a:buChar char="•"/>
+            </a:pPr>
+            <a:r>
+              <a:rPr lang="ja-JP" altLang="en-US" sz="2400" dirty="0"/>
+              <a:t>フォーシームの真</a:t>
+            </a:r>
+            <a:r>
+              <a:rPr lang="ja-JP" altLang="en-US" sz="2400" dirty="0" err="1"/>
+              <a:t>っ</a:t>
+            </a:r>
+            <a:r>
+              <a:rPr lang="ja-JP" altLang="en-US" sz="2400" dirty="0"/>
+              <a:t>スラ球質への変化は</a:t>
+            </a:r>
+            <a:r>
+              <a:rPr lang="en-US" altLang="ja-JP" sz="2400" dirty="0"/>
+              <a:t>2020</a:t>
+            </a:r>
+            <a:r>
+              <a:rPr lang="ja-JP" altLang="en-US" sz="2400" dirty="0"/>
+              <a:t>年段階で見え始めている</a:t>
+            </a:r>
+            <a:endParaRPr lang="en-US" altLang="ja-JP" sz="2400" dirty="0"/>
+          </a:p>
+          <a:p>
+            <a:pPr marL="742950" lvl="1" indent="-285750">
+              <a:buFont typeface="Arial" panose="020B0604020202020204" pitchFamily="34" charset="0"/>
+              <a:buChar char="•"/>
+            </a:pPr>
+            <a:r>
+              <a:rPr kumimoji="1" lang="ja-JP" altLang="en-US" sz="2400" dirty="0"/>
+              <a:t>スライダーの変化量が不安定、曲がり切らずに高いホップ成分を記録する投球も</a:t>
+            </a:r>
+          </a:p>
+        </p:txBody>
+      </p:sp>
+    </p:spTree>
+    <p:extLst>
+      <p:ext uri="{BB962C8B-B14F-4D97-AF65-F5344CB8AC3E}">
+        <p14:creationId xmlns:p14="http://schemas.microsoft.com/office/powerpoint/2010/main" val="1474608521"/>
+      </p:ext>
+    </p:extLst>
+  </p:cSld>
+  <p:clrMapOvr>
+    <a:masterClrMapping/>
+  </p:clrMapOvr>
+</p:sld>
+</file>
+
+<file path=ppt/slides/slide22.xml><?xml version="1.0" encoding="utf-8"?>
+<p:sld xmlns:a="http://schemas.openxmlformats.org/drawingml/2006/main" xmlns:r="http://schemas.openxmlformats.org/officeDocument/2006/relationships" xmlns:p="http://schemas.openxmlformats.org/presentationml/2006/main">
+  <p:cSld>
+    <p:spTree>
+      <p:nvGrpSpPr>
+        <p:cNvPr id="1" name=""/>
+        <p:cNvGrpSpPr/>
+        <p:nvPr/>
+      </p:nvGrpSpPr>
+      <p:grpSpPr>
+        <a:xfrm>
+          <a:off x="0" y="0"/>
+          <a:ext cx="0" cy="0"/>
+          <a:chOff x="0" y="0"/>
+          <a:chExt cx="0" cy="0"/>
+        </a:xfrm>
+      </p:grpSpPr>
+      <p:sp>
+        <p:nvSpPr>
+          <p:cNvPr id="2" name="タイトル 1"/>
+          <p:cNvSpPr>
+            <a:spLocks noGrp="1"/>
+          </p:cNvSpPr>
+          <p:nvPr>
+            <p:ph type="title"/>
+          </p:nvPr>
+        </p:nvSpPr>
+        <p:spPr/>
+        <p:txBody>
+          <a:bodyPr/>
+          <a:lstStyle/>
+          <a:p>
+            <a:r>
+              <a:rPr kumimoji="1" lang="en-US" altLang="ja-JP" dirty="0"/>
+              <a:t>2021: </a:t>
+            </a:r>
+            <a:r>
+              <a:rPr lang="ja-JP" altLang="en-US" dirty="0"/>
+              <a:t>投球</a:t>
+            </a:r>
+            <a:r>
+              <a:rPr kumimoji="1" lang="ja-JP" altLang="en-US" dirty="0"/>
+              <a:t>構成</a:t>
+            </a:r>
+          </a:p>
+        </p:txBody>
+      </p:sp>
+      <p:pic>
+        <p:nvPicPr>
+          <p:cNvPr id="4" name="コンテンツ プレースホルダー 3"/>
+          <p:cNvPicPr>
+            <a:picLocks noGrp="1" noChangeAspect="1"/>
+          </p:cNvPicPr>
+          <p:nvPr>
+            <p:ph idx="1"/>
+          </p:nvPr>
+        </p:nvPicPr>
+        <p:blipFill>
+          <a:blip r:embed="rId2" cstate="print">
+            <a:extLst>
+              <a:ext uri="{28A0092B-C50C-407E-A947-70E740481C1C}">
+                <a14:useLocalDpi xmlns:a14="http://schemas.microsoft.com/office/drawing/2010/main" val="0"/>
+              </a:ext>
+            </a:extLst>
+          </a:blip>
+          <a:stretch>
+            <a:fillRect/>
+          </a:stretch>
+        </p:blipFill>
+        <p:spPr>
+          <a:xfrm>
+            <a:off x="3694936" y="1847088"/>
+            <a:ext cx="8497064" cy="4855464"/>
+          </a:xfrm>
+        </p:spPr>
+      </p:pic>
+      <p:sp>
+        <p:nvSpPr>
+          <p:cNvPr id="6" name="テキスト ボックス 5"/>
+          <p:cNvSpPr txBox="1"/>
+          <p:nvPr/>
+        </p:nvSpPr>
+        <p:spPr>
+          <a:xfrm>
+            <a:off x="265176" y="2130552"/>
+            <a:ext cx="3520440" cy="3046988"/>
+          </a:xfrm>
+          <a:prstGeom prst="rect">
+            <a:avLst/>
+          </a:prstGeom>
+          <a:noFill/>
+        </p:spPr>
+        <p:txBody>
+          <a:bodyPr wrap="square" rtlCol="0">
+            <a:spAutoFit/>
+          </a:bodyPr>
+          <a:lstStyle/>
+          <a:p>
+            <a:pPr marL="285750" indent="-285750">
+              <a:buFont typeface="Arial" panose="020B0604020202020204" pitchFamily="34" charset="0"/>
+              <a:buChar char="•"/>
+            </a:pPr>
+            <a:r>
+              <a:rPr lang="en-US" altLang="ja-JP" sz="2400" dirty="0"/>
+              <a:t>7</a:t>
+            </a:r>
+            <a:r>
+              <a:rPr lang="ja-JP" altLang="en-US" sz="2400" dirty="0"/>
+              <a:t>月からフォーシームの投球比率が大きく低下</a:t>
+            </a:r>
+            <a:endParaRPr lang="en-US" altLang="ja-JP" sz="2400" dirty="0"/>
+          </a:p>
+          <a:p>
+            <a:pPr marL="285750" indent="-285750">
+              <a:buFont typeface="Arial" panose="020B0604020202020204" pitchFamily="34" charset="0"/>
+              <a:buChar char="•"/>
+            </a:pPr>
+            <a:r>
+              <a:rPr kumimoji="1" lang="en-US" altLang="ja-JP" sz="2400" dirty="0"/>
+              <a:t>7, 8</a:t>
+            </a:r>
+            <a:r>
+              <a:rPr kumimoji="1" lang="ja-JP" altLang="en-US" sz="2400" dirty="0"/>
+              <a:t>月にカッターの使用比率が上昇、</a:t>
+            </a:r>
+            <a:r>
+              <a:rPr kumimoji="1" lang="en-US" altLang="ja-JP" sz="2400" dirty="0"/>
+              <a:t>9</a:t>
+            </a:r>
+            <a:r>
+              <a:rPr kumimoji="1" lang="ja-JP" altLang="en-US" sz="2400" dirty="0"/>
+              <a:t>月はスプリット・スライダーとフォーシームの</a:t>
+            </a:r>
+            <a:r>
+              <a:rPr kumimoji="1" lang="en-US" altLang="ja-JP" sz="2400" dirty="0"/>
+              <a:t>3</a:t>
+            </a:r>
+            <a:r>
+              <a:rPr kumimoji="1" lang="ja-JP" altLang="en-US" sz="2400" dirty="0"/>
+              <a:t>球種がほぼ同程度の割合で投じられている</a:t>
+            </a:r>
+          </a:p>
+        </p:txBody>
+      </p:sp>
+    </p:spTree>
+    <p:extLst>
+      <p:ext uri="{BB962C8B-B14F-4D97-AF65-F5344CB8AC3E}">
+        <p14:creationId xmlns:p14="http://schemas.microsoft.com/office/powerpoint/2010/main" val="2837962793"/>
+      </p:ext>
+    </p:extLst>
+  </p:cSld>
+  <p:clrMapOvr>
+    <a:masterClrMapping/>
+  </p:clrMapOvr>
+</p:sld>
+</file>
+
+<file path=ppt/slides/slide23.xml><?xml version="1.0" encoding="utf-8"?>
+<p:sld xmlns:a="http://schemas.openxmlformats.org/drawingml/2006/main" xmlns:r="http://schemas.openxmlformats.org/officeDocument/2006/relationships" xmlns:p="http://schemas.openxmlformats.org/presentationml/2006/main">
+  <p:cSld>
+    <p:spTree>
+      <p:nvGrpSpPr>
+        <p:cNvPr id="1" name=""/>
+        <p:cNvGrpSpPr/>
+        <p:nvPr/>
+      </p:nvGrpSpPr>
+      <p:grpSpPr>
+        <a:xfrm>
+          <a:off x="0" y="0"/>
+          <a:ext cx="0" cy="0"/>
+          <a:chOff x="0" y="0"/>
+          <a:chExt cx="0" cy="0"/>
+        </a:xfrm>
+      </p:grpSpPr>
+      <p:sp>
+        <p:nvSpPr>
+          <p:cNvPr id="2" name="タイトル 1"/>
+          <p:cNvSpPr>
+            <a:spLocks noGrp="1"/>
+          </p:cNvSpPr>
+          <p:nvPr>
+            <p:ph type="title"/>
+          </p:nvPr>
+        </p:nvSpPr>
+        <p:spPr/>
+        <p:txBody>
+          <a:bodyPr/>
+          <a:lstStyle/>
+          <a:p>
+            <a:r>
+              <a:rPr kumimoji="1" lang="ja-JP" altLang="en-US" dirty="0"/>
+              <a:t>ストライクゾーン</a:t>
+            </a:r>
+          </a:p>
+        </p:txBody>
+      </p:sp>
+      <p:sp>
+        <p:nvSpPr>
+          <p:cNvPr id="3" name="コンテンツ プレースホルダー 2"/>
+          <p:cNvSpPr>
+            <a:spLocks noGrp="1"/>
+          </p:cNvSpPr>
+          <p:nvPr>
+            <p:ph idx="1"/>
+          </p:nvPr>
+        </p:nvSpPr>
+        <p:spPr/>
+        <p:txBody>
+          <a:bodyPr/>
+          <a:lstStyle/>
+          <a:p>
+            <a:endParaRPr kumimoji="1" lang="ja-JP" altLang="en-US"/>
+          </a:p>
+        </p:txBody>
+      </p:sp>
+    </p:spTree>
+    <p:extLst>
+      <p:ext uri="{BB962C8B-B14F-4D97-AF65-F5344CB8AC3E}">
+        <p14:creationId xmlns:p14="http://schemas.microsoft.com/office/powerpoint/2010/main" val="2882029826"/>
+      </p:ext>
+    </p:extLst>
+  </p:cSld>
+  <p:clrMapOvr>
+    <a:masterClrMapping/>
+  </p:clrMapOvr>
+</p:sld>
+</file>
+
+<file path=ppt/slides/slide24.xml><?xml version="1.0" encoding="utf-8"?>
+<p:sld xmlns:a="http://schemas.openxmlformats.org/drawingml/2006/main" xmlns:r="http://schemas.openxmlformats.org/officeDocument/2006/relationships" xmlns:p="http://schemas.openxmlformats.org/presentationml/2006/main">
+  <p:cSld>
+    <p:spTree>
+      <p:nvGrpSpPr>
+        <p:cNvPr id="1" name=""/>
+        <p:cNvGrpSpPr/>
+        <p:nvPr/>
+      </p:nvGrpSpPr>
+      <p:grpSpPr>
+        <a:xfrm>
+          <a:off x="0" y="0"/>
+          <a:ext cx="0" cy="0"/>
+          <a:chOff x="0" y="0"/>
+          <a:chExt cx="0" cy="0"/>
+        </a:xfrm>
+      </p:grpSpPr>
+      <p:sp>
+        <p:nvSpPr>
+          <p:cNvPr id="2" name="タイトル 1"/>
+          <p:cNvSpPr>
+            <a:spLocks noGrp="1"/>
+          </p:cNvSpPr>
+          <p:nvPr>
+            <p:ph type="title"/>
+          </p:nvPr>
+        </p:nvSpPr>
+        <p:spPr/>
+        <p:txBody>
+          <a:bodyPr/>
+          <a:lstStyle/>
+          <a:p>
+            <a:r>
+              <a:rPr lang="ja-JP" altLang="en-US" dirty="0"/>
+              <a:t>ストライク判定について</a:t>
+            </a:r>
+            <a:endParaRPr kumimoji="1" lang="ja-JP" altLang="en-US" dirty="0"/>
+          </a:p>
+        </p:txBody>
+      </p:sp>
+      <p:sp>
+        <p:nvSpPr>
+          <p:cNvPr id="3" name="コンテンツ プレースホルダー 2"/>
+          <p:cNvSpPr>
+            <a:spLocks noGrp="1"/>
+          </p:cNvSpPr>
+          <p:nvPr>
+            <p:ph idx="1"/>
+          </p:nvPr>
+        </p:nvSpPr>
+        <p:spPr>
+          <a:xfrm>
+            <a:off x="609600" y="1600201"/>
+            <a:ext cx="10972800" cy="4809743"/>
+          </a:xfrm>
+        </p:spPr>
+        <p:txBody>
+          <a:bodyPr/>
+          <a:lstStyle/>
+          <a:p>
+            <a:r>
+              <a:rPr lang="ja-JP" altLang="en-US" sz="2400" dirty="0"/>
+              <a:t>投打のピッチコールに偏りがあるか</a:t>
+            </a:r>
+            <a:endParaRPr lang="en-US" altLang="ja-JP" sz="2400" dirty="0"/>
+          </a:p>
+          <a:p>
+            <a:pPr lvl="1"/>
+            <a:r>
+              <a:rPr lang="ja-JP" altLang="en-US" sz="2000" dirty="0"/>
+              <a:t>ミスジャッジの割合</a:t>
+            </a:r>
+            <a:endParaRPr lang="en-US" altLang="ja-JP" sz="2000" dirty="0"/>
+          </a:p>
+          <a:p>
+            <a:pPr lvl="2"/>
+            <a:r>
+              <a:rPr lang="ja-JP" altLang="en-US" sz="2000" dirty="0"/>
+              <a:t>打者：</a:t>
+            </a:r>
+            <a:r>
+              <a:rPr lang="en-US" altLang="ja-JP" sz="2000" dirty="0"/>
+              <a:t>Type II error (</a:t>
+            </a:r>
+            <a:r>
+              <a:rPr lang="ja-JP" altLang="en-US" sz="2000" dirty="0"/>
+              <a:t>定義上ボールの投球をストライクと判定</a:t>
+            </a:r>
+            <a:r>
+              <a:rPr lang="en-US" altLang="ja-JP" sz="2000" dirty="0"/>
+              <a:t>)</a:t>
+            </a:r>
+          </a:p>
+          <a:p>
+            <a:pPr lvl="2"/>
+            <a:r>
+              <a:rPr lang="ja-JP" altLang="en-US" sz="2000" dirty="0"/>
+              <a:t>投手：</a:t>
+            </a:r>
+            <a:r>
+              <a:rPr lang="en-US" altLang="ja-JP" sz="2000" dirty="0"/>
+              <a:t>Type I error (</a:t>
+            </a:r>
+            <a:r>
+              <a:rPr lang="ja-JP" altLang="en-US" sz="2000" dirty="0"/>
+              <a:t>同じくストライクの投球をボールと判定</a:t>
+            </a:r>
+            <a:r>
+              <a:rPr lang="en-US" altLang="ja-JP" sz="2000" dirty="0"/>
+              <a:t>)</a:t>
+            </a:r>
+          </a:p>
+          <a:p>
+            <a:pPr lvl="1"/>
+            <a:r>
+              <a:rPr lang="ja-JP" altLang="en-US" sz="2000" dirty="0"/>
+              <a:t>平均的なストライクコール確率からの乖離</a:t>
+            </a:r>
+            <a:endParaRPr lang="en-US" altLang="ja-JP" sz="2000" dirty="0"/>
+          </a:p>
+          <a:p>
+            <a:pPr lvl="2"/>
+            <a:r>
+              <a:rPr lang="ja-JP" altLang="en-US" sz="2000" dirty="0"/>
+              <a:t>打者の左右・カウント別に、投球の通過位置を表す二次元の変数</a:t>
+            </a:r>
+            <a:r>
+              <a:rPr lang="en-US" altLang="ja-JP" sz="2000" dirty="0"/>
+              <a:t>(</a:t>
+            </a:r>
+            <a:r>
+              <a:rPr lang="en-US" altLang="ja-JP" sz="2000" dirty="0" err="1"/>
+              <a:t>plate_x</a:t>
+            </a:r>
+            <a:r>
+              <a:rPr lang="en-US" altLang="ja-JP" sz="2000" dirty="0"/>
+              <a:t>, </a:t>
+            </a:r>
+            <a:r>
+              <a:rPr lang="en-US" altLang="ja-JP" sz="2000" dirty="0" err="1"/>
+              <a:t>plate_z</a:t>
+            </a:r>
+            <a:r>
+              <a:rPr lang="en-US" altLang="ja-JP" sz="2000" dirty="0"/>
+              <a:t>)</a:t>
+            </a:r>
+            <a:r>
+              <a:rPr lang="ja-JP" altLang="en-US" sz="2000" dirty="0"/>
+              <a:t>からその投球の平均的なストライクコール確率を算出</a:t>
+            </a:r>
+            <a:r>
+              <a:rPr lang="en-US" altLang="ja-JP" sz="2000" dirty="0"/>
+              <a:t>(</a:t>
+            </a:r>
+            <a:r>
+              <a:rPr lang="ja-JP" altLang="en-US" sz="2000" dirty="0"/>
+              <a:t>一般化加法モデルを利用</a:t>
+            </a:r>
+            <a:r>
+              <a:rPr lang="en-US" altLang="ja-JP" sz="2000" dirty="0"/>
+              <a:t>)</a:t>
+            </a:r>
+          </a:p>
+          <a:p>
+            <a:pPr lvl="2"/>
+            <a:r>
+              <a:rPr lang="ja-JP" altLang="en-US" sz="2000" dirty="0"/>
+              <a:t>実際にコールされたストライクを</a:t>
+            </a:r>
+            <a:r>
+              <a:rPr lang="en-US" altLang="ja-JP" sz="2000" dirty="0"/>
+              <a:t>1, </a:t>
+            </a:r>
+            <a:r>
+              <a:rPr lang="ja-JP" altLang="en-US" sz="2000" dirty="0"/>
+              <a:t>ボールを</a:t>
+            </a:r>
+            <a:r>
+              <a:rPr lang="en-US" altLang="ja-JP" sz="2000" dirty="0"/>
+              <a:t>0</a:t>
+            </a:r>
+            <a:r>
+              <a:rPr lang="ja-JP" altLang="en-US" sz="2000" dirty="0"/>
+              <a:t>とするダミー変数を作成し、これと平均的なストライクコール確率との差を選手ごとに集計する</a:t>
+            </a:r>
+            <a:endParaRPr lang="en-US" altLang="ja-JP" sz="2000" dirty="0"/>
+          </a:p>
+          <a:p>
+            <a:pPr lvl="2"/>
+            <a:r>
+              <a:rPr lang="ja-JP" altLang="en-US" sz="2000" dirty="0"/>
+              <a:t>値がプラス：実際のコールが平均的なストライクコールの確率より高い</a:t>
+            </a:r>
+            <a:endParaRPr lang="en-US" altLang="ja-JP" sz="2000" dirty="0"/>
+          </a:p>
+          <a:p>
+            <a:pPr lvl="1"/>
+            <a:r>
+              <a:rPr lang="ja-JP" altLang="en-US" sz="2000" dirty="0"/>
+              <a:t>得点貢献：上記の手順で算出したストライクコール確率を用いて、投球を見送った時の得点期待値変動の平均を算出→実際に起こった得点確率の増減との差を取る</a:t>
+            </a:r>
+            <a:endParaRPr lang="en-US" altLang="ja-JP" sz="2000" dirty="0"/>
+          </a:p>
+        </p:txBody>
+      </p:sp>
+    </p:spTree>
+    <p:extLst>
+      <p:ext uri="{BB962C8B-B14F-4D97-AF65-F5344CB8AC3E}">
+        <p14:creationId xmlns:p14="http://schemas.microsoft.com/office/powerpoint/2010/main" val="3340939788"/>
+      </p:ext>
+    </p:extLst>
+  </p:cSld>
+  <p:clrMapOvr>
+    <a:masterClrMapping/>
+  </p:clrMapOvr>
+</p:sld>
+</file>
+
+<file path=ppt/slides/slide25.xml><?xml version="1.0" encoding="utf-8"?>
+<p:sld xmlns:a="http://schemas.openxmlformats.org/drawingml/2006/main" xmlns:r="http://schemas.openxmlformats.org/officeDocument/2006/relationships" xmlns:p="http://schemas.openxmlformats.org/presentationml/2006/main">
+  <p:cSld>
+    <p:spTree>
+      <p:nvGrpSpPr>
+        <p:cNvPr id="1" name=""/>
+        <p:cNvGrpSpPr/>
+        <p:nvPr/>
+      </p:nvGrpSpPr>
+      <p:grpSpPr>
+        <a:xfrm>
+          <a:off x="0" y="0"/>
+          <a:ext cx="0" cy="0"/>
+          <a:chOff x="0" y="0"/>
+          <a:chExt cx="0" cy="0"/>
+        </a:xfrm>
+      </p:grpSpPr>
+      <p:sp>
+        <p:nvSpPr>
+          <p:cNvPr id="2" name="タイトル 1"/>
+          <p:cNvSpPr>
+            <a:spLocks noGrp="1"/>
+          </p:cNvSpPr>
+          <p:nvPr>
+            <p:ph type="title"/>
+          </p:nvPr>
+        </p:nvSpPr>
+        <p:spPr/>
+        <p:txBody>
+          <a:bodyPr/>
+          <a:lstStyle/>
+          <a:p>
+            <a:r>
+              <a:rPr kumimoji="1" lang="ja-JP" altLang="en-US" dirty="0"/>
+              <a:t>結果</a:t>
+            </a:r>
+          </a:p>
+        </p:txBody>
+      </p:sp>
+      <p:sp>
+        <p:nvSpPr>
+          <p:cNvPr id="3" name="コンテンツ プレースホルダー 2"/>
+          <p:cNvSpPr>
+            <a:spLocks noGrp="1"/>
+          </p:cNvSpPr>
+          <p:nvPr>
+            <p:ph idx="1"/>
+          </p:nvPr>
+        </p:nvSpPr>
+        <p:spPr/>
+        <p:txBody>
+          <a:bodyPr/>
+          <a:lstStyle/>
+          <a:p>
+            <a:r>
+              <a:rPr lang="ja-JP" altLang="en-US" sz="2400" dirty="0"/>
+              <a:t>野手</a:t>
+            </a:r>
+            <a:endParaRPr lang="en-US" altLang="ja-JP" sz="2400" dirty="0"/>
+          </a:p>
+          <a:p>
+            <a:pPr lvl="1"/>
+            <a:r>
+              <a:rPr lang="ja-JP" altLang="en-US" sz="2000" dirty="0"/>
+              <a:t>打席に立った際の</a:t>
+            </a:r>
+            <a:r>
+              <a:rPr lang="en-US" altLang="ja-JP" sz="2000" dirty="0"/>
+              <a:t>Type II error: 79</a:t>
+            </a:r>
+            <a:r>
+              <a:rPr lang="ja-JP" altLang="en-US" sz="2000" dirty="0"/>
+              <a:t>球、</a:t>
+            </a:r>
+            <a:r>
+              <a:rPr lang="en-US" altLang="ja-JP" sz="2000" dirty="0"/>
+              <a:t>5.90%</a:t>
+            </a:r>
+            <a:r>
+              <a:rPr lang="ja-JP" altLang="en-US" sz="2000" dirty="0"/>
+              <a:t>は</a:t>
+            </a:r>
+            <a:r>
+              <a:rPr lang="en-US" altLang="ja-JP" sz="2000" dirty="0"/>
+              <a:t>500</a:t>
+            </a:r>
+            <a:r>
+              <a:rPr lang="ja-JP" altLang="en-US" sz="2000" dirty="0"/>
+              <a:t>球以上のピッチコールがあった打者の中で</a:t>
+            </a:r>
+            <a:r>
+              <a:rPr lang="en-US" altLang="ja-JP" sz="2000" dirty="0"/>
+              <a:t>178/298 </a:t>
+            </a:r>
+            <a:r>
+              <a:rPr lang="ja-JP" altLang="en-US" sz="2000" dirty="0"/>
+              <a:t>位</a:t>
+            </a:r>
+            <a:endParaRPr lang="en-US" altLang="ja-JP" sz="2000" dirty="0"/>
+          </a:p>
+          <a:p>
+            <a:pPr lvl="1"/>
+            <a:r>
+              <a:rPr lang="ja-JP" altLang="en-US" sz="2000" dirty="0"/>
+              <a:t>平均からの乖離の合計で測った、</a:t>
+            </a:r>
+            <a:r>
+              <a:rPr lang="en-US" altLang="ja-JP" sz="2000" dirty="0"/>
+              <a:t>2021</a:t>
+            </a:r>
+            <a:r>
+              <a:rPr lang="ja-JP" altLang="en-US" sz="2000" dirty="0"/>
+              <a:t>年シーズン中に失ったストライクは</a:t>
+            </a:r>
+            <a:r>
+              <a:rPr lang="en-US" altLang="ja-JP" sz="2000" dirty="0"/>
+              <a:t>2.52</a:t>
+            </a:r>
+            <a:r>
+              <a:rPr lang="ja-JP" altLang="en-US" sz="2000" dirty="0"/>
+              <a:t>個</a:t>
+            </a:r>
+            <a:r>
+              <a:rPr lang="en-US" altLang="ja-JP" sz="2000" dirty="0"/>
+              <a:t>(</a:t>
+            </a:r>
+            <a:r>
+              <a:rPr lang="ja-JP" altLang="en-US" sz="2000" dirty="0"/>
+              <a:t>同</a:t>
+            </a:r>
+            <a:r>
+              <a:rPr lang="en-US" altLang="ja-JP" sz="2000" dirty="0"/>
+              <a:t>114</a:t>
+            </a:r>
+            <a:r>
+              <a:rPr lang="ja-JP" altLang="en-US" sz="2000" dirty="0"/>
+              <a:t>位</a:t>
+            </a:r>
+            <a:r>
+              <a:rPr lang="en-US" altLang="ja-JP" sz="2000" dirty="0"/>
+              <a:t>)</a:t>
+            </a:r>
+          </a:p>
+          <a:p>
+            <a:pPr lvl="1"/>
+            <a:r>
+              <a:rPr lang="ja-JP" altLang="en-US" sz="2000" dirty="0"/>
+              <a:t>得点期待値の増減は</a:t>
+            </a:r>
+            <a:r>
+              <a:rPr lang="en-US" altLang="ja-JP" sz="2000" dirty="0"/>
+              <a:t>-0.33(</a:t>
+            </a:r>
+            <a:r>
+              <a:rPr lang="ja-JP" altLang="en-US" sz="2000" dirty="0"/>
+              <a:t>同</a:t>
+            </a:r>
+            <a:r>
+              <a:rPr lang="en-US" altLang="ja-JP" sz="2000" dirty="0"/>
+              <a:t>184</a:t>
+            </a:r>
+            <a:r>
+              <a:rPr lang="ja-JP" altLang="en-US" sz="2000" dirty="0"/>
+              <a:t>位</a:t>
+            </a:r>
+            <a:r>
+              <a:rPr lang="en-US" altLang="ja-JP" sz="2000" dirty="0"/>
+              <a:t>)</a:t>
+            </a:r>
+          </a:p>
+          <a:p>
+            <a:pPr lvl="1"/>
+            <a:r>
+              <a:rPr lang="ja-JP" altLang="en-US" sz="2000" dirty="0"/>
+              <a:t>平均と比較するとほぼニュートラルと言えそう</a:t>
+            </a:r>
+            <a:endParaRPr lang="en-US" altLang="ja-JP" sz="2000" dirty="0"/>
+          </a:p>
+          <a:p>
+            <a:pPr lvl="1"/>
+            <a:endParaRPr kumimoji="1" lang="ja-JP" altLang="en-US" sz="2000" dirty="0"/>
+          </a:p>
+        </p:txBody>
+      </p:sp>
+    </p:spTree>
+    <p:extLst>
+      <p:ext uri="{BB962C8B-B14F-4D97-AF65-F5344CB8AC3E}">
+        <p14:creationId xmlns:p14="http://schemas.microsoft.com/office/powerpoint/2010/main" val="4198104621"/>
+      </p:ext>
+    </p:extLst>
+  </p:cSld>
+  <p:clrMapOvr>
+    <a:masterClrMapping/>
+  </p:clrMapOvr>
+</p:sld>
+</file>
+
+<file path=ppt/slides/slide3.xml><?xml version="1.0" encoding="utf-8"?>
+<p:sld xmlns:a="http://schemas.openxmlformats.org/drawingml/2006/main" xmlns:r="http://schemas.openxmlformats.org/officeDocument/2006/relationships" xmlns:p="http://schemas.openxmlformats.org/presentationml/2006/main">
+  <p:cSld>
+    <p:spTree>
+      <p:nvGrpSpPr>
+        <p:cNvPr id="1" name=""/>
+        <p:cNvGrpSpPr/>
+        <p:nvPr/>
+      </p:nvGrpSpPr>
+      <p:grpSpPr>
+        <a:xfrm>
+          <a:off x="0" y="0"/>
+          <a:ext cx="0" cy="0"/>
+          <a:chOff x="0" y="0"/>
+          <a:chExt cx="0" cy="0"/>
+        </a:xfrm>
+      </p:grpSpPr>
+      <p:sp>
+        <p:nvSpPr>
+          <p:cNvPr id="2" name="タイトル 1"/>
+          <p:cNvSpPr>
+            <a:spLocks noGrp="1"/>
+          </p:cNvSpPr>
+          <p:nvPr>
+            <p:ph type="title"/>
+          </p:nvPr>
+        </p:nvSpPr>
+        <p:spPr/>
+        <p:txBody>
+          <a:bodyPr/>
+          <a:lstStyle/>
+          <a:p>
+            <a:r>
+              <a:rPr lang="ja-JP" altLang="en-US" dirty="0"/>
+              <a:t>打</a:t>
+            </a:r>
+            <a:r>
+              <a:rPr kumimoji="1" lang="ja-JP" altLang="en-US" dirty="0"/>
+              <a:t>谷</a:t>
+            </a:r>
+          </a:p>
+        </p:txBody>
+      </p:sp>
+      <p:sp>
+        <p:nvSpPr>
+          <p:cNvPr id="3" name="テキスト プレースホルダー 2"/>
+          <p:cNvSpPr>
+            <a:spLocks noGrp="1"/>
+          </p:cNvSpPr>
+          <p:nvPr>
+            <p:ph type="body" idx="1"/>
+          </p:nvPr>
+        </p:nvSpPr>
+        <p:spPr/>
+        <p:txBody>
+          <a:bodyPr/>
+          <a:lstStyle/>
+          <a:p>
+            <a:endParaRPr kumimoji="1" lang="ja-JP" altLang="en-US" dirty="0"/>
+          </a:p>
+        </p:txBody>
+      </p:sp>
+    </p:spTree>
+    <p:extLst>
+      <p:ext uri="{BB962C8B-B14F-4D97-AF65-F5344CB8AC3E}">
+        <p14:creationId xmlns:p14="http://schemas.microsoft.com/office/powerpoint/2010/main" val="1392027328"/>
+      </p:ext>
+    </p:extLst>
+  </p:cSld>
+  <p:clrMapOvr>
+    <a:masterClrMapping/>
+  </p:clrMapOvr>
+</p:sld>
+</file>
+
+<file path=ppt/slides/slide4.xml><?xml version="1.0" encoding="utf-8"?>
+<p:sld xmlns:a="http://schemas.openxmlformats.org/drawingml/2006/main" xmlns:r="http://schemas.openxmlformats.org/officeDocument/2006/relationships" xmlns:p="http://schemas.openxmlformats.org/presentationml/2006/main">
+  <p:cSld>
+    <p:spTree>
+      <p:nvGrpSpPr>
+        <p:cNvPr id="1" name=""/>
+        <p:cNvGrpSpPr/>
+        <p:nvPr/>
+      </p:nvGrpSpPr>
+      <p:grpSpPr>
+        <a:xfrm>
+          <a:off x="0" y="0"/>
+          <a:ext cx="0" cy="0"/>
+          <a:chOff x="0" y="0"/>
+          <a:chExt cx="0" cy="0"/>
+        </a:xfrm>
+      </p:grpSpPr>
+      <p:sp>
+        <p:nvSpPr>
+          <p:cNvPr id="2" name="タイトル 1"/>
+          <p:cNvSpPr>
+            <a:spLocks noGrp="1"/>
+          </p:cNvSpPr>
+          <p:nvPr>
+            <p:ph type="title"/>
+          </p:nvPr>
+        </p:nvSpPr>
+        <p:spPr/>
+        <p:txBody>
+          <a:bodyPr/>
+          <a:lstStyle/>
+          <a:p>
+            <a:r>
+              <a:rPr kumimoji="1" lang="ja-JP" altLang="en-US" dirty="0"/>
+              <a:t>スタッツ</a:t>
+            </a:r>
+          </a:p>
+        </p:txBody>
+      </p:sp>
+      <p:sp>
+        <p:nvSpPr>
+          <p:cNvPr id="3" name="コンテンツ プレースホルダー 2"/>
+          <p:cNvSpPr>
+            <a:spLocks noGrp="1"/>
+          </p:cNvSpPr>
+          <p:nvPr>
+            <p:ph idx="1"/>
+          </p:nvPr>
+        </p:nvSpPr>
+        <p:spPr/>
+        <p:txBody>
+          <a:bodyPr/>
+          <a:lstStyle/>
+          <a:p>
+            <a:endParaRPr kumimoji="1" lang="ja-JP" altLang="en-US"/>
+          </a:p>
+        </p:txBody>
+      </p:sp>
+    </p:spTree>
+    <p:extLst>
+      <p:ext uri="{BB962C8B-B14F-4D97-AF65-F5344CB8AC3E}">
+        <p14:creationId xmlns:p14="http://schemas.microsoft.com/office/powerpoint/2010/main" val="65414977"/>
+      </p:ext>
+    </p:extLst>
+  </p:cSld>
+  <p:clrMapOvr>
+    <a:masterClrMapping/>
+  </p:clrMapOvr>
+</p:sld>
+</file>
+
+<file path=ppt/slides/slide5.xml><?xml version="1.0" encoding="utf-8"?>
+<p:sld xmlns:a="http://schemas.openxmlformats.org/drawingml/2006/main" xmlns:r="http://schemas.openxmlformats.org/officeDocument/2006/relationships" xmlns:p="http://schemas.openxmlformats.org/presentationml/2006/main">
+  <p:cSld>
+    <p:spTree>
+      <p:nvGrpSpPr>
+        <p:cNvPr id="1" name=""/>
+        <p:cNvGrpSpPr/>
+        <p:nvPr/>
+      </p:nvGrpSpPr>
+      <p:grpSpPr>
+        <a:xfrm>
+          <a:off x="0" y="0"/>
+          <a:ext cx="0" cy="0"/>
+          <a:chOff x="0" y="0"/>
+          <a:chExt cx="0" cy="0"/>
+        </a:xfrm>
+      </p:grpSpPr>
+      <p:sp>
+        <p:nvSpPr>
+          <p:cNvPr id="2" name="タイトル 1"/>
+          <p:cNvSpPr>
+            <a:spLocks noGrp="1"/>
+          </p:cNvSpPr>
+          <p:nvPr>
+            <p:ph type="title"/>
+          </p:nvPr>
+        </p:nvSpPr>
+        <p:spPr/>
+        <p:txBody>
+          <a:bodyPr/>
+          <a:lstStyle/>
+          <a:p>
+            <a:r>
+              <a:rPr kumimoji="1" lang="en-US" altLang="ja-JP" dirty="0"/>
+              <a:t>discipline</a:t>
+            </a:r>
+            <a:endParaRPr kumimoji="1" lang="ja-JP" altLang="en-US" dirty="0"/>
+          </a:p>
+        </p:txBody>
+      </p:sp>
+      <p:sp>
+        <p:nvSpPr>
+          <p:cNvPr id="3" name="コンテンツ プレースホルダー 2"/>
+          <p:cNvSpPr>
+            <a:spLocks noGrp="1"/>
+          </p:cNvSpPr>
+          <p:nvPr>
+            <p:ph idx="1"/>
+          </p:nvPr>
+        </p:nvSpPr>
+        <p:spPr/>
+        <p:txBody>
+          <a:bodyPr/>
+          <a:lstStyle/>
+          <a:p>
+            <a:r>
+              <a:rPr kumimoji="1" lang="en-US" altLang="ja-JP" sz="2400" dirty="0"/>
+              <a:t>plate-discipline</a:t>
+            </a:r>
+            <a:r>
+              <a:rPr kumimoji="1" lang="ja-JP" altLang="en-US" sz="2400" dirty="0"/>
+              <a:t>入れます</a:t>
+            </a:r>
+          </a:p>
+        </p:txBody>
+      </p:sp>
+    </p:spTree>
+    <p:extLst>
+      <p:ext uri="{BB962C8B-B14F-4D97-AF65-F5344CB8AC3E}">
+        <p14:creationId xmlns:p14="http://schemas.microsoft.com/office/powerpoint/2010/main" val="233138690"/>
+      </p:ext>
+    </p:extLst>
+  </p:cSld>
+  <p:clrMapOvr>
+    <a:masterClrMapping/>
+  </p:clrMapOvr>
+</p:sld>
+</file>
+
+<file path=ppt/slides/slide6.xml><?xml version="1.0" encoding="utf-8"?>
+<p:sld xmlns:a="http://schemas.openxmlformats.org/drawingml/2006/main" xmlns:r="http://schemas.openxmlformats.org/officeDocument/2006/relationships" xmlns:p="http://schemas.openxmlformats.org/presentationml/2006/main">
+  <p:cSld>
+    <p:spTree>
+      <p:nvGrpSpPr>
+        <p:cNvPr id="1" name=""/>
+        <p:cNvGrpSpPr/>
+        <p:nvPr/>
+      </p:nvGrpSpPr>
+      <p:grpSpPr>
+        <a:xfrm>
+          <a:off x="0" y="0"/>
+          <a:ext cx="0" cy="0"/>
+          <a:chOff x="0" y="0"/>
+          <a:chExt cx="0" cy="0"/>
+        </a:xfrm>
+      </p:grpSpPr>
+      <p:sp>
+        <p:nvSpPr>
+          <p:cNvPr id="2" name="タイトル 1"/>
+          <p:cNvSpPr>
+            <a:spLocks noGrp="1"/>
+          </p:cNvSpPr>
+          <p:nvPr>
+            <p:ph type="title"/>
+          </p:nvPr>
+        </p:nvSpPr>
+        <p:spPr/>
+        <p:txBody>
+          <a:bodyPr/>
+          <a:lstStyle/>
+          <a:p>
+            <a:r>
+              <a:rPr lang="ja-JP" altLang="en-US" dirty="0"/>
+              <a:t>打球チャート</a:t>
+            </a:r>
+            <a:endParaRPr kumimoji="1" lang="ja-JP" altLang="en-US" dirty="0"/>
+          </a:p>
+        </p:txBody>
+      </p:sp>
+      <p:sp>
+        <p:nvSpPr>
+          <p:cNvPr id="3" name="コンテンツ プレースホルダー 2"/>
+          <p:cNvSpPr>
+            <a:spLocks noGrp="1"/>
+          </p:cNvSpPr>
+          <p:nvPr>
+            <p:ph idx="1"/>
+          </p:nvPr>
+        </p:nvSpPr>
+        <p:spPr/>
+        <p:txBody>
+          <a:bodyPr/>
+          <a:lstStyle/>
+          <a:p>
+            <a:r>
+              <a:rPr kumimoji="1" lang="ja-JP" altLang="en-US" sz="2400" dirty="0"/>
+              <a:t>スプレーチャート</a:t>
+            </a:r>
+          </a:p>
+        </p:txBody>
+      </p:sp>
+    </p:spTree>
+    <p:extLst>
+      <p:ext uri="{BB962C8B-B14F-4D97-AF65-F5344CB8AC3E}">
+        <p14:creationId xmlns:p14="http://schemas.microsoft.com/office/powerpoint/2010/main" val="7400665"/>
+      </p:ext>
+    </p:extLst>
+  </p:cSld>
+  <p:clrMapOvr>
+    <a:masterClrMapping/>
+  </p:clrMapOvr>
+</p:sld>
+</file>
+
+<file path=ppt/slides/slide7.xml><?xml version="1.0" encoding="utf-8"?>
+<p:sld xmlns:a="http://schemas.openxmlformats.org/drawingml/2006/main" xmlns:r="http://schemas.openxmlformats.org/officeDocument/2006/relationships" xmlns:p="http://schemas.openxmlformats.org/presentationml/2006/main">
+  <p:cSld>
+    <p:spTree>
+      <p:nvGrpSpPr>
+        <p:cNvPr id="1" name=""/>
+        <p:cNvGrpSpPr/>
+        <p:nvPr/>
+      </p:nvGrpSpPr>
+      <p:grpSpPr>
+        <a:xfrm>
+          <a:off x="0" y="0"/>
+          <a:ext cx="0" cy="0"/>
+          <a:chOff x="0" y="0"/>
+          <a:chExt cx="0" cy="0"/>
+        </a:xfrm>
+      </p:grpSpPr>
+      <p:sp>
+        <p:nvSpPr>
+          <p:cNvPr id="2" name="タイトル 1"/>
+          <p:cNvSpPr>
+            <a:spLocks noGrp="1"/>
+          </p:cNvSpPr>
+          <p:nvPr>
+            <p:ph type="title"/>
+          </p:nvPr>
+        </p:nvSpPr>
+        <p:spPr/>
+        <p:txBody>
+          <a:bodyPr/>
+          <a:lstStyle/>
+          <a:p>
+            <a:r>
+              <a:rPr kumimoji="1" lang="ja-JP" altLang="en-US" dirty="0"/>
+              <a:t>ゾーンごとの打球バリュー</a:t>
+            </a:r>
+          </a:p>
+        </p:txBody>
+      </p:sp>
+      <p:sp>
+        <p:nvSpPr>
+          <p:cNvPr id="3" name="コンテンツ プレースホルダー 2"/>
+          <p:cNvSpPr>
+            <a:spLocks noGrp="1"/>
+          </p:cNvSpPr>
+          <p:nvPr>
+            <p:ph idx="1"/>
+          </p:nvPr>
+        </p:nvSpPr>
+        <p:spPr/>
+        <p:txBody>
+          <a:bodyPr/>
+          <a:lstStyle/>
+          <a:p>
+            <a:r>
+              <a:rPr kumimoji="1" lang="ja-JP" altLang="en-US" sz="2400" dirty="0"/>
+              <a:t>ゾーンごとのスイングのバリューを計算</a:t>
+            </a:r>
+          </a:p>
+        </p:txBody>
+      </p:sp>
+    </p:spTree>
+    <p:extLst>
+      <p:ext uri="{BB962C8B-B14F-4D97-AF65-F5344CB8AC3E}">
+        <p14:creationId xmlns:p14="http://schemas.microsoft.com/office/powerpoint/2010/main" val="631085605"/>
+      </p:ext>
+    </p:extLst>
+  </p:cSld>
+  <p:clrMapOvr>
+    <a:masterClrMapping/>
+  </p:clrMapOvr>
+</p:sld>
+</file>
+
+<file path=ppt/slides/slide8.xml><?xml version="1.0" encoding="utf-8"?>
+<p:sld xmlns:a="http://schemas.openxmlformats.org/drawingml/2006/main" xmlns:r="http://schemas.openxmlformats.org/officeDocument/2006/relationships" xmlns:p="http://schemas.openxmlformats.org/presentationml/2006/main">
+  <p:cSld>
+    <p:spTree>
+      <p:nvGrpSpPr>
+        <p:cNvPr id="1" name=""/>
+        <p:cNvGrpSpPr/>
+        <p:nvPr/>
+      </p:nvGrpSpPr>
+      <p:grpSpPr>
+        <a:xfrm>
+          <a:off x="0" y="0"/>
+          <a:ext cx="0" cy="0"/>
+          <a:chOff x="0" y="0"/>
+          <a:chExt cx="0" cy="0"/>
+        </a:xfrm>
+      </p:grpSpPr>
+      <p:sp>
+        <p:nvSpPr>
+          <p:cNvPr id="2" name="タイトル 1"/>
+          <p:cNvSpPr>
+            <a:spLocks noGrp="1"/>
+          </p:cNvSpPr>
+          <p:nvPr>
+            <p:ph type="title"/>
+          </p:nvPr>
+        </p:nvSpPr>
+        <p:spPr/>
+        <p:txBody>
+          <a:bodyPr/>
+          <a:lstStyle/>
+          <a:p>
+            <a:r>
+              <a:rPr kumimoji="1" lang="ja-JP" altLang="en-US" dirty="0"/>
+              <a:t>機会費用</a:t>
+            </a:r>
+          </a:p>
+        </p:txBody>
+      </p:sp>
+      <p:sp>
+        <p:nvSpPr>
+          <p:cNvPr id="3" name="コンテンツ プレースホルダー 2"/>
+          <p:cNvSpPr>
+            <a:spLocks noGrp="1"/>
+          </p:cNvSpPr>
+          <p:nvPr>
+            <p:ph idx="1"/>
+          </p:nvPr>
+        </p:nvSpPr>
+        <p:spPr/>
+        <p:txBody>
+          <a:bodyPr/>
+          <a:lstStyle/>
+          <a:p>
+            <a:r>
+              <a:rPr kumimoji="1" lang="ja-JP" altLang="en-US" sz="2400" dirty="0"/>
+              <a:t>見送った投球に注目：ゾーンごとの打球のバリューから、スイングしなかったことで失った</a:t>
+            </a:r>
+            <a:r>
+              <a:rPr kumimoji="1" lang="en-US" altLang="ja-JP" sz="2400" dirty="0"/>
+              <a:t>(</a:t>
+            </a:r>
+            <a:r>
+              <a:rPr kumimoji="1" lang="ja-JP" altLang="en-US" sz="2400" dirty="0"/>
+              <a:t>得られた</a:t>
+            </a:r>
+            <a:r>
+              <a:rPr kumimoji="1" lang="en-US" altLang="ja-JP" sz="2400" dirty="0"/>
+              <a:t>)</a:t>
+            </a:r>
+            <a:r>
+              <a:rPr kumimoji="1" lang="ja-JP" altLang="en-US" sz="2400" dirty="0"/>
+              <a:t>得点創出機会を可視化できるか</a:t>
+            </a:r>
+          </a:p>
+        </p:txBody>
+      </p:sp>
+    </p:spTree>
+    <p:extLst>
+      <p:ext uri="{BB962C8B-B14F-4D97-AF65-F5344CB8AC3E}">
+        <p14:creationId xmlns:p14="http://schemas.microsoft.com/office/powerpoint/2010/main" val="2893161752"/>
+      </p:ext>
+    </p:extLst>
+  </p:cSld>
+  <p:clrMapOvr>
+    <a:masterClrMapping/>
+  </p:clrMapOvr>
+</p:sld>
+</file>
+
 <file path=ppt/slides/slide9.xml><?xml version="1.0" encoding="utf-8"?>
 <p:sld xmlns:a="http://schemas.openxmlformats.org/drawingml/2006/main" xmlns:r="http://schemas.openxmlformats.org/officeDocument/2006/relationships" xmlns:p="http://schemas.openxmlformats.org/presentationml/2006/main">
   <p:cSld>
@@ -20213,33 +20368,20 @@
           <a:lstStyle/>
           <a:p>
             <a:r>
-              <a:rPr lang="ja-JP" altLang="en-US" sz="3200" dirty="0"/>
-              <a:t>球</a:t>
-            </a:r>
-            <a:r>
-              <a:rPr lang="ja-JP" altLang="en-US" sz="3200" dirty="0" smtClean="0"/>
-              <a:t>種別</a:t>
-            </a:r>
-            <a:r>
-              <a:rPr lang="en-US" altLang="ja-JP" sz="3200" dirty="0" smtClean="0"/>
-              <a:t>discipline</a:t>
-            </a:r>
-            <a:r>
-              <a:rPr lang="ja-JP" altLang="en-US" sz="3200" dirty="0" smtClean="0"/>
-              <a:t>系スタッツ：フォーシーム・カーブ</a:t>
-            </a:r>
-            <a:endParaRPr kumimoji="1" lang="ja-JP" altLang="en-US" sz="3200" dirty="0"/>
+              <a:rPr kumimoji="1" lang="ja-JP" altLang="en-US" dirty="0"/>
+              <a:t>投谷</a:t>
+            </a:r>
           </a:p>
         </p:txBody>
       </p:sp>
       <p:sp>
         <p:nvSpPr>
-          <p:cNvPr id="3" name="コンテンツ プレースホルダー 2"/>
+          <p:cNvPr id="3" name="テキスト プレースホルダー 2"/>
           <p:cNvSpPr>
             <a:spLocks noGrp="1"/>
           </p:cNvSpPr>
           <p:nvPr>
-            <p:ph idx="1"/>
+            <p:ph type="body" idx="1"/>
           </p:nvPr>
         </p:nvSpPr>
         <p:spPr/>
@@ -20247,164 +20389,14 @@
           <a:bodyPr/>
           <a:lstStyle/>
           <a:p>
-            <a:r>
-              <a:rPr kumimoji="1" lang="ja-JP" altLang="en-US" sz="2400" dirty="0" smtClean="0"/>
-              <a:t>フォーシーム</a:t>
-            </a:r>
-            <a:endParaRPr kumimoji="1" lang="en-US" altLang="ja-JP" sz="2400" dirty="0" smtClean="0"/>
-          </a:p>
-          <a:p>
-            <a:pPr lvl="1"/>
-            <a:r>
-              <a:rPr lang="ja-JP" altLang="en-US" sz="2000" dirty="0" smtClean="0"/>
-              <a:t>最も多く投じられた球種、</a:t>
-            </a:r>
-            <a:r>
-              <a:rPr lang="en-US" altLang="ja-JP" sz="2000" dirty="0" smtClean="0"/>
-              <a:t>PV/C</a:t>
-            </a:r>
-            <a:r>
-              <a:rPr lang="ja-JP" altLang="en-US" sz="2000" dirty="0" err="1" smtClean="0"/>
-              <a:t>は微</a:t>
-            </a:r>
-            <a:r>
-              <a:rPr lang="ja-JP" altLang="en-US" sz="2000" dirty="0" smtClean="0"/>
-              <a:t>マイナスだが、リーグ平均よりは高い</a:t>
-            </a:r>
-            <a:endParaRPr lang="en-US" altLang="ja-JP" sz="2000" dirty="0" smtClean="0"/>
-          </a:p>
-          <a:p>
-            <a:pPr lvl="2"/>
-            <a:r>
-              <a:rPr lang="ja-JP" altLang="en-US" sz="2000" dirty="0" smtClean="0"/>
-              <a:t>スピンレート</a:t>
-            </a:r>
-            <a:r>
-              <a:rPr lang="ja-JP" altLang="en-US" sz="2000" dirty="0"/>
-              <a:t>の</a:t>
-            </a:r>
-            <a:r>
-              <a:rPr lang="ja-JP" altLang="en-US" sz="2000" dirty="0" smtClean="0"/>
-              <a:t>改善、ホップ成分低目でややスライド気味の変化も記録する真</a:t>
-            </a:r>
-            <a:r>
-              <a:rPr lang="ja-JP" altLang="en-US" sz="2000" dirty="0" err="1" smtClean="0"/>
-              <a:t>っ</a:t>
-            </a:r>
-            <a:r>
-              <a:rPr lang="ja-JP" altLang="en-US" sz="2000" dirty="0" smtClean="0"/>
-              <a:t>スラ系球質、リーグ全体と比較しても出色の高い平均球速</a:t>
-            </a:r>
-            <a:endParaRPr lang="en-US" altLang="ja-JP" sz="2000" dirty="0" smtClean="0"/>
-          </a:p>
-          <a:p>
-            <a:pPr lvl="1"/>
-            <a:r>
-              <a:rPr lang="ja-JP" altLang="en-US" sz="2000" dirty="0" smtClean="0"/>
-              <a:t>真</a:t>
-            </a:r>
-            <a:r>
-              <a:rPr lang="ja-JP" altLang="en-US" sz="2000" dirty="0" err="1"/>
-              <a:t>っ</a:t>
-            </a:r>
-            <a:r>
-              <a:rPr lang="ja-JP" altLang="en-US" sz="2000" dirty="0" smtClean="0"/>
-              <a:t>スラ気味の球質、高い球速もあってゴロ打球率が非常に高い</a:t>
-            </a:r>
-            <a:endParaRPr lang="en-US" altLang="ja-JP" sz="2000" dirty="0" smtClean="0"/>
-          </a:p>
-          <a:p>
-            <a:pPr lvl="1"/>
-            <a:r>
-              <a:rPr lang="ja-JP" altLang="en-US" sz="2000" dirty="0" smtClean="0"/>
-              <a:t>真</a:t>
-            </a:r>
-            <a:r>
-              <a:rPr lang="ja-JP" altLang="en-US" sz="2000" dirty="0" err="1" smtClean="0"/>
-              <a:t>っ</a:t>
-            </a:r>
-            <a:r>
-              <a:rPr lang="ja-JP" altLang="en-US" sz="2000" dirty="0" smtClean="0"/>
-              <a:t>スラ気味の球質はコンタクトが増えることともイコール</a:t>
-            </a:r>
-            <a:r>
-              <a:rPr lang="en-US" altLang="ja-JP" sz="2000" dirty="0" smtClean="0"/>
-              <a:t>: Contact%</a:t>
-            </a:r>
-            <a:r>
-              <a:rPr lang="ja-JP" altLang="en-US" sz="2000" dirty="0" smtClean="0"/>
-              <a:t>はリーグ平均程度か若干高め</a:t>
-            </a:r>
-            <a:r>
-              <a:rPr lang="en-US" altLang="ja-JP" sz="2000" dirty="0" smtClean="0"/>
-              <a:t>(=Whiff%</a:t>
-            </a:r>
-            <a:r>
-              <a:rPr lang="ja-JP" altLang="en-US" sz="2000" dirty="0" smtClean="0"/>
-              <a:t>がやや低い</a:t>
-            </a:r>
-            <a:r>
-              <a:rPr lang="en-US" altLang="ja-JP" sz="2000" dirty="0" smtClean="0"/>
-              <a:t>)</a:t>
-            </a:r>
-          </a:p>
-          <a:p>
-            <a:pPr lvl="1"/>
-            <a:r>
-              <a:rPr lang="en-US" altLang="ja-JP" sz="2000" dirty="0" smtClean="0"/>
-              <a:t>Zone%</a:t>
-            </a:r>
-            <a:r>
-              <a:rPr lang="ja-JP" altLang="en-US" sz="2000" dirty="0" smtClean="0"/>
-              <a:t>も平均程度</a:t>
-            </a:r>
-            <a:endParaRPr lang="en-US" altLang="ja-JP" sz="2000" dirty="0" smtClean="0"/>
-          </a:p>
-          <a:p>
-            <a:pPr lvl="1"/>
-            <a:r>
-              <a:rPr kumimoji="1" lang="ja-JP" altLang="en-US" sz="2000" dirty="0" smtClean="0"/>
-              <a:t>シーズン中盤以降は投球割合を減らし、よりバリューの高い球種に代替</a:t>
-            </a:r>
-            <a:endParaRPr lang="en-US" altLang="ja-JP" sz="2000" dirty="0"/>
-          </a:p>
-          <a:p>
-            <a:r>
-              <a:rPr kumimoji="1" lang="ja-JP" altLang="en-US" sz="2400" dirty="0" smtClean="0"/>
-              <a:t>カーブ</a:t>
-            </a:r>
-            <a:endParaRPr kumimoji="1" lang="en-US" altLang="ja-JP" sz="2400" dirty="0" smtClean="0"/>
-          </a:p>
-          <a:p>
-            <a:pPr lvl="1"/>
-            <a:r>
-              <a:rPr lang="ja-JP" altLang="en-US" sz="2000" dirty="0" smtClean="0"/>
-              <a:t>平均より遅く・大きく落ちるカーブ</a:t>
-            </a:r>
-            <a:endParaRPr lang="en-US" altLang="ja-JP" sz="2000" dirty="0"/>
-          </a:p>
-          <a:p>
-            <a:pPr lvl="1"/>
-            <a:r>
-              <a:rPr lang="ja-JP" altLang="en-US" sz="2000" dirty="0" smtClean="0"/>
-              <a:t>ゾーンへの投球率も低いため、</a:t>
-            </a:r>
-            <a:r>
-              <a:rPr lang="en-US" altLang="ja-JP" sz="2000" dirty="0" smtClean="0"/>
-              <a:t>PV</a:t>
-            </a:r>
-            <a:r>
-              <a:rPr lang="ja-JP" altLang="en-US" sz="2000" dirty="0" smtClean="0"/>
-              <a:t>は振るわないが、見送りストライクの比率は高い</a:t>
-            </a:r>
-            <a:endParaRPr lang="en-US" altLang="ja-JP" sz="2000" dirty="0" smtClean="0"/>
+            <a:endParaRPr kumimoji="1" lang="ja-JP" altLang="en-US"/>
           </a:p>
         </p:txBody>
       </p:sp>
     </p:spTree>
     <p:extLst>
       <p:ext uri="{BB962C8B-B14F-4D97-AF65-F5344CB8AC3E}">
-        <p14:creationId xmlns:p14="http://schemas.microsoft.com/office/powerpoint/2010/main" val="239167858"/>
+        <p14:creationId xmlns:p14="http://schemas.microsoft.com/office/powerpoint/2010/main" val="2954061002"/>
       </p:ext>
     </p:extLst>
   </p:cSld>

--- a/slides/ohtani_tj.pptx
+++ b/slides/ohtani_tj.pptx
@@ -8,29 +8,33 @@
   <p:sldIdLst>
     <p:sldId id="257" r:id="rId3"/>
     <p:sldId id="283" r:id="rId4"/>
-    <p:sldId id="264" r:id="rId5"/>
-    <p:sldId id="263" r:id="rId6"/>
-    <p:sldId id="265" r:id="rId7"/>
-    <p:sldId id="266" r:id="rId8"/>
-    <p:sldId id="267" r:id="rId9"/>
-    <p:sldId id="270" r:id="rId10"/>
-    <p:sldId id="259" r:id="rId11"/>
-    <p:sldId id="282" r:id="rId12"/>
-    <p:sldId id="258" r:id="rId13"/>
-    <p:sldId id="271" r:id="rId14"/>
-    <p:sldId id="277" r:id="rId15"/>
-    <p:sldId id="278" r:id="rId16"/>
-    <p:sldId id="279" r:id="rId17"/>
-    <p:sldId id="273" r:id="rId18"/>
-    <p:sldId id="274" r:id="rId19"/>
-    <p:sldId id="276" r:id="rId20"/>
-    <p:sldId id="268" r:id="rId21"/>
-    <p:sldId id="275" r:id="rId22"/>
-    <p:sldId id="269" r:id="rId23"/>
-    <p:sldId id="272" r:id="rId24"/>
-    <p:sldId id="262" r:id="rId25"/>
-    <p:sldId id="280" r:id="rId26"/>
-    <p:sldId id="281" r:id="rId27"/>
+    <p:sldId id="284" r:id="rId5"/>
+    <p:sldId id="264" r:id="rId6"/>
+    <p:sldId id="263" r:id="rId7"/>
+    <p:sldId id="265" r:id="rId8"/>
+    <p:sldId id="285" r:id="rId9"/>
+    <p:sldId id="266" r:id="rId10"/>
+    <p:sldId id="286" r:id="rId11"/>
+    <p:sldId id="267" r:id="rId12"/>
+    <p:sldId id="270" r:id="rId13"/>
+    <p:sldId id="259" r:id="rId14"/>
+    <p:sldId id="282" r:id="rId15"/>
+    <p:sldId id="258" r:id="rId16"/>
+    <p:sldId id="271" r:id="rId17"/>
+    <p:sldId id="277" r:id="rId18"/>
+    <p:sldId id="278" r:id="rId19"/>
+    <p:sldId id="279" r:id="rId20"/>
+    <p:sldId id="273" r:id="rId21"/>
+    <p:sldId id="274" r:id="rId22"/>
+    <p:sldId id="276" r:id="rId23"/>
+    <p:sldId id="268" r:id="rId24"/>
+    <p:sldId id="275" r:id="rId25"/>
+    <p:sldId id="269" r:id="rId26"/>
+    <p:sldId id="272" r:id="rId27"/>
+    <p:sldId id="262" r:id="rId28"/>
+    <p:sldId id="280" r:id="rId29"/>
+    <p:sldId id="281" r:id="rId30"/>
+    <p:sldId id="287" r:id="rId31"/>
   </p:sldIdLst>
   <p:sldSz cx="12192000" cy="6858000"/>
   <p:notesSz cx="6858000" cy="9144000"/>
@@ -7893,12 +7897,8 @@
           <a:lstStyle/>
           <a:p>
             <a:r>
-              <a:rPr kumimoji="1" lang="en-US" altLang="ja-JP" dirty="0"/>
-              <a:t>2021</a:t>
-            </a:r>
-            <a:r>
               <a:rPr kumimoji="1" lang="ja-JP" altLang="en-US" dirty="0"/>
-              <a:t>年に絞る理由</a:t>
+              <a:t>ゾーンごとの打球バリュー</a:t>
             </a:r>
           </a:p>
         </p:txBody>
@@ -7918,14 +7918,17 @@
           <a:bodyPr/>
           <a:lstStyle/>
           <a:p>
-            <a:endParaRPr kumimoji="1" lang="ja-JP" altLang="en-US"/>
+            <a:r>
+              <a:rPr kumimoji="1" lang="ja-JP" altLang="en-US" sz="2400" dirty="0"/>
+              <a:t>ゾーンごとのスイングのバリューを計算</a:t>
+            </a:r>
           </a:p>
         </p:txBody>
       </p:sp>
     </p:spTree>
     <p:extLst>
       <p:ext uri="{BB962C8B-B14F-4D97-AF65-F5344CB8AC3E}">
-        <p14:creationId xmlns:p14="http://schemas.microsoft.com/office/powerpoint/2010/main" val="1337977698"/>
+        <p14:creationId xmlns:p14="http://schemas.microsoft.com/office/powerpoint/2010/main" val="631085605"/>
       </p:ext>
     </p:extLst>
   </p:cSld>
@@ -7969,7 +7972,7 @@
           <a:p>
             <a:r>
               <a:rPr kumimoji="1" lang="ja-JP" altLang="en-US" dirty="0"/>
-              <a:t>投手スタッツ</a:t>
+              <a:t>機会費用</a:t>
             </a:r>
           </a:p>
         </p:txBody>
@@ -7989,6 +7992,242 @@
           <a:bodyPr/>
           <a:lstStyle/>
           <a:p>
+            <a:r>
+              <a:rPr kumimoji="1" lang="ja-JP" altLang="en-US" sz="2400" dirty="0"/>
+              <a:t>見送った投球に注目：ゾーンごとの打球のバリューから、スイングしなかったことで失った</a:t>
+            </a:r>
+            <a:r>
+              <a:rPr kumimoji="1" lang="en-US" altLang="ja-JP" sz="2400" dirty="0"/>
+              <a:t>(</a:t>
+            </a:r>
+            <a:r>
+              <a:rPr kumimoji="1" lang="ja-JP" altLang="en-US" sz="2400" dirty="0"/>
+              <a:t>得られた</a:t>
+            </a:r>
+            <a:r>
+              <a:rPr kumimoji="1" lang="en-US" altLang="ja-JP" sz="2400" dirty="0"/>
+              <a:t>)</a:t>
+            </a:r>
+            <a:r>
+              <a:rPr kumimoji="1" lang="ja-JP" altLang="en-US" sz="2400" dirty="0"/>
+              <a:t>得点創出機会を可視化できるか</a:t>
+            </a:r>
+          </a:p>
+        </p:txBody>
+      </p:sp>
+    </p:spTree>
+    <p:extLst>
+      <p:ext uri="{BB962C8B-B14F-4D97-AF65-F5344CB8AC3E}">
+        <p14:creationId xmlns:p14="http://schemas.microsoft.com/office/powerpoint/2010/main" val="2893161752"/>
+      </p:ext>
+    </p:extLst>
+  </p:cSld>
+  <p:clrMapOvr>
+    <a:masterClrMapping/>
+  </p:clrMapOvr>
+</p:sld>
+</file>
+
+<file path=ppt/slides/slide12.xml><?xml version="1.0" encoding="utf-8"?>
+<p:sld xmlns:a="http://schemas.openxmlformats.org/drawingml/2006/main" xmlns:r="http://schemas.openxmlformats.org/officeDocument/2006/relationships" xmlns:p="http://schemas.openxmlformats.org/presentationml/2006/main">
+  <p:cSld>
+    <p:spTree>
+      <p:nvGrpSpPr>
+        <p:cNvPr id="1" name=""/>
+        <p:cNvGrpSpPr/>
+        <p:nvPr/>
+      </p:nvGrpSpPr>
+      <p:grpSpPr>
+        <a:xfrm>
+          <a:off x="0" y="0"/>
+          <a:ext cx="0" cy="0"/>
+          <a:chOff x="0" y="0"/>
+          <a:chExt cx="0" cy="0"/>
+        </a:xfrm>
+      </p:grpSpPr>
+      <p:sp>
+        <p:nvSpPr>
+          <p:cNvPr id="2" name="タイトル 1"/>
+          <p:cNvSpPr>
+            <a:spLocks noGrp="1"/>
+          </p:cNvSpPr>
+          <p:nvPr>
+            <p:ph type="title"/>
+          </p:nvPr>
+        </p:nvSpPr>
+        <p:spPr/>
+        <p:txBody>
+          <a:bodyPr/>
+          <a:lstStyle/>
+          <a:p>
+            <a:r>
+              <a:rPr kumimoji="1" lang="ja-JP" altLang="en-US" dirty="0"/>
+              <a:t>投谷</a:t>
+            </a:r>
+          </a:p>
+        </p:txBody>
+      </p:sp>
+      <p:sp>
+        <p:nvSpPr>
+          <p:cNvPr id="3" name="テキスト プレースホルダー 2"/>
+          <p:cNvSpPr>
+            <a:spLocks noGrp="1"/>
+          </p:cNvSpPr>
+          <p:nvPr>
+            <p:ph type="body" idx="1"/>
+          </p:nvPr>
+        </p:nvSpPr>
+        <p:spPr/>
+        <p:txBody>
+          <a:bodyPr/>
+          <a:lstStyle/>
+          <a:p>
+            <a:endParaRPr kumimoji="1" lang="ja-JP" altLang="en-US"/>
+          </a:p>
+        </p:txBody>
+      </p:sp>
+    </p:spTree>
+    <p:extLst>
+      <p:ext uri="{BB962C8B-B14F-4D97-AF65-F5344CB8AC3E}">
+        <p14:creationId xmlns:p14="http://schemas.microsoft.com/office/powerpoint/2010/main" val="2954061002"/>
+      </p:ext>
+    </p:extLst>
+  </p:cSld>
+  <p:clrMapOvr>
+    <a:masterClrMapping/>
+  </p:clrMapOvr>
+</p:sld>
+</file>
+
+<file path=ppt/slides/slide13.xml><?xml version="1.0" encoding="utf-8"?>
+<p:sld xmlns:a="http://schemas.openxmlformats.org/drawingml/2006/main" xmlns:r="http://schemas.openxmlformats.org/officeDocument/2006/relationships" xmlns:p="http://schemas.openxmlformats.org/presentationml/2006/main">
+  <p:cSld>
+    <p:spTree>
+      <p:nvGrpSpPr>
+        <p:cNvPr id="1" name=""/>
+        <p:cNvGrpSpPr/>
+        <p:nvPr/>
+      </p:nvGrpSpPr>
+      <p:grpSpPr>
+        <a:xfrm>
+          <a:off x="0" y="0"/>
+          <a:ext cx="0" cy="0"/>
+          <a:chOff x="0" y="0"/>
+          <a:chExt cx="0" cy="0"/>
+        </a:xfrm>
+      </p:grpSpPr>
+      <p:sp>
+        <p:nvSpPr>
+          <p:cNvPr id="2" name="タイトル 1"/>
+          <p:cNvSpPr>
+            <a:spLocks noGrp="1"/>
+          </p:cNvSpPr>
+          <p:nvPr>
+            <p:ph type="title"/>
+          </p:nvPr>
+        </p:nvSpPr>
+        <p:spPr/>
+        <p:txBody>
+          <a:bodyPr/>
+          <a:lstStyle/>
+          <a:p>
+            <a:r>
+              <a:rPr kumimoji="1" lang="en-US" altLang="ja-JP" dirty="0"/>
+              <a:t>2021</a:t>
+            </a:r>
+            <a:r>
+              <a:rPr kumimoji="1" lang="ja-JP" altLang="en-US" dirty="0"/>
+              <a:t>年に絞る理由</a:t>
+            </a:r>
+          </a:p>
+        </p:txBody>
+      </p:sp>
+      <p:sp>
+        <p:nvSpPr>
+          <p:cNvPr id="3" name="コンテンツ プレースホルダー 2"/>
+          <p:cNvSpPr>
+            <a:spLocks noGrp="1"/>
+          </p:cNvSpPr>
+          <p:nvPr>
+            <p:ph idx="1"/>
+          </p:nvPr>
+        </p:nvSpPr>
+        <p:spPr/>
+        <p:txBody>
+          <a:bodyPr/>
+          <a:lstStyle/>
+          <a:p>
+            <a:endParaRPr kumimoji="1" lang="ja-JP" altLang="en-US"/>
+          </a:p>
+        </p:txBody>
+      </p:sp>
+    </p:spTree>
+    <p:extLst>
+      <p:ext uri="{BB962C8B-B14F-4D97-AF65-F5344CB8AC3E}">
+        <p14:creationId xmlns:p14="http://schemas.microsoft.com/office/powerpoint/2010/main" val="1337977698"/>
+      </p:ext>
+    </p:extLst>
+  </p:cSld>
+  <p:clrMapOvr>
+    <a:masterClrMapping/>
+  </p:clrMapOvr>
+</p:sld>
+</file>
+
+<file path=ppt/slides/slide14.xml><?xml version="1.0" encoding="utf-8"?>
+<p:sld xmlns:a="http://schemas.openxmlformats.org/drawingml/2006/main" xmlns:r="http://schemas.openxmlformats.org/officeDocument/2006/relationships" xmlns:p="http://schemas.openxmlformats.org/presentationml/2006/main">
+  <p:cSld>
+    <p:spTree>
+      <p:nvGrpSpPr>
+        <p:cNvPr id="1" name=""/>
+        <p:cNvGrpSpPr/>
+        <p:nvPr/>
+      </p:nvGrpSpPr>
+      <p:grpSpPr>
+        <a:xfrm>
+          <a:off x="0" y="0"/>
+          <a:ext cx="0" cy="0"/>
+          <a:chOff x="0" y="0"/>
+          <a:chExt cx="0" cy="0"/>
+        </a:xfrm>
+      </p:grpSpPr>
+      <p:sp>
+        <p:nvSpPr>
+          <p:cNvPr id="2" name="タイトル 1"/>
+          <p:cNvSpPr>
+            <a:spLocks noGrp="1"/>
+          </p:cNvSpPr>
+          <p:nvPr>
+            <p:ph type="title"/>
+          </p:nvPr>
+        </p:nvSpPr>
+        <p:spPr/>
+        <p:txBody>
+          <a:bodyPr/>
+          <a:lstStyle/>
+          <a:p>
+            <a:r>
+              <a:rPr kumimoji="1" lang="ja-JP" altLang="en-US" dirty="0"/>
+              <a:t>投手スタッツ</a:t>
+            </a:r>
+          </a:p>
+        </p:txBody>
+      </p:sp>
+      <p:sp>
+        <p:nvSpPr>
+          <p:cNvPr id="3" name="コンテンツ プレースホルダー 2"/>
+          <p:cNvSpPr>
+            <a:spLocks noGrp="1"/>
+          </p:cNvSpPr>
+          <p:nvPr>
+            <p:ph idx="1"/>
+          </p:nvPr>
+        </p:nvSpPr>
+        <p:spPr/>
+        <p:txBody>
+          <a:bodyPr/>
+          <a:lstStyle/>
+          <a:p>
             <a:endParaRPr lang="en-US" altLang="ja-JP" sz="2400" dirty="0"/>
           </a:p>
           <a:p>
@@ -8024,7 +8263,7 @@
 </p:sld>
 </file>
 
-<file path=ppt/slides/slide12.xml><?xml version="1.0" encoding="utf-8"?>
+<file path=ppt/slides/slide15.xml><?xml version="1.0" encoding="utf-8"?>
 <p:sld xmlns:a="http://schemas.openxmlformats.org/drawingml/2006/main" xmlns:r="http://schemas.openxmlformats.org/officeDocument/2006/relationships" xmlns:p="http://schemas.openxmlformats.org/presentationml/2006/main">
   <p:cSld>
     <p:spTree>
@@ -10162,7 +10401,7 @@
 </p:sld>
 </file>
 
-<file path=ppt/slides/slide13.xml><?xml version="1.0" encoding="utf-8"?>
+<file path=ppt/slides/slide16.xml><?xml version="1.0" encoding="utf-8"?>
 <p:sld xmlns:a="http://schemas.openxmlformats.org/drawingml/2006/main" xmlns:r="http://schemas.openxmlformats.org/officeDocument/2006/relationships" xmlns:p="http://schemas.openxmlformats.org/presentationml/2006/main">
   <p:cSld>
     <p:spTree>
@@ -14020,7 +14259,7 @@
 </p:sld>
 </file>
 
-<file path=ppt/slides/slide14.xml><?xml version="1.0" encoding="utf-8"?>
+<file path=ppt/slides/slide17.xml><?xml version="1.0" encoding="utf-8"?>
 <p:sld xmlns:a="http://schemas.openxmlformats.org/drawingml/2006/main" xmlns:r="http://schemas.openxmlformats.org/officeDocument/2006/relationships" xmlns:p="http://schemas.openxmlformats.org/presentationml/2006/main">
   <p:cSld>
     <p:spTree>
@@ -15199,7 +15438,7 @@
 </p:sld>
 </file>
 
-<file path=ppt/slides/slide15.xml><?xml version="1.0" encoding="utf-8"?>
+<file path=ppt/slides/slide18.xml><?xml version="1.0" encoding="utf-8"?>
 <p:sld xmlns:a="http://schemas.openxmlformats.org/drawingml/2006/main" xmlns:r="http://schemas.openxmlformats.org/officeDocument/2006/relationships" xmlns:p="http://schemas.openxmlformats.org/presentationml/2006/main">
   <p:cSld>
     <p:spTree>
@@ -18033,7 +18272,7 @@
 </p:sld>
 </file>
 
-<file path=ppt/slides/slide16.xml><?xml version="1.0" encoding="utf-8"?>
+<file path=ppt/slides/slide19.xml><?xml version="1.0" encoding="utf-8"?>
 <p:sld xmlns:a="http://schemas.openxmlformats.org/drawingml/2006/main" xmlns:r="http://schemas.openxmlformats.org/officeDocument/2006/relationships" xmlns:p="http://schemas.openxmlformats.org/presentationml/2006/main">
   <p:cSld>
     <p:spTree>
@@ -18255,7 +18494,153 @@
 </p:sld>
 </file>
 
-<file path=ppt/slides/slide17.xml><?xml version="1.0" encoding="utf-8"?>
+<file path=ppt/slides/slide2.xml><?xml version="1.0" encoding="utf-8"?>
+<p:sld xmlns:a="http://schemas.openxmlformats.org/drawingml/2006/main" xmlns:r="http://schemas.openxmlformats.org/officeDocument/2006/relationships" xmlns:p="http://schemas.openxmlformats.org/presentationml/2006/main">
+  <p:cSld>
+    <p:spTree>
+      <p:nvGrpSpPr>
+        <p:cNvPr id="1" name=""/>
+        <p:cNvGrpSpPr/>
+        <p:nvPr/>
+      </p:nvGrpSpPr>
+      <p:grpSpPr>
+        <a:xfrm>
+          <a:off x="0" y="0"/>
+          <a:ext cx="0" cy="0"/>
+          <a:chOff x="0" y="0"/>
+          <a:chExt cx="0" cy="0"/>
+        </a:xfrm>
+      </p:grpSpPr>
+      <p:sp>
+        <p:nvSpPr>
+          <p:cNvPr id="2" name="タイトル 1">
+            <a:extLst>
+              <a:ext uri="{FF2B5EF4-FFF2-40B4-BE49-F238E27FC236}">
+                <a16:creationId xmlns:a16="http://schemas.microsoft.com/office/drawing/2014/main" id="{26D4EE9F-27F9-4257-BD55-2A1B77D0F462}"/>
+              </a:ext>
+            </a:extLst>
+          </p:cNvPr>
+          <p:cNvSpPr>
+            <a:spLocks noGrp="1"/>
+          </p:cNvSpPr>
+          <p:nvPr>
+            <p:ph type="title"/>
+          </p:nvPr>
+        </p:nvSpPr>
+        <p:spPr/>
+        <p:txBody>
+          <a:bodyPr/>
+          <a:lstStyle/>
+          <a:p>
+            <a:r>
+              <a:rPr kumimoji="1" lang="ja-JP" altLang="en-US" dirty="0"/>
+              <a:t>目次</a:t>
+            </a:r>
+          </a:p>
+        </p:txBody>
+      </p:sp>
+      <p:sp>
+        <p:nvSpPr>
+          <p:cNvPr id="3" name="コンテンツ プレースホルダー 2">
+            <a:extLst>
+              <a:ext uri="{FF2B5EF4-FFF2-40B4-BE49-F238E27FC236}">
+                <a16:creationId xmlns:a16="http://schemas.microsoft.com/office/drawing/2014/main" id="{9434018D-1514-4EB3-BEF2-0062C4A1B23F}"/>
+              </a:ext>
+            </a:extLst>
+          </p:cNvPr>
+          <p:cNvSpPr>
+            <a:spLocks noGrp="1"/>
+          </p:cNvSpPr>
+          <p:nvPr>
+            <p:ph idx="1"/>
+          </p:nvPr>
+        </p:nvSpPr>
+        <p:spPr/>
+        <p:txBody>
+          <a:bodyPr/>
+          <a:lstStyle/>
+          <a:p>
+            <a:r>
+              <a:rPr kumimoji="1" lang="en-US" altLang="ja-JP" sz="2800" dirty="0"/>
+              <a:t>2021</a:t>
+            </a:r>
+            <a:r>
+              <a:rPr kumimoji="1" lang="ja-JP" altLang="en-US" sz="2800" dirty="0"/>
+              <a:t>シーズン：活躍の要因を振り返る</a:t>
+            </a:r>
+            <a:endParaRPr kumimoji="1" lang="en-US" altLang="ja-JP" sz="2800" dirty="0"/>
+          </a:p>
+          <a:p>
+            <a:pPr lvl="1"/>
+            <a:r>
+              <a:rPr lang="ja-JP" altLang="en-US" sz="2400" dirty="0"/>
+              <a:t>打谷</a:t>
+            </a:r>
+            <a:endParaRPr lang="en-US" altLang="ja-JP" sz="2400" dirty="0"/>
+          </a:p>
+          <a:p>
+            <a:pPr lvl="1"/>
+            <a:r>
+              <a:rPr kumimoji="1" lang="ja-JP" altLang="en-US" sz="2400" dirty="0"/>
+              <a:t>投谷</a:t>
+            </a:r>
+            <a:endParaRPr kumimoji="1" lang="en-US" altLang="ja-JP" sz="2400" dirty="0"/>
+          </a:p>
+          <a:p>
+            <a:r>
+              <a:rPr kumimoji="1" lang="ja-JP" altLang="en-US" sz="2800" dirty="0"/>
+              <a:t>問題設定</a:t>
+            </a:r>
+            <a:endParaRPr kumimoji="1" lang="en-US" altLang="ja-JP" sz="2800" dirty="0"/>
+          </a:p>
+          <a:p>
+            <a:pPr lvl="1"/>
+            <a:r>
+              <a:rPr kumimoji="1" lang="ja-JP" altLang="en-US" sz="2400" dirty="0"/>
+              <a:t>打谷：シーズン終盤の成績下降の要因は？</a:t>
+            </a:r>
+            <a:endParaRPr kumimoji="1" lang="en-US" altLang="ja-JP" sz="2400" dirty="0"/>
+          </a:p>
+          <a:p>
+            <a:pPr lvl="1"/>
+            <a:r>
+              <a:rPr lang="ja-JP" altLang="en-US" sz="2400" dirty="0"/>
+              <a:t>投谷：投球構成の時系列的な変化</a:t>
+            </a:r>
+            <a:endParaRPr lang="en-US" altLang="ja-JP" sz="2400" dirty="0"/>
+          </a:p>
+          <a:p>
+            <a:pPr lvl="1"/>
+            <a:r>
+              <a:rPr lang="ja-JP" altLang="en-US" sz="2400" dirty="0"/>
+              <a:t>二刀谷：二刀流の効果考察</a:t>
+            </a:r>
+            <a:endParaRPr lang="en-US" altLang="ja-JP" sz="2400" dirty="0"/>
+          </a:p>
+          <a:p>
+            <a:pPr lvl="1"/>
+            <a:r>
+              <a:rPr lang="ja-JP" altLang="en-US" sz="2400" dirty="0"/>
+              <a:t>おまけ：「大谷ストライク」は存在したか？</a:t>
+            </a:r>
+            <a:endParaRPr lang="en-US" altLang="ja-JP" sz="2400" dirty="0"/>
+          </a:p>
+        </p:txBody>
+      </p:sp>
+    </p:spTree>
+    <p:extLst>
+      <p:ext uri="{BB962C8B-B14F-4D97-AF65-F5344CB8AC3E}">
+        <p14:creationId xmlns:p14="http://schemas.microsoft.com/office/powerpoint/2010/main" val="2459552144"/>
+      </p:ext>
+    </p:extLst>
+  </p:cSld>
+  <p:clrMapOvr>
+    <a:masterClrMapping/>
+  </p:clrMapOvr>
+</p:sld>
+</file>
+
+<file path=ppt/slides/slide20.xml><?xml version="1.0" encoding="utf-8"?>
 <p:sld xmlns:a="http://schemas.openxmlformats.org/drawingml/2006/main" xmlns:r="http://schemas.openxmlformats.org/officeDocument/2006/relationships" xmlns:p="http://schemas.openxmlformats.org/presentationml/2006/main">
   <p:cSld>
     <p:spTree>
@@ -18474,7 +18859,7 @@
 </p:sld>
 </file>
 
-<file path=ppt/slides/slide18.xml><?xml version="1.0" encoding="utf-8"?>
+<file path=ppt/slides/slide21.xml><?xml version="1.0" encoding="utf-8"?>
 <p:sld xmlns:a="http://schemas.openxmlformats.org/drawingml/2006/main" xmlns:r="http://schemas.openxmlformats.org/officeDocument/2006/relationships" xmlns:p="http://schemas.openxmlformats.org/presentationml/2006/main">
   <p:cSld>
     <p:spTree>
@@ -18637,7 +19022,7 @@
 </p:sld>
 </file>
 
-<file path=ppt/slides/slide19.xml><?xml version="1.0" encoding="utf-8"?>
+<file path=ppt/slides/slide22.xml><?xml version="1.0" encoding="utf-8"?>
 <p:sld xmlns:a="http://schemas.openxmlformats.org/drawingml/2006/main" xmlns:r="http://schemas.openxmlformats.org/officeDocument/2006/relationships" xmlns:p="http://schemas.openxmlformats.org/presentationml/2006/main">
   <p:cSld>
     <p:spTree>
@@ -18802,153 +19187,7 @@
 </p:sld>
 </file>
 
-<file path=ppt/slides/slide2.xml><?xml version="1.0" encoding="utf-8"?>
-<p:sld xmlns:a="http://schemas.openxmlformats.org/drawingml/2006/main" xmlns:r="http://schemas.openxmlformats.org/officeDocument/2006/relationships" xmlns:p="http://schemas.openxmlformats.org/presentationml/2006/main">
-  <p:cSld>
-    <p:spTree>
-      <p:nvGrpSpPr>
-        <p:cNvPr id="1" name=""/>
-        <p:cNvGrpSpPr/>
-        <p:nvPr/>
-      </p:nvGrpSpPr>
-      <p:grpSpPr>
-        <a:xfrm>
-          <a:off x="0" y="0"/>
-          <a:ext cx="0" cy="0"/>
-          <a:chOff x="0" y="0"/>
-          <a:chExt cx="0" cy="0"/>
-        </a:xfrm>
-      </p:grpSpPr>
-      <p:sp>
-        <p:nvSpPr>
-          <p:cNvPr id="2" name="タイトル 1">
-            <a:extLst>
-              <a:ext uri="{FF2B5EF4-FFF2-40B4-BE49-F238E27FC236}">
-                <a16:creationId xmlns:a16="http://schemas.microsoft.com/office/drawing/2014/main" id="{26D4EE9F-27F9-4257-BD55-2A1B77D0F462}"/>
-              </a:ext>
-            </a:extLst>
-          </p:cNvPr>
-          <p:cNvSpPr>
-            <a:spLocks noGrp="1"/>
-          </p:cNvSpPr>
-          <p:nvPr>
-            <p:ph type="title"/>
-          </p:nvPr>
-        </p:nvSpPr>
-        <p:spPr/>
-        <p:txBody>
-          <a:bodyPr/>
-          <a:lstStyle/>
-          <a:p>
-            <a:r>
-              <a:rPr kumimoji="1" lang="ja-JP" altLang="en-US" dirty="0"/>
-              <a:t>目次</a:t>
-            </a:r>
-          </a:p>
-        </p:txBody>
-      </p:sp>
-      <p:sp>
-        <p:nvSpPr>
-          <p:cNvPr id="3" name="コンテンツ プレースホルダー 2">
-            <a:extLst>
-              <a:ext uri="{FF2B5EF4-FFF2-40B4-BE49-F238E27FC236}">
-                <a16:creationId xmlns:a16="http://schemas.microsoft.com/office/drawing/2014/main" id="{9434018D-1514-4EB3-BEF2-0062C4A1B23F}"/>
-              </a:ext>
-            </a:extLst>
-          </p:cNvPr>
-          <p:cNvSpPr>
-            <a:spLocks noGrp="1"/>
-          </p:cNvSpPr>
-          <p:nvPr>
-            <p:ph idx="1"/>
-          </p:nvPr>
-        </p:nvSpPr>
-        <p:spPr/>
-        <p:txBody>
-          <a:bodyPr/>
-          <a:lstStyle/>
-          <a:p>
-            <a:r>
-              <a:rPr kumimoji="1" lang="en-US" altLang="ja-JP" sz="2800" dirty="0"/>
-              <a:t>2021</a:t>
-            </a:r>
-            <a:r>
-              <a:rPr kumimoji="1" lang="ja-JP" altLang="en-US" sz="2800" dirty="0"/>
-              <a:t>シーズン：活躍の要因を振り返る</a:t>
-            </a:r>
-            <a:endParaRPr kumimoji="1" lang="en-US" altLang="ja-JP" sz="2800" dirty="0"/>
-          </a:p>
-          <a:p>
-            <a:pPr lvl="1"/>
-            <a:r>
-              <a:rPr lang="ja-JP" altLang="en-US" sz="2400" dirty="0"/>
-              <a:t>打谷</a:t>
-            </a:r>
-            <a:endParaRPr lang="en-US" altLang="ja-JP" sz="2400" dirty="0"/>
-          </a:p>
-          <a:p>
-            <a:pPr lvl="1"/>
-            <a:r>
-              <a:rPr kumimoji="1" lang="ja-JP" altLang="en-US" sz="2400" dirty="0"/>
-              <a:t>投谷</a:t>
-            </a:r>
-            <a:endParaRPr kumimoji="1" lang="en-US" altLang="ja-JP" sz="2400" dirty="0"/>
-          </a:p>
-          <a:p>
-            <a:r>
-              <a:rPr kumimoji="1" lang="ja-JP" altLang="en-US" sz="2800" dirty="0"/>
-              <a:t>問題設定</a:t>
-            </a:r>
-            <a:endParaRPr kumimoji="1" lang="en-US" altLang="ja-JP" sz="2800" dirty="0"/>
-          </a:p>
-          <a:p>
-            <a:pPr lvl="1"/>
-            <a:r>
-              <a:rPr kumimoji="1" lang="ja-JP" altLang="en-US" sz="2400" dirty="0"/>
-              <a:t>打谷：シーズン終盤の成績下降の要因は？</a:t>
-            </a:r>
-            <a:endParaRPr kumimoji="1" lang="en-US" altLang="ja-JP" sz="2400" dirty="0"/>
-          </a:p>
-          <a:p>
-            <a:pPr lvl="1"/>
-            <a:r>
-              <a:rPr lang="ja-JP" altLang="en-US" sz="2400" dirty="0"/>
-              <a:t>投谷：投球構成の時系列的な変化</a:t>
-            </a:r>
-            <a:endParaRPr lang="en-US" altLang="ja-JP" sz="2400" dirty="0"/>
-          </a:p>
-          <a:p>
-            <a:pPr lvl="1"/>
-            <a:r>
-              <a:rPr lang="ja-JP" altLang="en-US" sz="2400" dirty="0"/>
-              <a:t>二刀谷：二刀流の効果考察</a:t>
-            </a:r>
-            <a:endParaRPr lang="en-US" altLang="ja-JP" sz="2400" dirty="0"/>
-          </a:p>
-          <a:p>
-            <a:pPr lvl="1"/>
-            <a:r>
-              <a:rPr lang="ja-JP" altLang="en-US" sz="2400" dirty="0"/>
-              <a:t>おまけ：「大谷ストライク」は存在したか？</a:t>
-            </a:r>
-            <a:endParaRPr lang="en-US" altLang="ja-JP" sz="2400" dirty="0"/>
-          </a:p>
-        </p:txBody>
-      </p:sp>
-    </p:spTree>
-    <p:extLst>
-      <p:ext uri="{BB962C8B-B14F-4D97-AF65-F5344CB8AC3E}">
-        <p14:creationId xmlns:p14="http://schemas.microsoft.com/office/powerpoint/2010/main" val="2459552144"/>
-      </p:ext>
-    </p:extLst>
-  </p:cSld>
-  <p:clrMapOvr>
-    <a:masterClrMapping/>
-  </p:clrMapOvr>
-</p:sld>
-</file>
-
-<file path=ppt/slides/slide20.xml><?xml version="1.0" encoding="utf-8"?>
+<file path=ppt/slides/slide23.xml><?xml version="1.0" encoding="utf-8"?>
 <p:sld xmlns:a="http://schemas.openxmlformats.org/drawingml/2006/main" xmlns:r="http://schemas.openxmlformats.org/officeDocument/2006/relationships" xmlns:p="http://schemas.openxmlformats.org/presentationml/2006/main">
   <p:cSld>
     <p:spTree>
@@ -19072,7 +19311,7 @@
 </p:sld>
 </file>
 
-<file path=ppt/slides/slide21.xml><?xml version="1.0" encoding="utf-8"?>
+<file path=ppt/slides/slide24.xml><?xml version="1.0" encoding="utf-8"?>
 <p:sld xmlns:a="http://schemas.openxmlformats.org/drawingml/2006/main" xmlns:r="http://schemas.openxmlformats.org/officeDocument/2006/relationships" xmlns:p="http://schemas.openxmlformats.org/presentationml/2006/main">
   <p:cSld>
     <p:spTree>
@@ -19228,7 +19467,7 @@
 </p:sld>
 </file>
 
-<file path=ppt/slides/slide22.xml><?xml version="1.0" encoding="utf-8"?>
+<file path=ppt/slides/slide25.xml><?xml version="1.0" encoding="utf-8"?>
 <p:sld xmlns:a="http://schemas.openxmlformats.org/drawingml/2006/main" xmlns:r="http://schemas.openxmlformats.org/officeDocument/2006/relationships" xmlns:p="http://schemas.openxmlformats.org/presentationml/2006/main">
   <p:cSld>
     <p:spTree>
@@ -19385,7 +19624,7 @@
 </p:sld>
 </file>
 
-<file path=ppt/slides/slide23.xml><?xml version="1.0" encoding="utf-8"?>
+<file path=ppt/slides/slide26.xml><?xml version="1.0" encoding="utf-8"?>
 <p:sld xmlns:a="http://schemas.openxmlformats.org/drawingml/2006/main" xmlns:r="http://schemas.openxmlformats.org/officeDocument/2006/relationships" xmlns:p="http://schemas.openxmlformats.org/presentationml/2006/main">
   <p:cSld>
     <p:spTree>
@@ -19456,7 +19695,7 @@
 </p:sld>
 </file>
 
-<file path=ppt/slides/slide24.xml><?xml version="1.0" encoding="utf-8"?>
+<file path=ppt/slides/slide27.xml><?xml version="1.0" encoding="utf-8"?>
 <p:sld xmlns:a="http://schemas.openxmlformats.org/drawingml/2006/main" xmlns:r="http://schemas.openxmlformats.org/officeDocument/2006/relationships" xmlns:p="http://schemas.openxmlformats.org/presentationml/2006/main">
   <p:cSld>
     <p:spTree>
@@ -19674,7 +19913,7 @@
 </p:sld>
 </file>
 
-<file path=ppt/slides/slide25.xml><?xml version="1.0" encoding="utf-8"?>
+<file path=ppt/slides/slide28.xml><?xml version="1.0" encoding="utf-8"?>
 <p:sld xmlns:a="http://schemas.openxmlformats.org/drawingml/2006/main" xmlns:r="http://schemas.openxmlformats.org/officeDocument/2006/relationships" xmlns:p="http://schemas.openxmlformats.org/presentationml/2006/main">
   <p:cSld>
     <p:spTree>
@@ -19871,6 +20110,109 @@
 </p:sld>
 </file>
 
+<file path=ppt/slides/slide29.xml><?xml version="1.0" encoding="utf-8"?>
+<p:sld xmlns:a="http://schemas.openxmlformats.org/drawingml/2006/main" xmlns:r="http://schemas.openxmlformats.org/officeDocument/2006/relationships" xmlns:p="http://schemas.openxmlformats.org/presentationml/2006/main">
+  <p:cSld>
+    <p:spTree>
+      <p:nvGrpSpPr>
+        <p:cNvPr id="1" name=""/>
+        <p:cNvGrpSpPr/>
+        <p:nvPr/>
+      </p:nvGrpSpPr>
+      <p:grpSpPr>
+        <a:xfrm>
+          <a:off x="0" y="0"/>
+          <a:ext cx="0" cy="0"/>
+          <a:chOff x="0" y="0"/>
+          <a:chExt cx="0" cy="0"/>
+        </a:xfrm>
+      </p:grpSpPr>
+      <p:sp>
+        <p:nvSpPr>
+          <p:cNvPr id="2" name="タイトル 1">
+            <a:extLst>
+              <a:ext uri="{FF2B5EF4-FFF2-40B4-BE49-F238E27FC236}">
+                <a16:creationId xmlns:a16="http://schemas.microsoft.com/office/drawing/2014/main" id="{79B31F97-5FB1-4F71-894E-C6FD2B52A524}"/>
+              </a:ext>
+            </a:extLst>
+          </p:cNvPr>
+          <p:cNvSpPr>
+            <a:spLocks noGrp="1"/>
+          </p:cNvSpPr>
+          <p:nvPr>
+            <p:ph type="title"/>
+          </p:nvPr>
+        </p:nvSpPr>
+        <p:spPr/>
+        <p:txBody>
+          <a:bodyPr/>
+          <a:lstStyle/>
+          <a:p>
+            <a:r>
+              <a:rPr kumimoji="1" lang="ja-JP" altLang="en-US" dirty="0"/>
+              <a:t>まとめ</a:t>
+            </a:r>
+          </a:p>
+        </p:txBody>
+      </p:sp>
+      <p:sp>
+        <p:nvSpPr>
+          <p:cNvPr id="3" name="コンテンツ プレースホルダー 2">
+            <a:extLst>
+              <a:ext uri="{FF2B5EF4-FFF2-40B4-BE49-F238E27FC236}">
+                <a16:creationId xmlns:a16="http://schemas.microsoft.com/office/drawing/2014/main" id="{24A40347-F516-435F-A603-DD16FA4ABECF}"/>
+              </a:ext>
+            </a:extLst>
+          </p:cNvPr>
+          <p:cNvSpPr>
+            <a:spLocks noGrp="1"/>
+          </p:cNvSpPr>
+          <p:nvPr>
+            <p:ph idx="1"/>
+          </p:nvPr>
+        </p:nvSpPr>
+        <p:spPr/>
+        <p:txBody>
+          <a:bodyPr/>
+          <a:lstStyle/>
+          <a:p>
+            <a:r>
+              <a:rPr lang="ja-JP" altLang="en-US" sz="2400" dirty="0"/>
+              <a:t>野手：強い打球を高い角度で打ち続けたことが本塁打量産の最大の要因</a:t>
+            </a:r>
+            <a:endParaRPr lang="en-US" altLang="ja-JP" sz="2400" dirty="0"/>
+          </a:p>
+          <a:p>
+            <a:pPr lvl="1"/>
+            <a:r>
+              <a:rPr kumimoji="1" lang="ja-JP" altLang="en-US" sz="2000" dirty="0"/>
+              <a:t>終盤の成績低下には、引っ張りの意識が過剰になり、打球が上がりにくくなったことが関係</a:t>
+            </a:r>
+            <a:endParaRPr lang="en-US" altLang="ja-JP" sz="2000" dirty="0"/>
+          </a:p>
+          <a:p>
+            <a:pPr lvl="1"/>
+            <a:r>
+              <a:rPr kumimoji="1" lang="ja-JP" altLang="en-US" sz="2000" dirty="0"/>
+              <a:t>打球</a:t>
+            </a:r>
+            <a:endParaRPr kumimoji="1" lang="en-US" altLang="ja-JP" sz="2000" dirty="0"/>
+          </a:p>
+        </p:txBody>
+      </p:sp>
+    </p:spTree>
+    <p:extLst>
+      <p:ext uri="{BB962C8B-B14F-4D97-AF65-F5344CB8AC3E}">
+        <p14:creationId xmlns:p14="http://schemas.microsoft.com/office/powerpoint/2010/main" val="2975186687"/>
+      </p:ext>
+    </p:extLst>
+  </p:cSld>
+  <p:clrMapOvr>
+    <a:masterClrMapping/>
+  </p:clrMapOvr>
+</p:sld>
+</file>
+
 <file path=ppt/slides/slide3.xml><?xml version="1.0" encoding="utf-8"?>
 <p:sld xmlns:a="http://schemas.openxmlformats.org/drawingml/2006/main" xmlns:r="http://schemas.openxmlformats.org/officeDocument/2006/relationships" xmlns:p="http://schemas.openxmlformats.org/presentationml/2006/main">
   <p:cSld>
@@ -19890,7 +20232,13 @@
       </p:grpSpPr>
       <p:sp>
         <p:nvSpPr>
-          <p:cNvPr id="2" name="タイトル 1"/>
+          <p:cNvPr id="2" name="タイトル 1">
+            <a:extLst>
+              <a:ext uri="{FF2B5EF4-FFF2-40B4-BE49-F238E27FC236}">
+                <a16:creationId xmlns:a16="http://schemas.microsoft.com/office/drawing/2014/main" id="{0B59C029-8E3D-4B1C-BE29-E13CA33D3C46}"/>
+              </a:ext>
+            </a:extLst>
+          </p:cNvPr>
           <p:cNvSpPr>
             <a:spLocks noGrp="1"/>
           </p:cNvSpPr>
@@ -19904,24 +20252,26 @@
           <a:lstStyle/>
           <a:p>
             <a:r>
-              <a:rPr lang="ja-JP" altLang="en-US" dirty="0"/>
-              <a:t>打</a:t>
-            </a:r>
-            <a:r>
               <a:rPr kumimoji="1" lang="ja-JP" altLang="en-US" dirty="0"/>
-              <a:t>谷</a:t>
+              <a:t>利用データ</a:t>
             </a:r>
           </a:p>
         </p:txBody>
       </p:sp>
       <p:sp>
         <p:nvSpPr>
-          <p:cNvPr id="3" name="テキスト プレースホルダー 2"/>
+          <p:cNvPr id="3" name="コンテンツ プレースホルダー 2">
+            <a:extLst>
+              <a:ext uri="{FF2B5EF4-FFF2-40B4-BE49-F238E27FC236}">
+                <a16:creationId xmlns:a16="http://schemas.microsoft.com/office/drawing/2014/main" id="{89CADC69-92F7-4C51-88EF-DE441748DF08}"/>
+              </a:ext>
+            </a:extLst>
+          </p:cNvPr>
           <p:cNvSpPr>
             <a:spLocks noGrp="1"/>
           </p:cNvSpPr>
           <p:nvPr>
-            <p:ph type="body" idx="1"/>
+            <p:ph idx="1"/>
           </p:nvPr>
         </p:nvSpPr>
         <p:spPr/>
@@ -19929,14 +20279,234 @@
           <a:bodyPr/>
           <a:lstStyle/>
           <a:p>
-            <a:endParaRPr kumimoji="1" lang="ja-JP" altLang="en-US" dirty="0"/>
+            <a:r>
+              <a:rPr lang="ja-JP" altLang="en-US" sz="2400" dirty="0"/>
+              <a:t>主に</a:t>
+            </a:r>
+            <a:r>
+              <a:rPr lang="en-US" altLang="ja-JP" sz="2400" dirty="0"/>
+              <a:t>2021</a:t>
+            </a:r>
+            <a:r>
+              <a:rPr lang="ja-JP" altLang="en-US" sz="2400" dirty="0"/>
+              <a:t>年シーズンのデータに注目し、分析を行った</a:t>
+            </a:r>
+            <a:endParaRPr kumimoji="1" lang="en-US" altLang="ja-JP" sz="2400" dirty="0"/>
+          </a:p>
+          <a:p>
+            <a:r>
+              <a:rPr kumimoji="1" lang="en-US" altLang="ja-JP" sz="2400" dirty="0"/>
+              <a:t>Baseball Savant</a:t>
+            </a:r>
+            <a:r>
+              <a:rPr kumimoji="1" lang="ja-JP" altLang="en-US" sz="2400" dirty="0"/>
+              <a:t>より公開されている、</a:t>
+            </a:r>
+            <a:r>
+              <a:rPr kumimoji="1" lang="en-US" altLang="ja-JP" sz="2400" dirty="0"/>
+              <a:t>MLB</a:t>
+            </a:r>
+            <a:r>
+              <a:rPr kumimoji="1" lang="ja-JP" altLang="en-US" sz="2400" dirty="0"/>
+              <a:t>の</a:t>
+            </a:r>
+            <a:r>
+              <a:rPr kumimoji="1" lang="en-US" altLang="ja-JP" sz="2400" dirty="0" err="1"/>
+              <a:t>Statcast</a:t>
+            </a:r>
+            <a:r>
+              <a:rPr kumimoji="1" lang="ja-JP" altLang="en-US" sz="2400" dirty="0"/>
+              <a:t>データを利用</a:t>
+            </a:r>
+            <a:endParaRPr kumimoji="1" lang="en-US" altLang="ja-JP" sz="2400" dirty="0"/>
+          </a:p>
+          <a:p>
+            <a:pPr lvl="1"/>
+            <a:r>
+              <a:rPr kumimoji="1" lang="en-US" altLang="ja-JP" sz="2000" dirty="0"/>
+              <a:t>N = </a:t>
+            </a:r>
+          </a:p>
+          <a:p>
+            <a:r>
+              <a:rPr kumimoji="1" lang="ja-JP" altLang="en-US" sz="2400" b="0" i="0" u="none" strike="noStrike" kern="1200" cap="none" spc="0" normalizeH="0" baseline="0" noProof="0" dirty="0">
+                <a:ln>
+                  <a:noFill/>
+                </a:ln>
+                <a:solidFill>
+                  <a:prstClr val="black"/>
+                </a:solidFill>
+                <a:effectLst/>
+                <a:uLnTx/>
+                <a:uFillTx/>
+                <a:latin typeface="メイリオ" pitchFamily="50" charset="-128"/>
+                <a:ea typeface="メイリオ" pitchFamily="50" charset="-128"/>
+              </a:rPr>
+              <a:t>シーズン成績：</a:t>
+            </a:r>
+            <a:r>
+              <a:rPr kumimoji="1" lang="en-US" altLang="ja-JP" sz="2400" b="0" i="0" u="none" strike="noStrike" kern="1200" cap="none" spc="0" normalizeH="0" baseline="0" noProof="0" dirty="0">
+                <a:ln>
+                  <a:noFill/>
+                </a:ln>
+                <a:solidFill>
+                  <a:prstClr val="black"/>
+                </a:solidFill>
+                <a:effectLst/>
+                <a:uLnTx/>
+                <a:uFillTx/>
+                <a:latin typeface="メイリオ" pitchFamily="50" charset="-128"/>
+                <a:ea typeface="メイリオ" pitchFamily="50" charset="-128"/>
+              </a:rPr>
+              <a:t>Fangraphs Leaderboard</a:t>
+            </a:r>
+            <a:r>
+              <a:rPr kumimoji="1" lang="ja-JP" altLang="en-US" sz="2400" b="0" i="0" u="none" strike="noStrike" kern="1200" cap="none" spc="0" normalizeH="0" baseline="0" noProof="0" dirty="0">
+                <a:ln>
+                  <a:noFill/>
+                </a:ln>
+                <a:solidFill>
+                  <a:prstClr val="black"/>
+                </a:solidFill>
+                <a:effectLst/>
+                <a:uLnTx/>
+                <a:uFillTx/>
+                <a:latin typeface="メイリオ" pitchFamily="50" charset="-128"/>
+                <a:ea typeface="メイリオ" pitchFamily="50" charset="-128"/>
+              </a:rPr>
+              <a:t>より引用</a:t>
+            </a:r>
+            <a:endParaRPr kumimoji="1" lang="en-US" altLang="ja-JP" sz="2400" b="0" i="0" u="none" strike="noStrike" kern="1200" cap="none" spc="0" normalizeH="0" baseline="0" noProof="0" dirty="0">
+              <a:ln>
+                <a:noFill/>
+              </a:ln>
+              <a:solidFill>
+                <a:prstClr val="black"/>
+              </a:solidFill>
+              <a:effectLst/>
+              <a:uLnTx/>
+              <a:uFillTx/>
+              <a:latin typeface="メイリオ" pitchFamily="50" charset="-128"/>
+              <a:ea typeface="メイリオ" pitchFamily="50" charset="-128"/>
+            </a:endParaRPr>
+          </a:p>
+          <a:p>
+            <a:pPr lvl="1"/>
+            <a:r>
+              <a:rPr lang="ja-JP" altLang="en-US" sz="2000" dirty="0">
+                <a:solidFill>
+                  <a:prstClr val="black"/>
+                </a:solidFill>
+              </a:rPr>
+              <a:t>敬遠四球数など、</a:t>
+            </a:r>
+            <a:r>
+              <a:rPr lang="en-US" altLang="ja-JP" sz="2000" dirty="0">
+                <a:solidFill>
+                  <a:prstClr val="black"/>
+                </a:solidFill>
+              </a:rPr>
+              <a:t>Baseball Savant</a:t>
+            </a:r>
+            <a:r>
+              <a:rPr lang="ja-JP" altLang="en-US" sz="2000" dirty="0">
+                <a:solidFill>
+                  <a:prstClr val="black"/>
+                </a:solidFill>
+              </a:rPr>
+              <a:t>の</a:t>
+            </a:r>
+            <a:r>
+              <a:rPr lang="en-US" altLang="ja-JP" sz="2000" dirty="0">
+                <a:solidFill>
+                  <a:prstClr val="black"/>
+                </a:solidFill>
+              </a:rPr>
+              <a:t>csv</a:t>
+            </a:r>
+            <a:r>
+              <a:rPr lang="ja-JP" altLang="en-US" sz="2000" dirty="0">
+                <a:solidFill>
+                  <a:prstClr val="black"/>
+                </a:solidFill>
+              </a:rPr>
+              <a:t>ファイルでは一部不十分な情報があるため</a:t>
+            </a:r>
+            <a:endParaRPr lang="en-US" altLang="ja-JP" sz="2000" dirty="0"/>
+          </a:p>
+          <a:p>
+            <a:r>
+              <a:rPr kumimoji="1" lang="ja-JP" altLang="en-US" sz="2400" dirty="0"/>
+              <a:t>得点期待値等の計算には</a:t>
+            </a:r>
+            <a:r>
+              <a:rPr kumimoji="1" lang="en-US" altLang="ja-JP" sz="2400" dirty="0" err="1"/>
+              <a:t>Retrosheet</a:t>
+            </a:r>
+            <a:r>
+              <a:rPr kumimoji="1" lang="ja-JP" altLang="en-US" sz="2400" dirty="0"/>
+              <a:t>の</a:t>
+            </a:r>
+            <a:r>
+              <a:rPr kumimoji="1" lang="en-US" altLang="ja-JP" sz="2400" dirty="0"/>
+              <a:t>Event</a:t>
+            </a:r>
+            <a:r>
+              <a:rPr kumimoji="1" lang="ja-JP" altLang="en-US" sz="2400" dirty="0"/>
+              <a:t>ファイルを利用</a:t>
+            </a:r>
+            <a:endParaRPr kumimoji="1" lang="en-US" altLang="ja-JP" sz="2400" dirty="0"/>
+          </a:p>
+          <a:p>
+            <a:pPr lvl="1"/>
+            <a:r>
+              <a:rPr kumimoji="1" lang="en-US" altLang="ja-JP" sz="2000" dirty="0" err="1"/>
+              <a:t>PitchValue</a:t>
+            </a:r>
+            <a:r>
+              <a:rPr kumimoji="1" lang="ja-JP" altLang="en-US" sz="2000" dirty="0"/>
+              <a:t>を算出する際に、</a:t>
+            </a:r>
+            <a:r>
+              <a:rPr kumimoji="1" lang="en-US" altLang="ja-JP" sz="2000" dirty="0"/>
+              <a:t>RE24 (</a:t>
+            </a:r>
+            <a:r>
+              <a:rPr kumimoji="1" lang="ja-JP" altLang="en-US" sz="2000" dirty="0"/>
+              <a:t>カウントごとの得点期待値に塁状況を考慮しない方法</a:t>
+            </a:r>
+            <a:r>
+              <a:rPr kumimoji="1" lang="en-US" altLang="ja-JP" sz="2000" dirty="0"/>
+              <a:t>)</a:t>
+            </a:r>
+            <a:r>
+              <a:rPr kumimoji="1" lang="ja-JP" altLang="en-US" sz="2000" dirty="0"/>
+              <a:t>でも算出を行い、</a:t>
+            </a:r>
+            <a:r>
+              <a:rPr kumimoji="1" lang="en-US" altLang="ja-JP" sz="2000" dirty="0"/>
+              <a:t>Baseball Savant</a:t>
+            </a:r>
+            <a:r>
+              <a:rPr kumimoji="1" lang="ja-JP" altLang="en-US" sz="2000" dirty="0"/>
+              <a:t>の</a:t>
+            </a:r>
+            <a:r>
+              <a:rPr kumimoji="1" lang="en-US" altLang="ja-JP" sz="2000" dirty="0" err="1"/>
+              <a:t>delta_exp_runs</a:t>
+            </a:r>
+            <a:r>
+              <a:rPr kumimoji="1" lang="ja-JP" altLang="en-US" sz="2000" dirty="0"/>
+              <a:t>を用いた方法の頑健性を確認する</a:t>
+            </a:r>
+            <a:endParaRPr kumimoji="1" lang="en-US" altLang="ja-JP" sz="2000" dirty="0"/>
           </a:p>
         </p:txBody>
       </p:sp>
     </p:spTree>
     <p:extLst>
       <p:ext uri="{BB962C8B-B14F-4D97-AF65-F5344CB8AC3E}">
-        <p14:creationId xmlns:p14="http://schemas.microsoft.com/office/powerpoint/2010/main" val="1392027328"/>
+        <p14:creationId xmlns:p14="http://schemas.microsoft.com/office/powerpoint/2010/main" val="2165660212"/>
       </p:ext>
     </p:extLst>
   </p:cSld>
@@ -19979,20 +20549,24 @@
           <a:lstStyle/>
           <a:p>
             <a:r>
+              <a:rPr lang="ja-JP" altLang="en-US" dirty="0"/>
+              <a:t>打</a:t>
+            </a:r>
+            <a:r>
               <a:rPr kumimoji="1" lang="ja-JP" altLang="en-US" dirty="0"/>
-              <a:t>スタッツ</a:t>
+              <a:t>谷</a:t>
             </a:r>
           </a:p>
         </p:txBody>
       </p:sp>
       <p:sp>
         <p:nvSpPr>
-          <p:cNvPr id="3" name="コンテンツ プレースホルダー 2"/>
+          <p:cNvPr id="3" name="テキスト プレースホルダー 2"/>
           <p:cNvSpPr>
             <a:spLocks noGrp="1"/>
           </p:cNvSpPr>
           <p:nvPr>
-            <p:ph idx="1"/>
+            <p:ph type="body" idx="1"/>
           </p:nvPr>
         </p:nvSpPr>
         <p:spPr/>
@@ -20000,14 +20574,14 @@
           <a:bodyPr/>
           <a:lstStyle/>
           <a:p>
-            <a:endParaRPr kumimoji="1" lang="ja-JP" altLang="en-US"/>
+            <a:endParaRPr kumimoji="1" lang="ja-JP" altLang="en-US" dirty="0"/>
           </a:p>
         </p:txBody>
       </p:sp>
     </p:spTree>
     <p:extLst>
       <p:ext uri="{BB962C8B-B14F-4D97-AF65-F5344CB8AC3E}">
-        <p14:creationId xmlns:p14="http://schemas.microsoft.com/office/powerpoint/2010/main" val="65414977"/>
+        <p14:creationId xmlns:p14="http://schemas.microsoft.com/office/powerpoint/2010/main" val="1392027328"/>
       </p:ext>
     </p:extLst>
   </p:cSld>
@@ -20050,10 +20624,9 @@
           <a:lstStyle/>
           <a:p>
             <a:r>
-              <a:rPr kumimoji="1" lang="en-US" altLang="ja-JP" dirty="0"/>
-              <a:t>discipline</a:t>
-            </a:r>
-            <a:endParaRPr kumimoji="1" lang="ja-JP" altLang="en-US" dirty="0"/>
+              <a:rPr kumimoji="1" lang="ja-JP" altLang="en-US" dirty="0"/>
+              <a:t>スタッツ</a:t>
+            </a:r>
           </a:p>
         </p:txBody>
       </p:sp>
@@ -20074,19 +20647,47 @@
           <a:p>
             <a:r>
               <a:rPr kumimoji="1" lang="en-US" altLang="ja-JP" sz="2400" dirty="0"/>
-              <a:t>plate-discipline</a:t>
+              <a:t>Juan Soto</a:t>
             </a:r>
             <a:r>
               <a:rPr kumimoji="1" lang="ja-JP" altLang="en-US" sz="2400" dirty="0"/>
-              <a:t>入れます</a:t>
-            </a:r>
+              <a:t>に次ぐ</a:t>
+            </a:r>
+            <a:endParaRPr lang="en-US" altLang="ja-JP" sz="2400" dirty="0"/>
+          </a:p>
+          <a:p>
+            <a:r>
+              <a:rPr kumimoji="1" lang="ja-JP" altLang="en-US" sz="2400" dirty="0"/>
+              <a:t>引っ張り打球</a:t>
+            </a:r>
+            <a:r>
+              <a:rPr kumimoji="1" lang="en-US" altLang="ja-JP" sz="2400" dirty="0"/>
+              <a:t>(Pull%</a:t>
+            </a:r>
+            <a:r>
+              <a:rPr kumimoji="1" lang="ja-JP" altLang="en-US" sz="2400" dirty="0"/>
+              <a:t>は</a:t>
+            </a:r>
+            <a:r>
+              <a:rPr lang="ja-JP" altLang="en-US" sz="2400" dirty="0"/>
+              <a:t>同</a:t>
+            </a:r>
+            <a:r>
+              <a:rPr lang="en-US" altLang="ja-JP" sz="2400" dirty="0"/>
+              <a:t>)</a:t>
+            </a:r>
+            <a:r>
+              <a:rPr lang="ja-JP" altLang="en-US" sz="2400" dirty="0"/>
+              <a:t>が多く、打球速度も非常に高い</a:t>
+            </a:r>
+            <a:endParaRPr kumimoji="1" lang="ja-JP" altLang="en-US" sz="2400" dirty="0"/>
           </a:p>
         </p:txBody>
       </p:sp>
     </p:spTree>
     <p:extLst>
       <p:ext uri="{BB962C8B-B14F-4D97-AF65-F5344CB8AC3E}">
-        <p14:creationId xmlns:p14="http://schemas.microsoft.com/office/powerpoint/2010/main" val="233138690"/>
+        <p14:creationId xmlns:p14="http://schemas.microsoft.com/office/powerpoint/2010/main" val="65414977"/>
       </p:ext>
     </p:extLst>
   </p:cSld>
@@ -20129,8 +20730,8 @@
           <a:lstStyle/>
           <a:p>
             <a:r>
-              <a:rPr lang="ja-JP" altLang="en-US" dirty="0"/>
-              <a:t>打球チャート</a:t>
+              <a:rPr kumimoji="1" lang="en-US" altLang="ja-JP" dirty="0"/>
+              <a:t>Plate-Discipline</a:t>
             </a:r>
             <a:endParaRPr kumimoji="1" lang="ja-JP" altLang="en-US" dirty="0"/>
           </a:p>
@@ -20151,17 +20752,14 @@
           <a:bodyPr/>
           <a:lstStyle/>
           <a:p>
-            <a:r>
-              <a:rPr kumimoji="1" lang="ja-JP" altLang="en-US" sz="2400" dirty="0"/>
-              <a:t>スプレーチャート</a:t>
-            </a:r>
+            <a:endParaRPr kumimoji="1" lang="ja-JP" altLang="en-US" sz="2400" dirty="0"/>
           </a:p>
         </p:txBody>
       </p:sp>
     </p:spTree>
     <p:extLst>
       <p:ext uri="{BB962C8B-B14F-4D97-AF65-F5344CB8AC3E}">
-        <p14:creationId xmlns:p14="http://schemas.microsoft.com/office/powerpoint/2010/main" val="7400665"/>
+        <p14:creationId xmlns:p14="http://schemas.microsoft.com/office/powerpoint/2010/main" val="233138690"/>
       </p:ext>
     </p:extLst>
   </p:cSld>
@@ -20190,7 +20788,13 @@
       </p:grpSpPr>
       <p:sp>
         <p:nvSpPr>
-          <p:cNvPr id="2" name="タイトル 1"/>
+          <p:cNvPr id="2" name="タイトル 1">
+            <a:extLst>
+              <a:ext uri="{FF2B5EF4-FFF2-40B4-BE49-F238E27FC236}">
+                <a16:creationId xmlns:a16="http://schemas.microsoft.com/office/drawing/2014/main" id="{E3BA7B13-42AC-4948-9207-9E01FD6577FC}"/>
+              </a:ext>
+            </a:extLst>
+          </p:cNvPr>
           <p:cNvSpPr>
             <a:spLocks noGrp="1"/>
           </p:cNvSpPr>
@@ -20204,38 +20808,108 @@
           <a:lstStyle/>
           <a:p>
             <a:r>
-              <a:rPr kumimoji="1" lang="ja-JP" altLang="en-US" dirty="0"/>
-              <a:t>ゾーンごとの打球バリュー</a:t>
-            </a:r>
+              <a:rPr lang="ja-JP" altLang="en-US" dirty="0"/>
+              <a:t>打球角度</a:t>
+            </a:r>
+            <a:r>
+              <a:rPr lang="en-US" altLang="ja-JP" dirty="0"/>
+              <a:t>×</a:t>
+            </a:r>
+            <a:r>
+              <a:rPr lang="ja-JP" altLang="en-US" dirty="0"/>
+              <a:t>打球速度</a:t>
+            </a:r>
+            <a:endParaRPr kumimoji="1" lang="ja-JP" altLang="en-US" dirty="0"/>
           </a:p>
         </p:txBody>
       </p:sp>
-      <p:sp>
-        <p:nvSpPr>
-          <p:cNvPr id="3" name="コンテンツ プレースホルダー 2"/>
-          <p:cNvSpPr>
-            <a:spLocks noGrp="1"/>
-          </p:cNvSpPr>
+      <p:pic>
+        <p:nvPicPr>
+          <p:cNvPr id="5" name="コンテンツ プレースホルダー 4" descr="グラフ, 散布図&#10;&#10;自動的に生成された説明">
+            <a:extLst>
+              <a:ext uri="{FF2B5EF4-FFF2-40B4-BE49-F238E27FC236}">
+                <a16:creationId xmlns:a16="http://schemas.microsoft.com/office/drawing/2014/main" id="{932EF44A-BB43-4DCD-866A-D2C3684658C1}"/>
+              </a:ext>
+            </a:extLst>
+          </p:cNvPr>
+          <p:cNvPicPr>
+            <a:picLocks noGrp="1" noChangeAspect="1"/>
+          </p:cNvPicPr>
           <p:nvPr>
             <p:ph idx="1"/>
           </p:nvPr>
+        </p:nvPicPr>
+        <p:blipFill>
+          <a:blip r:embed="rId2">
+            <a:extLst>
+              <a:ext uri="{28A0092B-C50C-407E-A947-70E740481C1C}">
+                <a14:useLocalDpi xmlns:a14="http://schemas.microsoft.com/office/drawing/2010/main" val="0"/>
+              </a:ext>
+            </a:extLst>
+          </a:blip>
+          <a:stretch>
+            <a:fillRect/>
+          </a:stretch>
+        </p:blipFill>
+        <p:spPr>
+          <a:xfrm>
+            <a:off x="6096000" y="2214486"/>
+            <a:ext cx="5455005" cy="4091255"/>
+          </a:xfrm>
+        </p:spPr>
+      </p:pic>
+      <p:sp>
+        <p:nvSpPr>
+          <p:cNvPr id="6" name="テキスト ボックス 5">
+            <a:extLst>
+              <a:ext uri="{FF2B5EF4-FFF2-40B4-BE49-F238E27FC236}">
+                <a16:creationId xmlns:a16="http://schemas.microsoft.com/office/drawing/2014/main" id="{CF7A30FA-551E-4A71-AF5D-A8756BDBD2AC}"/>
+              </a:ext>
+            </a:extLst>
+          </p:cNvPr>
+          <p:cNvSpPr txBox="1"/>
+          <p:nvPr/>
         </p:nvSpPr>
-        <p:spPr/>
+        <p:spPr>
+          <a:xfrm>
+            <a:off x="609600" y="1958109"/>
+            <a:ext cx="5006109" cy="369332"/>
+          </a:xfrm>
+          <a:prstGeom prst="rect">
+            <a:avLst/>
+          </a:prstGeom>
+          <a:noFill/>
+        </p:spPr>
         <p:txBody>
-          <a:bodyPr/>
+          <a:bodyPr wrap="square" rtlCol="0">
+            <a:spAutoFit/>
+          </a:bodyPr>
           <a:lstStyle/>
           <a:p>
-            <a:r>
-              <a:rPr kumimoji="1" lang="ja-JP" altLang="en-US" sz="2400" dirty="0"/>
-              <a:t>ゾーンごとのスイングのバリューを計算</a:t>
-            </a:r>
+            <a:pPr marL="285750" indent="-285750">
+              <a:buFont typeface="Arial" panose="020B0604020202020204" pitchFamily="34" charset="0"/>
+              <a:buChar char="•"/>
+            </a:pPr>
+            <a:r>
+              <a:rPr lang="ja-JP" altLang="en-US" dirty="0"/>
+              <a:t>高い</a:t>
+            </a:r>
+            <a:r>
+              <a:rPr lang="en-US" altLang="ja-JP" dirty="0"/>
+              <a:t>Hard%</a:t>
+            </a:r>
+            <a:r>
+              <a:rPr lang="ja-JP" altLang="en-US" dirty="0"/>
+              <a:t>を裏付ける</a:t>
+            </a:r>
+            <a:endParaRPr kumimoji="1" lang="ja-JP" altLang="en-US" dirty="0"/>
           </a:p>
         </p:txBody>
       </p:sp>
     </p:spTree>
     <p:extLst>
       <p:ext uri="{BB962C8B-B14F-4D97-AF65-F5344CB8AC3E}">
-        <p14:creationId xmlns:p14="http://schemas.microsoft.com/office/powerpoint/2010/main" val="631085605"/>
+        <p14:creationId xmlns:p14="http://schemas.microsoft.com/office/powerpoint/2010/main" val="2183558709"/>
       </p:ext>
     </p:extLst>
   </p:cSld>
@@ -20278,9 +20952,10 @@
           <a:lstStyle/>
           <a:p>
             <a:r>
-              <a:rPr kumimoji="1" lang="ja-JP" altLang="en-US" dirty="0"/>
-              <a:t>機会費用</a:t>
-            </a:r>
+              <a:rPr lang="ja-JP" altLang="en-US" dirty="0"/>
+              <a:t>スプレーチャート</a:t>
+            </a:r>
+            <a:endParaRPr kumimoji="1" lang="ja-JP" altLang="en-US" dirty="0"/>
           </a:p>
         </p:txBody>
       </p:sp>
@@ -20294,38 +20969,72 @@
             <p:ph idx="1"/>
           </p:nvPr>
         </p:nvSpPr>
-        <p:spPr/>
+        <p:spPr>
+          <a:xfrm>
+            <a:off x="609600" y="1600201"/>
+            <a:ext cx="5043055" cy="4982632"/>
+          </a:xfrm>
+        </p:spPr>
         <p:txBody>
           <a:bodyPr/>
           <a:lstStyle/>
           <a:p>
             <a:r>
               <a:rPr kumimoji="1" lang="ja-JP" altLang="en-US" sz="2400" dirty="0"/>
-              <a:t>見送った投球に注目：ゾーンごとの打球のバリューから、スイングしなかったことで失った</a:t>
-            </a:r>
-            <a:r>
-              <a:rPr kumimoji="1" lang="en-US" altLang="ja-JP" sz="2400" dirty="0"/>
-              <a:t>(</a:t>
-            </a:r>
-            <a:r>
-              <a:rPr kumimoji="1" lang="ja-JP" altLang="en-US" sz="2400" dirty="0"/>
-              <a:t>得られた</a:t>
-            </a:r>
-            <a:r>
-              <a:rPr kumimoji="1" lang="en-US" altLang="ja-JP" sz="2400" dirty="0"/>
-              <a:t>)</a:t>
-            </a:r>
-            <a:r>
-              <a:rPr kumimoji="1" lang="ja-JP" altLang="en-US" sz="2400" dirty="0"/>
-              <a:t>得点創出機会を可視化できるか</a:t>
-            </a:r>
+              <a:t>スプレーチャート</a:t>
+            </a:r>
+            <a:endParaRPr kumimoji="1" lang="en-US" altLang="ja-JP" sz="2400" dirty="0"/>
+          </a:p>
+          <a:p>
+            <a:pPr lvl="1"/>
+            <a:r>
+              <a:rPr lang="ja-JP" altLang="en-US" sz="2000" dirty="0"/>
+              <a:t>引っ張り打球が高く、内野でアウトになった打球のほとんどが引っ張り傾向</a:t>
+            </a:r>
+            <a:endParaRPr kumimoji="1" lang="ja-JP" altLang="en-US" sz="2000" dirty="0"/>
           </a:p>
         </p:txBody>
       </p:sp>
+      <p:pic>
+        <p:nvPicPr>
+          <p:cNvPr id="5" name="図 4" descr="グラフ, 散布図&#10;&#10;自動的に生成された説明">
+            <a:extLst>
+              <a:ext uri="{FF2B5EF4-FFF2-40B4-BE49-F238E27FC236}">
+                <a16:creationId xmlns:a16="http://schemas.microsoft.com/office/drawing/2014/main" id="{07963F4C-BF31-4812-BE3C-5003B46475EC}"/>
+              </a:ext>
+            </a:extLst>
+          </p:cNvPr>
+          <p:cNvPicPr>
+            <a:picLocks noChangeAspect="1"/>
+          </p:cNvPicPr>
+          <p:nvPr/>
+        </p:nvPicPr>
+        <p:blipFill>
+          <a:blip r:embed="rId2">
+            <a:extLst>
+              <a:ext uri="{28A0092B-C50C-407E-A947-70E740481C1C}">
+                <a14:useLocalDpi xmlns:a14="http://schemas.microsoft.com/office/drawing/2010/main" val="0"/>
+              </a:ext>
+            </a:extLst>
+          </a:blip>
+          <a:stretch>
+            <a:fillRect/>
+          </a:stretch>
+        </p:blipFill>
+        <p:spPr>
+          <a:xfrm>
+            <a:off x="5968368" y="2260221"/>
+            <a:ext cx="6223632" cy="3734180"/>
+          </a:xfrm>
+          <a:prstGeom prst="rect">
+            <a:avLst/>
+          </a:prstGeom>
+        </p:spPr>
+      </p:pic>
     </p:spTree>
     <p:extLst>
       <p:ext uri="{BB962C8B-B14F-4D97-AF65-F5344CB8AC3E}">
-        <p14:creationId xmlns:p14="http://schemas.microsoft.com/office/powerpoint/2010/main" val="2893161752"/>
+        <p14:creationId xmlns:p14="http://schemas.microsoft.com/office/powerpoint/2010/main" val="7400665"/>
       </p:ext>
     </p:extLst>
   </p:cSld>
@@ -20354,7 +21063,13 @@
       </p:grpSpPr>
       <p:sp>
         <p:nvSpPr>
-          <p:cNvPr id="2" name="タイトル 1"/>
+          <p:cNvPr id="2" name="タイトル 1">
+            <a:extLst>
+              <a:ext uri="{FF2B5EF4-FFF2-40B4-BE49-F238E27FC236}">
+                <a16:creationId xmlns:a16="http://schemas.microsoft.com/office/drawing/2014/main" id="{2ED1E43A-4D95-4586-9A2A-35CB7AACF4A4}"/>
+              </a:ext>
+            </a:extLst>
+          </p:cNvPr>
           <p:cNvSpPr>
             <a:spLocks noGrp="1"/>
           </p:cNvSpPr>
@@ -20369,34 +21084,177 @@
           <a:p>
             <a:r>
               <a:rPr kumimoji="1" lang="ja-JP" altLang="en-US" dirty="0"/>
-              <a:t>投谷</a:t>
+              <a:t>スプレーチャート：月ごと</a:t>
             </a:r>
           </a:p>
         </p:txBody>
       </p:sp>
+      <p:pic>
+        <p:nvPicPr>
+          <p:cNvPr id="8" name="コンテンツ プレースホルダー 7" descr="グラフ, 散布図&#10;&#10;自動的に生成された説明">
+            <a:extLst>
+              <a:ext uri="{FF2B5EF4-FFF2-40B4-BE49-F238E27FC236}">
+                <a16:creationId xmlns:a16="http://schemas.microsoft.com/office/drawing/2014/main" id="{4B759E18-44AA-4D95-A284-4F48DF9AEAAF}"/>
+              </a:ext>
+            </a:extLst>
+          </p:cNvPr>
+          <p:cNvPicPr>
+            <a:picLocks noGrp="1" noChangeAspect="1"/>
+          </p:cNvPicPr>
+          <p:nvPr>
+            <p:ph idx="1"/>
+          </p:nvPr>
+        </p:nvPicPr>
+        <p:blipFill>
+          <a:blip r:embed="rId2" cstate="print">
+            <a:extLst>
+              <a:ext uri="{28A0092B-C50C-407E-A947-70E740481C1C}">
+                <a14:useLocalDpi xmlns:a14="http://schemas.microsoft.com/office/drawing/2010/main" val="0"/>
+              </a:ext>
+            </a:extLst>
+          </a:blip>
+          <a:stretch>
+            <a:fillRect/>
+          </a:stretch>
+        </p:blipFill>
+        <p:spPr>
+          <a:xfrm>
+            <a:off x="5080000" y="1524000"/>
+            <a:ext cx="7112000" cy="5334000"/>
+          </a:xfrm>
+        </p:spPr>
+      </p:pic>
       <p:sp>
         <p:nvSpPr>
-          <p:cNvPr id="3" name="テキスト プレースホルダー 2"/>
-          <p:cNvSpPr>
-            <a:spLocks noGrp="1"/>
-          </p:cNvSpPr>
-          <p:nvPr>
-            <p:ph type="body" idx="1"/>
-          </p:nvPr>
+          <p:cNvPr id="10" name="テキスト ボックス 9">
+            <a:extLst>
+              <a:ext uri="{FF2B5EF4-FFF2-40B4-BE49-F238E27FC236}">
+                <a16:creationId xmlns:a16="http://schemas.microsoft.com/office/drawing/2014/main" id="{581CFE85-34D8-4029-8306-3BCE6E355630}"/>
+              </a:ext>
+            </a:extLst>
+          </p:cNvPr>
+          <p:cNvSpPr txBox="1"/>
+          <p:nvPr/>
         </p:nvSpPr>
-        <p:spPr/>
+        <p:spPr>
+          <a:xfrm>
+            <a:off x="341745" y="1865745"/>
+            <a:ext cx="4645891" cy="4401205"/>
+          </a:xfrm>
+          <a:prstGeom prst="rect">
+            <a:avLst/>
+          </a:prstGeom>
+          <a:noFill/>
+        </p:spPr>
         <p:txBody>
-          <a:bodyPr/>
+          <a:bodyPr wrap="square" rtlCol="0">
+            <a:spAutoFit/>
+          </a:bodyPr>
           <a:lstStyle/>
           <a:p>
-            <a:endParaRPr kumimoji="1" lang="ja-JP" altLang="en-US"/>
+            <a:pPr marL="342900" indent="-342900">
+              <a:buFont typeface="Arial" panose="020B0604020202020204" pitchFamily="34" charset="0"/>
+              <a:buChar char="•"/>
+            </a:pPr>
+            <a:r>
+              <a:rPr lang="ja-JP" altLang="en-US" sz="2000" dirty="0"/>
+              <a:t>好調の</a:t>
+            </a:r>
+            <a:r>
+              <a:rPr lang="en-US" altLang="ja-JP" sz="2000" dirty="0"/>
+              <a:t>4-6</a:t>
+            </a:r>
+            <a:r>
+              <a:rPr lang="ja-JP" altLang="en-US" sz="2000" dirty="0"/>
+              <a:t>月は右中間を中心にセンター・逆方向の打球もスタンドイン</a:t>
+            </a:r>
+            <a:endParaRPr lang="en-US" altLang="ja-JP" sz="2000" dirty="0"/>
+          </a:p>
+          <a:p>
+            <a:pPr marL="342900" indent="-342900">
+              <a:buFont typeface="Arial" panose="020B0604020202020204" pitchFamily="34" charset="0"/>
+              <a:buChar char="•"/>
+            </a:pPr>
+            <a:r>
+              <a:rPr lang="ja-JP" altLang="en-US" sz="2000" dirty="0"/>
+              <a:t>一方で、</a:t>
+            </a:r>
+            <a:r>
+              <a:rPr lang="en-US" altLang="ja-JP" sz="2000" dirty="0"/>
+              <a:t>6</a:t>
+            </a:r>
+            <a:r>
+              <a:rPr lang="ja-JP" altLang="en-US" sz="2000" dirty="0"/>
+              <a:t>月以降は特にゴロ打球の引っ張り傾向が顕著に</a:t>
+            </a:r>
+            <a:endParaRPr lang="en-US" altLang="ja-JP" sz="2000" dirty="0"/>
+          </a:p>
+          <a:p>
+            <a:pPr marL="800100" lvl="1" indent="-342900">
+              <a:buFont typeface="Arial" panose="020B0604020202020204" pitchFamily="34" charset="0"/>
+              <a:buChar char="•"/>
+            </a:pPr>
+            <a:r>
+              <a:rPr lang="en-US" altLang="ja-JP" sz="2000" dirty="0"/>
+              <a:t>6</a:t>
+            </a:r>
+            <a:r>
+              <a:rPr lang="ja-JP" altLang="en-US" sz="2000" dirty="0"/>
+              <a:t>月は内野三塁側への打球がほぼゼロ</a:t>
+            </a:r>
+            <a:endParaRPr lang="en-US" altLang="ja-JP" sz="2000" dirty="0"/>
+          </a:p>
+          <a:p>
+            <a:pPr marL="342900" indent="-342900">
+              <a:buFont typeface="Arial" panose="020B0604020202020204" pitchFamily="34" charset="0"/>
+              <a:buChar char="•"/>
+            </a:pPr>
+            <a:r>
+              <a:rPr lang="en-US" altLang="ja-JP" sz="2000" dirty="0"/>
+              <a:t>8</a:t>
+            </a:r>
+            <a:r>
+              <a:rPr lang="ja-JP" altLang="en-US" sz="2000" dirty="0"/>
+              <a:t>月から逆方向への本塁打が見られなくなる</a:t>
+            </a:r>
+            <a:endParaRPr lang="en-US" altLang="ja-JP" sz="2000" dirty="0"/>
+          </a:p>
+          <a:p>
+            <a:pPr marL="800100" lvl="1" indent="-342900">
+              <a:buFont typeface="Arial" panose="020B0604020202020204" pitchFamily="34" charset="0"/>
+              <a:buChar char="•"/>
+            </a:pPr>
+            <a:r>
+              <a:rPr lang="ja-JP" altLang="en-US" sz="2000" dirty="0"/>
+              <a:t>打球速度が下がる、あるいは打球角度の上げすぎなどの原因でこれらがフライアウトに転じた可能性</a:t>
+            </a:r>
+            <a:endParaRPr lang="en-US" altLang="ja-JP" sz="2000" dirty="0"/>
+          </a:p>
+          <a:p>
+            <a:pPr marL="342900" indent="-342900">
+              <a:buFont typeface="Arial" panose="020B0604020202020204" pitchFamily="34" charset="0"/>
+              <a:buChar char="•"/>
+            </a:pPr>
+            <a:r>
+              <a:rPr lang="ja-JP" altLang="en-US" sz="2000" dirty="0"/>
+              <a:t>引っ張り打球も上がりにくくなったことで、</a:t>
+            </a:r>
+            <a:r>
+              <a:rPr lang="en-US" altLang="ja-JP" sz="2000" dirty="0"/>
+              <a:t>9</a:t>
+            </a:r>
+            <a:r>
+              <a:rPr lang="ja-JP" altLang="en-US" sz="2000" dirty="0"/>
+              <a:t>月はシフトに引っかかったと思われる打球もかなり増えた</a:t>
+            </a:r>
+            <a:endParaRPr lang="en-US" altLang="ja-JP" sz="2000" dirty="0"/>
           </a:p>
         </p:txBody>
       </p:sp>
     </p:spTree>
     <p:extLst>
       <p:ext uri="{BB962C8B-B14F-4D97-AF65-F5344CB8AC3E}">
-        <p14:creationId xmlns:p14="http://schemas.microsoft.com/office/powerpoint/2010/main" val="2954061002"/>
+        <p14:creationId xmlns:p14="http://schemas.microsoft.com/office/powerpoint/2010/main" val="249623500"/>
       </p:ext>
     </p:extLst>
   </p:cSld>
